--- a/Kaggle/Machine Learning.pptx
+++ b/Kaggle/Machine Learning.pptx
@@ -13,23 +13,21 @@
     <p:sldId id="305" r:id="rId5"/>
     <p:sldId id="273" r:id="rId6"/>
     <p:sldId id="274" r:id="rId8"/>
-    <p:sldId id="276" r:id="rId9"/>
-    <p:sldId id="277" r:id="rId10"/>
-    <p:sldId id="284" r:id="rId11"/>
-    <p:sldId id="307" r:id="rId12"/>
-    <p:sldId id="262" r:id="rId13"/>
-    <p:sldId id="263" r:id="rId14"/>
-    <p:sldId id="265" r:id="rId15"/>
-    <p:sldId id="308" r:id="rId16"/>
-    <p:sldId id="288" r:id="rId17"/>
-    <p:sldId id="278" r:id="rId18"/>
-    <p:sldId id="309" r:id="rId19"/>
-    <p:sldId id="297" r:id="rId20"/>
-    <p:sldId id="300" r:id="rId21"/>
-    <p:sldId id="301" r:id="rId22"/>
-    <p:sldId id="298" r:id="rId23"/>
-    <p:sldId id="303" r:id="rId24"/>
-    <p:sldId id="286" r:id="rId25"/>
+    <p:sldId id="277" r:id="rId9"/>
+    <p:sldId id="284" r:id="rId10"/>
+    <p:sldId id="307" r:id="rId11"/>
+    <p:sldId id="262" r:id="rId12"/>
+    <p:sldId id="265" r:id="rId13"/>
+    <p:sldId id="308" r:id="rId14"/>
+    <p:sldId id="288" r:id="rId15"/>
+    <p:sldId id="335" r:id="rId16"/>
+    <p:sldId id="278" r:id="rId17"/>
+    <p:sldId id="309" r:id="rId18"/>
+    <p:sldId id="297" r:id="rId19"/>
+    <p:sldId id="300" r:id="rId20"/>
+    <p:sldId id="301" r:id="rId21"/>
+    <p:sldId id="303" r:id="rId22"/>
+    <p:sldId id="286" r:id="rId23"/>
   </p:sldIdLst>
   <p:sldSz cx="12192000" cy="6858000"/>
   <p:notesSz cx="6858000" cy="9144000"/>
@@ -641,84 +639,6 @@
 </file>
 
 <file path=ppt/notesSlides/notesSlide3.xml><?xml version="1.0" encoding="utf-8"?>
-<p:notes xmlns:a="http://schemas.openxmlformats.org/drawingml/2006/main" xmlns:r="http://schemas.openxmlformats.org/officeDocument/2006/relationships" xmlns:p="http://schemas.openxmlformats.org/presentationml/2006/main">
-  <p:cSld>
-    <p:spTree>
-      <p:nvGrpSpPr>
-        <p:cNvPr id="1" name=""/>
-        <p:cNvGrpSpPr/>
-        <p:nvPr/>
-      </p:nvGrpSpPr>
-      <p:grpSpPr>
-        <a:xfrm>
-          <a:off x="0" y="0"/>
-          <a:ext cx="0" cy="0"/>
-          <a:chOff x="0" y="0"/>
-          <a:chExt cx="0" cy="0"/>
-        </a:xfrm>
-      </p:grpSpPr>
-      <p:sp>
-        <p:nvSpPr>
-          <p:cNvPr id="2" name="幻灯片图像占位符 1"/>
-          <p:cNvSpPr>
-            <a:spLocks noGrp="1" noRot="1" noChangeAspect="1"/>
-          </p:cNvSpPr>
-          <p:nvPr>
-            <p:ph type="sldImg"/>
-          </p:nvPr>
-        </p:nvSpPr>
-        <p:spPr/>
-      </p:sp>
-      <p:sp>
-        <p:nvSpPr>
-          <p:cNvPr id="3" name="备注占位符 2"/>
-          <p:cNvSpPr>
-            <a:spLocks noGrp="1"/>
-          </p:cNvSpPr>
-          <p:nvPr>
-            <p:ph type="body" idx="1"/>
-          </p:nvPr>
-        </p:nvSpPr>
-        <p:spPr/>
-        <p:txBody>
-          <a:bodyPr/>
-          <a:lstStyle/>
-          <a:p>
-            <a:endParaRPr lang="zh-CN" altLang="en-US" dirty="0"/>
-          </a:p>
-        </p:txBody>
-      </p:sp>
-      <p:sp>
-        <p:nvSpPr>
-          <p:cNvPr id="4" name="灯片编号占位符 3"/>
-          <p:cNvSpPr>
-            <a:spLocks noGrp="1"/>
-          </p:cNvSpPr>
-          <p:nvPr>
-            <p:ph type="sldNum" sz="quarter" idx="5"/>
-          </p:nvPr>
-        </p:nvSpPr>
-        <p:spPr/>
-        <p:txBody>
-          <a:bodyPr/>
-          <a:lstStyle/>
-          <a:p>
-            <a:fld id="{7421D011-EC35-498F-ADE3-3197FF1A64D5}" type="slidenum">
-              <a:rPr lang="zh-CN" altLang="en-US" smtClean="0"/>
-            </a:fld>
-            <a:endParaRPr lang="zh-CN" altLang="en-US"/>
-          </a:p>
-        </p:txBody>
-      </p:sp>
-    </p:spTree>
-  </p:cSld>
-  <p:clrMapOvr>
-    <a:masterClrMapping/>
-  </p:clrMapOvr>
-</p:notes>
-</file>
-
-<file path=ppt/notesSlides/notesSlide4.xml><?xml version="1.0" encoding="utf-8"?>
 <p:notes xmlns:a="http://schemas.openxmlformats.org/drawingml/2006/main" xmlns:r="http://schemas.openxmlformats.org/officeDocument/2006/relationships" xmlns:p="http://schemas.openxmlformats.org/presentationml/2006/main">
   <p:cSld>
     <p:spTree>
@@ -15999,7 +15919,7 @@
       </p:grpSpPr>
       <p:sp>
         <p:nvSpPr>
-          <p:cNvPr id="4" name="标题 3"/>
+          <p:cNvPr id="5" name="标题 4"/>
           <p:cNvSpPr>
             <a:spLocks noGrp="1"/>
           </p:cNvSpPr>
@@ -16010,24 +15930,29 @@
             </p:custDataLst>
           </p:nvPr>
         </p:nvSpPr>
-        <p:spPr/>
+        <p:spPr>
+          <a:xfrm>
+            <a:off x="-140" y="845335"/>
+            <a:ext cx="10976400" cy="626400"/>
+          </a:xfrm>
+        </p:spPr>
         <p:txBody>
           <a:bodyPr>
-            <a:normAutofit/>
+            <a:normAutofit fontScale="90000"/>
           </a:bodyPr>
           <a:lstStyle/>
           <a:p>
             <a:r>
               <a:rPr lang="zh-CN" altLang="zh-CN" dirty="0"/>
-              <a:t>数据可视化</a:t>
+              <a:t>月份与总销售量的折线图</a:t>
             </a:r>
-            <a:endParaRPr lang="zh-CN" altLang="zh-CN" dirty="0"/>
+            <a:endParaRPr lang="en-US" altLang="zh-CN" dirty="0"/>
           </a:p>
         </p:txBody>
       </p:sp>
       <p:pic>
         <p:nvPicPr>
-          <p:cNvPr id="6" name="内容占位符 5" descr="F:\work\Kaggle\Sales Prediction\KaggleDataSet\Figure\Item_cnt_day-month.pngItem_cnt_day-month"/>
+          <p:cNvPr id="7" name="内容占位符 6" descr="F:\work\Kaggle\Sales Prediction\KaggleDataSet\Figure\Total Sales of the whole time period.pngTotal Sales of the whole time period"/>
           <p:cNvPicPr>
             <a:picLocks noGrp="1"/>
           </p:cNvPicPr>
@@ -16047,8 +15972,446 @@
         </p:blipFill>
         <p:spPr>
           <a:xfrm>
-            <a:off x="5410200" y="886143"/>
-            <a:ext cx="6472800" cy="4854575"/>
+            <a:off x="1093153" y="1517650"/>
+            <a:ext cx="9664700" cy="4832350"/>
+          </a:xfrm>
+          <a:prstGeom prst="rect">
+            <a:avLst/>
+          </a:prstGeom>
+        </p:spPr>
+      </p:pic>
+    </p:spTree>
+    <p:custDataLst>
+      <p:tags r:id="rId4"/>
+    </p:custDataLst>
+  </p:cSld>
+  <p:clrMapOvr>
+    <a:masterClrMapping/>
+  </p:clrMapOvr>
+</p:sld>
+</file>
+
+<file path=ppt/slides/slide11.xml><?xml version="1.0" encoding="utf-8"?>
+<p:sld xmlns:a="http://schemas.openxmlformats.org/drawingml/2006/main" xmlns:r="http://schemas.openxmlformats.org/officeDocument/2006/relationships" xmlns:p="http://schemas.openxmlformats.org/presentationml/2006/main">
+  <p:cSld>
+    <p:spTree>
+      <p:nvGrpSpPr>
+        <p:cNvPr id="1" name=""/>
+        <p:cNvGrpSpPr/>
+        <p:nvPr/>
+      </p:nvGrpSpPr>
+      <p:grpSpPr>
+        <a:xfrm>
+          <a:off x="0" y="0"/>
+          <a:ext cx="0" cy="0"/>
+          <a:chOff x="0" y="0"/>
+          <a:chExt cx="0" cy="0"/>
+        </a:xfrm>
+      </p:grpSpPr>
+      <p:sp>
+        <p:nvSpPr>
+          <p:cNvPr id="28" name="文本框 27"/>
+          <p:cNvSpPr txBox="1"/>
+          <p:nvPr>
+            <p:custDataLst>
+              <p:tags r:id="rId1"/>
+            </p:custDataLst>
+          </p:nvPr>
+        </p:nvSpPr>
+        <p:spPr>
+          <a:xfrm>
+            <a:off x="5048221" y="2513890"/>
+            <a:ext cx="2095555" cy="584775"/>
+          </a:xfrm>
+          <a:prstGeom prst="rect">
+            <a:avLst/>
+          </a:prstGeom>
+          <a:noFill/>
+        </p:spPr>
+        <p:txBody>
+          <a:bodyPr wrap="square" rtlCol="0">
+            <a:normAutofit/>
+          </a:bodyPr>
+          <a:lstStyle/>
+          <a:p>
+            <a:pPr algn="ctr"/>
+            <a:r>
+              <a:rPr lang="en-US" altLang="zh-CN" sz="3200" dirty="0">
+                <a:solidFill>
+                  <a:schemeClr val="accent1"/>
+                </a:solidFill>
+                <a:latin typeface="Arial" panose="020B0604020202020204" pitchFamily="34" charset="0"/>
+                <a:ea typeface="微软雅黑" panose="020B0503020204020204" charset="-122"/>
+              </a:rPr>
+              <a:t>Part  03</a:t>
+            </a:r>
+            <a:endParaRPr lang="en-US" altLang="zh-CN" sz="3200" dirty="0">
+              <a:solidFill>
+                <a:schemeClr val="accent1"/>
+              </a:solidFill>
+              <a:latin typeface="Arial" panose="020B0604020202020204" pitchFamily="34" charset="0"/>
+              <a:ea typeface="微软雅黑" panose="020B0503020204020204" charset="-122"/>
+            </a:endParaRPr>
+          </a:p>
+        </p:txBody>
+      </p:sp>
+      <p:sp>
+        <p:nvSpPr>
+          <p:cNvPr id="2" name="标题 1"/>
+          <p:cNvSpPr>
+            <a:spLocks noGrp="1"/>
+          </p:cNvSpPr>
+          <p:nvPr>
+            <p:ph type="title"/>
+            <p:custDataLst>
+              <p:tags r:id="rId2"/>
+            </p:custDataLst>
+          </p:nvPr>
+        </p:nvSpPr>
+        <p:spPr/>
+        <p:txBody>
+          <a:bodyPr>
+            <a:normAutofit fontScale="90000"/>
+          </a:bodyPr>
+          <a:lstStyle/>
+          <a:p>
+            <a:r>
+              <a:rPr lang="zh-CN" altLang="en-US" dirty="0">
+                <a:sym typeface="+mn-ea"/>
+              </a:rPr>
+              <a:t>数据优化</a:t>
+            </a:r>
+            <a:endParaRPr lang="zh-CN" altLang="en-US" dirty="0">
+              <a:sym typeface="+mn-ea"/>
+            </a:endParaRPr>
+          </a:p>
+        </p:txBody>
+      </p:sp>
+    </p:spTree>
+    <p:custDataLst>
+      <p:tags r:id="rId3"/>
+    </p:custDataLst>
+  </p:cSld>
+  <p:clrMapOvr>
+    <a:masterClrMapping/>
+  </p:clrMapOvr>
+</p:sld>
+</file>
+
+<file path=ppt/slides/slide12.xml><?xml version="1.0" encoding="utf-8"?>
+<p:sld xmlns:a="http://schemas.openxmlformats.org/drawingml/2006/main" xmlns:r="http://schemas.openxmlformats.org/officeDocument/2006/relationships" xmlns:p="http://schemas.openxmlformats.org/presentationml/2006/main">
+  <p:cSld>
+    <p:spTree>
+      <p:nvGrpSpPr>
+        <p:cNvPr id="1" name=""/>
+        <p:cNvGrpSpPr/>
+        <p:nvPr/>
+      </p:nvGrpSpPr>
+      <p:grpSpPr>
+        <a:xfrm>
+          <a:off x="0" y="0"/>
+          <a:ext cx="0" cy="0"/>
+          <a:chOff x="0" y="0"/>
+          <a:chExt cx="0" cy="0"/>
+        </a:xfrm>
+      </p:grpSpPr>
+      <p:sp>
+        <p:nvSpPr>
+          <p:cNvPr id="6" name="Title 6"/>
+          <p:cNvSpPr txBox="1"/>
+          <p:nvPr>
+            <p:custDataLst>
+              <p:tags r:id="rId1"/>
+            </p:custDataLst>
+          </p:nvPr>
+        </p:nvSpPr>
+        <p:spPr>
+          <a:xfrm>
+            <a:off x="609299" y="5211959"/>
+            <a:ext cx="10973399" cy="1043940"/>
+          </a:xfrm>
+          <a:prstGeom prst="rect">
+            <a:avLst/>
+          </a:prstGeom>
+          <a:noFill/>
+          <a:ln w="3175">
+            <a:noFill/>
+            <a:prstDash val="dash"/>
+          </a:ln>
+        </p:spPr>
+        <p:txBody>
+          <a:bodyPr wrap="square" lIns="90000" tIns="46800" rIns="90000" bIns="46800" anchor="t" anchorCtr="0">
+            <a:normAutofit/>
+          </a:bodyPr>
+          <a:lstStyle>
+            <a:lvl1pPr algn="l" defTabSz="913765" rtl="0" eaLnBrk="1" latinLnBrk="0" hangingPunct="1">
+              <a:lnSpc>
+                <a:spcPct val="90000"/>
+              </a:lnSpc>
+              <a:spcBef>
+                <a:spcPct val="0"/>
+              </a:spcBef>
+              <a:buNone/>
+              <a:defRPr lang="en-US" sz="2745" b="0" kern="1200" cap="none" spc="-49" baseline="0" dirty="0" smtClean="0">
+                <a:ln w="3175">
+                  <a:noFill/>
+                </a:ln>
+                <a:solidFill>
+                  <a:sysClr val="windowText" lastClr="000000"/>
+                </a:solidFill>
+                <a:effectLst/>
+                <a:latin typeface="+mj-lt"/>
+                <a:ea typeface="+mn-ea"/>
+                <a:cs typeface="Segoe UI" panose="020B0502040204020203" pitchFamily="34" charset="0"/>
+              </a:defRPr>
+            </a:lvl1pPr>
+          </a:lstStyle>
+          <a:p>
+            <a:pPr algn="just">
+              <a:lnSpc>
+                <a:spcPct val="130000"/>
+              </a:lnSpc>
+              <a:spcAft>
+                <a:spcPts val="800"/>
+              </a:spcAft>
+            </a:pPr>
+            <a:r>
+              <a:rPr lang="zh-CN" altLang="en-US" sz="1800" spc="50" dirty="0">
+                <a:ln w="3175">
+                  <a:noFill/>
+                  <a:prstDash val="dash"/>
+                </a:ln>
+                <a:solidFill>
+                  <a:schemeClr val="tx1">
+                    <a:lumMod val="85000"/>
+                    <a:lumOff val="15000"/>
+                  </a:schemeClr>
+                </a:solidFill>
+                <a:latin typeface="Arial" panose="020B0604020202020204" pitchFamily="34" charset="0"/>
+                <a:ea typeface="微软雅黑" panose="020B0503020204020204" charset="-122"/>
+                <a:cs typeface="微软雅黑" panose="020B0503020204020204" charset="-122"/>
+              </a:rPr>
+              <a:t>数据集中会有一些和实际值相差很大的值，为避免出现过拟合，我们可以把这些离群值滤除掉</a:t>
+            </a:r>
+            <a:endParaRPr lang="zh-CN" altLang="en-US" sz="1800" spc="50" dirty="0">
+              <a:ln w="3175">
+                <a:noFill/>
+                <a:prstDash val="dash"/>
+              </a:ln>
+              <a:solidFill>
+                <a:schemeClr val="tx1">
+                  <a:lumMod val="85000"/>
+                  <a:lumOff val="15000"/>
+                </a:schemeClr>
+              </a:solidFill>
+              <a:latin typeface="Arial" panose="020B0604020202020204" pitchFamily="34" charset="0"/>
+              <a:ea typeface="微软雅黑" panose="020B0503020204020204" charset="-122"/>
+              <a:cs typeface="微软雅黑" panose="020B0503020204020204" charset="-122"/>
+            </a:endParaRPr>
+          </a:p>
+        </p:txBody>
+      </p:sp>
+      <p:sp>
+        <p:nvSpPr>
+          <p:cNvPr id="7" name="Title 6"/>
+          <p:cNvSpPr txBox="1"/>
+          <p:nvPr>
+            <p:custDataLst>
+              <p:tags r:id="rId2"/>
+            </p:custDataLst>
+          </p:nvPr>
+        </p:nvSpPr>
+        <p:spPr>
+          <a:xfrm>
+            <a:off x="609299" y="4476563"/>
+            <a:ext cx="10973399" cy="565146"/>
+          </a:xfrm>
+          <a:prstGeom prst="rect">
+            <a:avLst/>
+          </a:prstGeom>
+          <a:noFill/>
+          <a:ln w="3175">
+            <a:noFill/>
+            <a:prstDash val="dash"/>
+          </a:ln>
+        </p:spPr>
+        <p:txBody>
+          <a:bodyPr wrap="square" lIns="90000" tIns="46800" rIns="90000" bIns="46800" anchor="t" anchorCtr="0">
+            <a:normAutofit fontScale="90000" lnSpcReduction="10000"/>
+          </a:bodyPr>
+          <a:lstStyle>
+            <a:lvl1pPr algn="l" defTabSz="913765" rtl="0" eaLnBrk="1" latinLnBrk="0" hangingPunct="1">
+              <a:lnSpc>
+                <a:spcPct val="90000"/>
+              </a:lnSpc>
+              <a:spcBef>
+                <a:spcPct val="0"/>
+              </a:spcBef>
+              <a:buNone/>
+              <a:defRPr lang="en-US" sz="2745" b="0" kern="1200" cap="none" spc="-49" baseline="0" dirty="0" smtClean="0">
+                <a:ln w="3175">
+                  <a:noFill/>
+                </a:ln>
+                <a:solidFill>
+                  <a:sysClr val="windowText" lastClr="000000"/>
+                </a:solidFill>
+                <a:effectLst/>
+                <a:latin typeface="+mj-lt"/>
+                <a:ea typeface="+mn-ea"/>
+                <a:cs typeface="Segoe UI" panose="020B0502040204020203" pitchFamily="34" charset="0"/>
+              </a:defRPr>
+            </a:lvl1pPr>
+          </a:lstStyle>
+          <a:p>
+            <a:pPr>
+              <a:lnSpc>
+                <a:spcPct val="100000"/>
+              </a:lnSpc>
+              <a:spcAft>
+                <a:spcPts val="800"/>
+              </a:spcAft>
+            </a:pPr>
+            <a:r>
+              <a:rPr lang="zh-CN" altLang="en-US" sz="3200" b="1">
+                <a:sym typeface="+mn-ea"/>
+              </a:rPr>
+              <a:t>滤波</a:t>
+            </a:r>
+            <a:endParaRPr lang="zh-CN" altLang="en-US" sz="3200" b="1">
+              <a:sym typeface="+mn-ea"/>
+            </a:endParaRPr>
+          </a:p>
+        </p:txBody>
+      </p:sp>
+      <p:pic>
+        <p:nvPicPr>
+          <p:cNvPr id="3" name="图片 2" descr="F:\高清图\简单背景-小清新\pexels-photo-2123430.jpegpexels-photo-2123430"/>
+          <p:cNvPicPr/>
+          <p:nvPr>
+            <p:custDataLst>
+              <p:tags r:id="rId3"/>
+            </p:custDataLst>
+          </p:nvPr>
+        </p:nvPicPr>
+        <p:blipFill>
+          <a:blip r:embed="rId4"/>
+          <a:srcRect r="-220"/>
+          <a:stretch>
+            <a:fillRect/>
+          </a:stretch>
+        </p:blipFill>
+        <p:spPr>
+          <a:xfrm>
+            <a:off x="609600" y="609600"/>
+            <a:ext cx="10969200" cy="3643200"/>
+          </a:xfrm>
+          <a:prstGeom prst="rect">
+            <a:avLst/>
+          </a:prstGeom>
+        </p:spPr>
+      </p:pic>
+      <p:pic>
+        <p:nvPicPr>
+          <p:cNvPr id="4" name="图片 3"/>
+          <p:cNvPicPr>
+            <a:picLocks noChangeAspect="1"/>
+          </p:cNvPicPr>
+          <p:nvPr/>
+        </p:nvPicPr>
+        <p:blipFill>
+          <a:blip r:embed="rId5"/>
+          <a:stretch>
+            <a:fillRect/>
+          </a:stretch>
+        </p:blipFill>
+        <p:spPr>
+          <a:xfrm>
+            <a:off x="546735" y="608965"/>
+            <a:ext cx="11099165" cy="3643630"/>
+          </a:xfrm>
+          <a:prstGeom prst="rect">
+            <a:avLst/>
+          </a:prstGeom>
+        </p:spPr>
+      </p:pic>
+    </p:spTree>
+    <p:custDataLst>
+      <p:tags r:id="rId6"/>
+    </p:custDataLst>
+  </p:cSld>
+  <p:clrMapOvr>
+    <a:masterClrMapping/>
+  </p:clrMapOvr>
+</p:sld>
+</file>
+
+<file path=ppt/slides/slide13.xml><?xml version="1.0" encoding="utf-8"?>
+<p:sld xmlns:a="http://schemas.openxmlformats.org/drawingml/2006/main" xmlns:r="http://schemas.openxmlformats.org/officeDocument/2006/relationships" xmlns:p="http://schemas.openxmlformats.org/presentationml/2006/main">
+  <p:cSld>
+    <p:spTree>
+      <p:nvGrpSpPr>
+        <p:cNvPr id="1" name=""/>
+        <p:cNvGrpSpPr/>
+        <p:nvPr/>
+      </p:nvGrpSpPr>
+      <p:grpSpPr>
+        <a:xfrm>
+          <a:off x="0" y="0"/>
+          <a:ext cx="0" cy="0"/>
+          <a:chOff x="0" y="0"/>
+          <a:chExt cx="0" cy="0"/>
+        </a:xfrm>
+      </p:grpSpPr>
+      <p:sp>
+        <p:nvSpPr>
+          <p:cNvPr id="4" name="标题 3"/>
+          <p:cNvSpPr>
+            <a:spLocks noGrp="1"/>
+          </p:cNvSpPr>
+          <p:nvPr>
+            <p:ph type="title"/>
+            <p:custDataLst>
+              <p:tags r:id="rId1"/>
+            </p:custDataLst>
+          </p:nvPr>
+        </p:nvSpPr>
+        <p:spPr/>
+        <p:txBody>
+          <a:bodyPr/>
+          <a:lstStyle/>
+          <a:p>
+            <a:r>
+              <a:rPr lang="zh-CN" altLang="zh-CN" sz="3200" dirty="0"/>
+              <a:t>制作数据透视表</a:t>
+            </a:r>
+            <a:endParaRPr lang="zh-CN" altLang="zh-CN" sz="3200" dirty="0"/>
+          </a:p>
+        </p:txBody>
+      </p:sp>
+      <p:pic>
+        <p:nvPicPr>
+          <p:cNvPr id="6" name="内容占位符 5" descr="F:\高清图\简单背景-小清新\pexels-photo-2480854.jpegpexels-photo-2480854"/>
+          <p:cNvPicPr>
+            <a:picLocks noGrp="1"/>
+          </p:cNvPicPr>
+          <p:nvPr>
+            <p:ph sz="quarter" idx="14"/>
+            <p:custDataLst>
+              <p:tags r:id="rId2"/>
+            </p:custDataLst>
+          </p:nvPr>
+        </p:nvPicPr>
+        <p:blipFill>
+          <a:blip r:embed="rId3"/>
+          <a:srcRect/>
+          <a:stretch>
+            <a:fillRect/>
+          </a:stretch>
+        </p:blipFill>
+        <p:spPr>
+          <a:xfrm>
+            <a:off x="5410200" y="769620"/>
+            <a:ext cx="6472800" cy="5087620"/>
           </a:xfrm>
           <a:prstGeom prst="rect">
             <a:avLst/>
@@ -16269,62 +16632,16 @@
               <a:buNone/>
             </a:pPr>
             <a:r>
-              <a:rPr lang="en-US" altLang="zh-CN" dirty="0">
-                <a:latin typeface="Arial" panose="020B0604020202020204" pitchFamily="34" charset="0"/>
-              </a:rPr>
-              <a:t>import seaborn as sns</a:t>
-            </a:r>
-            <a:endParaRPr lang="en-US" altLang="zh-CN" dirty="0">
-              <a:latin typeface="Arial" panose="020B0604020202020204" pitchFamily="34" charset="0"/>
-            </a:endParaRPr>
-          </a:p>
-          <a:p>
-            <a:pPr marL="0" indent="0">
-              <a:buNone/>
-            </a:pPr>
-            <a:r>
-              <a:rPr lang="en-US" altLang="zh-CN" dirty="0">
-                <a:latin typeface="Arial" panose="020B0604020202020204" pitchFamily="34" charset="0"/>
-              </a:rPr>
-              <a:t>import pandas as pd</a:t>
-            </a:r>
-            <a:endParaRPr lang="zh-CN" altLang="en-US" dirty="0">
-              <a:latin typeface="Arial" panose="020B0604020202020204" pitchFamily="34" charset="0"/>
-            </a:endParaRPr>
-          </a:p>
-          <a:p>
-            <a:pPr marL="0" indent="0">
-              <a:buNone/>
-            </a:pPr>
-            <a:r>
               <a:rPr lang="zh-CN" altLang="en-US" dirty="0">
                 <a:latin typeface="Arial" panose="020B0604020202020204" pitchFamily="34" charset="0"/>
               </a:rPr>
-              <a:t>用</a:t>
-            </a:r>
-            <a:r>
-              <a:rPr lang="en-US" altLang="zh-CN" dirty="0">
-                <a:latin typeface="Arial" panose="020B0604020202020204" pitchFamily="34" charset="0"/>
-              </a:rPr>
-              <a:t>pd.DataFrame()</a:t>
+              <a:t>对测试集中的表格和训练集中的数据</a:t>
             </a:r>
             <a:r>
               <a:rPr lang="zh-CN" altLang="en-US" dirty="0">
                 <a:latin typeface="Arial" panose="020B0604020202020204" pitchFamily="34" charset="0"/>
               </a:rPr>
-              <a:t>和</a:t>
-            </a:r>
-            <a:r>
-              <a:rPr lang="en-US" altLang="zh-CN" dirty="0">
-                <a:latin typeface="Arial" panose="020B0604020202020204" pitchFamily="34" charset="0"/>
-              </a:rPr>
-              <a:t>sns.pointplot</a:t>
-            </a:r>
-            <a:r>
-              <a:rPr lang="zh-CN" altLang="en-US" dirty="0">
-                <a:latin typeface="Arial" panose="020B0604020202020204" pitchFamily="34" charset="0"/>
-              </a:rPr>
-              <a:t>来绘制散点图可以看出数据趋势</a:t>
+              <a:t>进行整合，删除测试集中没有的元素；然后生成数据透视表。</a:t>
             </a:r>
             <a:endParaRPr lang="zh-CN" altLang="en-US" dirty="0">
               <a:latin typeface="Arial" panose="020B0604020202020204" pitchFamily="34" charset="0"/>
@@ -16334,24 +16651,6 @@
             <a:pPr marL="0" indent="0">
               <a:buNone/>
             </a:pPr>
-            <a:r>
-              <a:rPr lang="zh-CN" altLang="en-US" dirty="0">
-                <a:latin typeface="Arial" panose="020B0604020202020204" pitchFamily="34" charset="0"/>
-              </a:rPr>
-              <a:t>右图为单日销售量</a:t>
-            </a:r>
-            <a:r>
-              <a:rPr lang="en-US" altLang="zh-CN" dirty="0">
-                <a:latin typeface="Arial" panose="020B0604020202020204" pitchFamily="34" charset="0"/>
-              </a:rPr>
-              <a:t>-</a:t>
-            </a:r>
-            <a:r>
-              <a:rPr lang="zh-CN" altLang="en-US" dirty="0">
-                <a:latin typeface="Arial" panose="020B0604020202020204" pitchFamily="34" charset="0"/>
-              </a:rPr>
-              <a:t>月份的散点图</a:t>
-            </a:r>
             <a:endParaRPr lang="zh-CN" altLang="en-US" dirty="0">
               <a:latin typeface="Arial" panose="020B0604020202020204" pitchFamily="34" charset="0"/>
             </a:endParaRPr>
@@ -16369,7 +16668,7 @@
 </p:sld>
 </file>
 
-<file path=ppt/slides/slide11.xml><?xml version="1.0" encoding="utf-8"?>
+<file path=ppt/slides/slide14.xml><?xml version="1.0" encoding="utf-8"?>
 <p:sld xmlns:a="http://schemas.openxmlformats.org/drawingml/2006/main" xmlns:r="http://schemas.openxmlformats.org/officeDocument/2006/relationships" xmlns:p="http://schemas.openxmlformats.org/presentationml/2006/main">
   <p:cSld>
     <p:spTree>
@@ -16378,385 +16677,58 @@
         <p:cNvGrpSpPr/>
         <p:nvPr/>
       </p:nvGrpSpPr>
-      <p:grpSpPr>
-        <a:xfrm>
-          <a:off x="0" y="0"/>
-          <a:ext cx="0" cy="0"/>
-          <a:chOff x="0" y="0"/>
-          <a:chExt cx="0" cy="0"/>
-        </a:xfrm>
-      </p:grpSpPr>
+      <p:grpSpPr/>
       <p:sp>
         <p:nvSpPr>
-          <p:cNvPr id="4" name="标题 3"/>
+          <p:cNvPr id="2" name="标题 1"/>
           <p:cNvSpPr>
             <a:spLocks noGrp="1"/>
           </p:cNvSpPr>
           <p:nvPr>
             <p:ph type="title"/>
-            <p:custDataLst>
-              <p:tags r:id="rId1"/>
-            </p:custDataLst>
           </p:nvPr>
         </p:nvSpPr>
-        <p:spPr>
-          <a:xfrm>
-            <a:off x="592725" y="1144415"/>
-            <a:ext cx="3960000" cy="882000"/>
-          </a:xfrm>
-        </p:spPr>
+        <p:spPr/>
         <p:txBody>
           <a:bodyPr>
-            <a:normAutofit/>
+            <a:normAutofit fontScale="90000"/>
           </a:bodyPr>
-          <a:lstStyle/>
           <a:p>
             <a:r>
-              <a:rPr lang="zh-CN" altLang="zh-CN" dirty="0">
-                <a:sym typeface="+mn-ea"/>
-              </a:rPr>
-              <a:t>数据可视化</a:t>
+              <a:rPr lang="zh-CN" altLang="en-US"/>
+              <a:t>数据透视表</a:t>
             </a:r>
-            <a:endParaRPr lang="zh-CN" altLang="zh-CN" dirty="0"/>
+            <a:endParaRPr lang="zh-CN" altLang="en-US"/>
           </a:p>
         </p:txBody>
       </p:sp>
       <p:pic>
         <p:nvPicPr>
-          <p:cNvPr id="6" name="内容占位符 5" descr="F:\work\Kaggle\Sales Prediction\KaggleDataSet\Figure\item_price-month.pngitem_price-month"/>
+          <p:cNvPr id="6" name="图片 5"/>
           <p:cNvPicPr>
-            <a:picLocks noGrp="1"/>
+            <a:picLocks noChangeAspect="1"/>
           </p:cNvPicPr>
-          <p:nvPr>
-            <p:ph sz="quarter" idx="14"/>
-            <p:custDataLst>
-              <p:tags r:id="rId2"/>
-            </p:custDataLst>
-          </p:nvPr>
+          <p:nvPr/>
         </p:nvPicPr>
         <p:blipFill>
-          <a:blip r:embed="rId3"/>
-          <a:srcRect/>
+          <a:blip r:embed="rId1"/>
           <a:stretch>
             <a:fillRect/>
           </a:stretch>
         </p:blipFill>
         <p:spPr>
           <a:xfrm>
-            <a:off x="5410200" y="886143"/>
-            <a:ext cx="6472800" cy="4854575"/>
+            <a:off x="115570" y="993140"/>
+            <a:ext cx="12640945" cy="4293235"/>
           </a:xfrm>
           <a:prstGeom prst="rect">
             <a:avLst/>
           </a:prstGeom>
         </p:spPr>
       </p:pic>
-      <p:sp>
-        <p:nvSpPr>
-          <p:cNvPr id="3" name="文本占位符 4"/>
-          <p:cNvSpPr>
-            <a:spLocks noGrp="1"/>
-          </p:cNvSpPr>
-          <p:nvPr>
-            <p:custDataLst>
-              <p:tags r:id="rId4"/>
-            </p:custDataLst>
-          </p:nvPr>
-        </p:nvSpPr>
-        <p:spPr>
-          <a:xfrm>
-            <a:off x="592515" y="1955770"/>
-            <a:ext cx="3956400" cy="4093200"/>
-          </a:xfrm>
-        </p:spPr>
-        <p:txBody>
-          <a:bodyPr>
-            <a:normAutofit/>
-          </a:bodyPr>
-          <a:lstStyle>
-            <a:lvl1pPr marL="228600" indent="-228600" algn="l" defTabSz="914400" rtl="0" eaLnBrk="1" fontAlgn="auto" latinLnBrk="0" hangingPunct="1">
-              <a:lnSpc>
-                <a:spcPct val="130000"/>
-              </a:lnSpc>
-              <a:spcBef>
-                <a:spcPts val="0"/>
-              </a:spcBef>
-              <a:spcAft>
-                <a:spcPts val="1000"/>
-              </a:spcAft>
-              <a:buFont typeface="Arial" panose="020B0604020202020204" pitchFamily="34" charset="0"/>
-              <a:buChar char="•"/>
-              <a:defRPr sz="1400" u="none" strike="noStrike" kern="1200" cap="none" spc="150" normalizeH="0" baseline="0">
-                <a:solidFill>
-                  <a:schemeClr val="tx1"/>
-                </a:solidFill>
-                <a:uFillTx/>
-                <a:latin typeface="(使用中文字体)"/>
-                <a:ea typeface="微软雅黑" panose="020B0503020204020204" charset="-122"/>
-                <a:cs typeface="+mn-cs"/>
-              </a:defRPr>
-            </a:lvl1pPr>
-            <a:lvl2pPr marL="685800" indent="-228600" algn="l" defTabSz="914400" rtl="0" eaLnBrk="1" fontAlgn="auto" latinLnBrk="0" hangingPunct="1">
-              <a:lnSpc>
-                <a:spcPct val="130000"/>
-              </a:lnSpc>
-              <a:spcBef>
-                <a:spcPts val="0"/>
-              </a:spcBef>
-              <a:spcAft>
-                <a:spcPts val="1000"/>
-              </a:spcAft>
-              <a:buFont typeface="Arial" panose="020B0604020202020204" pitchFamily="34" charset="0"/>
-              <a:buChar char="•"/>
-              <a:tabLst>
-                <a:tab pos="1609725" algn="l"/>
-              </a:tabLst>
-              <a:defRPr sz="1400" u="none" strike="noStrike" kern="1200" cap="none" spc="150" normalizeH="0" baseline="0">
-                <a:solidFill>
-                  <a:schemeClr val="tx1"/>
-                </a:solidFill>
-                <a:uFillTx/>
-                <a:latin typeface="(使用中文字体)"/>
-                <a:ea typeface="微软雅黑" panose="020B0503020204020204" charset="-122"/>
-                <a:cs typeface="+mn-cs"/>
-              </a:defRPr>
-            </a:lvl2pPr>
-            <a:lvl3pPr marL="1143000" indent="-228600" algn="l" defTabSz="914400" rtl="0" eaLnBrk="1" fontAlgn="auto" latinLnBrk="0" hangingPunct="1">
-              <a:lnSpc>
-                <a:spcPct val="130000"/>
-              </a:lnSpc>
-              <a:spcBef>
-                <a:spcPts val="0"/>
-              </a:spcBef>
-              <a:spcAft>
-                <a:spcPts val="1000"/>
-              </a:spcAft>
-              <a:buFont typeface="Arial" panose="020B0604020202020204" pitchFamily="34" charset="0"/>
-              <a:buChar char="•"/>
-              <a:defRPr sz="1400" u="none" strike="noStrike" kern="1200" cap="none" spc="150" normalizeH="0" baseline="0">
-                <a:solidFill>
-                  <a:schemeClr val="tx1"/>
-                </a:solidFill>
-                <a:uFillTx/>
-                <a:latin typeface="(使用中文字体)"/>
-                <a:ea typeface="微软雅黑" panose="020B0503020204020204" charset="-122"/>
-                <a:cs typeface="+mn-cs"/>
-              </a:defRPr>
-            </a:lvl3pPr>
-            <a:lvl4pPr marL="1600200" indent="-228600" algn="l" defTabSz="914400" rtl="0" eaLnBrk="1" fontAlgn="auto" latinLnBrk="0" hangingPunct="1">
-              <a:lnSpc>
-                <a:spcPct val="130000"/>
-              </a:lnSpc>
-              <a:spcBef>
-                <a:spcPts val="0"/>
-              </a:spcBef>
-              <a:spcAft>
-                <a:spcPts val="1000"/>
-              </a:spcAft>
-              <a:buFont typeface="Arial" panose="020B0604020202020204" pitchFamily="34" charset="0"/>
-              <a:buChar char="•"/>
-              <a:defRPr sz="1400" u="none" strike="noStrike" kern="1200" cap="none" spc="150" normalizeH="0" baseline="0">
-                <a:solidFill>
-                  <a:schemeClr val="tx1"/>
-                </a:solidFill>
-                <a:uFillTx/>
-                <a:latin typeface="(使用中文字体)"/>
-                <a:ea typeface="微软雅黑" panose="020B0503020204020204" charset="-122"/>
-                <a:cs typeface="+mn-cs"/>
-              </a:defRPr>
-            </a:lvl4pPr>
-            <a:lvl5pPr marL="2057400" indent="-228600" algn="l" defTabSz="914400" rtl="0" eaLnBrk="1" fontAlgn="auto" latinLnBrk="0" hangingPunct="1">
-              <a:lnSpc>
-                <a:spcPct val="130000"/>
-              </a:lnSpc>
-              <a:spcBef>
-                <a:spcPts val="0"/>
-              </a:spcBef>
-              <a:spcAft>
-                <a:spcPts val="1000"/>
-              </a:spcAft>
-              <a:buFont typeface="Arial" panose="020B0604020202020204" pitchFamily="34" charset="0"/>
-              <a:buChar char="•"/>
-              <a:defRPr sz="1400" u="none" strike="noStrike" kern="1200" cap="none" spc="150" normalizeH="0" baseline="0">
-                <a:solidFill>
-                  <a:schemeClr val="tx1"/>
-                </a:solidFill>
-                <a:uFillTx/>
-                <a:latin typeface="(使用中文字体)"/>
-                <a:ea typeface="微软雅黑" panose="020B0503020204020204" charset="-122"/>
-                <a:cs typeface="+mn-cs"/>
-              </a:defRPr>
-            </a:lvl5pPr>
-            <a:lvl6pPr marL="2514600" indent="-228600" algn="l" defTabSz="914400" rtl="0" eaLnBrk="1" latinLnBrk="0" hangingPunct="1">
-              <a:lnSpc>
-                <a:spcPct val="90000"/>
-              </a:lnSpc>
-              <a:spcBef>
-                <a:spcPts val="500"/>
-              </a:spcBef>
-              <a:buFont typeface="Arial" panose="020B0604020202020204" pitchFamily="34" charset="0"/>
-              <a:buChar char="•"/>
-              <a:defRPr sz="1800" kern="1200">
-                <a:solidFill>
-                  <a:schemeClr val="tx1"/>
-                </a:solidFill>
-                <a:latin typeface="+mn-lt"/>
-                <a:ea typeface="+mn-ea"/>
-                <a:cs typeface="+mn-cs"/>
-              </a:defRPr>
-            </a:lvl6pPr>
-            <a:lvl7pPr marL="2971800" indent="-228600" algn="l" defTabSz="914400" rtl="0" eaLnBrk="1" latinLnBrk="0" hangingPunct="1">
-              <a:lnSpc>
-                <a:spcPct val="90000"/>
-              </a:lnSpc>
-              <a:spcBef>
-                <a:spcPts val="500"/>
-              </a:spcBef>
-              <a:buFont typeface="Arial" panose="020B0604020202020204" pitchFamily="34" charset="0"/>
-              <a:buChar char="•"/>
-              <a:defRPr sz="1800" kern="1200">
-                <a:solidFill>
-                  <a:schemeClr val="tx1"/>
-                </a:solidFill>
-                <a:latin typeface="+mn-lt"/>
-                <a:ea typeface="+mn-ea"/>
-                <a:cs typeface="+mn-cs"/>
-              </a:defRPr>
-            </a:lvl7pPr>
-            <a:lvl8pPr marL="3429000" indent="-228600" algn="l" defTabSz="914400" rtl="0" eaLnBrk="1" latinLnBrk="0" hangingPunct="1">
-              <a:lnSpc>
-                <a:spcPct val="90000"/>
-              </a:lnSpc>
-              <a:spcBef>
-                <a:spcPts val="500"/>
-              </a:spcBef>
-              <a:buFont typeface="Arial" panose="020B0604020202020204" pitchFamily="34" charset="0"/>
-              <a:buChar char="•"/>
-              <a:defRPr sz="1800" kern="1200">
-                <a:solidFill>
-                  <a:schemeClr val="tx1"/>
-                </a:solidFill>
-                <a:latin typeface="+mn-lt"/>
-                <a:ea typeface="+mn-ea"/>
-                <a:cs typeface="+mn-cs"/>
-              </a:defRPr>
-            </a:lvl8pPr>
-            <a:lvl9pPr marL="3886200" indent="-228600" algn="l" defTabSz="914400" rtl="0" eaLnBrk="1" latinLnBrk="0" hangingPunct="1">
-              <a:lnSpc>
-                <a:spcPct val="90000"/>
-              </a:lnSpc>
-              <a:spcBef>
-                <a:spcPts val="500"/>
-              </a:spcBef>
-              <a:buFont typeface="Arial" panose="020B0604020202020204" pitchFamily="34" charset="0"/>
-              <a:buChar char="•"/>
-              <a:defRPr sz="1800" kern="1200">
-                <a:solidFill>
-                  <a:schemeClr val="tx1"/>
-                </a:solidFill>
-                <a:latin typeface="+mn-lt"/>
-                <a:ea typeface="+mn-ea"/>
-                <a:cs typeface="+mn-cs"/>
-              </a:defRPr>
-            </a:lvl9pPr>
-          </a:lstStyle>
-          <a:p>
-            <a:pPr marL="0" indent="0">
-              <a:buNone/>
-            </a:pPr>
-            <a:r>
-              <a:rPr lang="en-US" altLang="zh-CN" dirty="0">
-                <a:latin typeface="Arial" panose="020B0604020202020204" pitchFamily="34" charset="0"/>
-              </a:rPr>
-              <a:t>import seaborn as sns</a:t>
-            </a:r>
-            <a:endParaRPr lang="en-US" altLang="zh-CN" dirty="0">
-              <a:latin typeface="Arial" panose="020B0604020202020204" pitchFamily="34" charset="0"/>
-            </a:endParaRPr>
-          </a:p>
-          <a:p>
-            <a:pPr marL="0" indent="0">
-              <a:buNone/>
-            </a:pPr>
-            <a:r>
-              <a:rPr lang="en-US" altLang="zh-CN" dirty="0">
-                <a:latin typeface="Arial" panose="020B0604020202020204" pitchFamily="34" charset="0"/>
-              </a:rPr>
-              <a:t>import pandas as pd</a:t>
-            </a:r>
-            <a:endParaRPr lang="zh-CN" altLang="en-US" dirty="0">
-              <a:latin typeface="Arial" panose="020B0604020202020204" pitchFamily="34" charset="0"/>
-            </a:endParaRPr>
-          </a:p>
-          <a:p>
-            <a:pPr marL="0" indent="0">
-              <a:buNone/>
-            </a:pPr>
-            <a:r>
-              <a:rPr lang="zh-CN" altLang="en-US" dirty="0">
-                <a:latin typeface="Arial" panose="020B0604020202020204" pitchFamily="34" charset="0"/>
-              </a:rPr>
-              <a:t>用</a:t>
-            </a:r>
-            <a:r>
-              <a:rPr lang="en-US" altLang="zh-CN" dirty="0">
-                <a:latin typeface="Arial" panose="020B0604020202020204" pitchFamily="34" charset="0"/>
-              </a:rPr>
-              <a:t>pd.DataFrame()</a:t>
-            </a:r>
-            <a:r>
-              <a:rPr lang="zh-CN" altLang="en-US" dirty="0">
-                <a:latin typeface="Arial" panose="020B0604020202020204" pitchFamily="34" charset="0"/>
-              </a:rPr>
-              <a:t>和</a:t>
-            </a:r>
-            <a:r>
-              <a:rPr lang="en-US" altLang="zh-CN" dirty="0">
-                <a:latin typeface="Arial" panose="020B0604020202020204" pitchFamily="34" charset="0"/>
-              </a:rPr>
-              <a:t>sns.pointplot</a:t>
-            </a:r>
-            <a:r>
-              <a:rPr lang="zh-CN" altLang="en-US" dirty="0">
-                <a:latin typeface="Arial" panose="020B0604020202020204" pitchFamily="34" charset="0"/>
-              </a:rPr>
-              <a:t>来绘制散点图可以看出数据趋势</a:t>
-            </a:r>
-            <a:endParaRPr lang="zh-CN" altLang="en-US" dirty="0">
-              <a:latin typeface="Arial" panose="020B0604020202020204" pitchFamily="34" charset="0"/>
-            </a:endParaRPr>
-          </a:p>
-          <a:p>
-            <a:pPr marL="0" indent="0">
-              <a:buNone/>
-            </a:pPr>
-            <a:r>
-              <a:rPr lang="zh-CN" altLang="en-US" dirty="0">
-                <a:latin typeface="Arial" panose="020B0604020202020204" pitchFamily="34" charset="0"/>
-              </a:rPr>
-              <a:t>右图为商品价格</a:t>
-            </a:r>
-            <a:r>
-              <a:rPr lang="en-US" altLang="zh-CN" dirty="0">
-                <a:latin typeface="Arial" panose="020B0604020202020204" pitchFamily="34" charset="0"/>
-              </a:rPr>
-              <a:t>-</a:t>
-            </a:r>
-            <a:r>
-              <a:rPr lang="zh-CN" altLang="en-US" dirty="0">
-                <a:latin typeface="Arial" panose="020B0604020202020204" pitchFamily="34" charset="0"/>
-              </a:rPr>
-              <a:t>月份的散点图</a:t>
-            </a:r>
-            <a:endParaRPr lang="zh-CN" altLang="en-US" dirty="0">
-              <a:latin typeface="Arial" panose="020B0604020202020204" pitchFamily="34" charset="0"/>
-            </a:endParaRPr>
-          </a:p>
-        </p:txBody>
-      </p:sp>
     </p:spTree>
     <p:custDataLst>
-      <p:tags r:id="rId5"/>
+      <p:tags r:id="rId2"/>
     </p:custDataLst>
   </p:cSld>
   <p:clrMapOvr>
@@ -16765,131 +16737,7 @@
 </p:sld>
 </file>
 
-<file path=ppt/slides/slide12.xml><?xml version="1.0" encoding="utf-8"?>
-<p:sld xmlns:a="http://schemas.openxmlformats.org/drawingml/2006/main" xmlns:r="http://schemas.openxmlformats.org/officeDocument/2006/relationships" xmlns:p="http://schemas.openxmlformats.org/presentationml/2006/main">
-  <p:cSld>
-    <p:spTree>
-      <p:nvGrpSpPr>
-        <p:cNvPr id="1" name=""/>
-        <p:cNvGrpSpPr/>
-        <p:nvPr/>
-      </p:nvGrpSpPr>
-      <p:grpSpPr>
-        <a:xfrm>
-          <a:off x="0" y="0"/>
-          <a:ext cx="0" cy="0"/>
-          <a:chOff x="0" y="0"/>
-          <a:chExt cx="0" cy="0"/>
-        </a:xfrm>
-      </p:grpSpPr>
-      <p:sp>
-        <p:nvSpPr>
-          <p:cNvPr id="5" name="标题 4"/>
-          <p:cNvSpPr>
-            <a:spLocks noGrp="1"/>
-          </p:cNvSpPr>
-          <p:nvPr>
-            <p:ph type="title"/>
-            <p:custDataLst>
-              <p:tags r:id="rId1"/>
-            </p:custDataLst>
-          </p:nvPr>
-        </p:nvSpPr>
-        <p:spPr>
-          <a:xfrm>
-            <a:off x="-140" y="845335"/>
-            <a:ext cx="10976400" cy="626400"/>
-          </a:xfrm>
-        </p:spPr>
-        <p:txBody>
-          <a:bodyPr>
-            <a:normAutofit fontScale="90000"/>
-          </a:bodyPr>
-          <a:lstStyle/>
-          <a:p>
-            <a:r>
-              <a:rPr lang="zh-CN" altLang="zh-CN" dirty="0"/>
-              <a:t>月份与总销售量的折线图</a:t>
-            </a:r>
-            <a:endParaRPr lang="en-US" altLang="zh-CN" dirty="0"/>
-          </a:p>
-        </p:txBody>
-      </p:sp>
-      <p:pic>
-        <p:nvPicPr>
-          <p:cNvPr id="7" name="内容占位符 6" descr="F:\work\Kaggle\Sales Prediction\KaggleDataSet\Figure\Total Sales of the whole time period.pngTotal Sales of the whole time period"/>
-          <p:cNvPicPr>
-            <a:picLocks noGrp="1"/>
-          </p:cNvPicPr>
-          <p:nvPr>
-            <p:ph sz="quarter" idx="14"/>
-            <p:custDataLst>
-              <p:tags r:id="rId2"/>
-            </p:custDataLst>
-          </p:nvPr>
-        </p:nvPicPr>
-        <p:blipFill>
-          <a:blip r:embed="rId3"/>
-          <a:srcRect/>
-          <a:stretch>
-            <a:fillRect/>
-          </a:stretch>
-        </p:blipFill>
-        <p:spPr>
-          <a:xfrm>
-            <a:off x="1093153" y="1517650"/>
-            <a:ext cx="9664700" cy="4832350"/>
-          </a:xfrm>
-          <a:prstGeom prst="rect">
-            <a:avLst/>
-          </a:prstGeom>
-        </p:spPr>
-      </p:pic>
-      <p:sp>
-        <p:nvSpPr>
-          <p:cNvPr id="2" name="文本框 1"/>
-          <p:cNvSpPr txBox="1"/>
-          <p:nvPr/>
-        </p:nvSpPr>
-        <p:spPr>
-          <a:xfrm>
-            <a:off x="7940675" y="1102995"/>
-            <a:ext cx="2976880" cy="368300"/>
-          </a:xfrm>
-          <a:prstGeom prst="rect">
-            <a:avLst/>
-          </a:prstGeom>
-          <a:noFill/>
-        </p:spPr>
-        <p:txBody>
-          <a:bodyPr wrap="none" rtlCol="0">
-            <a:spAutoFit/>
-          </a:bodyPr>
-          <a:p>
-            <a:pPr algn="l"/>
-            <a:r>
-              <a:t>matplotlib.pyplot</a:t>
-            </a:r>
-            <a:r>
-              <a:rPr lang="zh-CN"/>
-              <a:t>绘制折线图</a:t>
-            </a:r>
-            <a:endParaRPr lang="zh-CN"/>
-          </a:p>
-        </p:txBody>
-      </p:sp>
-    </p:spTree>
-    <p:custDataLst>
-      <p:tags r:id="rId4"/>
-    </p:custDataLst>
-  </p:cSld>
-  <p:clrMapOvr>
-    <a:masterClrMapping/>
-  </p:clrMapOvr>
-</p:sld>
-</file>
-
-<file path=ppt/slides/slide13.xml><?xml version="1.0" encoding="utf-8"?>
+<file path=ppt/slides/slide15.xml><?xml version="1.0" encoding="utf-8"?>
 <p:sld xmlns:a="http://schemas.openxmlformats.org/drawingml/2006/main" xmlns:r="http://schemas.openxmlformats.org/officeDocument/2006/relationships" xmlns:p="http://schemas.openxmlformats.org/presentationml/2006/main">
   <p:cSld>
     <p:spTree>
@@ -16941,7 +16789,7 @@
                 <a:latin typeface="Arial" panose="020B0604020202020204" pitchFamily="34" charset="0"/>
                 <a:ea typeface="微软雅黑" panose="020B0503020204020204" charset="-122"/>
               </a:rPr>
-              <a:t>Part  03</a:t>
+              <a:t>Part  04</a:t>
             </a:r>
             <a:endParaRPr lang="en-US" altLang="zh-CN" sz="3200" dirty="0">
               <a:solidFill>
@@ -16974,10 +16822,8 @@
           <a:lstStyle/>
           <a:p>
             <a:r>
-              <a:rPr lang="zh-CN" altLang="en-US" dirty="0">
-                <a:sym typeface="+mn-ea"/>
-              </a:rPr>
-              <a:t>数据预处理</a:t>
+              <a:rPr lang="zh-CN" altLang="zh-CN" dirty="0"/>
+              <a:t>学习模型</a:t>
             </a:r>
             <a:br>
               <a:rPr lang="zh-CN" altLang="zh-CN" dirty="0"/>
@@ -16997,457 +16843,7 @@
 </p:sld>
 </file>
 
-<file path=ppt/slides/slide14.xml><?xml version="1.0" encoding="utf-8"?>
-<p:sld xmlns:a="http://schemas.openxmlformats.org/drawingml/2006/main" xmlns:r="http://schemas.openxmlformats.org/officeDocument/2006/relationships" xmlns:p="http://schemas.openxmlformats.org/presentationml/2006/main">
-  <p:cSld>
-    <p:spTree>
-      <p:nvGrpSpPr>
-        <p:cNvPr id="1" name=""/>
-        <p:cNvGrpSpPr/>
-        <p:nvPr/>
-      </p:nvGrpSpPr>
-      <p:grpSpPr>
-        <a:xfrm>
-          <a:off x="0" y="0"/>
-          <a:ext cx="0" cy="0"/>
-          <a:chOff x="0" y="0"/>
-          <a:chExt cx="0" cy="0"/>
-        </a:xfrm>
-      </p:grpSpPr>
-      <p:sp>
-        <p:nvSpPr>
-          <p:cNvPr id="6" name="Title 6"/>
-          <p:cNvSpPr txBox="1"/>
-          <p:nvPr>
-            <p:custDataLst>
-              <p:tags r:id="rId1"/>
-            </p:custDataLst>
-          </p:nvPr>
-        </p:nvSpPr>
-        <p:spPr>
-          <a:xfrm>
-            <a:off x="609299" y="5211959"/>
-            <a:ext cx="10973399" cy="1043940"/>
-          </a:xfrm>
-          <a:prstGeom prst="rect">
-            <a:avLst/>
-          </a:prstGeom>
-          <a:noFill/>
-          <a:ln w="3175">
-            <a:noFill/>
-            <a:prstDash val="dash"/>
-          </a:ln>
-        </p:spPr>
-        <p:txBody>
-          <a:bodyPr wrap="square" lIns="90000" tIns="46800" rIns="90000" bIns="46800" anchor="t" anchorCtr="0">
-            <a:normAutofit/>
-          </a:bodyPr>
-          <a:lstStyle>
-            <a:lvl1pPr algn="l" defTabSz="913765" rtl="0" eaLnBrk="1" latinLnBrk="0" hangingPunct="1">
-              <a:lnSpc>
-                <a:spcPct val="90000"/>
-              </a:lnSpc>
-              <a:spcBef>
-                <a:spcPct val="0"/>
-              </a:spcBef>
-              <a:buNone/>
-              <a:defRPr lang="en-US" sz="2745" b="0" kern="1200" cap="none" spc="-49" baseline="0" dirty="0" smtClean="0">
-                <a:ln w="3175">
-                  <a:noFill/>
-                </a:ln>
-                <a:solidFill>
-                  <a:sysClr val="windowText" lastClr="000000"/>
-                </a:solidFill>
-                <a:effectLst/>
-                <a:latin typeface="+mj-lt"/>
-                <a:ea typeface="+mn-ea"/>
-                <a:cs typeface="Segoe UI" panose="020B0502040204020203" pitchFamily="34" charset="0"/>
-              </a:defRPr>
-            </a:lvl1pPr>
-          </a:lstStyle>
-          <a:p>
-            <a:pPr algn="just">
-              <a:lnSpc>
-                <a:spcPct val="130000"/>
-              </a:lnSpc>
-              <a:spcAft>
-                <a:spcPts val="800"/>
-              </a:spcAft>
-            </a:pPr>
-            <a:r>
-              <a:rPr lang="zh-CN" altLang="en-US" sz="1800" spc="50" dirty="0">
-                <a:ln w="3175">
-                  <a:noFill/>
-                  <a:prstDash val="dash"/>
-                </a:ln>
-                <a:solidFill>
-                  <a:schemeClr val="tx1">
-                    <a:lumMod val="85000"/>
-                    <a:lumOff val="15000"/>
-                  </a:schemeClr>
-                </a:solidFill>
-                <a:latin typeface="Arial" panose="020B0604020202020204" pitchFamily="34" charset="0"/>
-                <a:ea typeface="微软雅黑" panose="020B0503020204020204" charset="-122"/>
-                <a:cs typeface="微软雅黑" panose="020B0503020204020204" charset="-122"/>
-              </a:rPr>
-              <a:t>数据集中会有一些和实际值相差很大的值，为避免出现过拟合，我们可以把这些离群值滤除掉</a:t>
-            </a:r>
-            <a:endParaRPr lang="zh-CN" altLang="en-US" sz="1800" spc="50" dirty="0">
-              <a:ln w="3175">
-                <a:noFill/>
-                <a:prstDash val="dash"/>
-              </a:ln>
-              <a:solidFill>
-                <a:schemeClr val="tx1">
-                  <a:lumMod val="85000"/>
-                  <a:lumOff val="15000"/>
-                </a:schemeClr>
-              </a:solidFill>
-              <a:latin typeface="Arial" panose="020B0604020202020204" pitchFamily="34" charset="0"/>
-              <a:ea typeface="微软雅黑" panose="020B0503020204020204" charset="-122"/>
-              <a:cs typeface="微软雅黑" panose="020B0503020204020204" charset="-122"/>
-            </a:endParaRPr>
-          </a:p>
-        </p:txBody>
-      </p:sp>
-      <p:sp>
-        <p:nvSpPr>
-          <p:cNvPr id="7" name="Title 6"/>
-          <p:cNvSpPr txBox="1"/>
-          <p:nvPr>
-            <p:custDataLst>
-              <p:tags r:id="rId2"/>
-            </p:custDataLst>
-          </p:nvPr>
-        </p:nvSpPr>
-        <p:spPr>
-          <a:xfrm>
-            <a:off x="609299" y="4476563"/>
-            <a:ext cx="10973399" cy="565146"/>
-          </a:xfrm>
-          <a:prstGeom prst="rect">
-            <a:avLst/>
-          </a:prstGeom>
-          <a:noFill/>
-          <a:ln w="3175">
-            <a:noFill/>
-            <a:prstDash val="dash"/>
-          </a:ln>
-        </p:spPr>
-        <p:txBody>
-          <a:bodyPr wrap="square" lIns="90000" tIns="46800" rIns="90000" bIns="46800" anchor="t" anchorCtr="0">
-            <a:normAutofit fontScale="70000"/>
-          </a:bodyPr>
-          <a:lstStyle>
-            <a:lvl1pPr algn="l" defTabSz="913765" rtl="0" eaLnBrk="1" latinLnBrk="0" hangingPunct="1">
-              <a:lnSpc>
-                <a:spcPct val="90000"/>
-              </a:lnSpc>
-              <a:spcBef>
-                <a:spcPct val="0"/>
-              </a:spcBef>
-              <a:buNone/>
-              <a:defRPr lang="en-US" sz="2745" b="0" kern="1200" cap="none" spc="-49" baseline="0" dirty="0" smtClean="0">
-                <a:ln w="3175">
-                  <a:noFill/>
-                </a:ln>
-                <a:solidFill>
-                  <a:sysClr val="windowText" lastClr="000000"/>
-                </a:solidFill>
-                <a:effectLst/>
-                <a:latin typeface="+mj-lt"/>
-                <a:ea typeface="+mn-ea"/>
-                <a:cs typeface="Segoe UI" panose="020B0502040204020203" pitchFamily="34" charset="0"/>
-              </a:defRPr>
-            </a:lvl1pPr>
-          </a:lstStyle>
-          <a:p>
-            <a:pPr>
-              <a:lnSpc>
-                <a:spcPct val="100000"/>
-              </a:lnSpc>
-              <a:spcAft>
-                <a:spcPts val="800"/>
-              </a:spcAft>
-            </a:pPr>
-            <a:r>
-              <a:rPr lang="zh-CN" altLang="en-US" sz="3200" b="1">
-                <a:sym typeface="+mn-ea"/>
-              </a:rPr>
-              <a:t>数据预处理</a:t>
-            </a:r>
-            <a:endParaRPr lang="zh-CN" altLang="en-US" sz="3200" b="1" dirty="0"/>
-          </a:p>
-          <a:p>
-            <a:pPr>
-              <a:lnSpc>
-                <a:spcPct val="100000"/>
-              </a:lnSpc>
-              <a:spcAft>
-                <a:spcPts val="800"/>
-              </a:spcAft>
-            </a:pPr>
-            <a:endParaRPr lang="zh-CN" altLang="en-US" sz="3200" b="1" spc="300" dirty="0">
-              <a:ln w="3175">
-                <a:noFill/>
-                <a:prstDash val="dash"/>
-              </a:ln>
-              <a:solidFill>
-                <a:schemeClr val="tx1">
-                  <a:lumMod val="85000"/>
-                  <a:lumOff val="15000"/>
-                </a:schemeClr>
-              </a:solidFill>
-              <a:latin typeface="Arial" panose="020B0604020202020204" pitchFamily="34" charset="0"/>
-              <a:ea typeface="微软雅黑" panose="020B0503020204020204" charset="-122"/>
-              <a:cs typeface="微软雅黑" panose="020B0503020204020204" charset="-122"/>
-            </a:endParaRPr>
-          </a:p>
-        </p:txBody>
-      </p:sp>
-      <p:pic>
-        <p:nvPicPr>
-          <p:cNvPr id="3" name="图片 2" descr="F:\高清图\简单背景-小清新\pexels-photo-2123430.jpegpexels-photo-2123430"/>
-          <p:cNvPicPr/>
-          <p:nvPr>
-            <p:custDataLst>
-              <p:tags r:id="rId3"/>
-            </p:custDataLst>
-          </p:nvPr>
-        </p:nvPicPr>
-        <p:blipFill>
-          <a:blip r:embed="rId4"/>
-          <a:srcRect r="-220"/>
-          <a:stretch>
-            <a:fillRect/>
-          </a:stretch>
-        </p:blipFill>
-        <p:spPr>
-          <a:xfrm>
-            <a:off x="609600" y="609600"/>
-            <a:ext cx="10969200" cy="3643200"/>
-          </a:xfrm>
-          <a:prstGeom prst="rect">
-            <a:avLst/>
-          </a:prstGeom>
-        </p:spPr>
-      </p:pic>
-      <p:pic>
-        <p:nvPicPr>
-          <p:cNvPr id="4" name="图片 3"/>
-          <p:cNvPicPr>
-            <a:picLocks noChangeAspect="1"/>
-          </p:cNvPicPr>
-          <p:nvPr/>
-        </p:nvPicPr>
-        <p:blipFill>
-          <a:blip r:embed="rId5"/>
-          <a:stretch>
-            <a:fillRect/>
-          </a:stretch>
-        </p:blipFill>
-        <p:spPr>
-          <a:xfrm>
-            <a:off x="546735" y="608965"/>
-            <a:ext cx="11099165" cy="3643630"/>
-          </a:xfrm>
-          <a:prstGeom prst="rect">
-            <a:avLst/>
-          </a:prstGeom>
-        </p:spPr>
-      </p:pic>
-    </p:spTree>
-    <p:custDataLst>
-      <p:tags r:id="rId6"/>
-    </p:custDataLst>
-  </p:cSld>
-  <p:clrMapOvr>
-    <a:masterClrMapping/>
-  </p:clrMapOvr>
-</p:sld>
-</file>
-
-<file path=ppt/slides/slide15.xml><?xml version="1.0" encoding="utf-8"?>
-<p:sld xmlns:a="http://schemas.openxmlformats.org/drawingml/2006/main" xmlns:r="http://schemas.openxmlformats.org/officeDocument/2006/relationships" xmlns:p="http://schemas.openxmlformats.org/presentationml/2006/main">
-  <p:cSld>
-    <p:spTree>
-      <p:nvGrpSpPr>
-        <p:cNvPr id="1" name=""/>
-        <p:cNvGrpSpPr/>
-        <p:nvPr/>
-      </p:nvGrpSpPr>
-      <p:grpSpPr/>
-      <p:sp>
-        <p:nvSpPr>
-          <p:cNvPr id="2" name="标题 1"/>
-          <p:cNvSpPr>
-            <a:spLocks noGrp="1"/>
-          </p:cNvSpPr>
-          <p:nvPr>
-            <p:ph type="title"/>
-          </p:nvPr>
-        </p:nvSpPr>
-        <p:spPr/>
-        <p:txBody>
-          <a:bodyPr>
-            <a:normAutofit fontScale="90000"/>
-          </a:bodyPr>
-          <a:p>
-            <a:r>
-              <a:rPr lang="zh-CN" altLang="en-US"/>
-              <a:t>数据透视表</a:t>
-            </a:r>
-            <a:endParaRPr lang="zh-CN" altLang="en-US"/>
-          </a:p>
-        </p:txBody>
-      </p:sp>
-      <p:pic>
-        <p:nvPicPr>
-          <p:cNvPr id="4" name="内容占位符 3"/>
-          <p:cNvPicPr>
-            <a:picLocks noChangeAspect="1"/>
-          </p:cNvPicPr>
-          <p:nvPr>
-            <p:ph idx="1"/>
-            <p:custDataLst>
-              <p:tags r:id="rId1"/>
-            </p:custDataLst>
-          </p:nvPr>
-        </p:nvPicPr>
-        <p:blipFill>
-          <a:blip r:embed="rId2"/>
-          <a:stretch>
-            <a:fillRect/>
-          </a:stretch>
-        </p:blipFill>
-        <p:spPr>
-          <a:xfrm>
-            <a:off x="956310" y="1114425"/>
-            <a:ext cx="10153015" cy="4989830"/>
-          </a:xfrm>
-          <a:prstGeom prst="rect">
-            <a:avLst/>
-          </a:prstGeom>
-        </p:spPr>
-      </p:pic>
-    </p:spTree>
-    <p:custDataLst>
-      <p:tags r:id="rId3"/>
-    </p:custDataLst>
-  </p:cSld>
-  <p:clrMapOvr>
-    <a:masterClrMapping/>
-  </p:clrMapOvr>
-</p:sld>
-</file>
-
 <file path=ppt/slides/slide16.xml><?xml version="1.0" encoding="utf-8"?>
-<p:sld xmlns:a="http://schemas.openxmlformats.org/drawingml/2006/main" xmlns:r="http://schemas.openxmlformats.org/officeDocument/2006/relationships" xmlns:p="http://schemas.openxmlformats.org/presentationml/2006/main">
-  <p:cSld>
-    <p:spTree>
-      <p:nvGrpSpPr>
-        <p:cNvPr id="1" name=""/>
-        <p:cNvGrpSpPr/>
-        <p:nvPr/>
-      </p:nvGrpSpPr>
-      <p:grpSpPr>
-        <a:xfrm>
-          <a:off x="0" y="0"/>
-          <a:ext cx="0" cy="0"/>
-          <a:chOff x="0" y="0"/>
-          <a:chExt cx="0" cy="0"/>
-        </a:xfrm>
-      </p:grpSpPr>
-      <p:sp>
-        <p:nvSpPr>
-          <p:cNvPr id="28" name="文本框 27"/>
-          <p:cNvSpPr txBox="1"/>
-          <p:nvPr>
-            <p:custDataLst>
-              <p:tags r:id="rId1"/>
-            </p:custDataLst>
-          </p:nvPr>
-        </p:nvSpPr>
-        <p:spPr>
-          <a:xfrm>
-            <a:off x="5048221" y="2513890"/>
-            <a:ext cx="2095555" cy="584775"/>
-          </a:xfrm>
-          <a:prstGeom prst="rect">
-            <a:avLst/>
-          </a:prstGeom>
-          <a:noFill/>
-        </p:spPr>
-        <p:txBody>
-          <a:bodyPr wrap="square" rtlCol="0">
-            <a:normAutofit/>
-          </a:bodyPr>
-          <a:lstStyle/>
-          <a:p>
-            <a:pPr algn="ctr"/>
-            <a:r>
-              <a:rPr lang="en-US" altLang="zh-CN" sz="3200" dirty="0">
-                <a:solidFill>
-                  <a:schemeClr val="accent1"/>
-                </a:solidFill>
-                <a:latin typeface="Arial" panose="020B0604020202020204" pitchFamily="34" charset="0"/>
-                <a:ea typeface="微软雅黑" panose="020B0503020204020204" charset="-122"/>
-              </a:rPr>
-              <a:t>Part  04</a:t>
-            </a:r>
-            <a:endParaRPr lang="en-US" altLang="zh-CN" sz="3200" dirty="0">
-              <a:solidFill>
-                <a:schemeClr val="accent1"/>
-              </a:solidFill>
-              <a:latin typeface="Arial" panose="020B0604020202020204" pitchFamily="34" charset="0"/>
-              <a:ea typeface="微软雅黑" panose="020B0503020204020204" charset="-122"/>
-            </a:endParaRPr>
-          </a:p>
-        </p:txBody>
-      </p:sp>
-      <p:sp>
-        <p:nvSpPr>
-          <p:cNvPr id="2" name="标题 1"/>
-          <p:cNvSpPr>
-            <a:spLocks noGrp="1"/>
-          </p:cNvSpPr>
-          <p:nvPr>
-            <p:ph type="title"/>
-            <p:custDataLst>
-              <p:tags r:id="rId2"/>
-            </p:custDataLst>
-          </p:nvPr>
-        </p:nvSpPr>
-        <p:spPr/>
-        <p:txBody>
-          <a:bodyPr>
-            <a:normAutofit fontScale="90000"/>
-          </a:bodyPr>
-          <a:lstStyle/>
-          <a:p>
-            <a:r>
-              <a:rPr lang="zh-CN" altLang="zh-CN" dirty="0"/>
-              <a:t>学习模型</a:t>
-            </a:r>
-            <a:br>
-              <a:rPr lang="zh-CN" altLang="zh-CN" dirty="0"/>
-            </a:br>
-            <a:endParaRPr lang="zh-CN" altLang="en-US" dirty="0"/>
-          </a:p>
-        </p:txBody>
-      </p:sp>
-    </p:spTree>
-    <p:custDataLst>
-      <p:tags r:id="rId3"/>
-    </p:custDataLst>
-  </p:cSld>
-  <p:clrMapOvr>
-    <a:masterClrMapping/>
-  </p:clrMapOvr>
-</p:sld>
-</file>
-
-<file path=ppt/slides/slide17.xml><?xml version="1.0" encoding="utf-8"?>
 <p:sld xmlns:a="http://schemas.openxmlformats.org/drawingml/2006/main" xmlns:r="http://schemas.openxmlformats.org/officeDocument/2006/relationships" xmlns:p="http://schemas.openxmlformats.org/presentationml/2006/main">
   <p:cSld>
     <p:spTree>
@@ -17833,7 +17229,7 @@
 </p:sld>
 </file>
 
-<file path=ppt/slides/slide18.xml><?xml version="1.0" encoding="utf-8"?>
+<file path=ppt/slides/slide17.xml><?xml version="1.0" encoding="utf-8"?>
 <p:sld xmlns:a="http://schemas.openxmlformats.org/drawingml/2006/main" xmlns:r="http://schemas.openxmlformats.org/officeDocument/2006/relationships" xmlns:p="http://schemas.openxmlformats.org/presentationml/2006/main">
   <p:cSld>
     <p:spTree>
@@ -18284,7 +17680,7 @@
 </p:sld>
 </file>
 
-<file path=ppt/slides/slide19.xml><?xml version="1.0" encoding="utf-8"?>
+<file path=ppt/slides/slide18.xml><?xml version="1.0" encoding="utf-8"?>
 <p:sld xmlns:a="http://schemas.openxmlformats.org/drawingml/2006/main" xmlns:r="http://schemas.openxmlformats.org/officeDocument/2006/relationships" xmlns:p="http://schemas.openxmlformats.org/presentationml/2006/main">
   <p:cSld>
     <p:spTree>
@@ -18564,9 +17960,16 @@
             <p:ph sz="quarter" idx="14"/>
           </p:nvPr>
         </p:nvSpPr>
-        <p:spPr/>
+        <p:spPr>
+          <a:xfrm>
+            <a:off x="5204460" y="770255"/>
+            <a:ext cx="6510655" cy="5451475"/>
+          </a:xfrm>
+        </p:spPr>
         <p:txBody>
-          <a:bodyPr/>
+          <a:bodyPr>
+            <a:normAutofit lnSpcReduction="20000"/>
+          </a:bodyPr>
           <a:p>
             <a:r>
               <a:rPr lang="en-US" altLang="zh-CN">
@@ -18636,6 +18039,18 @@
                 <a:sym typeface="+mn-ea"/>
               </a:rPr>
               <a:t>sales_model.fit(X_train, y_train, batch_size=4096, epochs=20)</a:t>
+            </a:r>
+            <a:endParaRPr lang="en-US" altLang="zh-CN">
+              <a:sym typeface="+mn-ea"/>
+            </a:endParaRPr>
+          </a:p>
+          <a:p>
+            <a:endParaRPr lang="zh-CN" altLang="en-US"/>
+          </a:p>
+          <a:p>
+            <a:r>
+              <a:rPr lang="zh-CN" altLang="en-US"/>
+              <a:t>submission_output = sales_model.predict(X_test)  # 把预测出来的模型丢入进行训练</a:t>
             </a:r>
             <a:endParaRPr lang="zh-CN" altLang="en-US"/>
           </a:p>
@@ -18652,759 +18067,7 @@
 </p:sld>
 </file>
 
-<file path=ppt/slides/slide2.xml><?xml version="1.0" encoding="utf-8"?>
-<p:sld xmlns:a="http://schemas.openxmlformats.org/drawingml/2006/main" xmlns:r="http://schemas.openxmlformats.org/officeDocument/2006/relationships" xmlns:p="http://schemas.openxmlformats.org/presentationml/2006/main">
-  <p:cSld>
-    <p:spTree>
-      <p:nvGrpSpPr>
-        <p:cNvPr id="1" name=""/>
-        <p:cNvGrpSpPr/>
-        <p:nvPr/>
-      </p:nvGrpSpPr>
-      <p:grpSpPr>
-        <a:xfrm>
-          <a:off x="0" y="0"/>
-          <a:ext cx="0" cy="0"/>
-          <a:chOff x="0" y="0"/>
-          <a:chExt cx="0" cy="0"/>
-        </a:xfrm>
-      </p:grpSpPr>
-      <p:sp>
-        <p:nvSpPr>
-          <p:cNvPr id="33" name="文本框 32"/>
-          <p:cNvSpPr txBox="1"/>
-          <p:nvPr>
-            <p:custDataLst>
-              <p:tags r:id="rId1"/>
-            </p:custDataLst>
-          </p:nvPr>
-        </p:nvSpPr>
-        <p:spPr>
-          <a:xfrm>
-            <a:off x="7064375" y="1048385"/>
-            <a:ext cx="3481070" cy="521970"/>
-          </a:xfrm>
-          <a:prstGeom prst="rect">
-            <a:avLst/>
-          </a:prstGeom>
-          <a:noFill/>
-        </p:spPr>
-        <p:txBody>
-          <a:bodyPr vert="horz" wrap="square" bIns="0" rtlCol="0" anchor="b" anchorCtr="0">
-            <a:normAutofit/>
-          </a:bodyPr>
-          <a:lstStyle/>
-          <a:p>
-            <a:pPr fontAlgn="auto"/>
-            <a:r>
-              <a:rPr lang="zh-CN" altLang="en-US" sz="2800" spc="300" dirty="0">
-                <a:solidFill>
-                  <a:schemeClr val="accent1"/>
-                </a:solidFill>
-                <a:latin typeface="Arial" panose="020B0604020202020204" pitchFamily="34" charset="0"/>
-                <a:ea typeface="微软雅黑" panose="020B0503020204020204" charset="-122"/>
-              </a:rPr>
-              <a:t>项目需求和数据集</a:t>
-            </a:r>
-            <a:endParaRPr lang="zh-CN" altLang="en-US" sz="2800" spc="300" dirty="0">
-              <a:solidFill>
-                <a:schemeClr val="accent1"/>
-              </a:solidFill>
-              <a:latin typeface="Arial" panose="020B0604020202020204" pitchFamily="34" charset="0"/>
-              <a:ea typeface="微软雅黑" panose="020B0503020204020204" charset="-122"/>
-            </a:endParaRPr>
-          </a:p>
-        </p:txBody>
-      </p:sp>
-      <p:sp>
-        <p:nvSpPr>
-          <p:cNvPr id="35" name="椭圆 34"/>
-          <p:cNvSpPr/>
-          <p:nvPr>
-            <p:custDataLst>
-              <p:tags r:id="rId2"/>
-            </p:custDataLst>
-          </p:nvPr>
-        </p:nvSpPr>
-        <p:spPr>
-          <a:xfrm>
-            <a:off x="6257925" y="1151255"/>
-            <a:ext cx="826135" cy="648970"/>
-          </a:xfrm>
-          <a:prstGeom prst="ellipse">
-            <a:avLst/>
-          </a:prstGeom>
-          <a:ln w="12700">
-            <a:noFill/>
-          </a:ln>
-        </p:spPr>
-        <p:txBody>
-          <a:bodyPr wrap="square">
-            <a:normAutofit fontScale="97500"/>
-          </a:bodyPr>
-          <a:lstStyle/>
-          <a:p>
-            <a:pPr algn="ctr"/>
-            <a:r>
-              <a:rPr lang="en-US" altLang="zh-CN" sz="2400" dirty="0">
-                <a:solidFill>
-                  <a:schemeClr val="accent1"/>
-                </a:solidFill>
-                <a:latin typeface="Arial" panose="020B0604020202020204" pitchFamily="34" charset="0"/>
-                <a:ea typeface="微软雅黑" panose="020B0503020204020204" charset="-122"/>
-              </a:rPr>
-              <a:t>01</a:t>
-            </a:r>
-            <a:endParaRPr lang="zh-CN" altLang="en-US" sz="2400" dirty="0">
-              <a:solidFill>
-                <a:schemeClr val="accent1"/>
-              </a:solidFill>
-              <a:latin typeface="Arial" panose="020B0604020202020204" pitchFamily="34" charset="0"/>
-            </a:endParaRPr>
-          </a:p>
-        </p:txBody>
-      </p:sp>
-      <p:sp>
-        <p:nvSpPr>
-          <p:cNvPr id="36" name="矩形 35"/>
-          <p:cNvSpPr/>
-          <p:nvPr>
-            <p:custDataLst>
-              <p:tags r:id="rId3"/>
-            </p:custDataLst>
-          </p:nvPr>
-        </p:nvSpPr>
-        <p:spPr>
-          <a:xfrm rot="2700000">
-            <a:off x="6463665" y="1252220"/>
-            <a:ext cx="414655" cy="414655"/>
-          </a:xfrm>
-          <a:prstGeom prst="rect">
-            <a:avLst/>
-          </a:prstGeom>
-          <a:noFill/>
-          <a:ln w="12700">
-            <a:solidFill>
-              <a:schemeClr val="accent2"/>
-            </a:solidFill>
-          </a:ln>
-        </p:spPr>
-        <p:style>
-          <a:lnRef idx="2">
-            <a:schemeClr val="accent1">
-              <a:shade val="50000"/>
-            </a:schemeClr>
-          </a:lnRef>
-          <a:fillRef idx="1">
-            <a:schemeClr val="accent1"/>
-          </a:fillRef>
-          <a:effectRef idx="0">
-            <a:schemeClr val="accent1"/>
-          </a:effectRef>
-          <a:fontRef idx="minor">
-            <a:schemeClr val="lt1"/>
-          </a:fontRef>
-        </p:style>
-        <p:txBody>
-          <a:bodyPr rtlCol="0" anchor="ctr">
-            <a:normAutofit fontScale="90000" lnSpcReduction="10000"/>
-          </a:bodyPr>
-          <a:lstStyle/>
-          <a:p>
-            <a:pPr algn="ctr"/>
-            <a:endParaRPr lang="zh-CN" altLang="en-US" sz="2400">
-              <a:solidFill>
-                <a:schemeClr val="accent1"/>
-              </a:solidFill>
-              <a:latin typeface="Arial" panose="020B0604020202020204" pitchFamily="34" charset="0"/>
-            </a:endParaRPr>
-          </a:p>
-        </p:txBody>
-      </p:sp>
-      <p:sp>
-        <p:nvSpPr>
-          <p:cNvPr id="37" name="文本框 36"/>
-          <p:cNvSpPr txBox="1"/>
-          <p:nvPr>
-            <p:custDataLst>
-              <p:tags r:id="rId4"/>
-            </p:custDataLst>
-          </p:nvPr>
-        </p:nvSpPr>
-        <p:spPr>
-          <a:xfrm>
-            <a:off x="7064375" y="2306955"/>
-            <a:ext cx="3481070" cy="523240"/>
-          </a:xfrm>
-          <a:prstGeom prst="rect">
-            <a:avLst/>
-          </a:prstGeom>
-          <a:noFill/>
-        </p:spPr>
-        <p:txBody>
-          <a:bodyPr vert="horz" wrap="square" bIns="0" rtlCol="0" anchor="b" anchorCtr="0">
-            <a:normAutofit/>
-          </a:bodyPr>
-          <a:lstStyle/>
-          <a:p>
-            <a:pPr fontAlgn="auto"/>
-            <a:r>
-              <a:rPr lang="zh-CN" altLang="en-US" sz="2800" spc="300" dirty="0">
-                <a:solidFill>
-                  <a:schemeClr val="accent1"/>
-                </a:solidFill>
-                <a:latin typeface="Arial" panose="020B0604020202020204" pitchFamily="34" charset="0"/>
-                <a:ea typeface="微软雅黑" panose="020B0503020204020204" charset="-122"/>
-              </a:rPr>
-              <a:t>数据可视化</a:t>
-            </a:r>
-            <a:endParaRPr lang="zh-CN" altLang="en-US" sz="2800" spc="300" dirty="0">
-              <a:solidFill>
-                <a:schemeClr val="accent1"/>
-              </a:solidFill>
-              <a:latin typeface="Arial" panose="020B0604020202020204" pitchFamily="34" charset="0"/>
-              <a:ea typeface="微软雅黑" panose="020B0503020204020204" charset="-122"/>
-            </a:endParaRPr>
-          </a:p>
-        </p:txBody>
-      </p:sp>
-      <p:sp>
-        <p:nvSpPr>
-          <p:cNvPr id="39" name="椭圆 38"/>
-          <p:cNvSpPr/>
-          <p:nvPr>
-            <p:custDataLst>
-              <p:tags r:id="rId5"/>
-            </p:custDataLst>
-          </p:nvPr>
-        </p:nvSpPr>
-        <p:spPr>
-          <a:xfrm>
-            <a:off x="6257925" y="2423160"/>
-            <a:ext cx="826135" cy="648970"/>
-          </a:xfrm>
-          <a:prstGeom prst="ellipse">
-            <a:avLst/>
-          </a:prstGeom>
-          <a:ln w="12700">
-            <a:noFill/>
-          </a:ln>
-        </p:spPr>
-        <p:txBody>
-          <a:bodyPr wrap="square">
-            <a:normAutofit fontScale="97500"/>
-          </a:bodyPr>
-          <a:lstStyle/>
-          <a:p>
-            <a:pPr algn="ctr"/>
-            <a:r>
-              <a:rPr lang="en-US" altLang="zh-CN" sz="2400" dirty="0">
-                <a:solidFill>
-                  <a:schemeClr val="accent1"/>
-                </a:solidFill>
-                <a:latin typeface="Arial" panose="020B0604020202020204" pitchFamily="34" charset="0"/>
-                <a:ea typeface="微软雅黑" panose="020B0503020204020204" charset="-122"/>
-              </a:rPr>
-              <a:t>02</a:t>
-            </a:r>
-            <a:endParaRPr lang="zh-CN" altLang="en-US" sz="2400" dirty="0">
-              <a:solidFill>
-                <a:schemeClr val="accent1"/>
-              </a:solidFill>
-              <a:latin typeface="Arial" panose="020B0604020202020204" pitchFamily="34" charset="0"/>
-            </a:endParaRPr>
-          </a:p>
-        </p:txBody>
-      </p:sp>
-      <p:sp>
-        <p:nvSpPr>
-          <p:cNvPr id="40" name="矩形 39"/>
-          <p:cNvSpPr/>
-          <p:nvPr>
-            <p:custDataLst>
-              <p:tags r:id="rId6"/>
-            </p:custDataLst>
-          </p:nvPr>
-        </p:nvSpPr>
-        <p:spPr>
-          <a:xfrm rot="2700000">
-            <a:off x="6463665" y="2524125"/>
-            <a:ext cx="414655" cy="414655"/>
-          </a:xfrm>
-          <a:prstGeom prst="rect">
-            <a:avLst/>
-          </a:prstGeom>
-          <a:noFill/>
-          <a:ln w="12700">
-            <a:solidFill>
-              <a:schemeClr val="accent2"/>
-            </a:solidFill>
-          </a:ln>
-        </p:spPr>
-        <p:style>
-          <a:lnRef idx="2">
-            <a:schemeClr val="accent1">
-              <a:shade val="50000"/>
-            </a:schemeClr>
-          </a:lnRef>
-          <a:fillRef idx="1">
-            <a:schemeClr val="accent1"/>
-          </a:fillRef>
-          <a:effectRef idx="0">
-            <a:schemeClr val="accent1"/>
-          </a:effectRef>
-          <a:fontRef idx="minor">
-            <a:schemeClr val="lt1"/>
-          </a:fontRef>
-        </p:style>
-        <p:txBody>
-          <a:bodyPr rtlCol="0" anchor="ctr">
-            <a:normAutofit fontScale="90000" lnSpcReduction="10000"/>
-          </a:bodyPr>
-          <a:lstStyle/>
-          <a:p>
-            <a:pPr algn="ctr"/>
-            <a:endParaRPr lang="zh-CN" altLang="en-US" sz="2400">
-              <a:solidFill>
-                <a:schemeClr val="accent1"/>
-              </a:solidFill>
-              <a:latin typeface="Arial" panose="020B0604020202020204" pitchFamily="34" charset="0"/>
-            </a:endParaRPr>
-          </a:p>
-        </p:txBody>
-      </p:sp>
-      <p:sp>
-        <p:nvSpPr>
-          <p:cNvPr id="41" name="文本框 40"/>
-          <p:cNvSpPr txBox="1"/>
-          <p:nvPr>
-            <p:custDataLst>
-              <p:tags r:id="rId7"/>
-            </p:custDataLst>
-          </p:nvPr>
-        </p:nvSpPr>
-        <p:spPr>
-          <a:xfrm>
-            <a:off x="7064375" y="3565525"/>
-            <a:ext cx="3481070" cy="522605"/>
-          </a:xfrm>
-          <a:prstGeom prst="rect">
-            <a:avLst/>
-          </a:prstGeom>
-          <a:noFill/>
-        </p:spPr>
-        <p:txBody>
-          <a:bodyPr vert="horz" wrap="square" bIns="0" rtlCol="0" anchor="b" anchorCtr="0">
-            <a:normAutofit/>
-          </a:bodyPr>
-          <a:lstStyle/>
-          <a:p>
-            <a:pPr fontAlgn="auto"/>
-            <a:r>
-              <a:rPr lang="zh-CN" altLang="en-US" sz="2800" spc="300" dirty="0">
-                <a:solidFill>
-                  <a:schemeClr val="accent1"/>
-                </a:solidFill>
-                <a:latin typeface="Arial" panose="020B0604020202020204" pitchFamily="34" charset="0"/>
-                <a:ea typeface="微软雅黑" panose="020B0503020204020204" charset="-122"/>
-                <a:sym typeface="+mn-ea"/>
-              </a:rPr>
-              <a:t>数据预处理</a:t>
-            </a:r>
-            <a:endParaRPr lang="zh-CN" altLang="en-US" sz="2800" spc="300" dirty="0">
-              <a:solidFill>
-                <a:schemeClr val="accent1"/>
-              </a:solidFill>
-              <a:latin typeface="Arial" panose="020B0604020202020204" pitchFamily="34" charset="0"/>
-              <a:ea typeface="微软雅黑" panose="020B0503020204020204" charset="-122"/>
-              <a:sym typeface="+mn-ea"/>
-            </a:endParaRPr>
-          </a:p>
-        </p:txBody>
-      </p:sp>
-      <p:sp>
-        <p:nvSpPr>
-          <p:cNvPr id="43" name="椭圆 42"/>
-          <p:cNvSpPr/>
-          <p:nvPr>
-            <p:custDataLst>
-              <p:tags r:id="rId8"/>
-            </p:custDataLst>
-          </p:nvPr>
-        </p:nvSpPr>
-        <p:spPr>
-          <a:xfrm>
-            <a:off x="6257925" y="3693160"/>
-            <a:ext cx="826135" cy="648970"/>
-          </a:xfrm>
-          <a:prstGeom prst="ellipse">
-            <a:avLst/>
-          </a:prstGeom>
-          <a:ln w="12700">
-            <a:noFill/>
-          </a:ln>
-        </p:spPr>
-        <p:txBody>
-          <a:bodyPr wrap="square">
-            <a:normAutofit fontScale="97500"/>
-          </a:bodyPr>
-          <a:lstStyle/>
-          <a:p>
-            <a:pPr algn="ctr"/>
-            <a:r>
-              <a:rPr lang="en-US" altLang="zh-CN" sz="2400" dirty="0">
-                <a:solidFill>
-                  <a:schemeClr val="accent1"/>
-                </a:solidFill>
-                <a:latin typeface="Arial" panose="020B0604020202020204" pitchFamily="34" charset="0"/>
-                <a:ea typeface="微软雅黑" panose="020B0503020204020204" charset="-122"/>
-              </a:rPr>
-              <a:t>03</a:t>
-            </a:r>
-            <a:endParaRPr lang="zh-CN" altLang="en-US" sz="2400" dirty="0">
-              <a:solidFill>
-                <a:schemeClr val="accent1"/>
-              </a:solidFill>
-              <a:latin typeface="Arial" panose="020B0604020202020204" pitchFamily="34" charset="0"/>
-            </a:endParaRPr>
-          </a:p>
-        </p:txBody>
-      </p:sp>
-      <p:sp>
-        <p:nvSpPr>
-          <p:cNvPr id="44" name="矩形 43"/>
-          <p:cNvSpPr/>
-          <p:nvPr>
-            <p:custDataLst>
-              <p:tags r:id="rId9"/>
-            </p:custDataLst>
-          </p:nvPr>
-        </p:nvSpPr>
-        <p:spPr>
-          <a:xfrm rot="2700000">
-            <a:off x="6463665" y="3794125"/>
-            <a:ext cx="414655" cy="414655"/>
-          </a:xfrm>
-          <a:prstGeom prst="rect">
-            <a:avLst/>
-          </a:prstGeom>
-          <a:noFill/>
-          <a:ln w="12700">
-            <a:solidFill>
-              <a:schemeClr val="accent2"/>
-            </a:solidFill>
-          </a:ln>
-        </p:spPr>
-        <p:style>
-          <a:lnRef idx="2">
-            <a:schemeClr val="accent1">
-              <a:shade val="50000"/>
-            </a:schemeClr>
-          </a:lnRef>
-          <a:fillRef idx="1">
-            <a:schemeClr val="accent1"/>
-          </a:fillRef>
-          <a:effectRef idx="0">
-            <a:schemeClr val="accent1"/>
-          </a:effectRef>
-          <a:fontRef idx="minor">
-            <a:schemeClr val="lt1"/>
-          </a:fontRef>
-        </p:style>
-        <p:txBody>
-          <a:bodyPr rtlCol="0" anchor="ctr">
-            <a:normAutofit fontScale="90000" lnSpcReduction="10000"/>
-          </a:bodyPr>
-          <a:lstStyle/>
-          <a:p>
-            <a:pPr algn="ctr"/>
-            <a:endParaRPr lang="zh-CN" altLang="en-US" sz="2400">
-              <a:solidFill>
-                <a:schemeClr val="accent1"/>
-              </a:solidFill>
-              <a:latin typeface="Arial" panose="020B0604020202020204" pitchFamily="34" charset="0"/>
-            </a:endParaRPr>
-          </a:p>
-        </p:txBody>
-      </p:sp>
-      <p:sp>
-        <p:nvSpPr>
-          <p:cNvPr id="45" name="文本框 44"/>
-          <p:cNvSpPr txBox="1"/>
-          <p:nvPr>
-            <p:custDataLst>
-              <p:tags r:id="rId10"/>
-            </p:custDataLst>
-          </p:nvPr>
-        </p:nvSpPr>
-        <p:spPr>
-          <a:xfrm>
-            <a:off x="7064375" y="4825365"/>
-            <a:ext cx="3481070" cy="522605"/>
-          </a:xfrm>
-          <a:prstGeom prst="rect">
-            <a:avLst/>
-          </a:prstGeom>
-          <a:noFill/>
-        </p:spPr>
-        <p:txBody>
-          <a:bodyPr vert="horz" wrap="square" bIns="0" rtlCol="0" anchor="b" anchorCtr="0">
-            <a:normAutofit/>
-          </a:bodyPr>
-          <a:lstStyle/>
-          <a:p>
-            <a:pPr fontAlgn="auto"/>
-            <a:r>
-              <a:rPr lang="zh-CN" altLang="en-US" sz="2800" spc="300" dirty="0">
-                <a:solidFill>
-                  <a:schemeClr val="accent1"/>
-                </a:solidFill>
-                <a:latin typeface="Arial" panose="020B0604020202020204" pitchFamily="34" charset="0"/>
-                <a:ea typeface="微软雅黑" panose="020B0503020204020204" charset="-122"/>
-                <a:sym typeface="+mn-ea"/>
-              </a:rPr>
-              <a:t>学习</a:t>
-            </a:r>
-            <a:r>
-              <a:rPr lang="zh-CN" altLang="en-US" sz="2800" spc="300" dirty="0">
-                <a:solidFill>
-                  <a:schemeClr val="accent1"/>
-                </a:solidFill>
-                <a:latin typeface="Arial" panose="020B0604020202020204" pitchFamily="34" charset="0"/>
-                <a:ea typeface="微软雅黑" panose="020B0503020204020204" charset="-122"/>
-                <a:sym typeface="+mn-ea"/>
-              </a:rPr>
-              <a:t>模型</a:t>
-            </a:r>
-            <a:endParaRPr lang="zh-CN" altLang="en-US" sz="2800" spc="300" dirty="0">
-              <a:solidFill>
-                <a:schemeClr val="accent1"/>
-              </a:solidFill>
-              <a:latin typeface="Arial" panose="020B0604020202020204" pitchFamily="34" charset="0"/>
-              <a:ea typeface="微软雅黑" panose="020B0503020204020204" charset="-122"/>
-              <a:sym typeface="+mn-ea"/>
-            </a:endParaRPr>
-          </a:p>
-        </p:txBody>
-      </p:sp>
-      <p:sp>
-        <p:nvSpPr>
-          <p:cNvPr id="47" name="椭圆 46"/>
-          <p:cNvSpPr/>
-          <p:nvPr>
-            <p:custDataLst>
-              <p:tags r:id="rId11"/>
-            </p:custDataLst>
-          </p:nvPr>
-        </p:nvSpPr>
-        <p:spPr>
-          <a:xfrm>
-            <a:off x="6257925" y="4965700"/>
-            <a:ext cx="826135" cy="648970"/>
-          </a:xfrm>
-          <a:prstGeom prst="ellipse">
-            <a:avLst/>
-          </a:prstGeom>
-          <a:ln w="12700">
-            <a:noFill/>
-          </a:ln>
-        </p:spPr>
-        <p:txBody>
-          <a:bodyPr wrap="square">
-            <a:normAutofit fontScale="97500"/>
-          </a:bodyPr>
-          <a:lstStyle/>
-          <a:p>
-            <a:pPr algn="ctr"/>
-            <a:r>
-              <a:rPr lang="en-US" altLang="zh-CN" sz="2400" dirty="0">
-                <a:solidFill>
-                  <a:schemeClr val="accent1"/>
-                </a:solidFill>
-                <a:latin typeface="Arial" panose="020B0604020202020204" pitchFamily="34" charset="0"/>
-                <a:ea typeface="微软雅黑" panose="020B0503020204020204" charset="-122"/>
-              </a:rPr>
-              <a:t>04</a:t>
-            </a:r>
-            <a:endParaRPr lang="zh-CN" altLang="en-US" sz="2400" dirty="0">
-              <a:solidFill>
-                <a:schemeClr val="accent1"/>
-              </a:solidFill>
-              <a:latin typeface="Arial" panose="020B0604020202020204" pitchFamily="34" charset="0"/>
-            </a:endParaRPr>
-          </a:p>
-        </p:txBody>
-      </p:sp>
-      <p:sp>
-        <p:nvSpPr>
-          <p:cNvPr id="48" name="矩形 47"/>
-          <p:cNvSpPr/>
-          <p:nvPr>
-            <p:custDataLst>
-              <p:tags r:id="rId12"/>
-            </p:custDataLst>
-          </p:nvPr>
-        </p:nvSpPr>
-        <p:spPr>
-          <a:xfrm rot="2700000">
-            <a:off x="6463665" y="5066665"/>
-            <a:ext cx="414655" cy="414655"/>
-          </a:xfrm>
-          <a:prstGeom prst="rect">
-            <a:avLst/>
-          </a:prstGeom>
-          <a:noFill/>
-          <a:ln w="12700">
-            <a:solidFill>
-              <a:schemeClr val="accent2"/>
-            </a:solidFill>
-          </a:ln>
-        </p:spPr>
-        <p:style>
-          <a:lnRef idx="2">
-            <a:schemeClr val="accent1">
-              <a:shade val="50000"/>
-            </a:schemeClr>
-          </a:lnRef>
-          <a:fillRef idx="1">
-            <a:schemeClr val="accent1"/>
-          </a:fillRef>
-          <a:effectRef idx="0">
-            <a:schemeClr val="accent1"/>
-          </a:effectRef>
-          <a:fontRef idx="minor">
-            <a:schemeClr val="lt1"/>
-          </a:fontRef>
-        </p:style>
-        <p:txBody>
-          <a:bodyPr rtlCol="0" anchor="ctr">
-            <a:normAutofit fontScale="90000" lnSpcReduction="10000"/>
-          </a:bodyPr>
-          <a:lstStyle/>
-          <a:p>
-            <a:pPr algn="ctr"/>
-            <a:endParaRPr lang="zh-CN" altLang="en-US" sz="2400">
-              <a:solidFill>
-                <a:schemeClr val="accent1"/>
-              </a:solidFill>
-              <a:latin typeface="Arial" panose="020B0604020202020204" pitchFamily="34" charset="0"/>
-            </a:endParaRPr>
-          </a:p>
-        </p:txBody>
-      </p:sp>
-      <p:sp>
-        <p:nvSpPr>
-          <p:cNvPr id="30" name="文本框 29"/>
-          <p:cNvSpPr txBox="1"/>
-          <p:nvPr>
-            <p:custDataLst>
-              <p:tags r:id="rId13"/>
-            </p:custDataLst>
-          </p:nvPr>
-        </p:nvSpPr>
-        <p:spPr>
-          <a:xfrm>
-            <a:off x="2131493" y="2693416"/>
-            <a:ext cx="2141674" cy="843556"/>
-          </a:xfrm>
-          <a:prstGeom prst="rect">
-            <a:avLst/>
-          </a:prstGeom>
-          <a:noFill/>
-        </p:spPr>
-        <p:txBody>
-          <a:bodyPr vert="horz" wrap="square" rtlCol="0">
-            <a:normAutofit/>
-          </a:bodyPr>
-          <a:lstStyle/>
-          <a:p>
-            <a:pPr algn="ctr"/>
-            <a:r>
-              <a:rPr lang="zh-CN" altLang="en-US" sz="4800" spc="600" dirty="0">
-                <a:solidFill>
-                  <a:schemeClr val="accent1"/>
-                </a:solidFill>
-                <a:latin typeface="Arial" panose="020B0604020202020204" pitchFamily="34" charset="0"/>
-                <a:ea typeface="汉仪旗黑-85S" panose="00020600040101010101" pitchFamily="18" charset="-122"/>
-                <a:cs typeface="微软雅黑" panose="020B0503020204020204" charset="-122"/>
-              </a:rPr>
-              <a:t>目 录</a:t>
-            </a:r>
-            <a:endParaRPr lang="zh-CN" altLang="en-US" sz="4800" spc="600" dirty="0">
-              <a:solidFill>
-                <a:schemeClr val="accent1"/>
-              </a:solidFill>
-              <a:latin typeface="Arial" panose="020B0604020202020204" pitchFamily="34" charset="0"/>
-              <a:ea typeface="汉仪旗黑-85S" panose="00020600040101010101" pitchFamily="18" charset="-122"/>
-              <a:cs typeface="微软雅黑" panose="020B0503020204020204" charset="-122"/>
-            </a:endParaRPr>
-          </a:p>
-        </p:txBody>
-      </p:sp>
-      <p:sp>
-        <p:nvSpPr>
-          <p:cNvPr id="49" name="矩形 48"/>
-          <p:cNvSpPr/>
-          <p:nvPr>
-            <p:custDataLst>
-              <p:tags r:id="rId14"/>
-            </p:custDataLst>
-          </p:nvPr>
-        </p:nvSpPr>
-        <p:spPr>
-          <a:xfrm>
-            <a:off x="2298196" y="3337792"/>
-            <a:ext cx="1807892" cy="456535"/>
-          </a:xfrm>
-          <a:prstGeom prst="rect">
-            <a:avLst/>
-          </a:prstGeom>
-        </p:spPr>
-        <p:txBody>
-          <a:bodyPr vert="horz" wrap="square">
-            <a:normAutofit/>
-          </a:bodyPr>
-          <a:lstStyle/>
-          <a:p>
-            <a:pPr algn="ctr">
-              <a:lnSpc>
-                <a:spcPct val="150000"/>
-              </a:lnSpc>
-            </a:pPr>
-            <a:r>
-              <a:rPr lang="en-US" altLang="zh-CN" spc="300" dirty="0">
-                <a:solidFill>
-                  <a:schemeClr val="accent1"/>
-                </a:solidFill>
-                <a:latin typeface="Arial" panose="020B0604020202020204" pitchFamily="34" charset="0"/>
-                <a:ea typeface="微软雅黑" panose="020B0503020204020204" charset="-122"/>
-                <a:cs typeface="Arial" panose="020B0604020202020204" pitchFamily="34" charset="0"/>
-              </a:rPr>
-              <a:t>CONTENTS</a:t>
-            </a:r>
-            <a:endParaRPr lang="en-US" altLang="zh-CN" spc="300" dirty="0">
-              <a:solidFill>
-                <a:schemeClr val="accent1"/>
-              </a:solidFill>
-              <a:latin typeface="Arial" panose="020B0604020202020204" pitchFamily="34" charset="0"/>
-              <a:ea typeface="微软雅黑" panose="020B0503020204020204" charset="-122"/>
-              <a:cs typeface="Arial" panose="020B0604020202020204" pitchFamily="34" charset="0"/>
-            </a:endParaRPr>
-          </a:p>
-        </p:txBody>
-      </p:sp>
-    </p:spTree>
-    <p:custDataLst>
-      <p:tags r:id="rId15"/>
-    </p:custDataLst>
-  </p:cSld>
-  <p:clrMapOvr>
-    <a:masterClrMapping/>
-  </p:clrMapOvr>
-</p:sld>
-</file>
-
-<file path=ppt/slides/slide20.xml><?xml version="1.0" encoding="utf-8"?>
+<file path=ppt/slides/slide19.xml><?xml version="1.0" encoding="utf-8"?>
 <p:sld xmlns:a="http://schemas.openxmlformats.org/drawingml/2006/main" xmlns:r="http://schemas.openxmlformats.org/officeDocument/2006/relationships" xmlns:p="http://schemas.openxmlformats.org/presentationml/2006/main">
   <p:cSld>
     <p:spTree>
@@ -19443,7 +18106,7 @@
           <a:p>
             <a:r>
               <a:rPr lang="zh-CN" altLang="en-US" dirty="0"/>
-              <a:t>计算总参数</a:t>
+              <a:t>计算机开始训练</a:t>
             </a:r>
             <a:endParaRPr lang="zh-CN" altLang="en-US" dirty="0"/>
           </a:p>
@@ -19663,26 +18326,116 @@
               <a:buNone/>
             </a:pPr>
             <a:r>
+              <a:rPr dirty="0">
+                <a:latin typeface="Arial" panose="020B0604020202020204" pitchFamily="34" charset="0"/>
+              </a:rPr>
+              <a:t>sales_model.fit(X_train, y_train, batch_size=4096, epochs=20)</a:t>
+            </a:r>
+            <a:endParaRPr dirty="0">
+              <a:latin typeface="Arial" panose="020B0604020202020204" pitchFamily="34" charset="0"/>
+            </a:endParaRPr>
+          </a:p>
+          <a:p>
+            <a:pPr marL="0" indent="0">
+              <a:buNone/>
+            </a:pPr>
+            <a:endParaRPr dirty="0">
+              <a:latin typeface="Arial" panose="020B0604020202020204" pitchFamily="34" charset="0"/>
+            </a:endParaRPr>
+          </a:p>
+          <a:p>
+            <a:pPr marL="0" indent="0">
+              <a:buNone/>
+            </a:pPr>
+            <a:r>
+              <a:rPr lang="zh-CN" dirty="0">
+                <a:latin typeface="Arial" panose="020B0604020202020204" pitchFamily="34" charset="0"/>
+              </a:rPr>
+              <a:t>基数据为</a:t>
+            </a:r>
+            <a:r>
               <a:rPr lang="en-US" altLang="zh-CN" dirty="0">
                 <a:latin typeface="Arial" panose="020B0604020202020204" pitchFamily="34" charset="0"/>
               </a:rPr>
-              <a:t>Param</a:t>
+              <a:t>4096</a:t>
             </a:r>
             <a:r>
               <a:rPr lang="zh-CN" altLang="en-US" dirty="0">
                 <a:latin typeface="Arial" panose="020B0604020202020204" pitchFamily="34" charset="0"/>
               </a:rPr>
-              <a:t>代表总的参数</a:t>
+              <a:t>个，然后训练</a:t>
+            </a:r>
+            <a:r>
+              <a:rPr lang="en-US" altLang="zh-CN" dirty="0">
+                <a:latin typeface="Arial" panose="020B0604020202020204" pitchFamily="34" charset="0"/>
+              </a:rPr>
+              <a:t>20</a:t>
+            </a:r>
+            <a:r>
+              <a:rPr lang="zh-CN" altLang="en-US" dirty="0">
+                <a:latin typeface="Arial" panose="020B0604020202020204" pitchFamily="34" charset="0"/>
+              </a:rPr>
+              <a:t>次</a:t>
             </a:r>
             <a:endParaRPr lang="zh-CN" altLang="en-US" dirty="0">
               <a:latin typeface="Arial" panose="020B0604020202020204" pitchFamily="34" charset="0"/>
             </a:endParaRPr>
           </a:p>
+          <a:p>
+            <a:pPr marL="0" indent="0">
+              <a:buNone/>
+            </a:pPr>
+            <a:r>
+              <a:rPr lang="zh-CN" altLang="en-US" dirty="0">
+                <a:latin typeface="Arial" panose="020B0604020202020204" pitchFamily="34" charset="0"/>
+              </a:rPr>
+              <a:t>运行环境</a:t>
+            </a:r>
+            <a:endParaRPr lang="zh-CN" altLang="en-US" dirty="0">
+              <a:latin typeface="Arial" panose="020B0604020202020204" pitchFamily="34" charset="0"/>
+            </a:endParaRPr>
+          </a:p>
+          <a:p>
+            <a:pPr marL="0" indent="0">
+              <a:buNone/>
+            </a:pPr>
+            <a:r>
+              <a:rPr lang="en-US" altLang="zh-CN" dirty="0">
+                <a:latin typeface="Arial" panose="020B0604020202020204" pitchFamily="34" charset="0"/>
+              </a:rPr>
+              <a:t>python3.6</a:t>
+            </a:r>
+            <a:endParaRPr lang="en-US" altLang="zh-CN" dirty="0">
+              <a:latin typeface="Arial" panose="020B0604020202020204" pitchFamily="34" charset="0"/>
+            </a:endParaRPr>
+          </a:p>
+          <a:p>
+            <a:pPr marL="0" indent="0">
+              <a:buNone/>
+            </a:pPr>
+            <a:r>
+              <a:rPr lang="en-US" altLang="zh-CN" dirty="0">
+                <a:latin typeface="Arial" panose="020B0604020202020204" pitchFamily="34" charset="0"/>
+              </a:rPr>
+              <a:t>tensorflow-gpu1.4.0</a:t>
+            </a:r>
+            <a:endParaRPr lang="en-US" altLang="zh-CN" dirty="0">
+              <a:latin typeface="Arial" panose="020B0604020202020204" pitchFamily="34" charset="0"/>
+            </a:endParaRPr>
+          </a:p>
+          <a:p>
+            <a:pPr marL="0" indent="0">
+              <a:buNone/>
+            </a:pPr>
+            <a:endParaRPr lang="en-US" altLang="zh-CN" dirty="0">
+              <a:latin typeface="Arial" panose="020B0604020202020204" pitchFamily="34" charset="0"/>
+            </a:endParaRPr>
+          </a:p>
         </p:txBody>
       </p:sp>
       <p:pic>
         <p:nvPicPr>
-          <p:cNvPr id="3" name="图片 2"/>
+          <p:cNvPr id="5" name="图片 4"/>
           <p:cNvPicPr>
             <a:picLocks noChangeAspect="1"/>
           </p:cNvPicPr>
@@ -19696,8 +18449,8 @@
         </p:blipFill>
         <p:spPr>
           <a:xfrm>
-            <a:off x="5176520" y="1764030"/>
-            <a:ext cx="6849745" cy="3099435"/>
+            <a:off x="5497195" y="490220"/>
+            <a:ext cx="5995035" cy="5876925"/>
           </a:xfrm>
           <a:prstGeom prst="rect">
             <a:avLst/>
@@ -19715,7 +18468,1904 @@
 </p:sld>
 </file>
 
-<file path=ppt/slides/slide21.xml><?xml version="1.0" encoding="utf-8"?>
+<file path=ppt/slides/slide2.xml><?xml version="1.0" encoding="utf-8"?>
+<p:sld xmlns:a="http://schemas.openxmlformats.org/drawingml/2006/main" xmlns:r="http://schemas.openxmlformats.org/officeDocument/2006/relationships" xmlns:p="http://schemas.openxmlformats.org/presentationml/2006/main">
+  <p:cSld>
+    <p:spTree>
+      <p:nvGrpSpPr>
+        <p:cNvPr id="1" name=""/>
+        <p:cNvGrpSpPr/>
+        <p:nvPr/>
+      </p:nvGrpSpPr>
+      <p:grpSpPr>
+        <a:xfrm>
+          <a:off x="0" y="0"/>
+          <a:ext cx="0" cy="0"/>
+          <a:chOff x="0" y="0"/>
+          <a:chExt cx="0" cy="0"/>
+        </a:xfrm>
+      </p:grpSpPr>
+      <p:sp>
+        <p:nvSpPr>
+          <p:cNvPr id="33" name="文本框 32"/>
+          <p:cNvSpPr txBox="1"/>
+          <p:nvPr>
+            <p:custDataLst>
+              <p:tags r:id="rId1"/>
+            </p:custDataLst>
+          </p:nvPr>
+        </p:nvSpPr>
+        <p:spPr>
+          <a:xfrm>
+            <a:off x="7064375" y="1048385"/>
+            <a:ext cx="3481070" cy="521970"/>
+          </a:xfrm>
+          <a:prstGeom prst="rect">
+            <a:avLst/>
+          </a:prstGeom>
+          <a:noFill/>
+        </p:spPr>
+        <p:txBody>
+          <a:bodyPr vert="horz" wrap="square" bIns="0" rtlCol="0" anchor="b" anchorCtr="0">
+            <a:normAutofit/>
+          </a:bodyPr>
+          <a:lstStyle/>
+          <a:p>
+            <a:pPr fontAlgn="auto"/>
+            <a:r>
+              <a:rPr lang="zh-CN" altLang="en-US" sz="2800" spc="300" dirty="0">
+                <a:solidFill>
+                  <a:schemeClr val="accent1"/>
+                </a:solidFill>
+                <a:latin typeface="Arial" panose="020B0604020202020204" pitchFamily="34" charset="0"/>
+                <a:ea typeface="微软雅黑" panose="020B0503020204020204" charset="-122"/>
+              </a:rPr>
+              <a:t>项目需求和数据集</a:t>
+            </a:r>
+            <a:endParaRPr lang="zh-CN" altLang="en-US" sz="2800" spc="300" dirty="0">
+              <a:solidFill>
+                <a:schemeClr val="accent1"/>
+              </a:solidFill>
+              <a:latin typeface="Arial" panose="020B0604020202020204" pitchFamily="34" charset="0"/>
+              <a:ea typeface="微软雅黑" panose="020B0503020204020204" charset="-122"/>
+            </a:endParaRPr>
+          </a:p>
+        </p:txBody>
+      </p:sp>
+      <p:sp>
+        <p:nvSpPr>
+          <p:cNvPr id="35" name="椭圆 34"/>
+          <p:cNvSpPr/>
+          <p:nvPr>
+            <p:custDataLst>
+              <p:tags r:id="rId2"/>
+            </p:custDataLst>
+          </p:nvPr>
+        </p:nvSpPr>
+        <p:spPr>
+          <a:xfrm>
+            <a:off x="6257925" y="1151255"/>
+            <a:ext cx="826135" cy="648970"/>
+          </a:xfrm>
+          <a:prstGeom prst="ellipse">
+            <a:avLst/>
+          </a:prstGeom>
+          <a:ln w="12700">
+            <a:noFill/>
+          </a:ln>
+        </p:spPr>
+        <p:txBody>
+          <a:bodyPr wrap="square">
+            <a:normAutofit fontScale="97500"/>
+          </a:bodyPr>
+          <a:lstStyle/>
+          <a:p>
+            <a:pPr algn="ctr"/>
+            <a:r>
+              <a:rPr lang="en-US" altLang="zh-CN" sz="2400" dirty="0">
+                <a:solidFill>
+                  <a:schemeClr val="accent1"/>
+                </a:solidFill>
+                <a:latin typeface="Arial" panose="020B0604020202020204" pitchFamily="34" charset="0"/>
+                <a:ea typeface="微软雅黑" panose="020B0503020204020204" charset="-122"/>
+              </a:rPr>
+              <a:t>01</a:t>
+            </a:r>
+            <a:endParaRPr lang="zh-CN" altLang="en-US" sz="2400" dirty="0">
+              <a:solidFill>
+                <a:schemeClr val="accent1"/>
+              </a:solidFill>
+              <a:latin typeface="Arial" panose="020B0604020202020204" pitchFamily="34" charset="0"/>
+            </a:endParaRPr>
+          </a:p>
+        </p:txBody>
+      </p:sp>
+      <p:sp>
+        <p:nvSpPr>
+          <p:cNvPr id="36" name="矩形 35"/>
+          <p:cNvSpPr/>
+          <p:nvPr>
+            <p:custDataLst>
+              <p:tags r:id="rId3"/>
+            </p:custDataLst>
+          </p:nvPr>
+        </p:nvSpPr>
+        <p:spPr>
+          <a:xfrm rot="2700000">
+            <a:off x="6463665" y="1252220"/>
+            <a:ext cx="414655" cy="414655"/>
+          </a:xfrm>
+          <a:prstGeom prst="rect">
+            <a:avLst/>
+          </a:prstGeom>
+          <a:noFill/>
+          <a:ln w="12700">
+            <a:solidFill>
+              <a:schemeClr val="accent2"/>
+            </a:solidFill>
+          </a:ln>
+        </p:spPr>
+        <p:style>
+          <a:lnRef idx="2">
+            <a:schemeClr val="accent1">
+              <a:shade val="50000"/>
+            </a:schemeClr>
+          </a:lnRef>
+          <a:fillRef idx="1">
+            <a:schemeClr val="accent1"/>
+          </a:fillRef>
+          <a:effectRef idx="0">
+            <a:schemeClr val="accent1"/>
+          </a:effectRef>
+          <a:fontRef idx="minor">
+            <a:schemeClr val="lt1"/>
+          </a:fontRef>
+        </p:style>
+        <p:txBody>
+          <a:bodyPr rtlCol="0" anchor="ctr">
+            <a:normAutofit fontScale="90000" lnSpcReduction="10000"/>
+          </a:bodyPr>
+          <a:lstStyle/>
+          <a:p>
+            <a:pPr algn="ctr"/>
+            <a:endParaRPr lang="zh-CN" altLang="en-US" sz="2400">
+              <a:solidFill>
+                <a:schemeClr val="accent1"/>
+              </a:solidFill>
+              <a:latin typeface="Arial" panose="020B0604020202020204" pitchFamily="34" charset="0"/>
+            </a:endParaRPr>
+          </a:p>
+        </p:txBody>
+      </p:sp>
+      <p:sp>
+        <p:nvSpPr>
+          <p:cNvPr id="37" name="文本框 36"/>
+          <p:cNvSpPr txBox="1"/>
+          <p:nvPr>
+            <p:custDataLst>
+              <p:tags r:id="rId4"/>
+            </p:custDataLst>
+          </p:nvPr>
+        </p:nvSpPr>
+        <p:spPr>
+          <a:xfrm>
+            <a:off x="7064375" y="2306955"/>
+            <a:ext cx="3481070" cy="523240"/>
+          </a:xfrm>
+          <a:prstGeom prst="rect">
+            <a:avLst/>
+          </a:prstGeom>
+          <a:noFill/>
+        </p:spPr>
+        <p:txBody>
+          <a:bodyPr vert="horz" wrap="square" bIns="0" rtlCol="0" anchor="b" anchorCtr="0">
+            <a:normAutofit/>
+          </a:bodyPr>
+          <a:lstStyle/>
+          <a:p>
+            <a:pPr fontAlgn="auto"/>
+            <a:r>
+              <a:rPr lang="zh-CN" altLang="en-US" sz="2800" spc="300" dirty="0">
+                <a:solidFill>
+                  <a:schemeClr val="accent1"/>
+                </a:solidFill>
+                <a:latin typeface="Arial" panose="020B0604020202020204" pitchFamily="34" charset="0"/>
+                <a:ea typeface="微软雅黑" panose="020B0503020204020204" charset="-122"/>
+              </a:rPr>
+              <a:t>数据处理</a:t>
+            </a:r>
+            <a:endParaRPr lang="zh-CN" altLang="en-US" sz="2800" spc="300" dirty="0">
+              <a:solidFill>
+                <a:schemeClr val="accent1"/>
+              </a:solidFill>
+              <a:latin typeface="Arial" panose="020B0604020202020204" pitchFamily="34" charset="0"/>
+              <a:ea typeface="微软雅黑" panose="020B0503020204020204" charset="-122"/>
+            </a:endParaRPr>
+          </a:p>
+        </p:txBody>
+      </p:sp>
+      <p:sp>
+        <p:nvSpPr>
+          <p:cNvPr id="39" name="椭圆 38"/>
+          <p:cNvSpPr/>
+          <p:nvPr>
+            <p:custDataLst>
+              <p:tags r:id="rId5"/>
+            </p:custDataLst>
+          </p:nvPr>
+        </p:nvSpPr>
+        <p:spPr>
+          <a:xfrm>
+            <a:off x="6257925" y="2423160"/>
+            <a:ext cx="826135" cy="648970"/>
+          </a:xfrm>
+          <a:prstGeom prst="ellipse">
+            <a:avLst/>
+          </a:prstGeom>
+          <a:ln w="12700">
+            <a:noFill/>
+          </a:ln>
+        </p:spPr>
+        <p:txBody>
+          <a:bodyPr wrap="square">
+            <a:normAutofit fontScale="97500"/>
+          </a:bodyPr>
+          <a:lstStyle/>
+          <a:p>
+            <a:pPr algn="ctr"/>
+            <a:r>
+              <a:rPr lang="en-US" altLang="zh-CN" sz="2400" dirty="0">
+                <a:solidFill>
+                  <a:schemeClr val="accent1"/>
+                </a:solidFill>
+                <a:latin typeface="Arial" panose="020B0604020202020204" pitchFamily="34" charset="0"/>
+                <a:ea typeface="微软雅黑" panose="020B0503020204020204" charset="-122"/>
+              </a:rPr>
+              <a:t>02</a:t>
+            </a:r>
+            <a:endParaRPr lang="zh-CN" altLang="en-US" sz="2400" dirty="0">
+              <a:solidFill>
+                <a:schemeClr val="accent1"/>
+              </a:solidFill>
+              <a:latin typeface="Arial" panose="020B0604020202020204" pitchFamily="34" charset="0"/>
+            </a:endParaRPr>
+          </a:p>
+        </p:txBody>
+      </p:sp>
+      <p:sp>
+        <p:nvSpPr>
+          <p:cNvPr id="40" name="矩形 39"/>
+          <p:cNvSpPr/>
+          <p:nvPr>
+            <p:custDataLst>
+              <p:tags r:id="rId6"/>
+            </p:custDataLst>
+          </p:nvPr>
+        </p:nvSpPr>
+        <p:spPr>
+          <a:xfrm rot="2700000">
+            <a:off x="6463665" y="2524125"/>
+            <a:ext cx="414655" cy="414655"/>
+          </a:xfrm>
+          <a:prstGeom prst="rect">
+            <a:avLst/>
+          </a:prstGeom>
+          <a:noFill/>
+          <a:ln w="12700">
+            <a:solidFill>
+              <a:schemeClr val="accent2"/>
+            </a:solidFill>
+          </a:ln>
+        </p:spPr>
+        <p:style>
+          <a:lnRef idx="2">
+            <a:schemeClr val="accent1">
+              <a:shade val="50000"/>
+            </a:schemeClr>
+          </a:lnRef>
+          <a:fillRef idx="1">
+            <a:schemeClr val="accent1"/>
+          </a:fillRef>
+          <a:effectRef idx="0">
+            <a:schemeClr val="accent1"/>
+          </a:effectRef>
+          <a:fontRef idx="minor">
+            <a:schemeClr val="lt1"/>
+          </a:fontRef>
+        </p:style>
+        <p:txBody>
+          <a:bodyPr rtlCol="0" anchor="ctr">
+            <a:normAutofit fontScale="90000" lnSpcReduction="10000"/>
+          </a:bodyPr>
+          <a:lstStyle/>
+          <a:p>
+            <a:pPr algn="ctr"/>
+            <a:endParaRPr lang="zh-CN" altLang="en-US" sz="2400">
+              <a:solidFill>
+                <a:schemeClr val="accent1"/>
+              </a:solidFill>
+              <a:latin typeface="Arial" panose="020B0604020202020204" pitchFamily="34" charset="0"/>
+            </a:endParaRPr>
+          </a:p>
+        </p:txBody>
+      </p:sp>
+      <p:sp>
+        <p:nvSpPr>
+          <p:cNvPr id="41" name="文本框 40"/>
+          <p:cNvSpPr txBox="1"/>
+          <p:nvPr>
+            <p:custDataLst>
+              <p:tags r:id="rId7"/>
+            </p:custDataLst>
+          </p:nvPr>
+        </p:nvSpPr>
+        <p:spPr>
+          <a:xfrm>
+            <a:off x="7064375" y="3565525"/>
+            <a:ext cx="3481070" cy="522605"/>
+          </a:xfrm>
+          <a:prstGeom prst="rect">
+            <a:avLst/>
+          </a:prstGeom>
+          <a:noFill/>
+        </p:spPr>
+        <p:txBody>
+          <a:bodyPr vert="horz" wrap="square" bIns="0" rtlCol="0" anchor="b" anchorCtr="0">
+            <a:normAutofit/>
+          </a:bodyPr>
+          <a:lstStyle/>
+          <a:p>
+            <a:pPr fontAlgn="auto"/>
+            <a:r>
+              <a:rPr lang="zh-CN" altLang="en-US" sz="2800" spc="300" dirty="0">
+                <a:solidFill>
+                  <a:schemeClr val="accent1"/>
+                </a:solidFill>
+                <a:latin typeface="Arial" panose="020B0604020202020204" pitchFamily="34" charset="0"/>
+                <a:ea typeface="微软雅黑" panose="020B0503020204020204" charset="-122"/>
+                <a:sym typeface="+mn-ea"/>
+              </a:rPr>
+              <a:t>数据优化</a:t>
+            </a:r>
+            <a:endParaRPr lang="zh-CN" altLang="en-US" sz="2800" spc="300" dirty="0">
+              <a:solidFill>
+                <a:schemeClr val="accent1"/>
+              </a:solidFill>
+              <a:latin typeface="Arial" panose="020B0604020202020204" pitchFamily="34" charset="0"/>
+              <a:ea typeface="微软雅黑" panose="020B0503020204020204" charset="-122"/>
+              <a:sym typeface="+mn-ea"/>
+            </a:endParaRPr>
+          </a:p>
+        </p:txBody>
+      </p:sp>
+      <p:sp>
+        <p:nvSpPr>
+          <p:cNvPr id="43" name="椭圆 42"/>
+          <p:cNvSpPr/>
+          <p:nvPr>
+            <p:custDataLst>
+              <p:tags r:id="rId8"/>
+            </p:custDataLst>
+          </p:nvPr>
+        </p:nvSpPr>
+        <p:spPr>
+          <a:xfrm>
+            <a:off x="6257925" y="3693160"/>
+            <a:ext cx="826135" cy="648970"/>
+          </a:xfrm>
+          <a:prstGeom prst="ellipse">
+            <a:avLst/>
+          </a:prstGeom>
+          <a:ln w="12700">
+            <a:noFill/>
+          </a:ln>
+        </p:spPr>
+        <p:txBody>
+          <a:bodyPr wrap="square">
+            <a:normAutofit fontScale="97500"/>
+          </a:bodyPr>
+          <a:lstStyle/>
+          <a:p>
+            <a:pPr algn="ctr"/>
+            <a:r>
+              <a:rPr lang="en-US" altLang="zh-CN" sz="2400" dirty="0">
+                <a:solidFill>
+                  <a:schemeClr val="accent1"/>
+                </a:solidFill>
+                <a:latin typeface="Arial" panose="020B0604020202020204" pitchFamily="34" charset="0"/>
+                <a:ea typeface="微软雅黑" panose="020B0503020204020204" charset="-122"/>
+              </a:rPr>
+              <a:t>03</a:t>
+            </a:r>
+            <a:endParaRPr lang="zh-CN" altLang="en-US" sz="2400" dirty="0">
+              <a:solidFill>
+                <a:schemeClr val="accent1"/>
+              </a:solidFill>
+              <a:latin typeface="Arial" panose="020B0604020202020204" pitchFamily="34" charset="0"/>
+            </a:endParaRPr>
+          </a:p>
+        </p:txBody>
+      </p:sp>
+      <p:sp>
+        <p:nvSpPr>
+          <p:cNvPr id="44" name="矩形 43"/>
+          <p:cNvSpPr/>
+          <p:nvPr>
+            <p:custDataLst>
+              <p:tags r:id="rId9"/>
+            </p:custDataLst>
+          </p:nvPr>
+        </p:nvSpPr>
+        <p:spPr>
+          <a:xfrm rot="2700000">
+            <a:off x="6463665" y="3794125"/>
+            <a:ext cx="414655" cy="414655"/>
+          </a:xfrm>
+          <a:prstGeom prst="rect">
+            <a:avLst/>
+          </a:prstGeom>
+          <a:noFill/>
+          <a:ln w="12700">
+            <a:solidFill>
+              <a:schemeClr val="accent2"/>
+            </a:solidFill>
+          </a:ln>
+        </p:spPr>
+        <p:style>
+          <a:lnRef idx="2">
+            <a:schemeClr val="accent1">
+              <a:shade val="50000"/>
+            </a:schemeClr>
+          </a:lnRef>
+          <a:fillRef idx="1">
+            <a:schemeClr val="accent1"/>
+          </a:fillRef>
+          <a:effectRef idx="0">
+            <a:schemeClr val="accent1"/>
+          </a:effectRef>
+          <a:fontRef idx="minor">
+            <a:schemeClr val="lt1"/>
+          </a:fontRef>
+        </p:style>
+        <p:txBody>
+          <a:bodyPr rtlCol="0" anchor="ctr">
+            <a:normAutofit fontScale="90000" lnSpcReduction="10000"/>
+          </a:bodyPr>
+          <a:lstStyle/>
+          <a:p>
+            <a:pPr algn="ctr"/>
+            <a:endParaRPr lang="zh-CN" altLang="en-US" sz="2400">
+              <a:solidFill>
+                <a:schemeClr val="accent1"/>
+              </a:solidFill>
+              <a:latin typeface="Arial" panose="020B0604020202020204" pitchFamily="34" charset="0"/>
+            </a:endParaRPr>
+          </a:p>
+        </p:txBody>
+      </p:sp>
+      <p:sp>
+        <p:nvSpPr>
+          <p:cNvPr id="45" name="文本框 44"/>
+          <p:cNvSpPr txBox="1"/>
+          <p:nvPr>
+            <p:custDataLst>
+              <p:tags r:id="rId10"/>
+            </p:custDataLst>
+          </p:nvPr>
+        </p:nvSpPr>
+        <p:spPr>
+          <a:xfrm>
+            <a:off x="7064375" y="4825365"/>
+            <a:ext cx="3481070" cy="522605"/>
+          </a:xfrm>
+          <a:prstGeom prst="rect">
+            <a:avLst/>
+          </a:prstGeom>
+          <a:noFill/>
+        </p:spPr>
+        <p:txBody>
+          <a:bodyPr vert="horz" wrap="square" bIns="0" rtlCol="0" anchor="b" anchorCtr="0">
+            <a:normAutofit/>
+          </a:bodyPr>
+          <a:lstStyle/>
+          <a:p>
+            <a:pPr fontAlgn="auto"/>
+            <a:r>
+              <a:rPr lang="zh-CN" altLang="en-US" sz="2800" spc="300" dirty="0">
+                <a:solidFill>
+                  <a:schemeClr val="accent1"/>
+                </a:solidFill>
+                <a:latin typeface="Arial" panose="020B0604020202020204" pitchFamily="34" charset="0"/>
+                <a:ea typeface="微软雅黑" panose="020B0503020204020204" charset="-122"/>
+                <a:sym typeface="+mn-ea"/>
+              </a:rPr>
+              <a:t>模型</a:t>
+            </a:r>
+            <a:endParaRPr lang="zh-CN" altLang="en-US" sz="2800" spc="300" dirty="0">
+              <a:solidFill>
+                <a:schemeClr val="accent1"/>
+              </a:solidFill>
+              <a:latin typeface="Arial" panose="020B0604020202020204" pitchFamily="34" charset="0"/>
+              <a:ea typeface="微软雅黑" panose="020B0503020204020204" charset="-122"/>
+              <a:sym typeface="+mn-ea"/>
+            </a:endParaRPr>
+          </a:p>
+        </p:txBody>
+      </p:sp>
+      <p:sp>
+        <p:nvSpPr>
+          <p:cNvPr id="47" name="椭圆 46"/>
+          <p:cNvSpPr/>
+          <p:nvPr>
+            <p:custDataLst>
+              <p:tags r:id="rId11"/>
+            </p:custDataLst>
+          </p:nvPr>
+        </p:nvSpPr>
+        <p:spPr>
+          <a:xfrm>
+            <a:off x="6257925" y="4965700"/>
+            <a:ext cx="826135" cy="648970"/>
+          </a:xfrm>
+          <a:prstGeom prst="ellipse">
+            <a:avLst/>
+          </a:prstGeom>
+          <a:ln w="12700">
+            <a:noFill/>
+          </a:ln>
+        </p:spPr>
+        <p:txBody>
+          <a:bodyPr wrap="square">
+            <a:normAutofit fontScale="97500"/>
+          </a:bodyPr>
+          <a:lstStyle/>
+          <a:p>
+            <a:pPr algn="ctr"/>
+            <a:r>
+              <a:rPr lang="en-US" altLang="zh-CN" sz="2400" dirty="0">
+                <a:solidFill>
+                  <a:schemeClr val="accent1"/>
+                </a:solidFill>
+                <a:latin typeface="Arial" panose="020B0604020202020204" pitchFamily="34" charset="0"/>
+                <a:ea typeface="微软雅黑" panose="020B0503020204020204" charset="-122"/>
+              </a:rPr>
+              <a:t>04</a:t>
+            </a:r>
+            <a:endParaRPr lang="zh-CN" altLang="en-US" sz="2400" dirty="0">
+              <a:solidFill>
+                <a:schemeClr val="accent1"/>
+              </a:solidFill>
+              <a:latin typeface="Arial" panose="020B0604020202020204" pitchFamily="34" charset="0"/>
+            </a:endParaRPr>
+          </a:p>
+        </p:txBody>
+      </p:sp>
+      <p:sp>
+        <p:nvSpPr>
+          <p:cNvPr id="48" name="矩形 47"/>
+          <p:cNvSpPr/>
+          <p:nvPr>
+            <p:custDataLst>
+              <p:tags r:id="rId12"/>
+            </p:custDataLst>
+          </p:nvPr>
+        </p:nvSpPr>
+        <p:spPr>
+          <a:xfrm rot="2700000">
+            <a:off x="6463665" y="5066665"/>
+            <a:ext cx="414655" cy="414655"/>
+          </a:xfrm>
+          <a:prstGeom prst="rect">
+            <a:avLst/>
+          </a:prstGeom>
+          <a:noFill/>
+          <a:ln w="12700">
+            <a:solidFill>
+              <a:schemeClr val="accent2"/>
+            </a:solidFill>
+          </a:ln>
+        </p:spPr>
+        <p:style>
+          <a:lnRef idx="2">
+            <a:schemeClr val="accent1">
+              <a:shade val="50000"/>
+            </a:schemeClr>
+          </a:lnRef>
+          <a:fillRef idx="1">
+            <a:schemeClr val="accent1"/>
+          </a:fillRef>
+          <a:effectRef idx="0">
+            <a:schemeClr val="accent1"/>
+          </a:effectRef>
+          <a:fontRef idx="minor">
+            <a:schemeClr val="lt1"/>
+          </a:fontRef>
+        </p:style>
+        <p:txBody>
+          <a:bodyPr rtlCol="0" anchor="ctr">
+            <a:normAutofit fontScale="90000" lnSpcReduction="10000"/>
+          </a:bodyPr>
+          <a:lstStyle/>
+          <a:p>
+            <a:pPr algn="ctr"/>
+            <a:endParaRPr lang="zh-CN" altLang="en-US" sz="2400">
+              <a:solidFill>
+                <a:schemeClr val="accent1"/>
+              </a:solidFill>
+              <a:latin typeface="Arial" panose="020B0604020202020204" pitchFamily="34" charset="0"/>
+            </a:endParaRPr>
+          </a:p>
+        </p:txBody>
+      </p:sp>
+      <p:sp>
+        <p:nvSpPr>
+          <p:cNvPr id="30" name="文本框 29"/>
+          <p:cNvSpPr txBox="1"/>
+          <p:nvPr>
+            <p:custDataLst>
+              <p:tags r:id="rId13"/>
+            </p:custDataLst>
+          </p:nvPr>
+        </p:nvSpPr>
+        <p:spPr>
+          <a:xfrm>
+            <a:off x="2131493" y="2693416"/>
+            <a:ext cx="2141674" cy="843556"/>
+          </a:xfrm>
+          <a:prstGeom prst="rect">
+            <a:avLst/>
+          </a:prstGeom>
+          <a:noFill/>
+        </p:spPr>
+        <p:txBody>
+          <a:bodyPr vert="horz" wrap="square" rtlCol="0">
+            <a:normAutofit/>
+          </a:bodyPr>
+          <a:lstStyle/>
+          <a:p>
+            <a:pPr algn="ctr"/>
+            <a:r>
+              <a:rPr lang="zh-CN" altLang="en-US" sz="4800" spc="600" dirty="0">
+                <a:solidFill>
+                  <a:schemeClr val="accent1"/>
+                </a:solidFill>
+                <a:latin typeface="Arial" panose="020B0604020202020204" pitchFamily="34" charset="0"/>
+                <a:ea typeface="汉仪旗黑-85S" panose="00020600040101010101" pitchFamily="18" charset="-122"/>
+                <a:cs typeface="微软雅黑" panose="020B0503020204020204" charset="-122"/>
+              </a:rPr>
+              <a:t>目 录</a:t>
+            </a:r>
+            <a:endParaRPr lang="zh-CN" altLang="en-US" sz="4800" spc="600" dirty="0">
+              <a:solidFill>
+                <a:schemeClr val="accent1"/>
+              </a:solidFill>
+              <a:latin typeface="Arial" panose="020B0604020202020204" pitchFamily="34" charset="0"/>
+              <a:ea typeface="汉仪旗黑-85S" panose="00020600040101010101" pitchFamily="18" charset="-122"/>
+              <a:cs typeface="微软雅黑" panose="020B0503020204020204" charset="-122"/>
+            </a:endParaRPr>
+          </a:p>
+        </p:txBody>
+      </p:sp>
+      <p:sp>
+        <p:nvSpPr>
+          <p:cNvPr id="49" name="矩形 48"/>
+          <p:cNvSpPr/>
+          <p:nvPr>
+            <p:custDataLst>
+              <p:tags r:id="rId14"/>
+            </p:custDataLst>
+          </p:nvPr>
+        </p:nvSpPr>
+        <p:spPr>
+          <a:xfrm>
+            <a:off x="2298196" y="3337792"/>
+            <a:ext cx="1807892" cy="456535"/>
+          </a:xfrm>
+          <a:prstGeom prst="rect">
+            <a:avLst/>
+          </a:prstGeom>
+        </p:spPr>
+        <p:txBody>
+          <a:bodyPr vert="horz" wrap="square">
+            <a:normAutofit/>
+          </a:bodyPr>
+          <a:lstStyle/>
+          <a:p>
+            <a:pPr algn="ctr">
+              <a:lnSpc>
+                <a:spcPct val="150000"/>
+              </a:lnSpc>
+            </a:pPr>
+            <a:r>
+              <a:rPr lang="en-US" altLang="zh-CN" spc="300" dirty="0">
+                <a:solidFill>
+                  <a:schemeClr val="accent1"/>
+                </a:solidFill>
+                <a:latin typeface="Arial" panose="020B0604020202020204" pitchFamily="34" charset="0"/>
+                <a:ea typeface="微软雅黑" panose="020B0503020204020204" charset="-122"/>
+                <a:cs typeface="Arial" panose="020B0604020202020204" pitchFamily="34" charset="0"/>
+              </a:rPr>
+              <a:t>CONTENTS</a:t>
+            </a:r>
+            <a:endParaRPr lang="en-US" altLang="zh-CN" spc="300" dirty="0">
+              <a:solidFill>
+                <a:schemeClr val="accent1"/>
+              </a:solidFill>
+              <a:latin typeface="Arial" panose="020B0604020202020204" pitchFamily="34" charset="0"/>
+              <a:ea typeface="微软雅黑" panose="020B0503020204020204" charset="-122"/>
+              <a:cs typeface="Arial" panose="020B0604020202020204" pitchFamily="34" charset="0"/>
+            </a:endParaRPr>
+          </a:p>
+        </p:txBody>
+      </p:sp>
+    </p:spTree>
+    <p:custDataLst>
+      <p:tags r:id="rId15"/>
+    </p:custDataLst>
+  </p:cSld>
+  <p:clrMapOvr>
+    <a:masterClrMapping/>
+  </p:clrMapOvr>
+</p:sld>
+</file>
+
+<file path=ppt/slides/slide20.xml><?xml version="1.0" encoding="utf-8"?>
+<p:sld xmlns:a="http://schemas.openxmlformats.org/drawingml/2006/main" xmlns:r="http://schemas.openxmlformats.org/officeDocument/2006/relationships" xmlns:p="http://schemas.openxmlformats.org/presentationml/2006/main">
+  <p:cSld>
+    <p:spTree>
+      <p:nvGrpSpPr>
+        <p:cNvPr id="1" name=""/>
+        <p:cNvGrpSpPr/>
+        <p:nvPr/>
+      </p:nvGrpSpPr>
+      <p:grpSpPr>
+        <a:xfrm>
+          <a:off x="0" y="0"/>
+          <a:ext cx="0" cy="0"/>
+          <a:chOff x="0" y="0"/>
+          <a:chExt cx="0" cy="0"/>
+        </a:xfrm>
+      </p:grpSpPr>
+      <p:sp>
+        <p:nvSpPr>
+          <p:cNvPr id="3" name="标题 2"/>
+          <p:cNvSpPr>
+            <a:spLocks noGrp="1"/>
+          </p:cNvSpPr>
+          <p:nvPr>
+            <p:ph type="title"/>
+            <p:custDataLst>
+              <p:tags r:id="rId1"/>
+            </p:custDataLst>
+          </p:nvPr>
+        </p:nvSpPr>
+        <p:spPr/>
+        <p:txBody>
+          <a:bodyPr/>
+          <a:lstStyle/>
+          <a:p>
+            <a:r>
+              <a:rPr lang="zh-CN" altLang="en-US" dirty="0"/>
+              <a:t>谢谢观赏</a:t>
+            </a:r>
+            <a:endParaRPr lang="zh-CN" altLang="en-US" dirty="0"/>
+          </a:p>
+        </p:txBody>
+      </p:sp>
+      <p:sp>
+        <p:nvSpPr>
+          <p:cNvPr id="4" name="文本占位符 3"/>
+          <p:cNvSpPr>
+            <a:spLocks noGrp="1"/>
+          </p:cNvSpPr>
+          <p:nvPr>
+            <p:ph type="body" sz="quarter" idx="13"/>
+            <p:custDataLst>
+              <p:tags r:id="rId2"/>
+            </p:custDataLst>
+          </p:nvPr>
+        </p:nvSpPr>
+        <p:spPr/>
+        <p:txBody>
+          <a:bodyPr>
+            <a:normAutofit lnSpcReduction="10000"/>
+          </a:bodyPr>
+          <a:lstStyle/>
+          <a:p>
+            <a:r>
+              <a:rPr lang="zh-CN" altLang="en-US" dirty="0"/>
+              <a:t>单击此处添加文本</a:t>
+            </a:r>
+            <a:endParaRPr lang="zh-CN" altLang="en-US" dirty="0"/>
+          </a:p>
+        </p:txBody>
+      </p:sp>
+    </p:spTree>
+    <p:custDataLst>
+      <p:tags r:id="rId3"/>
+    </p:custDataLst>
+  </p:cSld>
+  <p:clrMapOvr>
+    <a:masterClrMapping/>
+  </p:clrMapOvr>
+</p:sld>
+</file>
+
+<file path=ppt/slides/slide3.xml><?xml version="1.0" encoding="utf-8"?>
+<p:sld xmlns:a="http://schemas.openxmlformats.org/drawingml/2006/main" xmlns:r="http://schemas.openxmlformats.org/officeDocument/2006/relationships" xmlns:p="http://schemas.openxmlformats.org/presentationml/2006/main">
+  <p:cSld>
+    <p:spTree>
+      <p:nvGrpSpPr>
+        <p:cNvPr id="1" name=""/>
+        <p:cNvGrpSpPr/>
+        <p:nvPr/>
+      </p:nvGrpSpPr>
+      <p:grpSpPr>
+        <a:xfrm>
+          <a:off x="0" y="0"/>
+          <a:ext cx="0" cy="0"/>
+          <a:chOff x="0" y="0"/>
+          <a:chExt cx="0" cy="0"/>
+        </a:xfrm>
+      </p:grpSpPr>
+      <p:sp>
+        <p:nvSpPr>
+          <p:cNvPr id="28" name="文本框 27"/>
+          <p:cNvSpPr txBox="1"/>
+          <p:nvPr>
+            <p:custDataLst>
+              <p:tags r:id="rId1"/>
+            </p:custDataLst>
+          </p:nvPr>
+        </p:nvSpPr>
+        <p:spPr>
+          <a:xfrm>
+            <a:off x="5048221" y="2504365"/>
+            <a:ext cx="2095555" cy="584775"/>
+          </a:xfrm>
+          <a:prstGeom prst="rect">
+            <a:avLst/>
+          </a:prstGeom>
+          <a:noFill/>
+        </p:spPr>
+        <p:txBody>
+          <a:bodyPr wrap="square" rtlCol="0">
+            <a:normAutofit/>
+          </a:bodyPr>
+          <a:lstStyle/>
+          <a:p>
+            <a:pPr algn="ctr"/>
+            <a:r>
+              <a:rPr lang="en-US" altLang="zh-CN" sz="3200" dirty="0">
+                <a:solidFill>
+                  <a:schemeClr val="accent1"/>
+                </a:solidFill>
+                <a:latin typeface="Arial" panose="020B0604020202020204" pitchFamily="34" charset="0"/>
+                <a:ea typeface="微软雅黑" panose="020B0503020204020204" charset="-122"/>
+              </a:rPr>
+              <a:t>Part  01</a:t>
+            </a:r>
+            <a:endParaRPr lang="en-US" altLang="zh-CN" sz="3200" dirty="0">
+              <a:solidFill>
+                <a:schemeClr val="accent1"/>
+              </a:solidFill>
+              <a:latin typeface="Arial" panose="020B0604020202020204" pitchFamily="34" charset="0"/>
+              <a:ea typeface="微软雅黑" panose="020B0503020204020204" charset="-122"/>
+            </a:endParaRPr>
+          </a:p>
+        </p:txBody>
+      </p:sp>
+      <p:sp>
+        <p:nvSpPr>
+          <p:cNvPr id="2" name="标题 1"/>
+          <p:cNvSpPr>
+            <a:spLocks noGrp="1"/>
+          </p:cNvSpPr>
+          <p:nvPr>
+            <p:ph type="title"/>
+            <p:custDataLst>
+              <p:tags r:id="rId2"/>
+            </p:custDataLst>
+          </p:nvPr>
+        </p:nvSpPr>
+        <p:spPr/>
+        <p:txBody>
+          <a:bodyPr>
+            <a:normAutofit fontScale="90000"/>
+          </a:bodyPr>
+          <a:lstStyle/>
+          <a:p>
+            <a:r>
+              <a:rPr lang="zh-CN" altLang="zh-CN" dirty="0">
+                <a:sym typeface="+mn-ea"/>
+              </a:rPr>
+              <a:t>项目需求</a:t>
+            </a:r>
+            <a:br>
+              <a:rPr lang="zh-CN" altLang="zh-CN" dirty="0"/>
+            </a:br>
+            <a:endParaRPr lang="zh-CN" altLang="en-US" dirty="0"/>
+          </a:p>
+        </p:txBody>
+      </p:sp>
+    </p:spTree>
+    <p:custDataLst>
+      <p:tags r:id="rId3"/>
+    </p:custDataLst>
+  </p:cSld>
+  <p:clrMapOvr>
+    <a:masterClrMapping/>
+  </p:clrMapOvr>
+</p:sld>
+</file>
+
+<file path=ppt/slides/slide4.xml><?xml version="1.0" encoding="utf-8"?>
+<p:sld xmlns:a="http://schemas.openxmlformats.org/drawingml/2006/main" xmlns:r="http://schemas.openxmlformats.org/officeDocument/2006/relationships" xmlns:p="http://schemas.openxmlformats.org/presentationml/2006/main">
+  <p:cSld>
+    <p:bg>
+      <p:bgPr>
+        <a:solidFill>
+          <a:srgbClr val="F3F8F8"/>
+        </a:solidFill>
+        <a:effectLst/>
+      </p:bgPr>
+    </p:bg>
+    <p:spTree>
+      <p:nvGrpSpPr>
+        <p:cNvPr id="1" name=""/>
+        <p:cNvGrpSpPr/>
+        <p:nvPr/>
+      </p:nvGrpSpPr>
+      <p:grpSpPr>
+        <a:xfrm>
+          <a:off x="0" y="0"/>
+          <a:ext cx="0" cy="0"/>
+          <a:chOff x="0" y="0"/>
+          <a:chExt cx="0" cy="0"/>
+        </a:xfrm>
+      </p:grpSpPr>
+      <p:sp>
+        <p:nvSpPr>
+          <p:cNvPr id="3" name="标题 2"/>
+          <p:cNvSpPr>
+            <a:spLocks noGrp="1"/>
+          </p:cNvSpPr>
+          <p:nvPr>
+            <p:ph type="title"/>
+            <p:custDataLst>
+              <p:tags r:id="rId1"/>
+            </p:custDataLst>
+          </p:nvPr>
+        </p:nvSpPr>
+        <p:spPr/>
+        <p:txBody>
+          <a:bodyPr>
+            <a:normAutofit/>
+          </a:bodyPr>
+          <a:lstStyle/>
+          <a:p>
+            <a:r>
+              <a:rPr lang="zh-CN" altLang="zh-CN" dirty="0"/>
+              <a:t>项目需求</a:t>
+            </a:r>
+            <a:endParaRPr lang="zh-CN" altLang="zh-CN" dirty="0"/>
+          </a:p>
+        </p:txBody>
+      </p:sp>
+      <p:sp>
+        <p:nvSpPr>
+          <p:cNvPr id="4" name="内容占位符 3"/>
+          <p:cNvSpPr>
+            <a:spLocks noGrp="1"/>
+          </p:cNvSpPr>
+          <p:nvPr>
+            <p:ph sz="quarter" idx="13"/>
+            <p:custDataLst>
+              <p:tags r:id="rId2"/>
+            </p:custDataLst>
+          </p:nvPr>
+        </p:nvSpPr>
+        <p:spPr/>
+        <p:txBody>
+          <a:bodyPr/>
+          <a:lstStyle/>
+          <a:p>
+            <a:pPr marL="0" indent="0" fontAlgn="auto">
+              <a:lnSpc>
+                <a:spcPct val="140000"/>
+              </a:lnSpc>
+              <a:buNone/>
+            </a:pPr>
+            <a:r>
+              <a:rPr lang="zh-CN" altLang="en-US" sz="1800" dirty="0"/>
+              <a:t>这个挑战是Coursera课程“如何赢得数据科学竞赛”的最终项目。</a:t>
+            </a:r>
+            <a:endParaRPr lang="zh-CN" altLang="en-US" sz="1800" dirty="0"/>
+          </a:p>
+          <a:p>
+            <a:pPr marL="0" indent="0" fontAlgn="auto">
+              <a:lnSpc>
+                <a:spcPct val="140000"/>
+              </a:lnSpc>
+              <a:buNone/>
+            </a:pPr>
+            <a:r>
+              <a:rPr lang="zh-CN" altLang="en-US" sz="1800" dirty="0"/>
+              <a:t>使用具有挑战性的</a:t>
+            </a:r>
+            <a:r>
+              <a:rPr lang="zh-CN" altLang="en-US" sz="1800" dirty="0">
+                <a:solidFill>
+                  <a:srgbClr val="FF0000"/>
+                </a:solidFill>
+              </a:rPr>
+              <a:t>时间序列</a:t>
+            </a:r>
+            <a:r>
+              <a:rPr lang="zh-CN" altLang="en-US" sz="1800" dirty="0"/>
+              <a:t>数据集，包括每日销售数据，由俄罗斯最大的软件公司之一1C公司提供。</a:t>
+            </a:r>
+            <a:endParaRPr lang="zh-CN" altLang="en-US" sz="1800" dirty="0"/>
+          </a:p>
+          <a:p>
+            <a:pPr marL="0" indent="0" fontAlgn="auto">
+              <a:lnSpc>
+                <a:spcPct val="140000"/>
+              </a:lnSpc>
+              <a:buNone/>
+            </a:pPr>
+            <a:r>
+              <a:rPr lang="zh-CN" altLang="en-US" sz="1800" dirty="0"/>
+              <a:t>我们要求你预测下个月所有产品和店铺的总销售额。通过解决这个竞赛，你将能够应用和提高你的数据科学技能。</a:t>
+            </a:r>
+            <a:endParaRPr lang="zh-CN" altLang="en-US" sz="1800" dirty="0"/>
+          </a:p>
+        </p:txBody>
+      </p:sp>
+    </p:spTree>
+    <p:custDataLst>
+      <p:tags r:id="rId3"/>
+    </p:custDataLst>
+  </p:cSld>
+  <p:clrMapOvr>
+    <a:masterClrMapping/>
+  </p:clrMapOvr>
+</p:sld>
+</file>
+
+<file path=ppt/slides/slide5.xml><?xml version="1.0" encoding="utf-8"?>
+<p:sld xmlns:a="http://schemas.openxmlformats.org/drawingml/2006/main" xmlns:r="http://schemas.openxmlformats.org/officeDocument/2006/relationships" xmlns:p="http://schemas.openxmlformats.org/presentationml/2006/main">
+  <p:cSld>
+    <p:bg>
+      <p:bgPr>
+        <a:solidFill>
+          <a:srgbClr val="F3F8F8"/>
+        </a:solidFill>
+        <a:effectLst/>
+      </p:bgPr>
+    </p:bg>
+    <p:spTree>
+      <p:nvGrpSpPr>
+        <p:cNvPr id="1" name=""/>
+        <p:cNvGrpSpPr/>
+        <p:nvPr/>
+      </p:nvGrpSpPr>
+      <p:grpSpPr>
+        <a:xfrm>
+          <a:off x="0" y="0"/>
+          <a:ext cx="0" cy="0"/>
+          <a:chOff x="0" y="0"/>
+          <a:chExt cx="0" cy="0"/>
+        </a:xfrm>
+      </p:grpSpPr>
+      <p:sp>
+        <p:nvSpPr>
+          <p:cNvPr id="3" name="标题 2"/>
+          <p:cNvSpPr>
+            <a:spLocks noGrp="1"/>
+          </p:cNvSpPr>
+          <p:nvPr>
+            <p:ph type="title"/>
+            <p:custDataLst>
+              <p:tags r:id="rId1"/>
+            </p:custDataLst>
+          </p:nvPr>
+        </p:nvSpPr>
+        <p:spPr>
+          <a:xfrm>
+            <a:off x="1282870" y="1038380"/>
+            <a:ext cx="9626400" cy="723600"/>
+          </a:xfrm>
+        </p:spPr>
+        <p:txBody>
+          <a:bodyPr>
+            <a:normAutofit/>
+          </a:bodyPr>
+          <a:lstStyle/>
+          <a:p>
+            <a:r>
+              <a:rPr lang="zh-CN" altLang="zh-CN" dirty="0"/>
+              <a:t>项目需求</a:t>
+            </a:r>
+            <a:endParaRPr lang="zh-CN" altLang="zh-CN" dirty="0"/>
+          </a:p>
+        </p:txBody>
+      </p:sp>
+      <p:sp>
+        <p:nvSpPr>
+          <p:cNvPr id="4" name="内容占位符 3"/>
+          <p:cNvSpPr>
+            <a:spLocks noGrp="1"/>
+          </p:cNvSpPr>
+          <p:nvPr>
+            <p:ph sz="quarter" idx="13"/>
+            <p:custDataLst>
+              <p:tags r:id="rId2"/>
+            </p:custDataLst>
+          </p:nvPr>
+        </p:nvSpPr>
+        <p:spPr>
+          <a:xfrm>
+            <a:off x="1282700" y="1762125"/>
+            <a:ext cx="7307580" cy="3445510"/>
+          </a:xfrm>
+        </p:spPr>
+        <p:txBody>
+          <a:bodyPr>
+            <a:normAutofit lnSpcReduction="20000"/>
+          </a:bodyPr>
+          <a:lstStyle/>
+          <a:p>
+            <a:pPr marL="0" indent="0" fontAlgn="auto">
+              <a:lnSpc>
+                <a:spcPct val="140000"/>
+              </a:lnSpc>
+              <a:buNone/>
+            </a:pPr>
+            <a:r>
+              <a:rPr lang="zh-CN" altLang="en-US" dirty="0"/>
+              <a:t>提交的评估根均方误差(RMSE)。</a:t>
+            </a:r>
+            <a:endParaRPr lang="zh-CN" altLang="en-US" dirty="0"/>
+          </a:p>
+          <a:p>
+            <a:pPr marL="0" indent="0" fontAlgn="auto">
+              <a:lnSpc>
+                <a:spcPct val="140000"/>
+              </a:lnSpc>
+              <a:buNone/>
+            </a:pPr>
+            <a:r>
+              <a:rPr lang="zh-CN" altLang="en-US" dirty="0"/>
+              <a:t>提交文件：</a:t>
+            </a:r>
+            <a:endParaRPr lang="zh-CN" altLang="en-US" dirty="0"/>
+          </a:p>
+          <a:p>
+            <a:pPr marL="0" indent="0" fontAlgn="auto">
+              <a:lnSpc>
+                <a:spcPct val="140000"/>
+              </a:lnSpc>
+              <a:buNone/>
+            </a:pPr>
+            <a:r>
+              <a:rPr lang="zh-CN" altLang="en-US" dirty="0"/>
+              <a:t>对于测试集中的每个id，必须预测总销售额。该文件应该包含头文件，格式如下:</a:t>
+            </a:r>
+            <a:endParaRPr lang="zh-CN" altLang="en-US" dirty="0"/>
+          </a:p>
+          <a:p>
+            <a:pPr marL="0" indent="0" fontAlgn="auto">
+              <a:lnSpc>
+                <a:spcPct val="140000"/>
+              </a:lnSpc>
+              <a:buNone/>
+            </a:pPr>
+            <a:r>
+              <a:rPr lang="zh-CN" altLang="en-US" dirty="0"/>
+              <a:t>ID, item_cnt_month</a:t>
+            </a:r>
+            <a:endParaRPr lang="zh-CN" altLang="en-US" dirty="0"/>
+          </a:p>
+          <a:p>
+            <a:pPr marL="0" indent="0" fontAlgn="auto">
+              <a:lnSpc>
+                <a:spcPct val="140000"/>
+              </a:lnSpc>
+              <a:buNone/>
+            </a:pPr>
+            <a:r>
+              <a:rPr lang="zh-CN" altLang="en-US" dirty="0"/>
+              <a:t>0, 0.5</a:t>
+            </a:r>
+            <a:endParaRPr lang="zh-CN" altLang="en-US" dirty="0"/>
+          </a:p>
+          <a:p>
+            <a:pPr marL="0" indent="0" fontAlgn="auto">
+              <a:lnSpc>
+                <a:spcPct val="140000"/>
+              </a:lnSpc>
+              <a:buNone/>
+            </a:pPr>
+            <a:r>
+              <a:rPr lang="zh-CN" altLang="en-US" dirty="0"/>
+              <a:t>1、0.5</a:t>
+            </a:r>
+            <a:endParaRPr lang="zh-CN" altLang="en-US" dirty="0"/>
+          </a:p>
+          <a:p>
+            <a:pPr marL="0" indent="0" fontAlgn="auto">
+              <a:lnSpc>
+                <a:spcPct val="140000"/>
+              </a:lnSpc>
+              <a:buNone/>
+            </a:pPr>
+            <a:r>
+              <a:rPr lang="zh-CN" altLang="en-US" dirty="0"/>
+              <a:t>2、0.5</a:t>
+            </a:r>
+            <a:endParaRPr lang="zh-CN" altLang="en-US" dirty="0"/>
+          </a:p>
+          <a:p>
+            <a:pPr marL="0" indent="0" fontAlgn="auto">
+              <a:lnSpc>
+                <a:spcPct val="140000"/>
+              </a:lnSpc>
+              <a:buNone/>
+            </a:pPr>
+            <a:r>
+              <a:rPr lang="zh-CN" altLang="en-US" dirty="0"/>
+              <a:t>3、0.5</a:t>
+            </a:r>
+            <a:endParaRPr lang="zh-CN" altLang="en-US" dirty="0"/>
+          </a:p>
+          <a:p>
+            <a:pPr marL="0" indent="0" fontAlgn="auto">
+              <a:lnSpc>
+                <a:spcPct val="140000"/>
+              </a:lnSpc>
+              <a:buNone/>
+            </a:pPr>
+            <a:r>
+              <a:rPr lang="zh-CN" altLang="en-US" dirty="0"/>
+              <a:t>等。</a:t>
+            </a:r>
+            <a:endParaRPr lang="zh-CN" altLang="en-US" dirty="0"/>
+          </a:p>
+        </p:txBody>
+      </p:sp>
+    </p:spTree>
+    <p:custDataLst>
+      <p:tags r:id="rId3"/>
+    </p:custDataLst>
+  </p:cSld>
+  <p:clrMapOvr>
+    <a:masterClrMapping/>
+  </p:clrMapOvr>
+</p:sld>
+</file>
+
+<file path=ppt/slides/slide6.xml><?xml version="1.0" encoding="utf-8"?>
+<p:sld xmlns:a="http://schemas.openxmlformats.org/drawingml/2006/main" xmlns:r="http://schemas.openxmlformats.org/officeDocument/2006/relationships" xmlns:p="http://schemas.openxmlformats.org/presentationml/2006/main">
+  <p:cSld>
+    <p:bg>
+      <p:bgPr>
+        <a:solidFill>
+          <a:srgbClr val="F3F8F8"/>
+        </a:solidFill>
+        <a:effectLst/>
+      </p:bgPr>
+    </p:bg>
+    <p:spTree>
+      <p:nvGrpSpPr>
+        <p:cNvPr id="1" name=""/>
+        <p:cNvGrpSpPr/>
+        <p:nvPr/>
+      </p:nvGrpSpPr>
+      <p:grpSpPr>
+        <a:xfrm>
+          <a:off x="0" y="0"/>
+          <a:ext cx="0" cy="0"/>
+          <a:chOff x="0" y="0"/>
+          <a:chExt cx="0" cy="0"/>
+        </a:xfrm>
+      </p:grpSpPr>
+      <p:sp>
+        <p:nvSpPr>
+          <p:cNvPr id="3" name="标题 2"/>
+          <p:cNvSpPr>
+            <a:spLocks noGrp="1"/>
+          </p:cNvSpPr>
+          <p:nvPr>
+            <p:ph type="title"/>
+            <p:custDataLst>
+              <p:tags r:id="rId1"/>
+            </p:custDataLst>
+          </p:nvPr>
+        </p:nvSpPr>
+        <p:spPr>
+          <a:xfrm>
+            <a:off x="832020" y="232565"/>
+            <a:ext cx="9626400" cy="723600"/>
+          </a:xfrm>
+        </p:spPr>
+        <p:txBody>
+          <a:bodyPr>
+            <a:normAutofit/>
+          </a:bodyPr>
+          <a:lstStyle/>
+          <a:p>
+            <a:r>
+              <a:rPr lang="zh-CN" altLang="en-US" dirty="0"/>
+              <a:t>数据集</a:t>
+            </a:r>
+            <a:endParaRPr lang="zh-CN" altLang="en-US" dirty="0"/>
+          </a:p>
+        </p:txBody>
+      </p:sp>
+      <p:sp>
+        <p:nvSpPr>
+          <p:cNvPr id="4" name="内容占位符 3"/>
+          <p:cNvSpPr>
+            <a:spLocks noGrp="1"/>
+          </p:cNvSpPr>
+          <p:nvPr>
+            <p:ph sz="quarter" idx="13"/>
+            <p:custDataLst>
+              <p:tags r:id="rId2"/>
+            </p:custDataLst>
+          </p:nvPr>
+        </p:nvSpPr>
+        <p:spPr>
+          <a:xfrm>
+            <a:off x="1024255" y="842010"/>
+            <a:ext cx="10469245" cy="5628640"/>
+          </a:xfrm>
+        </p:spPr>
+        <p:txBody>
+          <a:bodyPr>
+            <a:noAutofit/>
+          </a:bodyPr>
+          <a:lstStyle/>
+          <a:p>
+            <a:pPr marL="0" indent="0" fontAlgn="auto">
+              <a:lnSpc>
+                <a:spcPct val="140000"/>
+              </a:lnSpc>
+              <a:buNone/>
+            </a:pPr>
+            <a:r>
+              <a:rPr lang="zh-CN" altLang="en-US" dirty="0">
+                <a:solidFill>
+                  <a:srgbClr val="FF0000"/>
+                </a:solidFill>
+              </a:rPr>
+              <a:t># ID- 代表测试集中的（商店，商品）元组的ID</a:t>
+            </a:r>
+            <a:endParaRPr lang="zh-CN" altLang="en-US" dirty="0">
+              <a:solidFill>
+                <a:srgbClr val="FF0000"/>
+              </a:solidFill>
+            </a:endParaRPr>
+          </a:p>
+          <a:p>
+            <a:pPr marL="0" indent="0" fontAlgn="auto">
+              <a:lnSpc>
+                <a:spcPct val="140000"/>
+              </a:lnSpc>
+              <a:buNone/>
+            </a:pPr>
+            <a:r>
+              <a:rPr lang="zh-CN" altLang="en-US" dirty="0">
+                <a:solidFill>
+                  <a:srgbClr val="FF0000"/>
+                </a:solidFill>
+              </a:rPr>
+              <a:t># shop_id-商店的唯一标识符</a:t>
+            </a:r>
+            <a:endParaRPr lang="zh-CN" altLang="en-US" dirty="0">
+              <a:solidFill>
+                <a:srgbClr val="FF0000"/>
+              </a:solidFill>
+            </a:endParaRPr>
+          </a:p>
+          <a:p>
+            <a:pPr marL="0" indent="0" fontAlgn="auto">
+              <a:lnSpc>
+                <a:spcPct val="140000"/>
+              </a:lnSpc>
+              <a:buNone/>
+            </a:pPr>
+            <a:r>
+              <a:rPr lang="zh-CN" altLang="en-US" dirty="0">
+                <a:solidFill>
+                  <a:srgbClr val="FF0000"/>
+                </a:solidFill>
+              </a:rPr>
+              <a:t># item_id-产品的唯一标识符</a:t>
+            </a:r>
+            <a:endParaRPr lang="zh-CN" altLang="en-US" dirty="0">
+              <a:solidFill>
+                <a:srgbClr val="FF0000"/>
+              </a:solidFill>
+            </a:endParaRPr>
+          </a:p>
+          <a:p>
+            <a:pPr marL="0" indent="0" fontAlgn="auto">
+              <a:lnSpc>
+                <a:spcPct val="140000"/>
+              </a:lnSpc>
+              <a:buNone/>
+            </a:pPr>
+            <a:r>
+              <a:rPr lang="zh-CN" altLang="en-US" dirty="0">
+                <a:solidFill>
+                  <a:srgbClr val="FF0000"/>
+                </a:solidFill>
+              </a:rPr>
+              <a:t># item_cnt_day-销售的产品数量。您正在预测此量度的每月金额</a:t>
+            </a:r>
+            <a:endParaRPr lang="zh-CN" altLang="en-US" dirty="0">
+              <a:solidFill>
+                <a:srgbClr val="FF0000"/>
+              </a:solidFill>
+            </a:endParaRPr>
+          </a:p>
+          <a:p>
+            <a:pPr marL="0" indent="0" fontAlgn="auto">
+              <a:lnSpc>
+                <a:spcPct val="140000"/>
+              </a:lnSpc>
+              <a:buNone/>
+            </a:pPr>
+            <a:r>
+              <a:rPr lang="zh-CN" altLang="en-US" dirty="0">
+                <a:solidFill>
+                  <a:srgbClr val="FF0000"/>
+                </a:solidFill>
+              </a:rPr>
+              <a:t># item_price-商品的当前价格</a:t>
+            </a:r>
+            <a:endParaRPr lang="zh-CN" altLang="en-US" dirty="0">
+              <a:solidFill>
+                <a:srgbClr val="FF0000"/>
+              </a:solidFill>
+            </a:endParaRPr>
+          </a:p>
+          <a:p>
+            <a:pPr marL="0" indent="0" fontAlgn="auto">
+              <a:lnSpc>
+                <a:spcPct val="140000"/>
+              </a:lnSpc>
+              <a:buNone/>
+            </a:pPr>
+            <a:r>
+              <a:rPr lang="zh-CN" altLang="en-US" dirty="0">
+                <a:solidFill>
+                  <a:srgbClr val="FF0000"/>
+                </a:solidFill>
+              </a:rPr>
+              <a:t># 日期 -格式为dd / mm / yyyy的日期</a:t>
+            </a:r>
+            <a:endParaRPr lang="zh-CN" altLang="en-US" dirty="0">
+              <a:solidFill>
+                <a:srgbClr val="FF0000"/>
+              </a:solidFill>
+            </a:endParaRPr>
+          </a:p>
+          <a:p>
+            <a:pPr marL="0" indent="0" fontAlgn="auto">
+              <a:lnSpc>
+                <a:spcPct val="140000"/>
+              </a:lnSpc>
+              <a:buNone/>
+            </a:pPr>
+            <a:r>
+              <a:rPr lang="zh-CN" altLang="en-US" dirty="0">
+                <a:solidFill>
+                  <a:srgbClr val="FF0000"/>
+                </a:solidFill>
+              </a:rPr>
+              <a:t># date_block_num-连续的月份号，为方便起见。2013年1月为0,2013年2月为1，...，2015年10月为33</a:t>
+            </a:r>
+            <a:endParaRPr lang="zh-CN" altLang="en-US" dirty="0">
+              <a:solidFill>
+                <a:srgbClr val="FF0000"/>
+              </a:solidFill>
+            </a:endParaRPr>
+          </a:p>
+          <a:p>
+            <a:pPr marL="0" indent="0" fontAlgn="auto">
+              <a:lnSpc>
+                <a:spcPct val="140000"/>
+              </a:lnSpc>
+              <a:buNone/>
+            </a:pPr>
+            <a:r>
+              <a:rPr lang="zh-CN" altLang="en-US" dirty="0"/>
+              <a:t># item_name- 项目名称</a:t>
+            </a:r>
+            <a:endParaRPr lang="zh-CN" altLang="en-US" dirty="0"/>
+          </a:p>
+          <a:p>
+            <a:pPr marL="0" indent="0" fontAlgn="auto">
+              <a:lnSpc>
+                <a:spcPct val="140000"/>
+              </a:lnSpc>
+              <a:buNone/>
+            </a:pPr>
+            <a:r>
+              <a:rPr lang="zh-CN" altLang="en-US" dirty="0"/>
+              <a:t># shop_name-商店名称</a:t>
+            </a:r>
+            <a:endParaRPr lang="zh-CN" altLang="en-US" dirty="0"/>
+          </a:p>
+          <a:p>
+            <a:pPr marL="0" indent="0" fontAlgn="auto">
+              <a:lnSpc>
+                <a:spcPct val="140000"/>
+              </a:lnSpc>
+              <a:buNone/>
+            </a:pPr>
+            <a:r>
+              <a:rPr lang="zh-CN" altLang="en-US" dirty="0"/>
+              <a:t># item_category_name-项目类别名称</a:t>
+            </a:r>
+            <a:endParaRPr lang="zh-CN" altLang="en-US" dirty="0"/>
+          </a:p>
+          <a:p>
+            <a:pPr marL="0" indent="0" fontAlgn="auto">
+              <a:lnSpc>
+                <a:spcPct val="140000"/>
+              </a:lnSpc>
+              <a:buNone/>
+            </a:pPr>
+            <a:r>
+              <a:rPr lang="zh-CN" altLang="en-US">
+                <a:sym typeface="+mn-ea"/>
+              </a:rPr>
+              <a:t>sales_train.csv -训练集。2013年1月至2015年10月的每日历史数据。</a:t>
+            </a:r>
+            <a:endParaRPr lang="zh-CN" altLang="en-US">
+              <a:sym typeface="+mn-ea"/>
+            </a:endParaRPr>
+          </a:p>
+          <a:p>
+            <a:pPr marL="0" indent="0" fontAlgn="auto">
+              <a:lnSpc>
+                <a:spcPct val="140000"/>
+              </a:lnSpc>
+              <a:buNone/>
+            </a:pPr>
+            <a:r>
+              <a:rPr lang="en-US" altLang="zh-CN">
+                <a:sym typeface="+mn-ea"/>
+              </a:rPr>
+              <a:t>test_</a:t>
+            </a:r>
+            <a:r>
+              <a:rPr lang="zh-CN" altLang="en-US">
+                <a:sym typeface="+mn-ea"/>
+              </a:rPr>
+              <a:t>csv -测试集。您需要预测这些商店和产品在2015年11月的销售情况。</a:t>
+            </a:r>
+            <a:endParaRPr lang="zh-CN" altLang="en-US"/>
+          </a:p>
+          <a:p>
+            <a:pPr marL="0" indent="0" fontAlgn="auto">
+              <a:lnSpc>
+                <a:spcPct val="140000"/>
+              </a:lnSpc>
+              <a:buNone/>
+            </a:pPr>
+            <a:endParaRPr lang="zh-CN" altLang="en-US" dirty="0"/>
+          </a:p>
+        </p:txBody>
+      </p:sp>
+    </p:spTree>
+    <p:custDataLst>
+      <p:tags r:id="rId3"/>
+    </p:custDataLst>
+  </p:cSld>
+  <p:clrMapOvr>
+    <a:masterClrMapping/>
+  </p:clrMapOvr>
+</p:sld>
+</file>
+
+<file path=ppt/slides/slide7.xml><?xml version="1.0" encoding="utf-8"?>
+<p:sld xmlns:a="http://schemas.openxmlformats.org/drawingml/2006/main" xmlns:r="http://schemas.openxmlformats.org/officeDocument/2006/relationships" xmlns:p="http://schemas.openxmlformats.org/presentationml/2006/main">
+  <p:cSld>
+    <p:spTree>
+      <p:nvGrpSpPr>
+        <p:cNvPr id="1" name=""/>
+        <p:cNvGrpSpPr/>
+        <p:nvPr/>
+      </p:nvGrpSpPr>
+      <p:grpSpPr>
+        <a:xfrm>
+          <a:off x="0" y="0"/>
+          <a:ext cx="0" cy="0"/>
+          <a:chOff x="0" y="0"/>
+          <a:chExt cx="0" cy="0"/>
+        </a:xfrm>
+      </p:grpSpPr>
+      <p:sp>
+        <p:nvSpPr>
+          <p:cNvPr id="7" name="Title 6"/>
+          <p:cNvSpPr txBox="1"/>
+          <p:nvPr>
+            <p:custDataLst>
+              <p:tags r:id="rId1"/>
+            </p:custDataLst>
+          </p:nvPr>
+        </p:nvSpPr>
+        <p:spPr>
+          <a:xfrm>
+            <a:off x="601679" y="4179383"/>
+            <a:ext cx="10973399" cy="565146"/>
+          </a:xfrm>
+          <a:prstGeom prst="rect">
+            <a:avLst/>
+          </a:prstGeom>
+          <a:noFill/>
+          <a:ln w="3175">
+            <a:noFill/>
+            <a:prstDash val="dash"/>
+          </a:ln>
+        </p:spPr>
+        <p:txBody>
+          <a:bodyPr wrap="square" lIns="90000" tIns="46800" rIns="90000" bIns="46800" anchor="t" anchorCtr="0">
+            <a:normAutofit fontScale="90000" lnSpcReduction="10000"/>
+          </a:bodyPr>
+          <a:lstStyle>
+            <a:lvl1pPr algn="l" defTabSz="913765" rtl="0" eaLnBrk="1" latinLnBrk="0" hangingPunct="1">
+              <a:lnSpc>
+                <a:spcPct val="90000"/>
+              </a:lnSpc>
+              <a:spcBef>
+                <a:spcPct val="0"/>
+              </a:spcBef>
+              <a:buNone/>
+              <a:defRPr lang="en-US" sz="2745" b="0" kern="1200" cap="none" spc="-49" baseline="0" dirty="0" smtClean="0">
+                <a:ln w="3175">
+                  <a:noFill/>
+                </a:ln>
+                <a:solidFill>
+                  <a:sysClr val="windowText" lastClr="000000"/>
+                </a:solidFill>
+                <a:effectLst/>
+                <a:latin typeface="+mj-lt"/>
+                <a:ea typeface="+mn-ea"/>
+                <a:cs typeface="Segoe UI" panose="020B0502040204020203" pitchFamily="34" charset="0"/>
+              </a:defRPr>
+            </a:lvl1pPr>
+          </a:lstStyle>
+          <a:p>
+            <a:pPr>
+              <a:lnSpc>
+                <a:spcPct val="100000"/>
+              </a:lnSpc>
+              <a:spcAft>
+                <a:spcPts val="800"/>
+              </a:spcAft>
+            </a:pPr>
+            <a:r>
+              <a:rPr lang="zh-CN" altLang="en-US" sz="3200" b="1" spc="300" dirty="0">
+                <a:ln w="3175">
+                  <a:noFill/>
+                  <a:prstDash val="dash"/>
+                </a:ln>
+                <a:solidFill>
+                  <a:schemeClr val="tx1">
+                    <a:lumMod val="85000"/>
+                    <a:lumOff val="15000"/>
+                  </a:schemeClr>
+                </a:solidFill>
+                <a:latin typeface="Arial" panose="020B0604020202020204" pitchFamily="34" charset="0"/>
+                <a:ea typeface="微软雅黑" panose="020B0503020204020204" charset="-122"/>
+                <a:cs typeface="微软雅黑" panose="020B0503020204020204" charset="-122"/>
+              </a:rPr>
+              <a:t>读取数据集</a:t>
+            </a:r>
+            <a:r>
+              <a:rPr altLang="zh-CN" sz="3200" b="1" spc="300" dirty="0">
+                <a:ln w="3175">
+                  <a:noFill/>
+                  <a:prstDash val="dash"/>
+                </a:ln>
+                <a:solidFill>
+                  <a:schemeClr val="tx1">
+                    <a:lumMod val="85000"/>
+                    <a:lumOff val="15000"/>
+                  </a:schemeClr>
+                </a:solidFill>
+                <a:latin typeface="Arial" panose="020B0604020202020204" pitchFamily="34" charset="0"/>
+                <a:ea typeface="微软雅黑" panose="020B0503020204020204" charset="-122"/>
+                <a:cs typeface="微软雅黑" panose="020B0503020204020204" charset="-122"/>
+              </a:rPr>
+              <a:t>(</a:t>
+            </a:r>
+            <a:r>
+              <a:rPr lang="zh-CN" altLang="en-US" sz="3200" b="1" spc="300" dirty="0">
+                <a:ln w="3175">
+                  <a:noFill/>
+                  <a:prstDash val="dash"/>
+                </a:ln>
+                <a:solidFill>
+                  <a:schemeClr val="tx1">
+                    <a:lumMod val="85000"/>
+                    <a:lumOff val="15000"/>
+                  </a:schemeClr>
+                </a:solidFill>
+                <a:latin typeface="Arial" panose="020B0604020202020204" pitchFamily="34" charset="0"/>
+                <a:ea typeface="微软雅黑" panose="020B0503020204020204" charset="-122"/>
+                <a:cs typeface="微软雅黑" panose="020B0503020204020204" charset="-122"/>
+              </a:rPr>
+              <a:t>训练集）</a:t>
+            </a:r>
+            <a:endParaRPr lang="zh-CN" altLang="en-US" sz="3200" b="1" spc="300" dirty="0">
+              <a:ln w="3175">
+                <a:noFill/>
+                <a:prstDash val="dash"/>
+              </a:ln>
+              <a:solidFill>
+                <a:schemeClr val="tx1">
+                  <a:lumMod val="85000"/>
+                  <a:lumOff val="15000"/>
+                </a:schemeClr>
+              </a:solidFill>
+              <a:latin typeface="Arial" panose="020B0604020202020204" pitchFamily="34" charset="0"/>
+              <a:ea typeface="微软雅黑" panose="020B0503020204020204" charset="-122"/>
+              <a:cs typeface="微软雅黑" panose="020B0503020204020204" charset="-122"/>
+            </a:endParaRPr>
+          </a:p>
+        </p:txBody>
+      </p:sp>
+      <p:pic>
+        <p:nvPicPr>
+          <p:cNvPr id="4" name="图片 3"/>
+          <p:cNvPicPr>
+            <a:picLocks noChangeAspect="1"/>
+          </p:cNvPicPr>
+          <p:nvPr/>
+        </p:nvPicPr>
+        <p:blipFill>
+          <a:blip r:embed="rId2"/>
+          <a:stretch>
+            <a:fillRect/>
+          </a:stretch>
+        </p:blipFill>
+        <p:spPr>
+          <a:xfrm>
+            <a:off x="609600" y="609600"/>
+            <a:ext cx="10958195" cy="3356610"/>
+          </a:xfrm>
+          <a:prstGeom prst="rect">
+            <a:avLst/>
+          </a:prstGeom>
+        </p:spPr>
+      </p:pic>
+    </p:spTree>
+    <p:custDataLst>
+      <p:tags r:id="rId3"/>
+    </p:custDataLst>
+  </p:cSld>
+  <p:clrMapOvr>
+    <a:masterClrMapping/>
+  </p:clrMapOvr>
+</p:sld>
+</file>
+
+<file path=ppt/slides/slide8.xml><?xml version="1.0" encoding="utf-8"?>
+<p:sld xmlns:a="http://schemas.openxmlformats.org/drawingml/2006/main" xmlns:r="http://schemas.openxmlformats.org/officeDocument/2006/relationships" xmlns:p="http://schemas.openxmlformats.org/presentationml/2006/main">
+  <p:cSld>
+    <p:spTree>
+      <p:nvGrpSpPr>
+        <p:cNvPr id="1" name=""/>
+        <p:cNvGrpSpPr/>
+        <p:nvPr/>
+      </p:nvGrpSpPr>
+      <p:grpSpPr>
+        <a:xfrm>
+          <a:off x="0" y="0"/>
+          <a:ext cx="0" cy="0"/>
+          <a:chOff x="0" y="0"/>
+          <a:chExt cx="0" cy="0"/>
+        </a:xfrm>
+      </p:grpSpPr>
+      <p:sp>
+        <p:nvSpPr>
+          <p:cNvPr id="28" name="文本框 27"/>
+          <p:cNvSpPr txBox="1"/>
+          <p:nvPr>
+            <p:custDataLst>
+              <p:tags r:id="rId1"/>
+            </p:custDataLst>
+          </p:nvPr>
+        </p:nvSpPr>
+        <p:spPr>
+          <a:xfrm>
+            <a:off x="5048221" y="2513890"/>
+            <a:ext cx="2095555" cy="584775"/>
+          </a:xfrm>
+          <a:prstGeom prst="rect">
+            <a:avLst/>
+          </a:prstGeom>
+          <a:noFill/>
+        </p:spPr>
+        <p:txBody>
+          <a:bodyPr wrap="square" rtlCol="0">
+            <a:normAutofit/>
+          </a:bodyPr>
+          <a:lstStyle/>
+          <a:p>
+            <a:pPr algn="ctr"/>
+            <a:r>
+              <a:rPr lang="en-US" altLang="zh-CN" sz="3200" dirty="0">
+                <a:solidFill>
+                  <a:schemeClr val="accent1"/>
+                </a:solidFill>
+                <a:latin typeface="Arial" panose="020B0604020202020204" pitchFamily="34" charset="0"/>
+                <a:ea typeface="微软雅黑" panose="020B0503020204020204" charset="-122"/>
+              </a:rPr>
+              <a:t>Part  02</a:t>
+            </a:r>
+            <a:endParaRPr lang="en-US" altLang="zh-CN" sz="3200" dirty="0">
+              <a:solidFill>
+                <a:schemeClr val="accent1"/>
+              </a:solidFill>
+              <a:latin typeface="Arial" panose="020B0604020202020204" pitchFamily="34" charset="0"/>
+              <a:ea typeface="微软雅黑" panose="020B0503020204020204" charset="-122"/>
+            </a:endParaRPr>
+          </a:p>
+        </p:txBody>
+      </p:sp>
+      <p:sp>
+        <p:nvSpPr>
+          <p:cNvPr id="2" name="标题 1"/>
+          <p:cNvSpPr>
+            <a:spLocks noGrp="1"/>
+          </p:cNvSpPr>
+          <p:nvPr>
+            <p:ph type="title"/>
+            <p:custDataLst>
+              <p:tags r:id="rId2"/>
+            </p:custDataLst>
+          </p:nvPr>
+        </p:nvSpPr>
+        <p:spPr/>
+        <p:txBody>
+          <a:bodyPr>
+            <a:normAutofit fontScale="90000"/>
+          </a:bodyPr>
+          <a:lstStyle/>
+          <a:p>
+            <a:r>
+              <a:rPr lang="zh-CN" altLang="en-US" dirty="0">
+                <a:sym typeface="+mn-ea"/>
+              </a:rPr>
+              <a:t>数据处理</a:t>
+            </a:r>
+            <a:br>
+              <a:rPr lang="zh-CN" altLang="zh-CN" dirty="0"/>
+            </a:br>
+            <a:endParaRPr lang="zh-CN" altLang="en-US" dirty="0"/>
+          </a:p>
+        </p:txBody>
+      </p:sp>
+    </p:spTree>
+    <p:custDataLst>
+      <p:tags r:id="rId3"/>
+    </p:custDataLst>
+  </p:cSld>
+  <p:clrMapOvr>
+    <a:masterClrMapping/>
+  </p:clrMapOvr>
+</p:sld>
+</file>
+
+<file path=ppt/slides/slide9.xml><?xml version="1.0" encoding="utf-8"?>
 <p:sld xmlns:a="http://schemas.openxmlformats.org/drawingml/2006/main" xmlns:r="http://schemas.openxmlformats.org/officeDocument/2006/relationships" xmlns:p="http://schemas.openxmlformats.org/presentationml/2006/main">
   <p:cSld>
     <p:spTree>
@@ -19753,16 +20403,89 @@
           <a:lstStyle/>
           <a:p>
             <a:r>
-              <a:rPr lang="zh-CN" altLang="en-US" dirty="0"/>
-              <a:t>计算机开始训练</a:t>
+              <a:rPr lang="zh-CN" altLang="zh-CN" dirty="0"/>
+              <a:t>数据可视化</a:t>
             </a:r>
-            <a:endParaRPr lang="zh-CN" altLang="en-US" dirty="0"/>
+            <a:endParaRPr lang="zh-CN" altLang="zh-CN" dirty="0"/>
           </a:p>
         </p:txBody>
       </p:sp>
       <p:sp>
         <p:nvSpPr>
-          <p:cNvPr id="2" name="文本占位符 4"/>
+          <p:cNvPr id="3" name="内容占位符 2"/>
+          <p:cNvSpPr/>
+          <p:nvPr>
+            <p:ph sz="quarter" idx="14"/>
+          </p:nvPr>
+        </p:nvSpPr>
+        <p:spPr/>
+        <p:txBody>
+          <a:bodyPr/>
+          <a:p>
+            <a:r>
+              <a:rPr lang="zh-CN" altLang="en-US"/>
+              <a:t>ts = train.groupby(["date_block_num"])["item_cnt_day"].sum()  # 每月的总销售量</a:t>
+            </a:r>
+            <a:endParaRPr lang="zh-CN" altLang="en-US"/>
+          </a:p>
+          <a:p>
+            <a:r>
+              <a:rPr lang="zh-CN" altLang="en-US"/>
+              <a:t>ts.astype('float')</a:t>
+            </a:r>
+            <a:endParaRPr lang="zh-CN" altLang="en-US"/>
+          </a:p>
+          <a:p>
+            <a:r>
+              <a:rPr lang="zh-CN" altLang="en-US"/>
+              <a:t>plt.figure(figsize=(10, 5))  # 窗口</a:t>
+            </a:r>
+            <a:r>
+              <a:rPr lang="zh-CN" altLang="en-US"/>
+              <a:t>尺寸</a:t>
+            </a:r>
+            <a:endParaRPr lang="zh-CN" altLang="en-US"/>
+          </a:p>
+          <a:p>
+            <a:r>
+              <a:rPr lang="zh-CN" altLang="en-US"/>
+              <a:t>plt.title('Total Sales of the whole time period')</a:t>
+            </a:r>
+            <a:endParaRPr lang="zh-CN" altLang="en-US"/>
+          </a:p>
+          <a:p>
+            <a:r>
+              <a:rPr lang="zh-CN" altLang="en-US"/>
+              <a:t>plt.xlabel('Time')</a:t>
+            </a:r>
+            <a:endParaRPr lang="zh-CN" altLang="en-US"/>
+          </a:p>
+          <a:p>
+            <a:r>
+              <a:rPr lang="zh-CN" altLang="en-US"/>
+              <a:t>plt.ylabel('Sales')</a:t>
+            </a:r>
+            <a:endParaRPr lang="zh-CN" altLang="en-US"/>
+          </a:p>
+          <a:p>
+            <a:r>
+              <a:rPr lang="zh-CN" altLang="en-US"/>
+              <a:t>plt.plot(ts)  # 折线图</a:t>
+            </a:r>
+            <a:endParaRPr lang="zh-CN" altLang="en-US"/>
+          </a:p>
+          <a:p>
+            <a:r>
+              <a:rPr lang="en-US" altLang="zh-CN"/>
+              <a:t>plt.show()</a:t>
+            </a:r>
+            <a:endParaRPr lang="en-US" altLang="zh-CN"/>
+          </a:p>
+        </p:txBody>
+      </p:sp>
+      <p:sp>
+        <p:nvSpPr>
+          <p:cNvPr id="5" name="文本占位符 4"/>
           <p:cNvSpPr>
             <a:spLocks noGrp="1"/>
           </p:cNvSpPr>
@@ -19774,14 +20497,12 @@
         </p:nvSpPr>
         <p:spPr>
           <a:xfrm>
-            <a:off x="586165" y="1764000"/>
+            <a:off x="582990" y="1764000"/>
             <a:ext cx="3956400" cy="4093200"/>
           </a:xfrm>
         </p:spPr>
         <p:txBody>
-          <a:bodyPr>
-            <a:normAutofit/>
-          </a:bodyPr>
+          <a:bodyPr/>
           <a:lstStyle>
             <a:lvl1pPr marL="228600" indent="-228600" algn="l" defTabSz="914400" rtl="0" eaLnBrk="1" fontAlgn="auto" latinLnBrk="0" hangingPunct="1">
               <a:lnSpc>
@@ -19974,216 +20695,26 @@
               <a:buNone/>
             </a:pPr>
             <a:r>
-              <a:rPr dirty="0">
+              <a:rPr lang="zh-CN" altLang="en-US" sz="1800" dirty="0">
                 <a:latin typeface="Arial" panose="020B0604020202020204" pitchFamily="34" charset="0"/>
               </a:rPr>
-              <a:t>sales_model.fit(X_train, y_train, batch_size=4096, epochs=20)</a:t>
+              <a:t>利用 matplotlib中的pyplot对数据进行可视化，绘制出</a:t>
             </a:r>
-            <a:endParaRPr dirty="0">
-              <a:latin typeface="Arial" panose="020B0604020202020204" pitchFamily="34" charset="0"/>
-            </a:endParaRPr>
+            <a:r>
+              <a:rPr lang="zh-CN" altLang="zh-CN" sz="1800" dirty="0">
+                <a:sym typeface="+mn-ea"/>
+              </a:rPr>
+              <a:t>月份与总销售量的折线图</a:t>
+            </a:r>
+            <a:endParaRPr lang="en-US" altLang="zh-CN" sz="1800" dirty="0"/>
           </a:p>
           <a:p>
             <a:pPr marL="0" indent="0">
               <a:buNone/>
             </a:pPr>
-            <a:endParaRPr dirty="0">
+            <a:endParaRPr lang="zh-CN" altLang="en-US" sz="1800" dirty="0">
               <a:latin typeface="Arial" panose="020B0604020202020204" pitchFamily="34" charset="0"/>
             </a:endParaRPr>
-          </a:p>
-          <a:p>
-            <a:pPr marL="0" indent="0">
-              <a:buNone/>
-            </a:pPr>
-            <a:r>
-              <a:rPr lang="zh-CN" dirty="0">
-                <a:latin typeface="Arial" panose="020B0604020202020204" pitchFamily="34" charset="0"/>
-              </a:rPr>
-              <a:t>基数据为</a:t>
-            </a:r>
-            <a:r>
-              <a:rPr lang="en-US" altLang="zh-CN" dirty="0">
-                <a:latin typeface="Arial" panose="020B0604020202020204" pitchFamily="34" charset="0"/>
-              </a:rPr>
-              <a:t>4096</a:t>
-            </a:r>
-            <a:r>
-              <a:rPr lang="zh-CN" altLang="en-US" dirty="0">
-                <a:latin typeface="Arial" panose="020B0604020202020204" pitchFamily="34" charset="0"/>
-              </a:rPr>
-              <a:t>个，然后训练</a:t>
-            </a:r>
-            <a:r>
-              <a:rPr lang="en-US" altLang="zh-CN" dirty="0">
-                <a:latin typeface="Arial" panose="020B0604020202020204" pitchFamily="34" charset="0"/>
-              </a:rPr>
-              <a:t>20</a:t>
-            </a:r>
-            <a:r>
-              <a:rPr lang="zh-CN" altLang="en-US" dirty="0">
-                <a:latin typeface="Arial" panose="020B0604020202020204" pitchFamily="34" charset="0"/>
-              </a:rPr>
-              <a:t>次</a:t>
-            </a:r>
-            <a:endParaRPr lang="zh-CN" altLang="en-US" dirty="0">
-              <a:latin typeface="Arial" panose="020B0604020202020204" pitchFamily="34" charset="0"/>
-            </a:endParaRPr>
-          </a:p>
-          <a:p>
-            <a:pPr marL="0" indent="0">
-              <a:buNone/>
-            </a:pPr>
-            <a:r>
-              <a:rPr lang="zh-CN" altLang="en-US" dirty="0">
-                <a:latin typeface="Arial" panose="020B0604020202020204" pitchFamily="34" charset="0"/>
-              </a:rPr>
-              <a:t>运行环境</a:t>
-            </a:r>
-            <a:endParaRPr lang="zh-CN" altLang="en-US" dirty="0">
-              <a:latin typeface="Arial" panose="020B0604020202020204" pitchFamily="34" charset="0"/>
-            </a:endParaRPr>
-          </a:p>
-          <a:p>
-            <a:pPr marL="0" indent="0">
-              <a:buNone/>
-            </a:pPr>
-            <a:r>
-              <a:rPr lang="en-US" altLang="zh-CN" dirty="0">
-                <a:latin typeface="Arial" panose="020B0604020202020204" pitchFamily="34" charset="0"/>
-              </a:rPr>
-              <a:t>python3.6</a:t>
-            </a:r>
-            <a:endParaRPr lang="en-US" altLang="zh-CN" dirty="0">
-              <a:latin typeface="Arial" panose="020B0604020202020204" pitchFamily="34" charset="0"/>
-            </a:endParaRPr>
-          </a:p>
-          <a:p>
-            <a:pPr marL="0" indent="0">
-              <a:buNone/>
-            </a:pPr>
-            <a:r>
-              <a:rPr lang="en-US" altLang="zh-CN" dirty="0">
-                <a:latin typeface="Arial" panose="020B0604020202020204" pitchFamily="34" charset="0"/>
-              </a:rPr>
-              <a:t>tensorflow-gpu1.4.0</a:t>
-            </a:r>
-            <a:endParaRPr lang="en-US" altLang="zh-CN" dirty="0">
-              <a:latin typeface="Arial" panose="020B0604020202020204" pitchFamily="34" charset="0"/>
-            </a:endParaRPr>
-          </a:p>
-          <a:p>
-            <a:pPr marL="0" indent="0">
-              <a:buNone/>
-            </a:pPr>
-            <a:endParaRPr lang="en-US" altLang="zh-CN" dirty="0">
-              <a:latin typeface="Arial" panose="020B0604020202020204" pitchFamily="34" charset="0"/>
-            </a:endParaRPr>
-          </a:p>
-        </p:txBody>
-      </p:sp>
-      <p:pic>
-        <p:nvPicPr>
-          <p:cNvPr id="5" name="图片 4"/>
-          <p:cNvPicPr>
-            <a:picLocks noChangeAspect="1"/>
-          </p:cNvPicPr>
-          <p:nvPr/>
-        </p:nvPicPr>
-        <p:blipFill>
-          <a:blip r:embed="rId3"/>
-          <a:stretch>
-            <a:fillRect/>
-          </a:stretch>
-        </p:blipFill>
-        <p:spPr>
-          <a:xfrm>
-            <a:off x="5497195" y="490220"/>
-            <a:ext cx="5995035" cy="5876925"/>
-          </a:xfrm>
-          <a:prstGeom prst="rect">
-            <a:avLst/>
-          </a:prstGeom>
-        </p:spPr>
-      </p:pic>
-    </p:spTree>
-    <p:custDataLst>
-      <p:tags r:id="rId4"/>
-    </p:custDataLst>
-  </p:cSld>
-  <p:clrMapOvr>
-    <a:masterClrMapping/>
-  </p:clrMapOvr>
-</p:sld>
-</file>
-
-<file path=ppt/slides/slide22.xml><?xml version="1.0" encoding="utf-8"?>
-<p:sld xmlns:a="http://schemas.openxmlformats.org/drawingml/2006/main" xmlns:r="http://schemas.openxmlformats.org/officeDocument/2006/relationships" xmlns:p="http://schemas.openxmlformats.org/presentationml/2006/main">
-  <p:cSld>
-    <p:spTree>
-      <p:nvGrpSpPr>
-        <p:cNvPr id="1" name=""/>
-        <p:cNvGrpSpPr/>
-        <p:nvPr/>
-      </p:nvGrpSpPr>
-      <p:grpSpPr>
-        <a:xfrm>
-          <a:off x="0" y="0"/>
-          <a:ext cx="0" cy="0"/>
-          <a:chOff x="0" y="0"/>
-          <a:chExt cx="0" cy="0"/>
-        </a:xfrm>
-      </p:grpSpPr>
-      <p:sp>
-        <p:nvSpPr>
-          <p:cNvPr id="3" name="标题 2"/>
-          <p:cNvSpPr>
-            <a:spLocks noGrp="1"/>
-          </p:cNvSpPr>
-          <p:nvPr>
-            <p:ph type="title"/>
-            <p:custDataLst>
-              <p:tags r:id="rId1"/>
-            </p:custDataLst>
-          </p:nvPr>
-        </p:nvSpPr>
-        <p:spPr/>
-        <p:txBody>
-          <a:bodyPr/>
-          <a:lstStyle/>
-          <a:p>
-            <a:r>
-              <a:rPr lang="zh-CN" altLang="en-US" dirty="0"/>
-              <a:t>谢谢观赏</a:t>
-            </a:r>
-            <a:endParaRPr lang="zh-CN" altLang="en-US" dirty="0"/>
-          </a:p>
-        </p:txBody>
-      </p:sp>
-      <p:sp>
-        <p:nvSpPr>
-          <p:cNvPr id="4" name="文本占位符 3"/>
-          <p:cNvSpPr>
-            <a:spLocks noGrp="1"/>
-          </p:cNvSpPr>
-          <p:nvPr>
-            <p:ph type="body" sz="quarter" idx="13"/>
-            <p:custDataLst>
-              <p:tags r:id="rId2"/>
-            </p:custDataLst>
-          </p:nvPr>
-        </p:nvSpPr>
-        <p:spPr/>
-        <p:txBody>
-          <a:bodyPr>
-            <a:normAutofit lnSpcReduction="10000"/>
-          </a:bodyPr>
-          <a:lstStyle/>
-          <a:p>
-            <a:r>
-              <a:rPr lang="zh-CN" altLang="en-US" dirty="0"/>
-              <a:t>单击此处添加文本</a:t>
-            </a:r>
-            <a:endParaRPr lang="zh-CN" altLang="en-US" dirty="0"/>
           </a:p>
         </p:txBody>
       </p:sp>
@@ -20198,1246 +20729,6 @@
 </p:sld>
 </file>
 
-<file path=ppt/slides/slide3.xml><?xml version="1.0" encoding="utf-8"?>
-<p:sld xmlns:a="http://schemas.openxmlformats.org/drawingml/2006/main" xmlns:r="http://schemas.openxmlformats.org/officeDocument/2006/relationships" xmlns:p="http://schemas.openxmlformats.org/presentationml/2006/main">
-  <p:cSld>
-    <p:spTree>
-      <p:nvGrpSpPr>
-        <p:cNvPr id="1" name=""/>
-        <p:cNvGrpSpPr/>
-        <p:nvPr/>
-      </p:nvGrpSpPr>
-      <p:grpSpPr>
-        <a:xfrm>
-          <a:off x="0" y="0"/>
-          <a:ext cx="0" cy="0"/>
-          <a:chOff x="0" y="0"/>
-          <a:chExt cx="0" cy="0"/>
-        </a:xfrm>
-      </p:grpSpPr>
-      <p:sp>
-        <p:nvSpPr>
-          <p:cNvPr id="28" name="文本框 27"/>
-          <p:cNvSpPr txBox="1"/>
-          <p:nvPr>
-            <p:custDataLst>
-              <p:tags r:id="rId1"/>
-            </p:custDataLst>
-          </p:nvPr>
-        </p:nvSpPr>
-        <p:spPr>
-          <a:xfrm>
-            <a:off x="5048221" y="2504365"/>
-            <a:ext cx="2095555" cy="584775"/>
-          </a:xfrm>
-          <a:prstGeom prst="rect">
-            <a:avLst/>
-          </a:prstGeom>
-          <a:noFill/>
-        </p:spPr>
-        <p:txBody>
-          <a:bodyPr wrap="square" rtlCol="0">
-            <a:normAutofit/>
-          </a:bodyPr>
-          <a:lstStyle/>
-          <a:p>
-            <a:pPr algn="ctr"/>
-            <a:r>
-              <a:rPr lang="en-US" altLang="zh-CN" sz="3200" dirty="0">
-                <a:solidFill>
-                  <a:schemeClr val="accent1"/>
-                </a:solidFill>
-                <a:latin typeface="Arial" panose="020B0604020202020204" pitchFamily="34" charset="0"/>
-                <a:ea typeface="微软雅黑" panose="020B0503020204020204" charset="-122"/>
-              </a:rPr>
-              <a:t>Part  01</a:t>
-            </a:r>
-            <a:endParaRPr lang="en-US" altLang="zh-CN" sz="3200" dirty="0">
-              <a:solidFill>
-                <a:schemeClr val="accent1"/>
-              </a:solidFill>
-              <a:latin typeface="Arial" panose="020B0604020202020204" pitchFamily="34" charset="0"/>
-              <a:ea typeface="微软雅黑" panose="020B0503020204020204" charset="-122"/>
-            </a:endParaRPr>
-          </a:p>
-        </p:txBody>
-      </p:sp>
-      <p:sp>
-        <p:nvSpPr>
-          <p:cNvPr id="2" name="标题 1"/>
-          <p:cNvSpPr>
-            <a:spLocks noGrp="1"/>
-          </p:cNvSpPr>
-          <p:nvPr>
-            <p:ph type="title"/>
-            <p:custDataLst>
-              <p:tags r:id="rId2"/>
-            </p:custDataLst>
-          </p:nvPr>
-        </p:nvSpPr>
-        <p:spPr/>
-        <p:txBody>
-          <a:bodyPr>
-            <a:normAutofit fontScale="90000"/>
-          </a:bodyPr>
-          <a:lstStyle/>
-          <a:p>
-            <a:r>
-              <a:rPr lang="zh-CN" altLang="zh-CN" dirty="0">
-                <a:sym typeface="+mn-ea"/>
-              </a:rPr>
-              <a:t>项目需求</a:t>
-            </a:r>
-            <a:br>
-              <a:rPr lang="zh-CN" altLang="zh-CN" dirty="0"/>
-            </a:br>
-            <a:endParaRPr lang="zh-CN" altLang="en-US" dirty="0"/>
-          </a:p>
-        </p:txBody>
-      </p:sp>
-    </p:spTree>
-    <p:custDataLst>
-      <p:tags r:id="rId3"/>
-    </p:custDataLst>
-  </p:cSld>
-  <p:clrMapOvr>
-    <a:masterClrMapping/>
-  </p:clrMapOvr>
-</p:sld>
-</file>
-
-<file path=ppt/slides/slide4.xml><?xml version="1.0" encoding="utf-8"?>
-<p:sld xmlns:a="http://schemas.openxmlformats.org/drawingml/2006/main" xmlns:r="http://schemas.openxmlformats.org/officeDocument/2006/relationships" xmlns:p="http://schemas.openxmlformats.org/presentationml/2006/main">
-  <p:cSld>
-    <p:bg>
-      <p:bgPr>
-        <a:solidFill>
-          <a:srgbClr val="F3F8F8"/>
-        </a:solidFill>
-        <a:effectLst/>
-      </p:bgPr>
-    </p:bg>
-    <p:spTree>
-      <p:nvGrpSpPr>
-        <p:cNvPr id="1" name=""/>
-        <p:cNvGrpSpPr/>
-        <p:nvPr/>
-      </p:nvGrpSpPr>
-      <p:grpSpPr>
-        <a:xfrm>
-          <a:off x="0" y="0"/>
-          <a:ext cx="0" cy="0"/>
-          <a:chOff x="0" y="0"/>
-          <a:chExt cx="0" cy="0"/>
-        </a:xfrm>
-      </p:grpSpPr>
-      <p:sp>
-        <p:nvSpPr>
-          <p:cNvPr id="3" name="标题 2"/>
-          <p:cNvSpPr>
-            <a:spLocks noGrp="1"/>
-          </p:cNvSpPr>
-          <p:nvPr>
-            <p:ph type="title"/>
-            <p:custDataLst>
-              <p:tags r:id="rId1"/>
-            </p:custDataLst>
-          </p:nvPr>
-        </p:nvSpPr>
-        <p:spPr/>
-        <p:txBody>
-          <a:bodyPr>
-            <a:normAutofit/>
-          </a:bodyPr>
-          <a:lstStyle/>
-          <a:p>
-            <a:r>
-              <a:rPr lang="zh-CN" altLang="zh-CN" dirty="0"/>
-              <a:t>项目需求</a:t>
-            </a:r>
-            <a:endParaRPr lang="zh-CN" altLang="zh-CN" dirty="0"/>
-          </a:p>
-        </p:txBody>
-      </p:sp>
-      <p:sp>
-        <p:nvSpPr>
-          <p:cNvPr id="4" name="内容占位符 3"/>
-          <p:cNvSpPr>
-            <a:spLocks noGrp="1"/>
-          </p:cNvSpPr>
-          <p:nvPr>
-            <p:ph sz="quarter" idx="13"/>
-            <p:custDataLst>
-              <p:tags r:id="rId2"/>
-            </p:custDataLst>
-          </p:nvPr>
-        </p:nvSpPr>
-        <p:spPr/>
-        <p:txBody>
-          <a:bodyPr/>
-          <a:lstStyle/>
-          <a:p>
-            <a:pPr marL="0" indent="0" fontAlgn="auto">
-              <a:lnSpc>
-                <a:spcPct val="140000"/>
-              </a:lnSpc>
-              <a:buNone/>
-            </a:pPr>
-            <a:r>
-              <a:rPr lang="zh-CN" altLang="en-US" dirty="0"/>
-              <a:t>这个挑战是Coursera课程“如何赢得数据科学竞赛”的最终项目。</a:t>
-            </a:r>
-            <a:endParaRPr lang="zh-CN" altLang="en-US" dirty="0"/>
-          </a:p>
-          <a:p>
-            <a:pPr marL="0" indent="0" fontAlgn="auto">
-              <a:lnSpc>
-                <a:spcPct val="140000"/>
-              </a:lnSpc>
-              <a:buNone/>
-            </a:pPr>
-            <a:r>
-              <a:rPr lang="zh-CN" altLang="en-US" dirty="0"/>
-              <a:t>使用具有挑战性的</a:t>
-            </a:r>
-            <a:r>
-              <a:rPr lang="zh-CN" altLang="en-US" dirty="0">
-                <a:solidFill>
-                  <a:srgbClr val="FF0000"/>
-                </a:solidFill>
-              </a:rPr>
-              <a:t>时间序列</a:t>
-            </a:r>
-            <a:r>
-              <a:rPr lang="zh-CN" altLang="en-US" dirty="0"/>
-              <a:t>数据集，包括每日销售数据，由俄罗斯最大的软件公司之一1C公司提供。</a:t>
-            </a:r>
-            <a:endParaRPr lang="zh-CN" altLang="en-US" dirty="0"/>
-          </a:p>
-          <a:p>
-            <a:pPr marL="0" indent="0" fontAlgn="auto">
-              <a:lnSpc>
-                <a:spcPct val="140000"/>
-              </a:lnSpc>
-              <a:buNone/>
-            </a:pPr>
-            <a:r>
-              <a:rPr lang="zh-CN" altLang="en-US" dirty="0"/>
-              <a:t>我们要求你预测下个月所有产品和店铺的总销售额。通过解决这个竞赛，你将能够应用和提高你的数据科学技能。</a:t>
-            </a:r>
-            <a:endParaRPr lang="zh-CN" altLang="en-US" dirty="0"/>
-          </a:p>
-        </p:txBody>
-      </p:sp>
-    </p:spTree>
-    <p:custDataLst>
-      <p:tags r:id="rId3"/>
-    </p:custDataLst>
-  </p:cSld>
-  <p:clrMapOvr>
-    <a:masterClrMapping/>
-  </p:clrMapOvr>
-</p:sld>
-</file>
-
-<file path=ppt/slides/slide5.xml><?xml version="1.0" encoding="utf-8"?>
-<p:sld xmlns:a="http://schemas.openxmlformats.org/drawingml/2006/main" xmlns:r="http://schemas.openxmlformats.org/officeDocument/2006/relationships" xmlns:p="http://schemas.openxmlformats.org/presentationml/2006/main">
-  <p:cSld>
-    <p:bg>
-      <p:bgPr>
-        <a:solidFill>
-          <a:srgbClr val="F3F8F8"/>
-        </a:solidFill>
-        <a:effectLst/>
-      </p:bgPr>
-    </p:bg>
-    <p:spTree>
-      <p:nvGrpSpPr>
-        <p:cNvPr id="1" name=""/>
-        <p:cNvGrpSpPr/>
-        <p:nvPr/>
-      </p:nvGrpSpPr>
-      <p:grpSpPr>
-        <a:xfrm>
-          <a:off x="0" y="0"/>
-          <a:ext cx="0" cy="0"/>
-          <a:chOff x="0" y="0"/>
-          <a:chExt cx="0" cy="0"/>
-        </a:xfrm>
-      </p:grpSpPr>
-      <p:sp>
-        <p:nvSpPr>
-          <p:cNvPr id="3" name="标题 2"/>
-          <p:cNvSpPr>
-            <a:spLocks noGrp="1"/>
-          </p:cNvSpPr>
-          <p:nvPr>
-            <p:ph type="title"/>
-            <p:custDataLst>
-              <p:tags r:id="rId1"/>
-            </p:custDataLst>
-          </p:nvPr>
-        </p:nvSpPr>
-        <p:spPr/>
-        <p:txBody>
-          <a:bodyPr>
-            <a:normAutofit/>
-          </a:bodyPr>
-          <a:lstStyle/>
-          <a:p>
-            <a:r>
-              <a:rPr lang="zh-CN" altLang="zh-CN" dirty="0"/>
-              <a:t>项目需求</a:t>
-            </a:r>
-            <a:endParaRPr lang="zh-CN" altLang="zh-CN" dirty="0"/>
-          </a:p>
-        </p:txBody>
-      </p:sp>
-      <p:sp>
-        <p:nvSpPr>
-          <p:cNvPr id="4" name="内容占位符 3"/>
-          <p:cNvSpPr>
-            <a:spLocks noGrp="1"/>
-          </p:cNvSpPr>
-          <p:nvPr>
-            <p:ph sz="quarter" idx="13"/>
-            <p:custDataLst>
-              <p:tags r:id="rId2"/>
-            </p:custDataLst>
-          </p:nvPr>
-        </p:nvSpPr>
-        <p:spPr/>
-        <p:txBody>
-          <a:bodyPr>
-            <a:normAutofit lnSpcReduction="20000"/>
-          </a:bodyPr>
-          <a:lstStyle/>
-          <a:p>
-            <a:pPr marL="0" indent="0" fontAlgn="auto">
-              <a:lnSpc>
-                <a:spcPct val="140000"/>
-              </a:lnSpc>
-              <a:buNone/>
-            </a:pPr>
-            <a:r>
-              <a:rPr lang="zh-CN" altLang="en-US" dirty="0"/>
-              <a:t>提交的评估根均方误差(RMSE)。真正的目标值被剪切到[0,20]范围内。</a:t>
-            </a:r>
-            <a:endParaRPr lang="zh-CN" altLang="en-US" dirty="0"/>
-          </a:p>
-          <a:p>
-            <a:pPr marL="0" indent="0" fontAlgn="auto">
-              <a:lnSpc>
-                <a:spcPct val="140000"/>
-              </a:lnSpc>
-              <a:buNone/>
-            </a:pPr>
-            <a:r>
-              <a:rPr lang="zh-CN" altLang="en-US" dirty="0"/>
-              <a:t>提交文件</a:t>
-            </a:r>
-            <a:endParaRPr lang="zh-CN" altLang="en-US" dirty="0"/>
-          </a:p>
-          <a:p>
-            <a:pPr marL="0" indent="0" fontAlgn="auto">
-              <a:lnSpc>
-                <a:spcPct val="140000"/>
-              </a:lnSpc>
-              <a:buNone/>
-            </a:pPr>
-            <a:r>
-              <a:rPr lang="zh-CN" altLang="en-US" dirty="0"/>
-              <a:t>对于测试集中的每个id，必须预测总销售额。该文件应该包含头文件，格式如下:</a:t>
-            </a:r>
-            <a:endParaRPr lang="zh-CN" altLang="en-US" dirty="0"/>
-          </a:p>
-          <a:p>
-            <a:pPr marL="0" indent="0" fontAlgn="auto">
-              <a:lnSpc>
-                <a:spcPct val="140000"/>
-              </a:lnSpc>
-              <a:buNone/>
-            </a:pPr>
-            <a:r>
-              <a:rPr lang="zh-CN" altLang="en-US" dirty="0"/>
-              <a:t>ID, item_cnt_month</a:t>
-            </a:r>
-            <a:endParaRPr lang="zh-CN" altLang="en-US" dirty="0"/>
-          </a:p>
-          <a:p>
-            <a:pPr marL="0" indent="0" fontAlgn="auto">
-              <a:lnSpc>
-                <a:spcPct val="140000"/>
-              </a:lnSpc>
-              <a:buNone/>
-            </a:pPr>
-            <a:r>
-              <a:rPr lang="zh-CN" altLang="en-US" dirty="0"/>
-              <a:t>0, 0.5</a:t>
-            </a:r>
-            <a:endParaRPr lang="zh-CN" altLang="en-US" dirty="0"/>
-          </a:p>
-          <a:p>
-            <a:pPr marL="0" indent="0" fontAlgn="auto">
-              <a:lnSpc>
-                <a:spcPct val="140000"/>
-              </a:lnSpc>
-              <a:buNone/>
-            </a:pPr>
-            <a:r>
-              <a:rPr lang="zh-CN" altLang="en-US" dirty="0"/>
-              <a:t>1、0.5</a:t>
-            </a:r>
-            <a:endParaRPr lang="zh-CN" altLang="en-US" dirty="0"/>
-          </a:p>
-          <a:p>
-            <a:pPr marL="0" indent="0" fontAlgn="auto">
-              <a:lnSpc>
-                <a:spcPct val="140000"/>
-              </a:lnSpc>
-              <a:buNone/>
-            </a:pPr>
-            <a:r>
-              <a:rPr lang="zh-CN" altLang="en-US" dirty="0"/>
-              <a:t>2、0.5</a:t>
-            </a:r>
-            <a:endParaRPr lang="zh-CN" altLang="en-US" dirty="0"/>
-          </a:p>
-          <a:p>
-            <a:pPr marL="0" indent="0" fontAlgn="auto">
-              <a:lnSpc>
-                <a:spcPct val="140000"/>
-              </a:lnSpc>
-              <a:buNone/>
-            </a:pPr>
-            <a:r>
-              <a:rPr lang="zh-CN" altLang="en-US" dirty="0"/>
-              <a:t>3、0.5</a:t>
-            </a:r>
-            <a:endParaRPr lang="zh-CN" altLang="en-US" dirty="0"/>
-          </a:p>
-          <a:p>
-            <a:pPr marL="0" indent="0" fontAlgn="auto">
-              <a:lnSpc>
-                <a:spcPct val="140000"/>
-              </a:lnSpc>
-              <a:buNone/>
-            </a:pPr>
-            <a:r>
-              <a:rPr lang="zh-CN" altLang="en-US" dirty="0"/>
-              <a:t>等。</a:t>
-            </a:r>
-            <a:endParaRPr lang="zh-CN" altLang="en-US" dirty="0"/>
-          </a:p>
-        </p:txBody>
-      </p:sp>
-    </p:spTree>
-    <p:custDataLst>
-      <p:tags r:id="rId3"/>
-    </p:custDataLst>
-  </p:cSld>
-  <p:clrMapOvr>
-    <a:masterClrMapping/>
-  </p:clrMapOvr>
-</p:sld>
-</file>
-
-<file path=ppt/slides/slide6.xml><?xml version="1.0" encoding="utf-8"?>
-<p:sld xmlns:a="http://schemas.openxmlformats.org/drawingml/2006/main" xmlns:r="http://schemas.openxmlformats.org/officeDocument/2006/relationships" xmlns:p="http://schemas.openxmlformats.org/presentationml/2006/main">
-  <p:cSld>
-    <p:bg>
-      <p:bgPr>
-        <a:solidFill>
-          <a:srgbClr val="F3F8F8"/>
-        </a:solidFill>
-        <a:effectLst/>
-      </p:bgPr>
-    </p:bg>
-    <p:spTree>
-      <p:nvGrpSpPr>
-        <p:cNvPr id="1" name=""/>
-        <p:cNvGrpSpPr/>
-        <p:nvPr/>
-      </p:nvGrpSpPr>
-      <p:grpSpPr>
-        <a:xfrm>
-          <a:off x="0" y="0"/>
-          <a:ext cx="0" cy="0"/>
-          <a:chOff x="0" y="0"/>
-          <a:chExt cx="0" cy="0"/>
-        </a:xfrm>
-      </p:grpSpPr>
-      <p:sp>
-        <p:nvSpPr>
-          <p:cNvPr id="3" name="标题 2"/>
-          <p:cNvSpPr>
-            <a:spLocks noGrp="1"/>
-          </p:cNvSpPr>
-          <p:nvPr>
-            <p:ph type="title"/>
-            <p:custDataLst>
-              <p:tags r:id="rId1"/>
-            </p:custDataLst>
-          </p:nvPr>
-        </p:nvSpPr>
-        <p:spPr/>
-        <p:txBody>
-          <a:bodyPr>
-            <a:normAutofit/>
-          </a:bodyPr>
-          <a:lstStyle/>
-          <a:p>
-            <a:r>
-              <a:rPr lang="zh-CN" altLang="zh-CN" dirty="0"/>
-              <a:t>项目需求</a:t>
-            </a:r>
-            <a:endParaRPr lang="zh-CN" altLang="zh-CN" dirty="0"/>
-          </a:p>
-        </p:txBody>
-      </p:sp>
-      <p:sp>
-        <p:nvSpPr>
-          <p:cNvPr id="4" name="内容占位符 3"/>
-          <p:cNvSpPr>
-            <a:spLocks noGrp="1"/>
-          </p:cNvSpPr>
-          <p:nvPr>
-            <p:ph sz="quarter" idx="13"/>
-            <p:custDataLst>
-              <p:tags r:id="rId2"/>
-            </p:custDataLst>
-          </p:nvPr>
-        </p:nvSpPr>
-        <p:spPr/>
-        <p:txBody>
-          <a:bodyPr>
-            <a:normAutofit lnSpcReduction="20000"/>
-          </a:bodyPr>
-          <a:lstStyle/>
-          <a:p>
-            <a:pPr marL="0" indent="0" fontAlgn="auto">
-              <a:lnSpc>
-                <a:spcPct val="140000"/>
-              </a:lnSpc>
-              <a:buNone/>
-            </a:pPr>
-            <a:r>
-              <a:rPr lang="zh-CN" altLang="en-US" dirty="0"/>
-              <a:t>提交的评估根均方误差(RMSE)。真正的目标值被剪切到[0,20]范围内。</a:t>
-            </a:r>
-            <a:endParaRPr lang="zh-CN" altLang="en-US" dirty="0"/>
-          </a:p>
-          <a:p>
-            <a:pPr marL="0" indent="0" fontAlgn="auto">
-              <a:lnSpc>
-                <a:spcPct val="140000"/>
-              </a:lnSpc>
-              <a:buNone/>
-            </a:pPr>
-            <a:r>
-              <a:rPr lang="zh-CN" altLang="en-US" dirty="0"/>
-              <a:t>提交文件</a:t>
-            </a:r>
-            <a:endParaRPr lang="zh-CN" altLang="en-US" dirty="0"/>
-          </a:p>
-          <a:p>
-            <a:pPr marL="0" indent="0" fontAlgn="auto">
-              <a:lnSpc>
-                <a:spcPct val="140000"/>
-              </a:lnSpc>
-              <a:buNone/>
-            </a:pPr>
-            <a:r>
-              <a:rPr lang="zh-CN" altLang="en-US" dirty="0"/>
-              <a:t>对于测试集中的每个id，必须预测总销售额。该文件应该包含头文件，格式如下:</a:t>
-            </a:r>
-            <a:endParaRPr lang="zh-CN" altLang="en-US" dirty="0"/>
-          </a:p>
-          <a:p>
-            <a:pPr marL="0" indent="0" fontAlgn="auto">
-              <a:lnSpc>
-                <a:spcPct val="140000"/>
-              </a:lnSpc>
-              <a:buNone/>
-            </a:pPr>
-            <a:r>
-              <a:rPr lang="zh-CN" altLang="en-US" dirty="0"/>
-              <a:t>ID, item_cnt_month</a:t>
-            </a:r>
-            <a:endParaRPr lang="zh-CN" altLang="en-US" dirty="0"/>
-          </a:p>
-          <a:p>
-            <a:pPr marL="0" indent="0" fontAlgn="auto">
-              <a:lnSpc>
-                <a:spcPct val="140000"/>
-              </a:lnSpc>
-              <a:buNone/>
-            </a:pPr>
-            <a:r>
-              <a:rPr lang="zh-CN" altLang="en-US" dirty="0"/>
-              <a:t>0, 0.5</a:t>
-            </a:r>
-            <a:endParaRPr lang="zh-CN" altLang="en-US" dirty="0"/>
-          </a:p>
-          <a:p>
-            <a:pPr marL="0" indent="0" fontAlgn="auto">
-              <a:lnSpc>
-                <a:spcPct val="140000"/>
-              </a:lnSpc>
-              <a:buNone/>
-            </a:pPr>
-            <a:r>
-              <a:rPr lang="zh-CN" altLang="en-US" dirty="0"/>
-              <a:t>1、0.5</a:t>
-            </a:r>
-            <a:endParaRPr lang="zh-CN" altLang="en-US" dirty="0"/>
-          </a:p>
-          <a:p>
-            <a:pPr marL="0" indent="0" fontAlgn="auto">
-              <a:lnSpc>
-                <a:spcPct val="140000"/>
-              </a:lnSpc>
-              <a:buNone/>
-            </a:pPr>
-            <a:r>
-              <a:rPr lang="zh-CN" altLang="en-US" dirty="0"/>
-              <a:t>2、0.5</a:t>
-            </a:r>
-            <a:endParaRPr lang="zh-CN" altLang="en-US" dirty="0"/>
-          </a:p>
-          <a:p>
-            <a:pPr marL="0" indent="0" fontAlgn="auto">
-              <a:lnSpc>
-                <a:spcPct val="140000"/>
-              </a:lnSpc>
-              <a:buNone/>
-            </a:pPr>
-            <a:r>
-              <a:rPr lang="zh-CN" altLang="en-US" dirty="0"/>
-              <a:t>3、0.5</a:t>
-            </a:r>
-            <a:endParaRPr lang="zh-CN" altLang="en-US" dirty="0"/>
-          </a:p>
-          <a:p>
-            <a:pPr marL="0" indent="0" fontAlgn="auto">
-              <a:lnSpc>
-                <a:spcPct val="140000"/>
-              </a:lnSpc>
-              <a:buNone/>
-            </a:pPr>
-            <a:r>
-              <a:rPr lang="zh-CN" altLang="en-US" dirty="0"/>
-              <a:t>等。</a:t>
-            </a:r>
-            <a:endParaRPr lang="zh-CN" altLang="en-US" dirty="0"/>
-          </a:p>
-        </p:txBody>
-      </p:sp>
-    </p:spTree>
-    <p:custDataLst>
-      <p:tags r:id="rId3"/>
-    </p:custDataLst>
-  </p:cSld>
-  <p:clrMapOvr>
-    <a:masterClrMapping/>
-  </p:clrMapOvr>
-</p:sld>
-</file>
-
-<file path=ppt/slides/slide7.xml><?xml version="1.0" encoding="utf-8"?>
-<p:sld xmlns:a="http://schemas.openxmlformats.org/drawingml/2006/main" xmlns:r="http://schemas.openxmlformats.org/officeDocument/2006/relationships" xmlns:p="http://schemas.openxmlformats.org/presentationml/2006/main">
-  <p:cSld>
-    <p:bg>
-      <p:bgPr>
-        <a:solidFill>
-          <a:srgbClr val="F3F8F8"/>
-        </a:solidFill>
-        <a:effectLst/>
-      </p:bgPr>
-    </p:bg>
-    <p:spTree>
-      <p:nvGrpSpPr>
-        <p:cNvPr id="1" name=""/>
-        <p:cNvGrpSpPr/>
-        <p:nvPr/>
-      </p:nvGrpSpPr>
-      <p:grpSpPr>
-        <a:xfrm>
-          <a:off x="0" y="0"/>
-          <a:ext cx="0" cy="0"/>
-          <a:chOff x="0" y="0"/>
-          <a:chExt cx="0" cy="0"/>
-        </a:xfrm>
-      </p:grpSpPr>
-      <p:sp>
-        <p:nvSpPr>
-          <p:cNvPr id="3" name="标题 2"/>
-          <p:cNvSpPr>
-            <a:spLocks noGrp="1"/>
-          </p:cNvSpPr>
-          <p:nvPr>
-            <p:ph type="title"/>
-            <p:custDataLst>
-              <p:tags r:id="rId1"/>
-            </p:custDataLst>
-          </p:nvPr>
-        </p:nvSpPr>
-        <p:spPr>
-          <a:xfrm>
-            <a:off x="1148885" y="376710"/>
-            <a:ext cx="9626400" cy="723600"/>
-          </a:xfrm>
-        </p:spPr>
-        <p:txBody>
-          <a:bodyPr>
-            <a:normAutofit/>
-          </a:bodyPr>
-          <a:lstStyle/>
-          <a:p>
-            <a:r>
-              <a:rPr lang="zh-CN" altLang="en-US" dirty="0"/>
-              <a:t>数据集</a:t>
-            </a:r>
-            <a:endParaRPr lang="zh-CN" altLang="en-US" dirty="0"/>
-          </a:p>
-        </p:txBody>
-      </p:sp>
-      <p:sp>
-        <p:nvSpPr>
-          <p:cNvPr id="4" name="内容占位符 3"/>
-          <p:cNvSpPr>
-            <a:spLocks noGrp="1"/>
-          </p:cNvSpPr>
-          <p:nvPr>
-            <p:ph sz="quarter" idx="13"/>
-            <p:custDataLst>
-              <p:tags r:id="rId2"/>
-            </p:custDataLst>
-          </p:nvPr>
-        </p:nvSpPr>
-        <p:spPr>
-          <a:xfrm>
-            <a:off x="1062355" y="1100455"/>
-            <a:ext cx="10431780" cy="4929505"/>
-          </a:xfrm>
-        </p:spPr>
-        <p:txBody>
-          <a:bodyPr>
-            <a:noAutofit/>
-          </a:bodyPr>
-          <a:lstStyle/>
-          <a:p>
-            <a:pPr marL="0" indent="0" fontAlgn="auto">
-              <a:lnSpc>
-                <a:spcPct val="140000"/>
-              </a:lnSpc>
-              <a:buNone/>
-            </a:pPr>
-            <a:r>
-              <a:rPr lang="zh-CN" altLang="en-US" dirty="0">
-                <a:solidFill>
-                  <a:srgbClr val="FF0000"/>
-                </a:solidFill>
-              </a:rPr>
-              <a:t># ID- 代表测试集中的（商店，商品）元组的ID</a:t>
-            </a:r>
-            <a:endParaRPr lang="zh-CN" altLang="en-US" dirty="0">
-              <a:solidFill>
-                <a:srgbClr val="FF0000"/>
-              </a:solidFill>
-            </a:endParaRPr>
-          </a:p>
-          <a:p>
-            <a:pPr marL="0" indent="0" fontAlgn="auto">
-              <a:lnSpc>
-                <a:spcPct val="140000"/>
-              </a:lnSpc>
-              <a:buNone/>
-            </a:pPr>
-            <a:r>
-              <a:rPr lang="zh-CN" altLang="en-US" dirty="0">
-                <a:solidFill>
-                  <a:srgbClr val="FF0000"/>
-                </a:solidFill>
-              </a:rPr>
-              <a:t># shop_id-商店的唯一标识符</a:t>
-            </a:r>
-            <a:endParaRPr lang="zh-CN" altLang="en-US" dirty="0">
-              <a:solidFill>
-                <a:srgbClr val="FF0000"/>
-              </a:solidFill>
-            </a:endParaRPr>
-          </a:p>
-          <a:p>
-            <a:pPr marL="0" indent="0" fontAlgn="auto">
-              <a:lnSpc>
-                <a:spcPct val="140000"/>
-              </a:lnSpc>
-              <a:buNone/>
-            </a:pPr>
-            <a:r>
-              <a:rPr lang="zh-CN" altLang="en-US" dirty="0">
-                <a:solidFill>
-                  <a:srgbClr val="FF0000"/>
-                </a:solidFill>
-              </a:rPr>
-              <a:t># item_id-产品的唯一标识符</a:t>
-            </a:r>
-            <a:endParaRPr lang="zh-CN" altLang="en-US" dirty="0">
-              <a:solidFill>
-                <a:srgbClr val="FF0000"/>
-              </a:solidFill>
-            </a:endParaRPr>
-          </a:p>
-          <a:p>
-            <a:pPr marL="0" indent="0" fontAlgn="auto">
-              <a:lnSpc>
-                <a:spcPct val="140000"/>
-              </a:lnSpc>
-              <a:buNone/>
-            </a:pPr>
-            <a:r>
-              <a:rPr lang="zh-CN" altLang="en-US" dirty="0">
-                <a:solidFill>
-                  <a:srgbClr val="FF0000"/>
-                </a:solidFill>
-              </a:rPr>
-              <a:t># item_category_id-项目类别的唯一标识符</a:t>
-            </a:r>
-            <a:endParaRPr lang="zh-CN" altLang="en-US" dirty="0">
-              <a:solidFill>
-                <a:srgbClr val="FF0000"/>
-              </a:solidFill>
-            </a:endParaRPr>
-          </a:p>
-          <a:p>
-            <a:pPr marL="0" indent="0" fontAlgn="auto">
-              <a:lnSpc>
-                <a:spcPct val="140000"/>
-              </a:lnSpc>
-              <a:buNone/>
-            </a:pPr>
-            <a:r>
-              <a:rPr lang="zh-CN" altLang="en-US" dirty="0">
-                <a:solidFill>
-                  <a:srgbClr val="FF0000"/>
-                </a:solidFill>
-              </a:rPr>
-              <a:t># item_cnt_day-销售的产品数量。您正在预测此量度的每月金额</a:t>
-            </a:r>
-            <a:endParaRPr lang="zh-CN" altLang="en-US" dirty="0">
-              <a:solidFill>
-                <a:srgbClr val="FF0000"/>
-              </a:solidFill>
-            </a:endParaRPr>
-          </a:p>
-          <a:p>
-            <a:pPr marL="0" indent="0" fontAlgn="auto">
-              <a:lnSpc>
-                <a:spcPct val="140000"/>
-              </a:lnSpc>
-              <a:buNone/>
-            </a:pPr>
-            <a:r>
-              <a:rPr lang="zh-CN" altLang="en-US" dirty="0">
-                <a:solidFill>
-                  <a:srgbClr val="FF0000"/>
-                </a:solidFill>
-              </a:rPr>
-              <a:t># item_price-商品的当前价格</a:t>
-            </a:r>
-            <a:endParaRPr lang="zh-CN" altLang="en-US" dirty="0">
-              <a:solidFill>
-                <a:srgbClr val="FF0000"/>
-              </a:solidFill>
-            </a:endParaRPr>
-          </a:p>
-          <a:p>
-            <a:pPr marL="0" indent="0" fontAlgn="auto">
-              <a:lnSpc>
-                <a:spcPct val="140000"/>
-              </a:lnSpc>
-              <a:buNone/>
-            </a:pPr>
-            <a:r>
-              <a:rPr lang="zh-CN" altLang="en-US" dirty="0">
-                <a:solidFill>
-                  <a:srgbClr val="FF0000"/>
-                </a:solidFill>
-              </a:rPr>
-              <a:t># 日期 -格式为dd / mm / yyyy的日期</a:t>
-            </a:r>
-            <a:endParaRPr lang="zh-CN" altLang="en-US" dirty="0">
-              <a:solidFill>
-                <a:srgbClr val="FF0000"/>
-              </a:solidFill>
-            </a:endParaRPr>
-          </a:p>
-          <a:p>
-            <a:pPr marL="0" indent="0" fontAlgn="auto">
-              <a:lnSpc>
-                <a:spcPct val="140000"/>
-              </a:lnSpc>
-              <a:buNone/>
-            </a:pPr>
-            <a:r>
-              <a:rPr lang="zh-CN" altLang="en-US" dirty="0">
-                <a:solidFill>
-                  <a:srgbClr val="FF0000"/>
-                </a:solidFill>
-              </a:rPr>
-              <a:t># date_block_num-连续的月份号，为方便起见。2013年1月为0,2013年2月为1，...，2015年10月为33</a:t>
-            </a:r>
-            <a:endParaRPr lang="zh-CN" altLang="en-US" dirty="0">
-              <a:solidFill>
-                <a:srgbClr val="FF0000"/>
-              </a:solidFill>
-            </a:endParaRPr>
-          </a:p>
-          <a:p>
-            <a:pPr marL="0" indent="0" fontAlgn="auto">
-              <a:lnSpc>
-                <a:spcPct val="140000"/>
-              </a:lnSpc>
-              <a:buNone/>
-            </a:pPr>
-            <a:r>
-              <a:rPr lang="zh-CN" altLang="en-US" dirty="0"/>
-              <a:t># item_name- 项目名称</a:t>
-            </a:r>
-            <a:endParaRPr lang="zh-CN" altLang="en-US" dirty="0"/>
-          </a:p>
-          <a:p>
-            <a:pPr marL="0" indent="0" fontAlgn="auto">
-              <a:lnSpc>
-                <a:spcPct val="140000"/>
-              </a:lnSpc>
-              <a:buNone/>
-            </a:pPr>
-            <a:r>
-              <a:rPr lang="zh-CN" altLang="en-US" dirty="0"/>
-              <a:t># shop_name-商店名称</a:t>
-            </a:r>
-            <a:endParaRPr lang="zh-CN" altLang="en-US" dirty="0"/>
-          </a:p>
-          <a:p>
-            <a:pPr marL="0" indent="0" fontAlgn="auto">
-              <a:lnSpc>
-                <a:spcPct val="140000"/>
-              </a:lnSpc>
-              <a:buNone/>
-            </a:pPr>
-            <a:r>
-              <a:rPr lang="zh-CN" altLang="en-US" dirty="0"/>
-              <a:t># item_category_name-项目类别名称</a:t>
-            </a:r>
-            <a:endParaRPr lang="zh-CN" altLang="en-US" dirty="0"/>
-          </a:p>
-        </p:txBody>
-      </p:sp>
-    </p:spTree>
-    <p:custDataLst>
-      <p:tags r:id="rId3"/>
-    </p:custDataLst>
-  </p:cSld>
-  <p:clrMapOvr>
-    <a:masterClrMapping/>
-  </p:clrMapOvr>
-</p:sld>
-</file>
-
-<file path=ppt/slides/slide8.xml><?xml version="1.0" encoding="utf-8"?>
-<p:sld xmlns:a="http://schemas.openxmlformats.org/drawingml/2006/main" xmlns:r="http://schemas.openxmlformats.org/officeDocument/2006/relationships" xmlns:p="http://schemas.openxmlformats.org/presentationml/2006/main">
-  <p:cSld>
-    <p:spTree>
-      <p:nvGrpSpPr>
-        <p:cNvPr id="1" name=""/>
-        <p:cNvGrpSpPr/>
-        <p:nvPr/>
-      </p:nvGrpSpPr>
-      <p:grpSpPr>
-        <a:xfrm>
-          <a:off x="0" y="0"/>
-          <a:ext cx="0" cy="0"/>
-          <a:chOff x="0" y="0"/>
-          <a:chExt cx="0" cy="0"/>
-        </a:xfrm>
-      </p:grpSpPr>
-      <p:sp>
-        <p:nvSpPr>
-          <p:cNvPr id="7" name="Title 6"/>
-          <p:cNvSpPr txBox="1"/>
-          <p:nvPr>
-            <p:custDataLst>
-              <p:tags r:id="rId1"/>
-            </p:custDataLst>
-          </p:nvPr>
-        </p:nvSpPr>
-        <p:spPr>
-          <a:xfrm>
-            <a:off x="601679" y="4179383"/>
-            <a:ext cx="10973399" cy="565146"/>
-          </a:xfrm>
-          <a:prstGeom prst="rect">
-            <a:avLst/>
-          </a:prstGeom>
-          <a:noFill/>
-          <a:ln w="3175">
-            <a:noFill/>
-            <a:prstDash val="dash"/>
-          </a:ln>
-        </p:spPr>
-        <p:txBody>
-          <a:bodyPr wrap="square" lIns="90000" tIns="46800" rIns="90000" bIns="46800" anchor="t" anchorCtr="0">
-            <a:normAutofit fontScale="90000" lnSpcReduction="10000"/>
-          </a:bodyPr>
-          <a:lstStyle>
-            <a:lvl1pPr algn="l" defTabSz="913765" rtl="0" eaLnBrk="1" latinLnBrk="0" hangingPunct="1">
-              <a:lnSpc>
-                <a:spcPct val="90000"/>
-              </a:lnSpc>
-              <a:spcBef>
-                <a:spcPct val="0"/>
-              </a:spcBef>
-              <a:buNone/>
-              <a:defRPr lang="en-US" sz="2745" b="0" kern="1200" cap="none" spc="-49" baseline="0" dirty="0" smtClean="0">
-                <a:ln w="3175">
-                  <a:noFill/>
-                </a:ln>
-                <a:solidFill>
-                  <a:sysClr val="windowText" lastClr="000000"/>
-                </a:solidFill>
-                <a:effectLst/>
-                <a:latin typeface="+mj-lt"/>
-                <a:ea typeface="+mn-ea"/>
-                <a:cs typeface="Segoe UI" panose="020B0502040204020203" pitchFamily="34" charset="0"/>
-              </a:defRPr>
-            </a:lvl1pPr>
-          </a:lstStyle>
-          <a:p>
-            <a:pPr>
-              <a:lnSpc>
-                <a:spcPct val="100000"/>
-              </a:lnSpc>
-              <a:spcAft>
-                <a:spcPts val="800"/>
-              </a:spcAft>
-            </a:pPr>
-            <a:r>
-              <a:rPr lang="zh-CN" altLang="en-US" sz="3200" b="1" spc="300" dirty="0">
-                <a:ln w="3175">
-                  <a:noFill/>
-                  <a:prstDash val="dash"/>
-                </a:ln>
-                <a:solidFill>
-                  <a:schemeClr val="tx1">
-                    <a:lumMod val="85000"/>
-                    <a:lumOff val="15000"/>
-                  </a:schemeClr>
-                </a:solidFill>
-                <a:latin typeface="Arial" panose="020B0604020202020204" pitchFamily="34" charset="0"/>
-                <a:ea typeface="微软雅黑" panose="020B0503020204020204" charset="-122"/>
-                <a:cs typeface="微软雅黑" panose="020B0503020204020204" charset="-122"/>
-              </a:rPr>
-              <a:t>读取数据集</a:t>
-            </a:r>
-            <a:r>
-              <a:rPr altLang="zh-CN" sz="3200" b="1" spc="300" dirty="0">
-                <a:ln w="3175">
-                  <a:noFill/>
-                  <a:prstDash val="dash"/>
-                </a:ln>
-                <a:solidFill>
-                  <a:schemeClr val="tx1">
-                    <a:lumMod val="85000"/>
-                    <a:lumOff val="15000"/>
-                  </a:schemeClr>
-                </a:solidFill>
-                <a:latin typeface="Arial" panose="020B0604020202020204" pitchFamily="34" charset="0"/>
-                <a:ea typeface="微软雅黑" panose="020B0503020204020204" charset="-122"/>
-                <a:cs typeface="微软雅黑" panose="020B0503020204020204" charset="-122"/>
-              </a:rPr>
-              <a:t>(</a:t>
-            </a:r>
-            <a:r>
-              <a:rPr lang="zh-CN" altLang="en-US" sz="3200" b="1" spc="300" dirty="0">
-                <a:ln w="3175">
-                  <a:noFill/>
-                  <a:prstDash val="dash"/>
-                </a:ln>
-                <a:solidFill>
-                  <a:schemeClr val="tx1">
-                    <a:lumMod val="85000"/>
-                    <a:lumOff val="15000"/>
-                  </a:schemeClr>
-                </a:solidFill>
-                <a:latin typeface="Arial" panose="020B0604020202020204" pitchFamily="34" charset="0"/>
-                <a:ea typeface="微软雅黑" panose="020B0503020204020204" charset="-122"/>
-                <a:cs typeface="微软雅黑" panose="020B0503020204020204" charset="-122"/>
-              </a:rPr>
-              <a:t>训练集）</a:t>
-            </a:r>
-            <a:endParaRPr lang="zh-CN" altLang="en-US" sz="3200" b="1" spc="300" dirty="0">
-              <a:ln w="3175">
-                <a:noFill/>
-                <a:prstDash val="dash"/>
-              </a:ln>
-              <a:solidFill>
-                <a:schemeClr val="tx1">
-                  <a:lumMod val="85000"/>
-                  <a:lumOff val="15000"/>
-                </a:schemeClr>
-              </a:solidFill>
-              <a:latin typeface="Arial" panose="020B0604020202020204" pitchFamily="34" charset="0"/>
-              <a:ea typeface="微软雅黑" panose="020B0503020204020204" charset="-122"/>
-              <a:cs typeface="微软雅黑" panose="020B0503020204020204" charset="-122"/>
-            </a:endParaRPr>
-          </a:p>
-        </p:txBody>
-      </p:sp>
-      <p:pic>
-        <p:nvPicPr>
-          <p:cNvPr id="4" name="图片 3"/>
-          <p:cNvPicPr>
-            <a:picLocks noChangeAspect="1"/>
-          </p:cNvPicPr>
-          <p:nvPr/>
-        </p:nvPicPr>
-        <p:blipFill>
-          <a:blip r:embed="rId2"/>
-          <a:stretch>
-            <a:fillRect/>
-          </a:stretch>
-        </p:blipFill>
-        <p:spPr>
-          <a:xfrm>
-            <a:off x="609600" y="609600"/>
-            <a:ext cx="10958195" cy="3356610"/>
-          </a:xfrm>
-          <a:prstGeom prst="rect">
-            <a:avLst/>
-          </a:prstGeom>
-        </p:spPr>
-      </p:pic>
-    </p:spTree>
-    <p:custDataLst>
-      <p:tags r:id="rId3"/>
-    </p:custDataLst>
-  </p:cSld>
-  <p:clrMapOvr>
-    <a:masterClrMapping/>
-  </p:clrMapOvr>
-</p:sld>
-</file>
-
-<file path=ppt/slides/slide9.xml><?xml version="1.0" encoding="utf-8"?>
-<p:sld xmlns:a="http://schemas.openxmlformats.org/drawingml/2006/main" xmlns:r="http://schemas.openxmlformats.org/officeDocument/2006/relationships" xmlns:p="http://schemas.openxmlformats.org/presentationml/2006/main">
-  <p:cSld>
-    <p:spTree>
-      <p:nvGrpSpPr>
-        <p:cNvPr id="1" name=""/>
-        <p:cNvGrpSpPr/>
-        <p:nvPr/>
-      </p:nvGrpSpPr>
-      <p:grpSpPr>
-        <a:xfrm>
-          <a:off x="0" y="0"/>
-          <a:ext cx="0" cy="0"/>
-          <a:chOff x="0" y="0"/>
-          <a:chExt cx="0" cy="0"/>
-        </a:xfrm>
-      </p:grpSpPr>
-      <p:sp>
-        <p:nvSpPr>
-          <p:cNvPr id="28" name="文本框 27"/>
-          <p:cNvSpPr txBox="1"/>
-          <p:nvPr>
-            <p:custDataLst>
-              <p:tags r:id="rId1"/>
-            </p:custDataLst>
-          </p:nvPr>
-        </p:nvSpPr>
-        <p:spPr>
-          <a:xfrm>
-            <a:off x="5048221" y="2513890"/>
-            <a:ext cx="2095555" cy="584775"/>
-          </a:xfrm>
-          <a:prstGeom prst="rect">
-            <a:avLst/>
-          </a:prstGeom>
-          <a:noFill/>
-        </p:spPr>
-        <p:txBody>
-          <a:bodyPr wrap="square" rtlCol="0">
-            <a:normAutofit/>
-          </a:bodyPr>
-          <a:lstStyle/>
-          <a:p>
-            <a:pPr algn="ctr"/>
-            <a:r>
-              <a:rPr lang="en-US" altLang="zh-CN" sz="3200" dirty="0">
-                <a:solidFill>
-                  <a:schemeClr val="accent1"/>
-                </a:solidFill>
-                <a:latin typeface="Arial" panose="020B0604020202020204" pitchFamily="34" charset="0"/>
-                <a:ea typeface="微软雅黑" panose="020B0503020204020204" charset="-122"/>
-              </a:rPr>
-              <a:t>Part  02</a:t>
-            </a:r>
-            <a:endParaRPr lang="en-US" altLang="zh-CN" sz="3200" dirty="0">
-              <a:solidFill>
-                <a:schemeClr val="accent1"/>
-              </a:solidFill>
-              <a:latin typeface="Arial" panose="020B0604020202020204" pitchFamily="34" charset="0"/>
-              <a:ea typeface="微软雅黑" panose="020B0503020204020204" charset="-122"/>
-            </a:endParaRPr>
-          </a:p>
-        </p:txBody>
-      </p:sp>
-      <p:sp>
-        <p:nvSpPr>
-          <p:cNvPr id="2" name="标题 1"/>
-          <p:cNvSpPr>
-            <a:spLocks noGrp="1"/>
-          </p:cNvSpPr>
-          <p:nvPr>
-            <p:ph type="title"/>
-            <p:custDataLst>
-              <p:tags r:id="rId2"/>
-            </p:custDataLst>
-          </p:nvPr>
-        </p:nvSpPr>
-        <p:spPr/>
-        <p:txBody>
-          <a:bodyPr>
-            <a:normAutofit fontScale="90000"/>
-          </a:bodyPr>
-          <a:lstStyle/>
-          <a:p>
-            <a:r>
-              <a:rPr lang="zh-CN" altLang="en-US" dirty="0">
-                <a:sym typeface="+mn-ea"/>
-              </a:rPr>
-              <a:t>数据可视化</a:t>
-            </a:r>
-            <a:br>
-              <a:rPr lang="zh-CN" altLang="zh-CN" dirty="0"/>
-            </a:br>
-            <a:endParaRPr lang="zh-CN" altLang="en-US" dirty="0"/>
-          </a:p>
-        </p:txBody>
-      </p:sp>
-    </p:spTree>
-    <p:custDataLst>
-      <p:tags r:id="rId3"/>
-    </p:custDataLst>
-  </p:cSld>
-  <p:clrMapOvr>
-    <a:masterClrMapping/>
-  </p:clrMapOvr>
-</p:sld>
-</file>
-
 <file path=ppt/tags/tag1.xml><?xml version="1.0" encoding="utf-8"?>
 <p:tagLst xmlns:p="http://schemas.openxmlformats.org/presentationml/2006/main">
   <p:tag name="KSO_WM_UNIT_HIGHLIGHT" val="0"/>
@@ -25378,68 +24669,6 @@
 
 <file path=ppt/tags/tag326.xml><?xml version="1.0" encoding="utf-8"?>
 <p:tagLst xmlns:p="http://schemas.openxmlformats.org/presentationml/2006/main">
-  <p:tag name="KSO_WM_UNIT_HIGHLIGHT" val="0"/>
-  <p:tag name="KSO_WM_UNIT_COMPATIBLE" val="0"/>
-  <p:tag name="KSO_WM_UNIT_DIAGRAM_ISNUMVISUAL" val="0"/>
-  <p:tag name="KSO_WM_UNIT_DIAGRAM_ISREFERUNIT" val="0"/>
-  <p:tag name="KSO_WM_UNIT_ID" val="custom20202602_8*a*1"/>
-  <p:tag name="KSO_WM_TEMPLATE_CATEGORY" val="custom"/>
-  <p:tag name="KSO_WM_TEMPLATE_INDEX" val="20202602"/>
-  <p:tag name="KSO_WM_UNIT_LAYERLEVEL" val="1"/>
-  <p:tag name="KSO_WM_TAG_VERSION" val="1.0"/>
-  <p:tag name="KSO_WM_BEAUTIFY_FLAG" val="#wm#"/>
-  <p:tag name="KSO_WM_UNIT_ISCONTENTSTITLE" val="0"/>
-  <p:tag name="KSO_WM_UNIT_PRESET_TEXT" val="单击此处添加标题"/>
-  <p:tag name="KSO_WM_UNIT_NOCLEAR" val="0"/>
-  <p:tag name="KSO_WM_UNIT_VALUE" val="26"/>
-  <p:tag name="KSO_WM_UNIT_TYPE" val="a"/>
-  <p:tag name="KSO_WM_UNIT_INDEX" val="1"/>
-</p:tagLst>
-</file>
-
-<file path=ppt/tags/tag327.xml><?xml version="1.0" encoding="utf-8"?>
-<p:tagLst xmlns:p="http://schemas.openxmlformats.org/presentationml/2006/main">
-  <p:tag name="KSO_WM_UNIT_HIGHLIGHT" val="0"/>
-  <p:tag name="KSO_WM_UNIT_COMPATIBLE" val="0"/>
-  <p:tag name="KSO_WM_UNIT_DIAGRAM_ISNUMVISUAL" val="0"/>
-  <p:tag name="KSO_WM_UNIT_DIAGRAM_ISREFERUNIT" val="0"/>
-  <p:tag name="KSO_WM_UNIT_ID" val="custom20202602_8*f*1"/>
-  <p:tag name="KSO_WM_TEMPLATE_CATEGORY" val="custom"/>
-  <p:tag name="KSO_WM_TEMPLATE_INDEX" val="20202602"/>
-  <p:tag name="KSO_WM_UNIT_LAYERLEVEL" val="1"/>
-  <p:tag name="KSO_WM_TAG_VERSION" val="1.0"/>
-  <p:tag name="KSO_WM_BEAUTIFY_FLAG" val="#wm#"/>
-  <p:tag name="KSO_WM_UNIT_PRESET_TEXT" val="如果您的内容确实非常重要又难以精简，也请使用分段处理，对内容进行简单的梳理和提炼，这样会使逻辑框架相对清晰。为了能让您有更直观的字数感受，并进一步方便使用，我们设置了文本的最大限度，当您输入的文字到这里时，已濒临页面容纳内容的上限，若还有更多内容，请酌情缩小字号，但我们不建议您的文本字号小于14磅，请您务必注意。&#13;如果您的内容确实非常重要又难以精简，也请使用分段处理，对内容进行简单的梳理和提炼，这样会使逻辑框架相对清晰。为了能让您有更直观的字数感受，并进一步方便使用，我们设置了文本的最大限度，当您输入的文字到这里时，已濒临页面容纳内容的上限，若还有更多内容，请酌情缩小字号，但我们不建议您的文本字号小于14磅，请您务必注意。"/>
-  <p:tag name="KSO_WM_UNIT_NOCLEAR" val="0"/>
-  <p:tag name="KSO_WM_UNIT_VALUE" val="460"/>
-  <p:tag name="KSO_WM_UNIT_TYPE" val="f"/>
-  <p:tag name="KSO_WM_UNIT_INDEX" val="1"/>
-</p:tagLst>
-</file>
-
-<file path=ppt/tags/tag328.xml><?xml version="1.0" encoding="utf-8"?>
-<p:tagLst xmlns:p="http://schemas.openxmlformats.org/presentationml/2006/main">
-  <p:tag name="KSO_WM_SLIDE_ID" val="custom20202602_8"/>
-  <p:tag name="KSO_WM_TEMPLATE_SUBCATEGORY" val="0"/>
-  <p:tag name="KSO_WM_SLIDE_ITEM_CNT" val="0"/>
-  <p:tag name="KSO_WM_SLIDE_INDEX" val="8"/>
-  <p:tag name="KSO_WM_TAG_VERSION" val="1.0"/>
-  <p:tag name="KSO_WM_BEAUTIFY_FLAG" val="#wm#"/>
-  <p:tag name="KSO_WM_TEMPLATE_CATEGORY" val="custom"/>
-  <p:tag name="KSO_WM_TEMPLATE_INDEX" val="20202602"/>
-  <p:tag name="KSO_WM_SLIDE_TYPE" val="text"/>
-  <p:tag name="KSO_WM_SLIDE_SUBTYPE" val="pureTxt"/>
-  <p:tag name="KSO_WM_SLIDE_SIZE" val="758*343"/>
-  <p:tag name="KSO_WM_SLIDE_POSITION" val="100*98"/>
-  <p:tag name="KSO_WM_SLIDE_LAYOUT" val="a_f"/>
-  <p:tag name="KSO_WM_SLIDE_LAYOUT_CNT" val="1_1"/>
-  <p:tag name="KSO_WM_TEMPLATE_MASTER_TYPE" val="1"/>
-  <p:tag name="KSO_WM_TEMPLATE_COLOR_TYPE" val="1"/>
-</p:tagLst>
-</file>
-
-<file path=ppt/tags/tag329.xml><?xml version="1.0" encoding="utf-8"?>
-<p:tagLst xmlns:p="http://schemas.openxmlformats.org/presentationml/2006/main">
   <p:tag name="KSO_WM_UNIT_ISCONTENTSTITLE" val="0"/>
   <p:tag name="KSO_WM_UNIT_PRESET_TEXT" val="单击此处添加标题"/>
   <p:tag name="KSO_WM_UNIT_NOCLEAR" val="0"/>
@@ -25459,20 +24688,7 @@
 </p:tagLst>
 </file>
 
-<file path=ppt/tags/tag33.xml><?xml version="1.0" encoding="utf-8"?>
-<p:tagLst xmlns:p="http://schemas.openxmlformats.org/presentationml/2006/main">
-  <p:tag name="KSO_WM_UNIT_HIGHLIGHT" val="0"/>
-  <p:tag name="KSO_WM_UNIT_COMPATIBLE" val="0"/>
-  <p:tag name="KSO_WM_UNIT_DIAGRAM_ISNUMVISUAL" val="0"/>
-  <p:tag name="KSO_WM_UNIT_DIAGRAM_ISREFERUNIT" val="0"/>
-  <p:tag name="KSO_WM_UNIT_ID" val="_2**"/>
-  <p:tag name="KSO_WM_UNIT_LAYERLEVEL" val="1"/>
-  <p:tag name="KSO_WM_TAG_VERSION" val="1.0"/>
-  <p:tag name="KSO_WM_BEAUTIFY_FLAG" val="#wm#"/>
-</p:tagLst>
-</file>
-
-<file path=ppt/tags/tag330.xml><?xml version="1.0" encoding="utf-8"?>
+<file path=ppt/tags/tag327.xml><?xml version="1.0" encoding="utf-8"?>
 <p:tagLst xmlns:p="http://schemas.openxmlformats.org/presentationml/2006/main">
   <p:tag name="KSO_WM_SLIDE_ID" val="custom20202602_7"/>
   <p:tag name="KSO_WM_TEMPLATE_SUBCATEGORY" val="0"/>
@@ -25493,7 +24709,7 @@
 </p:tagLst>
 </file>
 
-<file path=ppt/tags/tag331.xml><?xml version="1.0" encoding="utf-8"?>
+<file path=ppt/tags/tag328.xml><?xml version="1.0" encoding="utf-8"?>
 <p:tagLst xmlns:p="http://schemas.openxmlformats.org/presentationml/2006/main">
   <p:tag name="KSO_WM_UNIT_HIGHLIGHT" val="0"/>
   <p:tag name="KSO_WM_UNIT_COMPATIBLE" val="0"/>
@@ -25513,7 +24729,7 @@
 </p:tagLst>
 </file>
 
-<file path=ppt/tags/tag332.xml><?xml version="1.0" encoding="utf-8"?>
+<file path=ppt/tags/tag329.xml><?xml version="1.0" encoding="utf-8"?>
 <p:tagLst xmlns:p="http://schemas.openxmlformats.org/presentationml/2006/main">
   <p:tag name="KSO_WM_UNIT_HIGHLIGHT" val="0"/>
   <p:tag name="KSO_WM_UNIT_COMPATIBLE" val="0"/>
@@ -25534,7 +24750,20 @@
 </p:tagLst>
 </file>
 
-<file path=ppt/tags/tag333.xml><?xml version="1.0" encoding="utf-8"?>
+<file path=ppt/tags/tag33.xml><?xml version="1.0" encoding="utf-8"?>
+<p:tagLst xmlns:p="http://schemas.openxmlformats.org/presentationml/2006/main">
+  <p:tag name="KSO_WM_UNIT_HIGHLIGHT" val="0"/>
+  <p:tag name="KSO_WM_UNIT_COMPATIBLE" val="0"/>
+  <p:tag name="KSO_WM_UNIT_DIAGRAM_ISNUMVISUAL" val="0"/>
+  <p:tag name="KSO_WM_UNIT_DIAGRAM_ISREFERUNIT" val="0"/>
+  <p:tag name="KSO_WM_UNIT_ID" val="_2**"/>
+  <p:tag name="KSO_WM_UNIT_LAYERLEVEL" val="1"/>
+  <p:tag name="KSO_WM_TAG_VERSION" val="1.0"/>
+  <p:tag name="KSO_WM_BEAUTIFY_FLAG" val="#wm#"/>
+</p:tagLst>
+</file>
+
+<file path=ppt/tags/tag330.xml><?xml version="1.0" encoding="utf-8"?>
 <p:tagLst xmlns:p="http://schemas.openxmlformats.org/presentationml/2006/main">
   <p:tag name="KSO_WM_SLIDE_ID" val="custom20202602_6"/>
   <p:tag name="KSO_WM_TEMPLATE_SUBCATEGORY" val="0"/>
@@ -25553,7 +24782,7 @@
 </p:tagLst>
 </file>
 
-<file path=ppt/tags/tag334.xml><?xml version="1.0" encoding="utf-8"?>
+<file path=ppt/tags/tag331.xml><?xml version="1.0" encoding="utf-8"?>
 <p:tagLst xmlns:p="http://schemas.openxmlformats.org/presentationml/2006/main">
   <p:tag name="KSO_WM_UNIT_HIGHLIGHT" val="0"/>
   <p:tag name="KSO_WM_UNIT_COMPATIBLE" val="0"/>
@@ -25574,26 +24803,7 @@
 </p:tagLst>
 </file>
 
-<file path=ppt/tags/tag335.xml><?xml version="1.0" encoding="utf-8"?>
-<p:tagLst xmlns:p="http://schemas.openxmlformats.org/presentationml/2006/main">
-  <p:tag name="KSO_WM_UNIT_VALUE" val="1412*1797"/>
-  <p:tag name="KSO_WM_UNIT_HIGHLIGHT" val="0"/>
-  <p:tag name="KSO_WM_UNIT_COMPATIBLE" val="0"/>
-  <p:tag name="KSO_WM_UNIT_DIAGRAM_ISNUMVISUAL" val="0"/>
-  <p:tag name="KSO_WM_UNIT_DIAGRAM_ISREFERUNIT" val="0"/>
-  <p:tag name="KSO_WM_UNIT_TYPE" val="d"/>
-  <p:tag name="KSO_WM_UNIT_INDEX" val="1"/>
-  <p:tag name="KSO_WM_UNIT_ID" val="custom20202602_9*d*1"/>
-  <p:tag name="KSO_WM_TEMPLATE_CATEGORY" val="custom"/>
-  <p:tag name="KSO_WM_TEMPLATE_INDEX" val="20202602"/>
-  <p:tag name="KSO_WM_UNIT_LAYERLEVEL" val="1"/>
-  <p:tag name="KSO_WM_TAG_VERSION" val="1.0"/>
-  <p:tag name="KSO_WM_BEAUTIFY_FLAG" val="#wm#"/>
-  <p:tag name="KSO_WM_UNIT_SUPPORT_UNIT_TYPE" val="[&quot;all&quot;]"/>
-</p:tagLst>
-</file>
-
-<file path=ppt/tags/tag336.xml><?xml version="1.0" encoding="utf-8"?>
+<file path=ppt/tags/tag332.xml><?xml version="1.0" encoding="utf-8"?>
 <p:tagLst xmlns:p="http://schemas.openxmlformats.org/presentationml/2006/main">
   <p:tag name="KSO_WM_UNIT_HIGHLIGHT" val="0"/>
   <p:tag name="KSO_WM_UNIT_COMPATIBLE" val="0"/>
@@ -25613,7 +24823,7 @@
 </p:tagLst>
 </file>
 
-<file path=ppt/tags/tag337.xml><?xml version="1.0" encoding="utf-8"?>
+<file path=ppt/tags/tag333.xml><?xml version="1.0" encoding="utf-8"?>
 <p:tagLst xmlns:p="http://schemas.openxmlformats.org/presentationml/2006/main">
   <p:tag name="KSO_WM_SLIDE_ID" val="custom20202602_9"/>
   <p:tag name="KSO_WM_TEMPLATE_SUBCATEGORY" val="0"/>
@@ -25634,7 +24844,222 @@
 </p:tagLst>
 </file>
 
+<file path=ppt/tags/tag334.xml><?xml version="1.0" encoding="utf-8"?>
+<p:tagLst xmlns:p="http://schemas.openxmlformats.org/presentationml/2006/main">
+  <p:tag name="KSO_WM_UNIT_HIGHLIGHT" val="0"/>
+  <p:tag name="KSO_WM_UNIT_COMPATIBLE" val="0"/>
+  <p:tag name="KSO_WM_UNIT_DIAGRAM_ISNUMVISUAL" val="0"/>
+  <p:tag name="KSO_WM_UNIT_DIAGRAM_ISREFERUNIT" val="0"/>
+  <p:tag name="KSO_WM_UNIT_ID" val="custom20202602_10*a*1"/>
+  <p:tag name="KSO_WM_TEMPLATE_CATEGORY" val="custom"/>
+  <p:tag name="KSO_WM_TEMPLATE_INDEX" val="20202602"/>
+  <p:tag name="KSO_WM_UNIT_LAYERLEVEL" val="1"/>
+  <p:tag name="KSO_WM_TAG_VERSION" val="1.0"/>
+  <p:tag name="KSO_WM_BEAUTIFY_FLAG" val="#wm#"/>
+  <p:tag name="KSO_WM_UNIT_ISCONTENTSTITLE" val="0"/>
+  <p:tag name="KSO_WM_UNIT_PRESET_TEXT" val="单击此处添加标题"/>
+  <p:tag name="KSO_WM_UNIT_NOCLEAR" val="0"/>
+  <p:tag name="KSO_WM_UNIT_VALUE" val="30"/>
+  <p:tag name="KSO_WM_UNIT_TYPE" val="a"/>
+  <p:tag name="KSO_WM_UNIT_INDEX" val="1"/>
+</p:tagLst>
+</file>
+
+<file path=ppt/tags/tag335.xml><?xml version="1.0" encoding="utf-8"?>
+<p:tagLst xmlns:p="http://schemas.openxmlformats.org/presentationml/2006/main">
+  <p:tag name="KSO_WM_UNIT_VALUE" val="950*3043"/>
+  <p:tag name="KSO_WM_UNIT_HIGHLIGHT" val="0"/>
+  <p:tag name="KSO_WM_UNIT_COMPATIBLE" val="0"/>
+  <p:tag name="KSO_WM_UNIT_DIAGRAM_ISNUMVISUAL" val="0"/>
+  <p:tag name="KSO_WM_UNIT_DIAGRAM_ISREFERUNIT" val="0"/>
+  <p:tag name="KSO_WM_UNIT_TYPE" val="d"/>
+  <p:tag name="KSO_WM_UNIT_INDEX" val="1"/>
+  <p:tag name="KSO_WM_UNIT_ID" val="custom20202602_10*d*1"/>
+  <p:tag name="KSO_WM_TEMPLATE_CATEGORY" val="custom"/>
+  <p:tag name="KSO_WM_TEMPLATE_INDEX" val="20202602"/>
+  <p:tag name="KSO_WM_UNIT_LAYERLEVEL" val="1"/>
+  <p:tag name="KSO_WM_TAG_VERSION" val="1.0"/>
+  <p:tag name="KSO_WM_BEAUTIFY_FLAG" val="#wm#"/>
+  <p:tag name="KSO_WM_UNIT_SUPPORT_UNIT_TYPE" val="[&quot;all&quot;]"/>
+</p:tagLst>
+</file>
+
+<file path=ppt/tags/tag336.xml><?xml version="1.0" encoding="utf-8"?>
+<p:tagLst xmlns:p="http://schemas.openxmlformats.org/presentationml/2006/main">
+  <p:tag name="KSO_WM_SLIDE_ID" val="custom20202602_10"/>
+  <p:tag name="KSO_WM_TEMPLATE_SUBCATEGORY" val="0"/>
+  <p:tag name="KSO_WM_SLIDE_ITEM_CNT" val="0"/>
+  <p:tag name="KSO_WM_SLIDE_INDEX" val="10"/>
+  <p:tag name="KSO_WM_TAG_VERSION" val="1.0"/>
+  <p:tag name="KSO_WM_BEAUTIFY_FLAG" val="#wm#"/>
+  <p:tag name="KSO_WM_TEMPLATE_CATEGORY" val="custom"/>
+  <p:tag name="KSO_WM_TEMPLATE_INDEX" val="20202602"/>
+  <p:tag name="KSO_WM_SLIDE_TYPE" val="text"/>
+  <p:tag name="KSO_WM_SLIDE_SUBTYPE" val="picTxt"/>
+  <p:tag name="KSO_WM_SLIDE_SIZE" val="864*440"/>
+  <p:tag name="KSO_WM_SLIDE_POSITION" val="48*61"/>
+  <p:tag name="KSO_WM_SLIDE_LAYOUT" val="a_d_f"/>
+  <p:tag name="KSO_WM_SLIDE_LAYOUT_CNT" val="1_1_1"/>
+  <p:tag name="KSO_WM_TEMPLATE_MASTER_TYPE" val="1"/>
+  <p:tag name="KSO_WM_TEMPLATE_COLOR_TYPE" val="1"/>
+</p:tagLst>
+</file>
+
+<file path=ppt/tags/tag337.xml><?xml version="1.0" encoding="utf-8"?>
+<p:tagLst xmlns:p="http://schemas.openxmlformats.org/presentationml/2006/main">
+  <p:tag name="KSO_WM_UNIT_HIGHLIGHT" val="0"/>
+  <p:tag name="KSO_WM_UNIT_COMPATIBLE" val="0"/>
+  <p:tag name="KSO_WM_UNIT_DIAGRAM_ISNUMVISUAL" val="0"/>
+  <p:tag name="KSO_WM_UNIT_DIAGRAM_ISREFERUNIT" val="0"/>
+  <p:tag name="KSO_WM_UNIT_ID" val="custom20202602_6*e*1"/>
+  <p:tag name="KSO_WM_TEMPLATE_CATEGORY" val="custom"/>
+  <p:tag name="KSO_WM_TEMPLATE_INDEX" val="20202602"/>
+  <p:tag name="KSO_WM_UNIT_LAYERLEVEL" val="1"/>
+  <p:tag name="KSO_WM_TAG_VERSION" val="1.0"/>
+  <p:tag name="KSO_WM_BEAUTIFY_FLAG" val="#wm#"/>
+  <p:tag name="KSO_WM_UNIT_PRESET_TEXT" val="Part  01"/>
+  <p:tag name="KSO_WM_UNIT_NOCLEAR" val="0"/>
+  <p:tag name="KSO_WM_UNIT_VALUE" val="5"/>
+  <p:tag name="KSO_WM_UNIT_TYPE" val="e"/>
+  <p:tag name="KSO_WM_UNIT_INDEX" val="1"/>
+</p:tagLst>
+</file>
+
 <file path=ppt/tags/tag338.xml><?xml version="1.0" encoding="utf-8"?>
+<p:tagLst xmlns:p="http://schemas.openxmlformats.org/presentationml/2006/main">
+  <p:tag name="KSO_WM_UNIT_HIGHLIGHT" val="0"/>
+  <p:tag name="KSO_WM_UNIT_COMPATIBLE" val="0"/>
+  <p:tag name="KSO_WM_UNIT_DIAGRAM_ISNUMVISUAL" val="0"/>
+  <p:tag name="KSO_WM_UNIT_DIAGRAM_ISREFERUNIT" val="0"/>
+  <p:tag name="KSO_WM_UNIT_ID" val="custom20202602_6*a*1"/>
+  <p:tag name="KSO_WM_TEMPLATE_CATEGORY" val="custom"/>
+  <p:tag name="KSO_WM_TEMPLATE_INDEX" val="20202602"/>
+  <p:tag name="KSO_WM_UNIT_LAYERLEVEL" val="1"/>
+  <p:tag name="KSO_WM_TAG_VERSION" val="1.0"/>
+  <p:tag name="KSO_WM_BEAUTIFY_FLAG" val="#wm#"/>
+  <p:tag name="KSO_WM_UNIT_ISCONTENTSTITLE" val="0"/>
+  <p:tag name="KSO_WM_UNIT_PRESET_TEXT" val="添加标题"/>
+  <p:tag name="KSO_WM_UNIT_NOCLEAR" val="0"/>
+  <p:tag name="KSO_WM_UNIT_VALUE" val="6"/>
+  <p:tag name="KSO_WM_UNIT_TYPE" val="a"/>
+  <p:tag name="KSO_WM_UNIT_INDEX" val="1"/>
+</p:tagLst>
+</file>
+
+<file path=ppt/tags/tag339.xml><?xml version="1.0" encoding="utf-8"?>
+<p:tagLst xmlns:p="http://schemas.openxmlformats.org/presentationml/2006/main">
+  <p:tag name="KSO_WM_SLIDE_ID" val="custom20202602_6"/>
+  <p:tag name="KSO_WM_TEMPLATE_SUBCATEGORY" val="0"/>
+  <p:tag name="KSO_WM_TEMPLATE_MASTER_TYPE" val="1"/>
+  <p:tag name="KSO_WM_TEMPLATE_COLOR_TYPE" val="1"/>
+  <p:tag name="KSO_WM_SLIDE_ITEM_CNT" val="0"/>
+  <p:tag name="KSO_WM_SLIDE_INDEX" val="6"/>
+  <p:tag name="KSO_WM_TAG_VERSION" val="1.0"/>
+  <p:tag name="KSO_WM_BEAUTIFY_FLAG" val="#wm#"/>
+  <p:tag name="KSO_WM_TEMPLATE_CATEGORY" val="custom"/>
+  <p:tag name="KSO_WM_TEMPLATE_INDEX" val="20202602"/>
+  <p:tag name="KSO_WM_SLIDE_TYPE" val="sectionTitle"/>
+  <p:tag name="KSO_WM_SLIDE_SUBTYPE" val="pureTxt"/>
+  <p:tag name="KSO_WM_SLIDE_LAYOUT" val="a_b_e"/>
+  <p:tag name="KSO_WM_SLIDE_LAYOUT_CNT" val="1_1_1"/>
+</p:tagLst>
+</file>
+
+<file path=ppt/tags/tag34.xml><?xml version="1.0" encoding="utf-8"?>
+<p:tagLst xmlns:p="http://schemas.openxmlformats.org/presentationml/2006/main">
+  <p:tag name="KSO_WM_UNIT_HIGHLIGHT" val="0"/>
+  <p:tag name="KSO_WM_UNIT_COMPATIBLE" val="0"/>
+  <p:tag name="KSO_WM_UNIT_DIAGRAM_ISNUMVISUAL" val="0"/>
+  <p:tag name="KSO_WM_UNIT_DIAGRAM_ISREFERUNIT" val="0"/>
+  <p:tag name="KSO_WM_UNIT_ID" val="_2**"/>
+  <p:tag name="KSO_WM_UNIT_LAYERLEVEL" val="1"/>
+  <p:tag name="KSO_WM_TAG_VERSION" val="1.0"/>
+  <p:tag name="KSO_WM_BEAUTIFY_FLAG" val="#wm#"/>
+</p:tagLst>
+</file>
+
+<file path=ppt/tags/tag340.xml><?xml version="1.0" encoding="utf-8"?>
+<p:tagLst xmlns:p="http://schemas.openxmlformats.org/presentationml/2006/main">
+  <p:tag name="KSO_WM_UNIT_PRESET_TEXT" val="点击此处添加正文，文字是您思想的提炼，为了演示发布的良好效果，请言简意赅的阐述您的观点。"/>
+  <p:tag name="KSO_WM_UNIT_NOCLEAR" val="0"/>
+  <p:tag name="KSO_WM_UNIT_VALUE" val="141"/>
+  <p:tag name="KSO_WM_UNIT_HIGHLIGHT" val="0"/>
+  <p:tag name="KSO_WM_UNIT_COMPATIBLE" val="0"/>
+  <p:tag name="KSO_WM_UNIT_DIAGRAM_ISNUMVISUAL" val="0"/>
+  <p:tag name="KSO_WM_UNIT_DIAGRAM_ISREFERUNIT" val="0"/>
+  <p:tag name="KSO_WM_UNIT_TYPE" val="f"/>
+  <p:tag name="KSO_WM_UNIT_INDEX" val="1"/>
+  <p:tag name="KSO_WM_UNIT_ID" val="custom20202602_7*f*1"/>
+  <p:tag name="KSO_WM_TEMPLATE_CATEGORY" val="custom"/>
+  <p:tag name="KSO_WM_TEMPLATE_INDEX" val="20202602"/>
+  <p:tag name="KSO_WM_UNIT_LAYERLEVEL" val="1"/>
+  <p:tag name="KSO_WM_TAG_VERSION" val="1.0"/>
+  <p:tag name="KSO_WM_BEAUTIFY_FLAG" val="#wm#"/>
+</p:tagLst>
+</file>
+
+<file path=ppt/tags/tag341.xml><?xml version="1.0" encoding="utf-8"?>
+<p:tagLst xmlns:p="http://schemas.openxmlformats.org/presentationml/2006/main">
+  <p:tag name="KSO_WM_UNIT_ISCONTENTSTITLE" val="0"/>
+  <p:tag name="KSO_WM_UNIT_PRESET_TEXT" val="单击此处添加标题"/>
+  <p:tag name="KSO_WM_UNIT_NOCLEAR" val="0"/>
+  <p:tag name="KSO_WM_UNIT_VALUE" val="30"/>
+  <p:tag name="KSO_WM_UNIT_HIGHLIGHT" val="0"/>
+  <p:tag name="KSO_WM_UNIT_COMPATIBLE" val="0"/>
+  <p:tag name="KSO_WM_UNIT_DIAGRAM_ISNUMVISUAL" val="0"/>
+  <p:tag name="KSO_WM_UNIT_DIAGRAM_ISREFERUNIT" val="0"/>
+  <p:tag name="KSO_WM_UNIT_TYPE" val="a"/>
+  <p:tag name="KSO_WM_UNIT_INDEX" val="1"/>
+  <p:tag name="KSO_WM_UNIT_ID" val="custom20202602_7*a*1"/>
+  <p:tag name="KSO_WM_TEMPLATE_CATEGORY" val="custom"/>
+  <p:tag name="KSO_WM_TEMPLATE_INDEX" val="20202602"/>
+  <p:tag name="KSO_WM_UNIT_LAYERLEVEL" val="1"/>
+  <p:tag name="KSO_WM_TAG_VERSION" val="1.0"/>
+  <p:tag name="KSO_WM_BEAUTIFY_FLAG" val="#wm#"/>
+</p:tagLst>
+</file>
+
+<file path=ppt/tags/tag342.xml><?xml version="1.0" encoding="utf-8"?>
+<p:tagLst xmlns:p="http://schemas.openxmlformats.org/presentationml/2006/main">
+  <p:tag name="KSO_WM_UNIT_VALUE" val="1011*3045"/>
+  <p:tag name="KSO_WM_UNIT_HIGHLIGHT" val="0"/>
+  <p:tag name="KSO_WM_UNIT_COMPATIBLE" val="0"/>
+  <p:tag name="KSO_WM_UNIT_DIAGRAM_ISNUMVISUAL" val="0"/>
+  <p:tag name="KSO_WM_UNIT_DIAGRAM_ISREFERUNIT" val="0"/>
+  <p:tag name="KSO_WM_UNIT_TYPE" val="d"/>
+  <p:tag name="KSO_WM_UNIT_INDEX" val="1"/>
+  <p:tag name="KSO_WM_UNIT_ID" val="custom20202602_7*d*1"/>
+  <p:tag name="KSO_WM_TEMPLATE_CATEGORY" val="custom"/>
+  <p:tag name="KSO_WM_TEMPLATE_INDEX" val="20202602"/>
+  <p:tag name="KSO_WM_UNIT_LAYERLEVEL" val="1"/>
+  <p:tag name="KSO_WM_TAG_VERSION" val="1.0"/>
+  <p:tag name="KSO_WM_BEAUTIFY_FLAG" val="#wm#"/>
+  <p:tag name="KSO_WM_UNIT_SUPPORT_UNIT_TYPE" val="[&quot;all&quot;]"/>
+</p:tagLst>
+</file>
+
+<file path=ppt/tags/tag343.xml><?xml version="1.0" encoding="utf-8"?>
+<p:tagLst xmlns:p="http://schemas.openxmlformats.org/presentationml/2006/main">
+  <p:tag name="KSO_WM_SLIDE_ID" val="custom20202602_7"/>
+  <p:tag name="KSO_WM_TEMPLATE_SUBCATEGORY" val="0"/>
+  <p:tag name="KSO_WM_SLIDE_TYPE" val="text"/>
+  <p:tag name="KSO_WM_SLIDE_SUBTYPE" val="picTxt"/>
+  <p:tag name="KSO_WM_SLIDE_ITEM_CNT" val="0"/>
+  <p:tag name="KSO_WM_SLIDE_INDEX" val="7"/>
+  <p:tag name="KSO_WM_SLIDE_SIZE" val="864*443"/>
+  <p:tag name="KSO_WM_SLIDE_POSITION" val="47*48"/>
+  <p:tag name="KSO_WM_TAG_VERSION" val="1.0"/>
+  <p:tag name="KSO_WM_BEAUTIFY_FLAG" val="#wm#"/>
+  <p:tag name="KSO_WM_TEMPLATE_CATEGORY" val="custom"/>
+  <p:tag name="KSO_WM_TEMPLATE_INDEX" val="20202602"/>
+  <p:tag name="KSO_WM_SLIDE_LAYOUT" val="a_d_f"/>
+  <p:tag name="KSO_WM_SLIDE_LAYOUT_CNT" val="1_1_1"/>
+  <p:tag name="KSO_WM_TEMPLATE_MASTER_TYPE" val="1"/>
+  <p:tag name="KSO_WM_TEMPLATE_COLOR_TYPE" val="1"/>
+</p:tagLst>
+</file>
+
+<file path=ppt/tags/tag344.xml><?xml version="1.0" encoding="utf-8"?>
 <p:tagLst xmlns:p="http://schemas.openxmlformats.org/presentationml/2006/main">
   <p:tag name="KSO_WM_UNIT_HIGHLIGHT" val="0"/>
   <p:tag name="KSO_WM_UNIT_COMPATIBLE" val="0"/>
@@ -25655,7 +25080,7 @@
 </p:tagLst>
 </file>
 
-<file path=ppt/tags/tag339.xml><?xml version="1.0" encoding="utf-8"?>
+<file path=ppt/tags/tag345.xml><?xml version="1.0" encoding="utf-8"?>
 <p:tagLst xmlns:p="http://schemas.openxmlformats.org/presentationml/2006/main">
   <p:tag name="KSO_WM_UNIT_VALUE" val="1412*1797"/>
   <p:tag name="KSO_WM_UNIT_HIGHLIGHT" val="0"/>
@@ -25674,20 +25099,7 @@
 </p:tagLst>
 </file>
 
-<file path=ppt/tags/tag34.xml><?xml version="1.0" encoding="utf-8"?>
-<p:tagLst xmlns:p="http://schemas.openxmlformats.org/presentationml/2006/main">
-  <p:tag name="KSO_WM_UNIT_HIGHLIGHT" val="0"/>
-  <p:tag name="KSO_WM_UNIT_COMPATIBLE" val="0"/>
-  <p:tag name="KSO_WM_UNIT_DIAGRAM_ISNUMVISUAL" val="0"/>
-  <p:tag name="KSO_WM_UNIT_DIAGRAM_ISREFERUNIT" val="0"/>
-  <p:tag name="KSO_WM_UNIT_ID" val="_2**"/>
-  <p:tag name="KSO_WM_UNIT_LAYERLEVEL" val="1"/>
-  <p:tag name="KSO_WM_TAG_VERSION" val="1.0"/>
-  <p:tag name="KSO_WM_BEAUTIFY_FLAG" val="#wm#"/>
-</p:tagLst>
-</file>
-
-<file path=ppt/tags/tag340.xml><?xml version="1.0" encoding="utf-8"?>
+<file path=ppt/tags/tag346.xml><?xml version="1.0" encoding="utf-8"?>
 <p:tagLst xmlns:p="http://schemas.openxmlformats.org/presentationml/2006/main">
   <p:tag name="KSO_WM_UNIT_HIGHLIGHT" val="0"/>
   <p:tag name="KSO_WM_UNIT_COMPATIBLE" val="0"/>
@@ -25707,7 +25119,7 @@
 </p:tagLst>
 </file>
 
-<file path=ppt/tags/tag341.xml><?xml version="1.0" encoding="utf-8"?>
+<file path=ppt/tags/tag347.xml><?xml version="1.0" encoding="utf-8"?>
 <p:tagLst xmlns:p="http://schemas.openxmlformats.org/presentationml/2006/main">
   <p:tag name="KSO_WM_SLIDE_ID" val="custom20202602_9"/>
   <p:tag name="KSO_WM_TEMPLATE_SUBCATEGORY" val="0"/>
@@ -25728,68 +25140,15 @@
 </p:tagLst>
 </file>
 
-<file path=ppt/tags/tag342.xml><?xml version="1.0" encoding="utf-8"?>
-<p:tagLst xmlns:p="http://schemas.openxmlformats.org/presentationml/2006/main">
-  <p:tag name="KSO_WM_UNIT_HIGHLIGHT" val="0"/>
-  <p:tag name="KSO_WM_UNIT_COMPATIBLE" val="0"/>
-  <p:tag name="KSO_WM_UNIT_DIAGRAM_ISNUMVISUAL" val="0"/>
-  <p:tag name="KSO_WM_UNIT_DIAGRAM_ISREFERUNIT" val="0"/>
-  <p:tag name="KSO_WM_UNIT_ID" val="custom20202602_10*a*1"/>
+<file path=ppt/tags/tag348.xml><?xml version="1.0" encoding="utf-8"?>
+<p:tagLst xmlns:p="http://schemas.openxmlformats.org/presentationml/2006/main">
+  <p:tag name="KSO_WM_BEAUTIFY_FLAG" val="#wm#"/>
   <p:tag name="KSO_WM_TEMPLATE_CATEGORY" val="custom"/>
   <p:tag name="KSO_WM_TEMPLATE_INDEX" val="20202602"/>
-  <p:tag name="KSO_WM_UNIT_LAYERLEVEL" val="1"/>
-  <p:tag name="KSO_WM_TAG_VERSION" val="1.0"/>
-  <p:tag name="KSO_WM_BEAUTIFY_FLAG" val="#wm#"/>
-  <p:tag name="KSO_WM_UNIT_ISCONTENTSTITLE" val="0"/>
-  <p:tag name="KSO_WM_UNIT_PRESET_TEXT" val="单击此处添加标题"/>
-  <p:tag name="KSO_WM_UNIT_NOCLEAR" val="0"/>
-  <p:tag name="KSO_WM_UNIT_VALUE" val="30"/>
-  <p:tag name="KSO_WM_UNIT_TYPE" val="a"/>
-  <p:tag name="KSO_WM_UNIT_INDEX" val="1"/>
-</p:tagLst>
-</file>
-
-<file path=ppt/tags/tag343.xml><?xml version="1.0" encoding="utf-8"?>
-<p:tagLst xmlns:p="http://schemas.openxmlformats.org/presentationml/2006/main">
-  <p:tag name="KSO_WM_UNIT_VALUE" val="950*3043"/>
-  <p:tag name="KSO_WM_UNIT_HIGHLIGHT" val="0"/>
-  <p:tag name="KSO_WM_UNIT_COMPATIBLE" val="0"/>
-  <p:tag name="KSO_WM_UNIT_DIAGRAM_ISNUMVISUAL" val="0"/>
-  <p:tag name="KSO_WM_UNIT_DIAGRAM_ISREFERUNIT" val="0"/>
-  <p:tag name="KSO_WM_UNIT_TYPE" val="d"/>
-  <p:tag name="KSO_WM_UNIT_INDEX" val="1"/>
-  <p:tag name="KSO_WM_UNIT_ID" val="custom20202602_10*d*1"/>
-  <p:tag name="KSO_WM_TEMPLATE_CATEGORY" val="custom"/>
-  <p:tag name="KSO_WM_TEMPLATE_INDEX" val="20202602"/>
-  <p:tag name="KSO_WM_UNIT_LAYERLEVEL" val="1"/>
-  <p:tag name="KSO_WM_TAG_VERSION" val="1.0"/>
-  <p:tag name="KSO_WM_BEAUTIFY_FLAG" val="#wm#"/>
-  <p:tag name="KSO_WM_UNIT_SUPPORT_UNIT_TYPE" val="[&quot;all&quot;]"/>
-</p:tagLst>
-</file>
-
-<file path=ppt/tags/tag344.xml><?xml version="1.0" encoding="utf-8"?>
-<p:tagLst xmlns:p="http://schemas.openxmlformats.org/presentationml/2006/main">
-  <p:tag name="KSO_WM_SLIDE_ID" val="custom20202602_10"/>
-  <p:tag name="KSO_WM_TEMPLATE_SUBCATEGORY" val="0"/>
-  <p:tag name="KSO_WM_SLIDE_ITEM_CNT" val="0"/>
-  <p:tag name="KSO_WM_SLIDE_INDEX" val="10"/>
-  <p:tag name="KSO_WM_TAG_VERSION" val="1.0"/>
-  <p:tag name="KSO_WM_BEAUTIFY_FLAG" val="#wm#"/>
-  <p:tag name="KSO_WM_TEMPLATE_CATEGORY" val="custom"/>
-  <p:tag name="KSO_WM_TEMPLATE_INDEX" val="20202602"/>
-  <p:tag name="KSO_WM_SLIDE_TYPE" val="text"/>
-  <p:tag name="KSO_WM_SLIDE_SUBTYPE" val="picTxt"/>
-  <p:tag name="KSO_WM_SLIDE_SIZE" val="864*440"/>
-  <p:tag name="KSO_WM_SLIDE_POSITION" val="48*61"/>
-  <p:tag name="KSO_WM_SLIDE_LAYOUT" val="a_d_f"/>
-  <p:tag name="KSO_WM_SLIDE_LAYOUT_CNT" val="1_1_1"/>
-  <p:tag name="KSO_WM_TEMPLATE_MASTER_TYPE" val="1"/>
-  <p:tag name="KSO_WM_TEMPLATE_COLOR_TYPE" val="1"/>
-</p:tagLst>
-</file>
-
-<file path=ppt/tags/tag345.xml><?xml version="1.0" encoding="utf-8"?>
+</p:tagLst>
+</file>
+
+<file path=ppt/tags/tag349.xml><?xml version="1.0" encoding="utf-8"?>
 <p:tagLst xmlns:p="http://schemas.openxmlformats.org/presentationml/2006/main">
   <p:tag name="KSO_WM_UNIT_HIGHLIGHT" val="0"/>
   <p:tag name="KSO_WM_UNIT_COMPATIBLE" val="0"/>
@@ -25809,7 +25168,20 @@
 </p:tagLst>
 </file>
 
-<file path=ppt/tags/tag346.xml><?xml version="1.0" encoding="utf-8"?>
+<file path=ppt/tags/tag35.xml><?xml version="1.0" encoding="utf-8"?>
+<p:tagLst xmlns:p="http://schemas.openxmlformats.org/presentationml/2006/main">
+  <p:tag name="KSO_WM_UNIT_HIGHLIGHT" val="0"/>
+  <p:tag name="KSO_WM_UNIT_COMPATIBLE" val="0"/>
+  <p:tag name="KSO_WM_UNIT_DIAGRAM_ISNUMVISUAL" val="0"/>
+  <p:tag name="KSO_WM_UNIT_DIAGRAM_ISREFERUNIT" val="0"/>
+  <p:tag name="KSO_WM_UNIT_ID" val="_2**"/>
+  <p:tag name="KSO_WM_UNIT_LAYERLEVEL" val="1"/>
+  <p:tag name="KSO_WM_TAG_VERSION" val="1.0"/>
+  <p:tag name="KSO_WM_BEAUTIFY_FLAG" val="#wm#"/>
+</p:tagLst>
+</file>
+
+<file path=ppt/tags/tag350.xml><?xml version="1.0" encoding="utf-8"?>
 <p:tagLst xmlns:p="http://schemas.openxmlformats.org/presentationml/2006/main">
   <p:tag name="KSO_WM_UNIT_HIGHLIGHT" val="0"/>
   <p:tag name="KSO_WM_UNIT_COMPATIBLE" val="0"/>
@@ -25830,7 +25202,7 @@
 </p:tagLst>
 </file>
 
-<file path=ppt/tags/tag347.xml><?xml version="1.0" encoding="utf-8"?>
+<file path=ppt/tags/tag351.xml><?xml version="1.0" encoding="utf-8"?>
 <p:tagLst xmlns:p="http://schemas.openxmlformats.org/presentationml/2006/main">
   <p:tag name="KSO_WM_SLIDE_ID" val="custom20202602_6"/>
   <p:tag name="KSO_WM_TEMPLATE_SUBCATEGORY" val="0"/>
@@ -25849,175 +25221,7 @@
 </p:tagLst>
 </file>
 
-<file path=ppt/tags/tag348.xml><?xml version="1.0" encoding="utf-8"?>
-<p:tagLst xmlns:p="http://schemas.openxmlformats.org/presentationml/2006/main">
-  <p:tag name="KSO_WM_UNIT_PRESET_TEXT" val="点击此处添加正文，文字是您思想的提炼，为了演示发布的良好效果，请言简意赅的阐述您的观点。"/>
-  <p:tag name="KSO_WM_UNIT_NOCLEAR" val="0"/>
-  <p:tag name="KSO_WM_UNIT_VALUE" val="141"/>
-  <p:tag name="KSO_WM_UNIT_HIGHLIGHT" val="0"/>
-  <p:tag name="KSO_WM_UNIT_COMPATIBLE" val="0"/>
-  <p:tag name="KSO_WM_UNIT_DIAGRAM_ISNUMVISUAL" val="0"/>
-  <p:tag name="KSO_WM_UNIT_DIAGRAM_ISREFERUNIT" val="0"/>
-  <p:tag name="KSO_WM_UNIT_TYPE" val="f"/>
-  <p:tag name="KSO_WM_UNIT_INDEX" val="1"/>
-  <p:tag name="KSO_WM_UNIT_ID" val="custom20202602_7*f*1"/>
-  <p:tag name="KSO_WM_TEMPLATE_CATEGORY" val="custom"/>
-  <p:tag name="KSO_WM_TEMPLATE_INDEX" val="20202602"/>
-  <p:tag name="KSO_WM_UNIT_LAYERLEVEL" val="1"/>
-  <p:tag name="KSO_WM_TAG_VERSION" val="1.0"/>
-  <p:tag name="KSO_WM_BEAUTIFY_FLAG" val="#wm#"/>
-</p:tagLst>
-</file>
-
-<file path=ppt/tags/tag349.xml><?xml version="1.0" encoding="utf-8"?>
-<p:tagLst xmlns:p="http://schemas.openxmlformats.org/presentationml/2006/main">
-  <p:tag name="KSO_WM_UNIT_ISCONTENTSTITLE" val="0"/>
-  <p:tag name="KSO_WM_UNIT_PRESET_TEXT" val="单击此处添加标题"/>
-  <p:tag name="KSO_WM_UNIT_NOCLEAR" val="0"/>
-  <p:tag name="KSO_WM_UNIT_VALUE" val="30"/>
-  <p:tag name="KSO_WM_UNIT_HIGHLIGHT" val="0"/>
-  <p:tag name="KSO_WM_UNIT_COMPATIBLE" val="0"/>
-  <p:tag name="KSO_WM_UNIT_DIAGRAM_ISNUMVISUAL" val="0"/>
-  <p:tag name="KSO_WM_UNIT_DIAGRAM_ISREFERUNIT" val="0"/>
-  <p:tag name="KSO_WM_UNIT_TYPE" val="a"/>
-  <p:tag name="KSO_WM_UNIT_INDEX" val="1"/>
-  <p:tag name="KSO_WM_UNIT_ID" val="custom20202602_7*a*1"/>
-  <p:tag name="KSO_WM_TEMPLATE_CATEGORY" val="custom"/>
-  <p:tag name="KSO_WM_TEMPLATE_INDEX" val="20202602"/>
-  <p:tag name="KSO_WM_UNIT_LAYERLEVEL" val="1"/>
-  <p:tag name="KSO_WM_TAG_VERSION" val="1.0"/>
-  <p:tag name="KSO_WM_BEAUTIFY_FLAG" val="#wm#"/>
-</p:tagLst>
-</file>
-
-<file path=ppt/tags/tag35.xml><?xml version="1.0" encoding="utf-8"?>
-<p:tagLst xmlns:p="http://schemas.openxmlformats.org/presentationml/2006/main">
-  <p:tag name="KSO_WM_UNIT_HIGHLIGHT" val="0"/>
-  <p:tag name="KSO_WM_UNIT_COMPATIBLE" val="0"/>
-  <p:tag name="KSO_WM_UNIT_DIAGRAM_ISNUMVISUAL" val="0"/>
-  <p:tag name="KSO_WM_UNIT_DIAGRAM_ISREFERUNIT" val="0"/>
-  <p:tag name="KSO_WM_UNIT_ID" val="_2**"/>
-  <p:tag name="KSO_WM_UNIT_LAYERLEVEL" val="1"/>
-  <p:tag name="KSO_WM_TAG_VERSION" val="1.0"/>
-  <p:tag name="KSO_WM_BEAUTIFY_FLAG" val="#wm#"/>
-</p:tagLst>
-</file>
-
-<file path=ppt/tags/tag350.xml><?xml version="1.0" encoding="utf-8"?>
-<p:tagLst xmlns:p="http://schemas.openxmlformats.org/presentationml/2006/main">
-  <p:tag name="KSO_WM_UNIT_VALUE" val="1011*3045"/>
-  <p:tag name="KSO_WM_UNIT_HIGHLIGHT" val="0"/>
-  <p:tag name="KSO_WM_UNIT_COMPATIBLE" val="0"/>
-  <p:tag name="KSO_WM_UNIT_DIAGRAM_ISNUMVISUAL" val="0"/>
-  <p:tag name="KSO_WM_UNIT_DIAGRAM_ISREFERUNIT" val="0"/>
-  <p:tag name="KSO_WM_UNIT_TYPE" val="d"/>
-  <p:tag name="KSO_WM_UNIT_INDEX" val="1"/>
-  <p:tag name="KSO_WM_UNIT_ID" val="custom20202602_7*d*1"/>
-  <p:tag name="KSO_WM_TEMPLATE_CATEGORY" val="custom"/>
-  <p:tag name="KSO_WM_TEMPLATE_INDEX" val="20202602"/>
-  <p:tag name="KSO_WM_UNIT_LAYERLEVEL" val="1"/>
-  <p:tag name="KSO_WM_TAG_VERSION" val="1.0"/>
-  <p:tag name="KSO_WM_BEAUTIFY_FLAG" val="#wm#"/>
-  <p:tag name="KSO_WM_UNIT_SUPPORT_UNIT_TYPE" val="[&quot;all&quot;]"/>
-</p:tagLst>
-</file>
-
-<file path=ppt/tags/tag351.xml><?xml version="1.0" encoding="utf-8"?>
-<p:tagLst xmlns:p="http://schemas.openxmlformats.org/presentationml/2006/main">
-  <p:tag name="KSO_WM_SLIDE_ID" val="custom20202602_7"/>
-  <p:tag name="KSO_WM_TEMPLATE_SUBCATEGORY" val="0"/>
-  <p:tag name="KSO_WM_SLIDE_TYPE" val="text"/>
-  <p:tag name="KSO_WM_SLIDE_SUBTYPE" val="picTxt"/>
-  <p:tag name="KSO_WM_SLIDE_ITEM_CNT" val="0"/>
-  <p:tag name="KSO_WM_SLIDE_INDEX" val="7"/>
-  <p:tag name="KSO_WM_SLIDE_SIZE" val="864*443"/>
-  <p:tag name="KSO_WM_SLIDE_POSITION" val="47*48"/>
-  <p:tag name="KSO_WM_TAG_VERSION" val="1.0"/>
-  <p:tag name="KSO_WM_BEAUTIFY_FLAG" val="#wm#"/>
-  <p:tag name="KSO_WM_TEMPLATE_CATEGORY" val="custom"/>
-  <p:tag name="KSO_WM_TEMPLATE_INDEX" val="20202602"/>
-  <p:tag name="KSO_WM_SLIDE_LAYOUT" val="a_d_f"/>
-  <p:tag name="KSO_WM_SLIDE_LAYOUT_CNT" val="1_1_1"/>
-  <p:tag name="KSO_WM_TEMPLATE_MASTER_TYPE" val="1"/>
-  <p:tag name="KSO_WM_TEMPLATE_COLOR_TYPE" val="1"/>
-</p:tagLst>
-</file>
-
 <file path=ppt/tags/tag352.xml><?xml version="1.0" encoding="utf-8"?>
-<p:tagLst xmlns:p="http://schemas.openxmlformats.org/presentationml/2006/main">
-  <p:tag name="KSO_WM_UNIT_PLACING_PICTURE_USER_VIEWPORT" val="{&quot;height&quot;:4320,&quot;width&quot;:8790}"/>
-</p:tagLst>
-</file>
-
-<file path=ppt/tags/tag353.xml><?xml version="1.0" encoding="utf-8"?>
-<p:tagLst xmlns:p="http://schemas.openxmlformats.org/presentationml/2006/main">
-  <p:tag name="KSO_WM_BEAUTIFY_FLAG" val="#wm#"/>
-  <p:tag name="KSO_WM_TEMPLATE_CATEGORY" val="custom"/>
-  <p:tag name="KSO_WM_TEMPLATE_INDEX" val="20202602"/>
-</p:tagLst>
-</file>
-
-<file path=ppt/tags/tag354.xml><?xml version="1.0" encoding="utf-8"?>
-<p:tagLst xmlns:p="http://schemas.openxmlformats.org/presentationml/2006/main">
-  <p:tag name="KSO_WM_UNIT_HIGHLIGHT" val="0"/>
-  <p:tag name="KSO_WM_UNIT_COMPATIBLE" val="0"/>
-  <p:tag name="KSO_WM_UNIT_DIAGRAM_ISNUMVISUAL" val="0"/>
-  <p:tag name="KSO_WM_UNIT_DIAGRAM_ISREFERUNIT" val="0"/>
-  <p:tag name="KSO_WM_UNIT_ID" val="custom20202602_6*e*1"/>
-  <p:tag name="KSO_WM_TEMPLATE_CATEGORY" val="custom"/>
-  <p:tag name="KSO_WM_TEMPLATE_INDEX" val="20202602"/>
-  <p:tag name="KSO_WM_UNIT_LAYERLEVEL" val="1"/>
-  <p:tag name="KSO_WM_TAG_VERSION" val="1.0"/>
-  <p:tag name="KSO_WM_BEAUTIFY_FLAG" val="#wm#"/>
-  <p:tag name="KSO_WM_UNIT_PRESET_TEXT" val="Part  01"/>
-  <p:tag name="KSO_WM_UNIT_NOCLEAR" val="0"/>
-  <p:tag name="KSO_WM_UNIT_VALUE" val="5"/>
-  <p:tag name="KSO_WM_UNIT_TYPE" val="e"/>
-  <p:tag name="KSO_WM_UNIT_INDEX" val="1"/>
-</p:tagLst>
-</file>
-
-<file path=ppt/tags/tag355.xml><?xml version="1.0" encoding="utf-8"?>
-<p:tagLst xmlns:p="http://schemas.openxmlformats.org/presentationml/2006/main">
-  <p:tag name="KSO_WM_UNIT_HIGHLIGHT" val="0"/>
-  <p:tag name="KSO_WM_UNIT_COMPATIBLE" val="0"/>
-  <p:tag name="KSO_WM_UNIT_DIAGRAM_ISNUMVISUAL" val="0"/>
-  <p:tag name="KSO_WM_UNIT_DIAGRAM_ISREFERUNIT" val="0"/>
-  <p:tag name="KSO_WM_UNIT_ID" val="custom20202602_6*a*1"/>
-  <p:tag name="KSO_WM_TEMPLATE_CATEGORY" val="custom"/>
-  <p:tag name="KSO_WM_TEMPLATE_INDEX" val="20202602"/>
-  <p:tag name="KSO_WM_UNIT_LAYERLEVEL" val="1"/>
-  <p:tag name="KSO_WM_TAG_VERSION" val="1.0"/>
-  <p:tag name="KSO_WM_BEAUTIFY_FLAG" val="#wm#"/>
-  <p:tag name="KSO_WM_UNIT_ISCONTENTSTITLE" val="0"/>
-  <p:tag name="KSO_WM_UNIT_PRESET_TEXT" val="添加标题"/>
-  <p:tag name="KSO_WM_UNIT_NOCLEAR" val="0"/>
-  <p:tag name="KSO_WM_UNIT_VALUE" val="6"/>
-  <p:tag name="KSO_WM_UNIT_TYPE" val="a"/>
-  <p:tag name="KSO_WM_UNIT_INDEX" val="1"/>
-</p:tagLst>
-</file>
-
-<file path=ppt/tags/tag356.xml><?xml version="1.0" encoding="utf-8"?>
-<p:tagLst xmlns:p="http://schemas.openxmlformats.org/presentationml/2006/main">
-  <p:tag name="KSO_WM_SLIDE_ID" val="custom20202602_6"/>
-  <p:tag name="KSO_WM_TEMPLATE_SUBCATEGORY" val="0"/>
-  <p:tag name="KSO_WM_TEMPLATE_MASTER_TYPE" val="1"/>
-  <p:tag name="KSO_WM_TEMPLATE_COLOR_TYPE" val="1"/>
-  <p:tag name="KSO_WM_SLIDE_ITEM_CNT" val="0"/>
-  <p:tag name="KSO_WM_SLIDE_INDEX" val="6"/>
-  <p:tag name="KSO_WM_TAG_VERSION" val="1.0"/>
-  <p:tag name="KSO_WM_BEAUTIFY_FLAG" val="#wm#"/>
-  <p:tag name="KSO_WM_TEMPLATE_CATEGORY" val="custom"/>
-  <p:tag name="KSO_WM_TEMPLATE_INDEX" val="20202602"/>
-  <p:tag name="KSO_WM_SLIDE_TYPE" val="sectionTitle"/>
-  <p:tag name="KSO_WM_SLIDE_SUBTYPE" val="pureTxt"/>
-  <p:tag name="KSO_WM_SLIDE_LAYOUT" val="a_b_e"/>
-  <p:tag name="KSO_WM_SLIDE_LAYOUT_CNT" val="1_1_1"/>
-</p:tagLst>
-</file>
-
-<file path=ppt/tags/tag357.xml><?xml version="1.0" encoding="utf-8"?>
 <p:tagLst xmlns:p="http://schemas.openxmlformats.org/presentationml/2006/main">
   <p:tag name="KSO_WM_UNIT_HIGHLIGHT" val="0"/>
   <p:tag name="KSO_WM_UNIT_COMPATIBLE" val="0"/>
@@ -26038,7 +25242,7 @@
 </p:tagLst>
 </file>
 
-<file path=ppt/tags/tag358.xml><?xml version="1.0" encoding="utf-8"?>
+<file path=ppt/tags/tag353.xml><?xml version="1.0" encoding="utf-8"?>
 <p:tagLst xmlns:p="http://schemas.openxmlformats.org/presentationml/2006/main">
   <p:tag name="KSO_WM_UNIT_HIGHLIGHT" val="0"/>
   <p:tag name="KSO_WM_UNIT_COMPATIBLE" val="0"/>
@@ -26058,7 +25262,7 @@
 </p:tagLst>
 </file>
 
-<file path=ppt/tags/tag359.xml><?xml version="1.0" encoding="utf-8"?>
+<file path=ppt/tags/tag354.xml><?xml version="1.0" encoding="utf-8"?>
 <p:tagLst xmlns:p="http://schemas.openxmlformats.org/presentationml/2006/main">
   <p:tag name="KSO_WM_SLIDE_ID" val="custom20202602_9"/>
   <p:tag name="KSO_WM_TEMPLATE_SUBCATEGORY" val="0"/>
@@ -26079,20 +25283,7 @@
 </p:tagLst>
 </file>
 
-<file path=ppt/tags/tag36.xml><?xml version="1.0" encoding="utf-8"?>
-<p:tagLst xmlns:p="http://schemas.openxmlformats.org/presentationml/2006/main">
-  <p:tag name="KSO_WM_UNIT_HIGHLIGHT" val="0"/>
-  <p:tag name="KSO_WM_UNIT_COMPATIBLE" val="0"/>
-  <p:tag name="KSO_WM_UNIT_DIAGRAM_ISNUMVISUAL" val="0"/>
-  <p:tag name="KSO_WM_UNIT_DIAGRAM_ISREFERUNIT" val="0"/>
-  <p:tag name="KSO_WM_UNIT_ID" val="_2**"/>
-  <p:tag name="KSO_WM_UNIT_LAYERLEVEL" val="1"/>
-  <p:tag name="KSO_WM_TAG_VERSION" val="1.0"/>
-  <p:tag name="KSO_WM_BEAUTIFY_FLAG" val="#wm#"/>
-</p:tagLst>
-</file>
-
-<file path=ppt/tags/tag360.xml><?xml version="1.0" encoding="utf-8"?>
+<file path=ppt/tags/tag355.xml><?xml version="1.0" encoding="utf-8"?>
 <p:tagLst xmlns:p="http://schemas.openxmlformats.org/presentationml/2006/main">
   <p:tag name="KSO_WM_UNIT_HIGHLIGHT" val="0"/>
   <p:tag name="KSO_WM_UNIT_COMPATIBLE" val="0"/>
@@ -26113,7 +25304,7 @@
 </p:tagLst>
 </file>
 
-<file path=ppt/tags/tag361.xml><?xml version="1.0" encoding="utf-8"?>
+<file path=ppt/tags/tag356.xml><?xml version="1.0" encoding="utf-8"?>
 <p:tagLst xmlns:p="http://schemas.openxmlformats.org/presentationml/2006/main">
   <p:tag name="KSO_WM_UNIT_HIGHLIGHT" val="0"/>
   <p:tag name="KSO_WM_UNIT_COMPATIBLE" val="0"/>
@@ -26133,7 +25324,7 @@
 </p:tagLst>
 </file>
 
-<file path=ppt/tags/tag362.xml><?xml version="1.0" encoding="utf-8"?>
+<file path=ppt/tags/tag357.xml><?xml version="1.0" encoding="utf-8"?>
 <p:tagLst xmlns:p="http://schemas.openxmlformats.org/presentationml/2006/main">
   <p:tag name="KSO_WM_SLIDE_ID" val="custom20202602_9"/>
   <p:tag name="KSO_WM_TEMPLATE_SUBCATEGORY" val="0"/>
@@ -26154,7 +25345,7 @@
 </p:tagLst>
 </file>
 
-<file path=ppt/tags/tag363.xml><?xml version="1.0" encoding="utf-8"?>
+<file path=ppt/tags/tag358.xml><?xml version="1.0" encoding="utf-8"?>
 <p:tagLst xmlns:p="http://schemas.openxmlformats.org/presentationml/2006/main">
   <p:tag name="KSO_WM_UNIT_HIGHLIGHT" val="0"/>
   <p:tag name="KSO_WM_UNIT_COMPATIBLE" val="0"/>
@@ -26175,7 +25366,7 @@
 </p:tagLst>
 </file>
 
-<file path=ppt/tags/tag364.xml><?xml version="1.0" encoding="utf-8"?>
+<file path=ppt/tags/tag359.xml><?xml version="1.0" encoding="utf-8"?>
 <p:tagLst xmlns:p="http://schemas.openxmlformats.org/presentationml/2006/main">
   <p:tag name="KSO_WM_UNIT_HIGHLIGHT" val="0"/>
   <p:tag name="KSO_WM_UNIT_COMPATIBLE" val="0"/>
@@ -26195,7 +25386,20 @@
 </p:tagLst>
 </file>
 
-<file path=ppt/tags/tag365.xml><?xml version="1.0" encoding="utf-8"?>
+<file path=ppt/tags/tag36.xml><?xml version="1.0" encoding="utf-8"?>
+<p:tagLst xmlns:p="http://schemas.openxmlformats.org/presentationml/2006/main">
+  <p:tag name="KSO_WM_UNIT_HIGHLIGHT" val="0"/>
+  <p:tag name="KSO_WM_UNIT_COMPATIBLE" val="0"/>
+  <p:tag name="KSO_WM_UNIT_DIAGRAM_ISNUMVISUAL" val="0"/>
+  <p:tag name="KSO_WM_UNIT_DIAGRAM_ISREFERUNIT" val="0"/>
+  <p:tag name="KSO_WM_UNIT_ID" val="_2**"/>
+  <p:tag name="KSO_WM_UNIT_LAYERLEVEL" val="1"/>
+  <p:tag name="KSO_WM_TAG_VERSION" val="1.0"/>
+  <p:tag name="KSO_WM_BEAUTIFY_FLAG" val="#wm#"/>
+</p:tagLst>
+</file>
+
+<file path=ppt/tags/tag360.xml><?xml version="1.0" encoding="utf-8"?>
 <p:tagLst xmlns:p="http://schemas.openxmlformats.org/presentationml/2006/main">
   <p:tag name="KSO_WM_SLIDE_ID" val="custom20202602_9"/>
   <p:tag name="KSO_WM_TEMPLATE_SUBCATEGORY" val="0"/>
@@ -26216,7 +25420,7 @@
 </p:tagLst>
 </file>
 
-<file path=ppt/tags/tag366.xml><?xml version="1.0" encoding="utf-8"?>
+<file path=ppt/tags/tag361.xml><?xml version="1.0" encoding="utf-8"?>
 <p:tagLst xmlns:p="http://schemas.openxmlformats.org/presentationml/2006/main">
   <p:tag name="KSO_WM_UNIT_HIGHLIGHT" val="0"/>
   <p:tag name="KSO_WM_UNIT_COMPATIBLE" val="0"/>
@@ -26237,7 +25441,7 @@
 </p:tagLst>
 </file>
 
-<file path=ppt/tags/tag367.xml><?xml version="1.0" encoding="utf-8"?>
+<file path=ppt/tags/tag362.xml><?xml version="1.0" encoding="utf-8"?>
 <p:tagLst xmlns:p="http://schemas.openxmlformats.org/presentationml/2006/main">
   <p:tag name="KSO_WM_UNIT_HIGHLIGHT" val="0"/>
   <p:tag name="KSO_WM_UNIT_COMPATIBLE" val="0"/>
@@ -26257,7 +25461,7 @@
 </p:tagLst>
 </file>
 
-<file path=ppt/tags/tag368.xml><?xml version="1.0" encoding="utf-8"?>
+<file path=ppt/tags/tag363.xml><?xml version="1.0" encoding="utf-8"?>
 <p:tagLst xmlns:p="http://schemas.openxmlformats.org/presentationml/2006/main">
   <p:tag name="KSO_WM_SLIDE_ID" val="custom20202602_9"/>
   <p:tag name="KSO_WM_TEMPLATE_SUBCATEGORY" val="0"/>
@@ -26278,82 +25482,7 @@
 </p:tagLst>
 </file>
 
-<file path=ppt/tags/tag369.xml><?xml version="1.0" encoding="utf-8"?>
-<p:tagLst xmlns:p="http://schemas.openxmlformats.org/presentationml/2006/main">
-  <p:tag name="KSO_WM_UNIT_HIGHLIGHT" val="0"/>
-  <p:tag name="KSO_WM_UNIT_COMPATIBLE" val="0"/>
-  <p:tag name="KSO_WM_UNIT_DIAGRAM_ISNUMVISUAL" val="0"/>
-  <p:tag name="KSO_WM_UNIT_DIAGRAM_ISREFERUNIT" val="0"/>
-  <p:tag name="KSO_WM_UNIT_ID" val="custom20202602_9*a*1"/>
-  <p:tag name="KSO_WM_TEMPLATE_CATEGORY" val="custom"/>
-  <p:tag name="KSO_WM_TEMPLATE_INDEX" val="20202602"/>
-  <p:tag name="KSO_WM_UNIT_LAYERLEVEL" val="1"/>
-  <p:tag name="KSO_WM_TAG_VERSION" val="1.0"/>
-  <p:tag name="KSO_WM_BEAUTIFY_FLAG" val="#wm#"/>
-  <p:tag name="KSO_WM_UNIT_ISCONTENTSTITLE" val="0"/>
-  <p:tag name="KSO_WM_UNIT_PRESET_TEXT" val="单击此处添加标题"/>
-  <p:tag name="KSO_WM_UNIT_NOCLEAR" val="0"/>
-  <p:tag name="KSO_WM_UNIT_VALUE" val="10"/>
-  <p:tag name="KSO_WM_UNIT_TYPE" val="a"/>
-  <p:tag name="KSO_WM_UNIT_INDEX" val="1"/>
-</p:tagLst>
-</file>
-
-<file path=ppt/tags/tag37.xml><?xml version="1.0" encoding="utf-8"?>
-<p:tagLst xmlns:p="http://schemas.openxmlformats.org/presentationml/2006/main">
-  <p:tag name="KSO_WM_UNIT_HIGHLIGHT" val="0"/>
-  <p:tag name="KSO_WM_UNIT_COMPATIBLE" val="0"/>
-  <p:tag name="KSO_WM_UNIT_DIAGRAM_ISNUMVISUAL" val="0"/>
-  <p:tag name="KSO_WM_UNIT_DIAGRAM_ISREFERUNIT" val="0"/>
-  <p:tag name="KSO_WM_UNIT_ID" val="_2**"/>
-  <p:tag name="KSO_WM_UNIT_LAYERLEVEL" val="1"/>
-  <p:tag name="KSO_WM_TAG_VERSION" val="1.0"/>
-  <p:tag name="KSO_WM_BEAUTIFY_FLAG" val="#wm#"/>
-</p:tagLst>
-</file>
-
-<file path=ppt/tags/tag370.xml><?xml version="1.0" encoding="utf-8"?>
-<p:tagLst xmlns:p="http://schemas.openxmlformats.org/presentationml/2006/main">
-  <p:tag name="KSO_WM_UNIT_HIGHLIGHT" val="0"/>
-  <p:tag name="KSO_WM_UNIT_COMPATIBLE" val="0"/>
-  <p:tag name="KSO_WM_UNIT_DIAGRAM_ISNUMVISUAL" val="0"/>
-  <p:tag name="KSO_WM_UNIT_DIAGRAM_ISREFERUNIT" val="0"/>
-  <p:tag name="KSO_WM_UNIT_ID" val="custom20202602_9*f*1"/>
-  <p:tag name="KSO_WM_TEMPLATE_CATEGORY" val="custom"/>
-  <p:tag name="KSO_WM_TEMPLATE_INDEX" val="20202602"/>
-  <p:tag name="KSO_WM_UNIT_LAYERLEVEL" val="1"/>
-  <p:tag name="KSO_WM_TAG_VERSION" val="1.0"/>
-  <p:tag name="KSO_WM_BEAUTIFY_FLAG" val="#wm#"/>
-  <p:tag name="KSO_WM_UNIT_PRESET_TEXT" val="如果您的内容确实非常重要又难以精简，也请使用分段处理，对内容进行简单的梳理和提炼，这样会使逻辑框架相对清晰。为了能让您有更直观的字数感受，并进一步方便使用，我们设置了文本的最大限度，当您输入的文字到这里时，已濒临页面容纳内容的上限，若还有更多内容，请酌情缩小字号，但我们不建议您的文本字号小于14磅，请您务必注意。"/>
-  <p:tag name="KSO_WM_UNIT_NOCLEAR" val="0"/>
-  <p:tag name="KSO_WM_UNIT_VALUE" val="216"/>
-  <p:tag name="KSO_WM_UNIT_TYPE" val="f"/>
-  <p:tag name="KSO_WM_UNIT_INDEX" val="1"/>
-</p:tagLst>
-</file>
-
-<file path=ppt/tags/tag371.xml><?xml version="1.0" encoding="utf-8"?>
-<p:tagLst xmlns:p="http://schemas.openxmlformats.org/presentationml/2006/main">
-  <p:tag name="KSO_WM_SLIDE_ID" val="custom20202602_9"/>
-  <p:tag name="KSO_WM_TEMPLATE_SUBCATEGORY" val="0"/>
-  <p:tag name="KSO_WM_SLIDE_ITEM_CNT" val="0"/>
-  <p:tag name="KSO_WM_SLIDE_INDEX" val="9"/>
-  <p:tag name="KSO_WM_TAG_VERSION" val="1.0"/>
-  <p:tag name="KSO_WM_BEAUTIFY_FLAG" val="#wm#"/>
-  <p:tag name="KSO_WM_TEMPLATE_CATEGORY" val="custom"/>
-  <p:tag name="KSO_WM_TEMPLATE_INDEX" val="20202602"/>
-  <p:tag name="KSO_WM_SLIDE_TYPE" val="text"/>
-  <p:tag name="KSO_WM_SLIDE_SUBTYPE" val="picTxt"/>
-  <p:tag name="KSO_WM_SLIDE_SIZE" val="890*400"/>
-  <p:tag name="KSO_WM_SLIDE_POSITION" val="45*60"/>
-  <p:tag name="KSO_WM_SLIDE_LAYOUT" val="a_d_f"/>
-  <p:tag name="KSO_WM_SLIDE_LAYOUT_CNT" val="1_1_1"/>
-  <p:tag name="KSO_WM_TEMPLATE_MASTER_TYPE" val="1"/>
-  <p:tag name="KSO_WM_TEMPLATE_COLOR_TYPE" val="1"/>
-</p:tagLst>
-</file>
-
-<file path=ppt/tags/tag372.xml><?xml version="1.0" encoding="utf-8"?>
+<file path=ppt/tags/tag364.xml><?xml version="1.0" encoding="utf-8"?>
 <p:tagLst xmlns:p="http://schemas.openxmlformats.org/presentationml/2006/main">
   <p:tag name="KSO_WM_UNIT_HIGHLIGHT" val="0"/>
   <p:tag name="KSO_WM_UNIT_COMPATIBLE" val="0"/>
@@ -26374,7 +25503,7 @@
 </p:tagLst>
 </file>
 
-<file path=ppt/tags/tag373.xml><?xml version="1.0" encoding="utf-8"?>
+<file path=ppt/tags/tag365.xml><?xml version="1.0" encoding="utf-8"?>
 <p:tagLst xmlns:p="http://schemas.openxmlformats.org/presentationml/2006/main">
   <p:tag name="KSO_WM_UNIT_HIGHLIGHT" val="0"/>
   <p:tag name="KSO_WM_UNIT_COMPATIBLE" val="0"/>
@@ -26395,7 +25524,7 @@
 </p:tagLst>
 </file>
 
-<file path=ppt/tags/tag374.xml><?xml version="1.0" encoding="utf-8"?>
+<file path=ppt/tags/tag366.xml><?xml version="1.0" encoding="utf-8"?>
 <p:tagLst xmlns:p="http://schemas.openxmlformats.org/presentationml/2006/main">
   <p:tag name="KSO_WM_SLIDE_ID" val="custom20202602_14"/>
   <p:tag name="KSO_WM_TEMPLATE_SUBCATEGORY" val="0"/>
@@ -26411,6 +25540,19 @@
   <p:tag name="KSO_WM_SLIDE_SUBTYPE" val="pureTxt"/>
   <p:tag name="KSO_WM_SLIDE_LAYOUT" val="a_b"/>
   <p:tag name="KSO_WM_SLIDE_LAYOUT_CNT" val="1_1"/>
+</p:tagLst>
+</file>
+
+<file path=ppt/tags/tag37.xml><?xml version="1.0" encoding="utf-8"?>
+<p:tagLst xmlns:p="http://schemas.openxmlformats.org/presentationml/2006/main">
+  <p:tag name="KSO_WM_UNIT_HIGHLIGHT" val="0"/>
+  <p:tag name="KSO_WM_UNIT_COMPATIBLE" val="0"/>
+  <p:tag name="KSO_WM_UNIT_DIAGRAM_ISNUMVISUAL" val="0"/>
+  <p:tag name="KSO_WM_UNIT_DIAGRAM_ISREFERUNIT" val="0"/>
+  <p:tag name="KSO_WM_UNIT_ID" val="_2**"/>
+  <p:tag name="KSO_WM_UNIT_LAYERLEVEL" val="1"/>
+  <p:tag name="KSO_WM_TAG_VERSION" val="1.0"/>
+  <p:tag name="KSO_WM_BEAUTIFY_FLAG" val="#wm#"/>
 </p:tagLst>
 </file>
 
@@ -28288,92 +27430,6 @@
 </a:themeOverride>
 </file>
 
-<file path=ppt/theme/themeOverride20.xml><?xml version="1.0" encoding="utf-8"?>
-<a:themeOverride xmlns:a="http://schemas.openxmlformats.org/drawingml/2006/main">
-  <a:clrScheme name="自定义 26">
-    <a:dk1>
-      <a:srgbClr val="000000"/>
-    </a:dk1>
-    <a:lt1>
-      <a:srgbClr val="FFFFFF"/>
-    </a:lt1>
-    <a:dk2>
-      <a:srgbClr val="F3F8F8"/>
-    </a:dk2>
-    <a:lt2>
-      <a:srgbClr val="FFFFFF"/>
-    </a:lt2>
-    <a:accent1>
-      <a:srgbClr val="3AB7B7"/>
-    </a:accent1>
-    <a:accent2>
-      <a:srgbClr val="4EBDA5"/>
-    </a:accent2>
-    <a:accent3>
-      <a:srgbClr val="61C08E"/>
-    </a:accent3>
-    <a:accent4>
-      <a:srgbClr val="78BF74"/>
-    </a:accent4>
-    <a:accent5>
-      <a:srgbClr val="96BB5C"/>
-    </a:accent5>
-    <a:accent6>
-      <a:srgbClr val="B6B646"/>
-    </a:accent6>
-    <a:hlink>
-      <a:srgbClr val="0563C1"/>
-    </a:hlink>
-    <a:folHlink>
-      <a:srgbClr val="954D72"/>
-    </a:folHlink>
-  </a:clrScheme>
-</a:themeOverride>
-</file>
-
-<file path=ppt/theme/themeOverride21.xml><?xml version="1.0" encoding="utf-8"?>
-<a:themeOverride xmlns:a="http://schemas.openxmlformats.org/drawingml/2006/main">
-  <a:clrScheme name="自定义 26">
-    <a:dk1>
-      <a:srgbClr val="000000"/>
-    </a:dk1>
-    <a:lt1>
-      <a:srgbClr val="FFFFFF"/>
-    </a:lt1>
-    <a:dk2>
-      <a:srgbClr val="F3F8F8"/>
-    </a:dk2>
-    <a:lt2>
-      <a:srgbClr val="FFFFFF"/>
-    </a:lt2>
-    <a:accent1>
-      <a:srgbClr val="3AB7B7"/>
-    </a:accent1>
-    <a:accent2>
-      <a:srgbClr val="4EBDA5"/>
-    </a:accent2>
-    <a:accent3>
-      <a:srgbClr val="61C08E"/>
-    </a:accent3>
-    <a:accent4>
-      <a:srgbClr val="78BF74"/>
-    </a:accent4>
-    <a:accent5>
-      <a:srgbClr val="96BB5C"/>
-    </a:accent5>
-    <a:accent6>
-      <a:srgbClr val="B6B646"/>
-    </a:accent6>
-    <a:hlink>
-      <a:srgbClr val="0563C1"/>
-    </a:hlink>
-    <a:folHlink>
-      <a:srgbClr val="954D72"/>
-    </a:folHlink>
-  </a:clrScheme>
-</a:themeOverride>
-</file>
-
 <file path=ppt/theme/themeOverride3.xml><?xml version="1.0" encoding="utf-8"?>
 <a:themeOverride xmlns:a="http://schemas.openxmlformats.org/drawingml/2006/main">
   <a:clrScheme name="自定义 26">

--- a/Kaggle/Machine Learning.pptx
+++ b/Kaggle/Machine Learning.pptx
@@ -8,7 +8,7 @@
     <p:notesMasterId r:id="rId7"/>
   </p:notesMasterIdLst>
   <p:sldIdLst>
-    <p:sldId id="311" r:id="rId3"/>
+    <p:sldId id="345" r:id="rId3"/>
     <p:sldId id="259" r:id="rId4"/>
     <p:sldId id="305" r:id="rId5"/>
     <p:sldId id="273" r:id="rId6"/>
@@ -20,14 +20,15 @@
     <p:sldId id="265" r:id="rId13"/>
     <p:sldId id="308" r:id="rId14"/>
     <p:sldId id="288" r:id="rId15"/>
-    <p:sldId id="335" r:id="rId16"/>
-    <p:sldId id="278" r:id="rId17"/>
-    <p:sldId id="309" r:id="rId18"/>
-    <p:sldId id="297" r:id="rId19"/>
-    <p:sldId id="300" r:id="rId20"/>
-    <p:sldId id="301" r:id="rId21"/>
-    <p:sldId id="303" r:id="rId22"/>
-    <p:sldId id="286" r:id="rId23"/>
+    <p:sldId id="278" r:id="rId16"/>
+    <p:sldId id="309" r:id="rId17"/>
+    <p:sldId id="297" r:id="rId18"/>
+    <p:sldId id="300" r:id="rId19"/>
+    <p:sldId id="301" r:id="rId20"/>
+    <p:sldId id="344" r:id="rId21"/>
+    <p:sldId id="343" r:id="rId22"/>
+    <p:sldId id="303" r:id="rId23"/>
+    <p:sldId id="286" r:id="rId24"/>
   </p:sldIdLst>
   <p:sldSz cx="12192000" cy="6858000"/>
   <p:notesSz cx="6858000" cy="9144000"/>
@@ -15825,73 +15826,156 @@
         <p:cNvGrpSpPr/>
         <p:nvPr/>
       </p:nvGrpSpPr>
-      <p:grpSpPr>
-        <a:xfrm>
-          <a:off x="0" y="0"/>
-          <a:ext cx="0" cy="0"/>
-          <a:chOff x="0" y="0"/>
-          <a:chExt cx="0" cy="0"/>
-        </a:xfrm>
-      </p:grpSpPr>
+      <p:grpSpPr/>
+      <p:pic>
+        <p:nvPicPr>
+          <p:cNvPr id="10" name="图片 9"/>
+          <p:cNvPicPr>
+            <a:picLocks noChangeAspect="1"/>
+          </p:cNvPicPr>
+          <p:nvPr/>
+        </p:nvPicPr>
+        <p:blipFill>
+          <a:blip r:embed="rId1"/>
+          <a:stretch>
+            <a:fillRect/>
+          </a:stretch>
+        </p:blipFill>
+        <p:spPr>
+          <a:xfrm>
+            <a:off x="4636770" y="370840"/>
+            <a:ext cx="2919095" cy="2996565"/>
+          </a:xfrm>
+          <a:prstGeom prst="rect">
+            <a:avLst/>
+          </a:prstGeom>
+        </p:spPr>
+      </p:pic>
       <p:sp>
         <p:nvSpPr>
-          <p:cNvPr id="2" name="标题 1"/>
-          <p:cNvSpPr>
-            <a:spLocks noGrp="1"/>
-          </p:cNvSpPr>
-          <p:nvPr>
-            <p:ph type="ctrTitle"/>
-            <p:custDataLst>
-              <p:tags r:id="rId1"/>
-            </p:custDataLst>
-          </p:nvPr>
+          <p:cNvPr id="4" name="矩形 3"/>
+          <p:cNvSpPr/>
+          <p:nvPr/>
         </p:nvSpPr>
-        <p:spPr/>
+        <p:spPr>
+          <a:xfrm>
+            <a:off x="0" y="3510917"/>
+            <a:ext cx="12192000" cy="2437647"/>
+          </a:xfrm>
+          <a:prstGeom prst="rect">
+            <a:avLst/>
+          </a:prstGeom>
+          <a:solidFill>
+            <a:srgbClr val="1A3F6C"/>
+          </a:solidFill>
+          <a:ln>
+            <a:noFill/>
+          </a:ln>
+        </p:spPr>
+        <p:style>
+          <a:lnRef idx="2">
+            <a:schemeClr val="accent1">
+              <a:shade val="50000"/>
+            </a:schemeClr>
+          </a:lnRef>
+          <a:fillRef idx="1">
+            <a:schemeClr val="accent1"/>
+          </a:fillRef>
+          <a:effectRef idx="0">
+            <a:schemeClr val="accent1"/>
+          </a:effectRef>
+          <a:fontRef idx="minor">
+            <a:schemeClr val="lt1"/>
+          </a:fontRef>
+        </p:style>
         <p:txBody>
-          <a:bodyPr>
-            <a:noAutofit/>
-          </a:bodyPr>
-          <a:lstStyle/>
-          <a:p>
-            <a:r>
-              <a:rPr lang="en-US" altLang="zh-CN" sz="4400" dirty="0"/>
-              <a:t>Predict future Sales</a:t>
-            </a:r>
-            <a:endParaRPr lang="en-US" altLang="zh-CN" sz="4400" dirty="0"/>
+          <a:bodyPr lIns="121884" tIns="60941" rIns="121884" bIns="60941" rtlCol="0" anchor="ctr"/>
+          <a:p>
+            <a:pPr algn="ctr"/>
+            <a:endParaRPr lang="zh-CN" altLang="en-US" sz="2400"/>
           </a:p>
         </p:txBody>
       </p:sp>
       <p:sp>
         <p:nvSpPr>
-          <p:cNvPr id="3" name="副标题 2"/>
-          <p:cNvSpPr>
-            <a:spLocks noGrp="1"/>
-          </p:cNvSpPr>
-          <p:nvPr>
-            <p:ph type="subTitle" idx="1"/>
-            <p:custDataLst>
-              <p:tags r:id="rId2"/>
-            </p:custDataLst>
-          </p:nvPr>
+          <p:cNvPr id="5" name="TextBox 1"/>
+          <p:cNvSpPr txBox="1"/>
+          <p:nvPr/>
         </p:nvSpPr>
-        <p:spPr/>
+        <p:spPr>
+          <a:xfrm>
+            <a:off x="2042232" y="3634644"/>
+            <a:ext cx="8268048" cy="859155"/>
+          </a:xfrm>
+          <a:prstGeom prst="rect">
+            <a:avLst/>
+          </a:prstGeom>
+          <a:noFill/>
+        </p:spPr>
         <p:txBody>
-          <a:bodyPr>
-            <a:normAutofit fontScale="90000"/>
+          <a:bodyPr wrap="square" lIns="121884" tIns="60941" rIns="121884" bIns="60941" rtlCol="0">
+            <a:spAutoFit/>
           </a:bodyPr>
-          <a:lstStyle/>
-          <a:p>
+          <a:p>
+            <a:pPr algn="ctr"/>
             <a:r>
-              <a:rPr lang="zh-CN" altLang="en-US" dirty="0"/>
-              <a:t>预测未来商品销售量</a:t>
+              <a:rPr lang="zh-CN" altLang="en-US" sz="4800" dirty="0">
+                <a:solidFill>
+                  <a:schemeClr val="bg1"/>
+                </a:solidFill>
+                <a:sym typeface="+mn-ea"/>
+              </a:rPr>
+              <a:t>预测商品销售量</a:t>
             </a:r>
-            <a:endParaRPr lang="zh-CN" altLang="en-US" dirty="0"/>
+            <a:endParaRPr lang="zh-CN" altLang="en-US" sz="4800" dirty="0">
+              <a:solidFill>
+                <a:schemeClr val="bg1"/>
+              </a:solidFill>
+              <a:sym typeface="+mn-ea"/>
+            </a:endParaRPr>
+          </a:p>
+        </p:txBody>
+      </p:sp>
+      <p:sp>
+        <p:nvSpPr>
+          <p:cNvPr id="6" name="文本框 5"/>
+          <p:cNvSpPr txBox="1"/>
+          <p:nvPr/>
+        </p:nvSpPr>
+        <p:spPr>
+          <a:xfrm>
+            <a:off x="4469765" y="4774565"/>
+            <a:ext cx="3413760" cy="460375"/>
+          </a:xfrm>
+          <a:prstGeom prst="rect">
+            <a:avLst/>
+          </a:prstGeom>
+          <a:noFill/>
+        </p:spPr>
+        <p:txBody>
+          <a:bodyPr wrap="square" rtlCol="0">
+            <a:spAutoFit/>
+          </a:bodyPr>
+          <a:p>
+            <a:r>
+              <a:rPr lang="zh-CN" altLang="en-US" sz="2400">
+                <a:solidFill>
+                  <a:schemeClr val="bg1"/>
+                </a:solidFill>
+              </a:rPr>
+              <a:t>组员： 林泽帆   李俊毅</a:t>
+            </a:r>
+            <a:endParaRPr lang="zh-CN" altLang="en-US" sz="2400">
+              <a:solidFill>
+                <a:schemeClr val="bg1"/>
+              </a:solidFill>
+            </a:endParaRPr>
           </a:p>
         </p:txBody>
       </p:sp>
     </p:spTree>
     <p:custDataLst>
-      <p:tags r:id="rId3"/>
+      <p:tags r:id="rId2"/>
     </p:custDataLst>
   </p:cSld>
   <p:clrMapOvr>
@@ -16354,64 +16438,49 @@
         <p:cNvGrpSpPr/>
         <p:nvPr/>
       </p:nvGrpSpPr>
-      <p:grpSpPr>
-        <a:xfrm>
-          <a:off x="0" y="0"/>
-          <a:ext cx="0" cy="0"/>
-          <a:chOff x="0" y="0"/>
-          <a:chExt cx="0" cy="0"/>
-        </a:xfrm>
-      </p:grpSpPr>
+      <p:grpSpPr/>
       <p:sp>
         <p:nvSpPr>
-          <p:cNvPr id="4" name="标题 3"/>
+          <p:cNvPr id="2" name="标题 1"/>
           <p:cNvSpPr>
             <a:spLocks noGrp="1"/>
           </p:cNvSpPr>
           <p:nvPr>
             <p:ph type="title"/>
-            <p:custDataLst>
-              <p:tags r:id="rId1"/>
-            </p:custDataLst>
           </p:nvPr>
         </p:nvSpPr>
         <p:spPr/>
         <p:txBody>
-          <a:bodyPr/>
-          <a:lstStyle/>
+          <a:bodyPr>
+            <a:normAutofit fontScale="90000"/>
+          </a:bodyPr>
           <a:p>
             <a:r>
-              <a:rPr lang="zh-CN" altLang="zh-CN" sz="3200" dirty="0"/>
-              <a:t>制作数据透视表</a:t>
+              <a:rPr lang="zh-CN" altLang="en-US"/>
+              <a:t>数据透视表</a:t>
             </a:r>
-            <a:endParaRPr lang="zh-CN" altLang="zh-CN" sz="3200" dirty="0"/>
+            <a:endParaRPr lang="zh-CN" altLang="en-US"/>
           </a:p>
         </p:txBody>
       </p:sp>
       <p:pic>
         <p:nvPicPr>
-          <p:cNvPr id="6" name="内容占位符 5" descr="F:\高清图\简单背景-小清新\pexels-photo-2480854.jpegpexels-photo-2480854"/>
+          <p:cNvPr id="6" name="图片 5"/>
           <p:cNvPicPr>
-            <a:picLocks noGrp="1"/>
+            <a:picLocks noChangeAspect="1"/>
           </p:cNvPicPr>
-          <p:nvPr>
-            <p:ph sz="quarter" idx="14"/>
-            <p:custDataLst>
-              <p:tags r:id="rId2"/>
-            </p:custDataLst>
-          </p:nvPr>
+          <p:nvPr/>
         </p:nvPicPr>
         <p:blipFill>
-          <a:blip r:embed="rId3"/>
-          <a:srcRect/>
+          <a:blip r:embed="rId1"/>
           <a:stretch>
             <a:fillRect/>
           </a:stretch>
         </p:blipFill>
         <p:spPr>
           <a:xfrm>
-            <a:off x="5410200" y="769620"/>
-            <a:ext cx="6472800" cy="5087620"/>
+            <a:off x="115570" y="993140"/>
+            <a:ext cx="12640945" cy="4293235"/>
           </a:xfrm>
           <a:prstGeom prst="rect">
             <a:avLst/>
@@ -16420,20 +16489,20 @@
       </p:pic>
       <p:sp>
         <p:nvSpPr>
-          <p:cNvPr id="2" name="文本占位符 4"/>
+          <p:cNvPr id="3" name="文本占位符 4"/>
           <p:cNvSpPr>
             <a:spLocks noGrp="1"/>
           </p:cNvSpPr>
           <p:nvPr>
             <p:custDataLst>
-              <p:tags r:id="rId4"/>
+              <p:tags r:id="rId2"/>
             </p:custDataLst>
           </p:nvPr>
         </p:nvSpPr>
         <p:spPr>
           <a:xfrm>
-            <a:off x="586165" y="1764000"/>
-            <a:ext cx="3956400" cy="4093200"/>
+            <a:off x="1056005" y="5368290"/>
+            <a:ext cx="7991475" cy="824230"/>
           </a:xfrm>
         </p:spPr>
         <p:txBody>
@@ -16659,7 +16728,7 @@
       </p:sp>
     </p:spTree>
     <p:custDataLst>
-      <p:tags r:id="rId5"/>
+      <p:tags r:id="rId3"/>
     </p:custDataLst>
   </p:cSld>
   <p:clrMapOvr>
@@ -16669,75 +16738,6 @@
 </file>
 
 <file path=ppt/slides/slide14.xml><?xml version="1.0" encoding="utf-8"?>
-<p:sld xmlns:a="http://schemas.openxmlformats.org/drawingml/2006/main" xmlns:r="http://schemas.openxmlformats.org/officeDocument/2006/relationships" xmlns:p="http://schemas.openxmlformats.org/presentationml/2006/main">
-  <p:cSld>
-    <p:spTree>
-      <p:nvGrpSpPr>
-        <p:cNvPr id="1" name=""/>
-        <p:cNvGrpSpPr/>
-        <p:nvPr/>
-      </p:nvGrpSpPr>
-      <p:grpSpPr/>
-      <p:sp>
-        <p:nvSpPr>
-          <p:cNvPr id="2" name="标题 1"/>
-          <p:cNvSpPr>
-            <a:spLocks noGrp="1"/>
-          </p:cNvSpPr>
-          <p:nvPr>
-            <p:ph type="title"/>
-          </p:nvPr>
-        </p:nvSpPr>
-        <p:spPr/>
-        <p:txBody>
-          <a:bodyPr>
-            <a:normAutofit fontScale="90000"/>
-          </a:bodyPr>
-          <a:p>
-            <a:r>
-              <a:rPr lang="zh-CN" altLang="en-US"/>
-              <a:t>数据透视表</a:t>
-            </a:r>
-            <a:endParaRPr lang="zh-CN" altLang="en-US"/>
-          </a:p>
-        </p:txBody>
-      </p:sp>
-      <p:pic>
-        <p:nvPicPr>
-          <p:cNvPr id="6" name="图片 5"/>
-          <p:cNvPicPr>
-            <a:picLocks noChangeAspect="1"/>
-          </p:cNvPicPr>
-          <p:nvPr/>
-        </p:nvPicPr>
-        <p:blipFill>
-          <a:blip r:embed="rId1"/>
-          <a:stretch>
-            <a:fillRect/>
-          </a:stretch>
-        </p:blipFill>
-        <p:spPr>
-          <a:xfrm>
-            <a:off x="115570" y="993140"/>
-            <a:ext cx="12640945" cy="4293235"/>
-          </a:xfrm>
-          <a:prstGeom prst="rect">
-            <a:avLst/>
-          </a:prstGeom>
-        </p:spPr>
-      </p:pic>
-    </p:spTree>
-    <p:custDataLst>
-      <p:tags r:id="rId2"/>
-    </p:custDataLst>
-  </p:cSld>
-  <p:clrMapOvr>
-    <a:masterClrMapping/>
-  </p:clrMapOvr>
-</p:sld>
-</file>
-
-<file path=ppt/slides/slide15.xml><?xml version="1.0" encoding="utf-8"?>
 <p:sld xmlns:a="http://schemas.openxmlformats.org/drawingml/2006/main" xmlns:r="http://schemas.openxmlformats.org/officeDocument/2006/relationships" xmlns:p="http://schemas.openxmlformats.org/presentationml/2006/main">
   <p:cSld>
     <p:spTree>
@@ -16843,7 +16843,7 @@
 </p:sld>
 </file>
 
-<file path=ppt/slides/slide16.xml><?xml version="1.0" encoding="utf-8"?>
+<file path=ppt/slides/slide15.xml><?xml version="1.0" encoding="utf-8"?>
 <p:sld xmlns:a="http://schemas.openxmlformats.org/drawingml/2006/main" xmlns:r="http://schemas.openxmlformats.org/officeDocument/2006/relationships" xmlns:p="http://schemas.openxmlformats.org/presentationml/2006/main">
   <p:cSld>
     <p:spTree>
@@ -17229,7 +17229,7 @@
 </p:sld>
 </file>
 
-<file path=ppt/slides/slide17.xml><?xml version="1.0" encoding="utf-8"?>
+<file path=ppt/slides/slide16.xml><?xml version="1.0" encoding="utf-8"?>
 <p:sld xmlns:a="http://schemas.openxmlformats.org/drawingml/2006/main" xmlns:r="http://schemas.openxmlformats.org/officeDocument/2006/relationships" xmlns:p="http://schemas.openxmlformats.org/presentationml/2006/main">
   <p:cSld>
     <p:spTree>
@@ -17680,7 +17680,7 @@
 </p:sld>
 </file>
 
-<file path=ppt/slides/slide18.xml><?xml version="1.0" encoding="utf-8"?>
+<file path=ppt/slides/slide17.xml><?xml version="1.0" encoding="utf-8"?>
 <p:sld xmlns:a="http://schemas.openxmlformats.org/drawingml/2006/main" xmlns:r="http://schemas.openxmlformats.org/officeDocument/2006/relationships" xmlns:p="http://schemas.openxmlformats.org/presentationml/2006/main">
   <p:cSld>
     <p:spTree>
@@ -18067,7 +18067,1424 @@
 </p:sld>
 </file>
 
+<file path=ppt/slides/slide18.xml><?xml version="1.0" encoding="utf-8"?>
+<p:sld xmlns:a="http://schemas.openxmlformats.org/drawingml/2006/main" xmlns:r="http://schemas.openxmlformats.org/officeDocument/2006/relationships" xmlns:p="http://schemas.openxmlformats.org/presentationml/2006/main">
+  <p:cSld>
+    <p:spTree>
+      <p:nvGrpSpPr>
+        <p:cNvPr id="1" name=""/>
+        <p:cNvGrpSpPr/>
+        <p:nvPr/>
+      </p:nvGrpSpPr>
+      <p:grpSpPr>
+        <a:xfrm>
+          <a:off x="0" y="0"/>
+          <a:ext cx="0" cy="0"/>
+          <a:chOff x="0" y="0"/>
+          <a:chExt cx="0" cy="0"/>
+        </a:xfrm>
+      </p:grpSpPr>
+      <p:sp>
+        <p:nvSpPr>
+          <p:cNvPr id="4" name="标题 3"/>
+          <p:cNvSpPr>
+            <a:spLocks noGrp="1"/>
+          </p:cNvSpPr>
+          <p:nvPr>
+            <p:ph type="title"/>
+            <p:custDataLst>
+              <p:tags r:id="rId1"/>
+            </p:custDataLst>
+          </p:nvPr>
+        </p:nvSpPr>
+        <p:spPr/>
+        <p:txBody>
+          <a:bodyPr>
+            <a:normAutofit/>
+          </a:bodyPr>
+          <a:lstStyle/>
+          <a:p>
+            <a:r>
+              <a:rPr lang="en-US" altLang="zh-CN" dirty="0"/>
+              <a:t>RNN</a:t>
+            </a:r>
+            <a:endParaRPr lang="en-US" altLang="zh-CN" dirty="0"/>
+          </a:p>
+        </p:txBody>
+      </p:sp>
+      <p:sp>
+        <p:nvSpPr>
+          <p:cNvPr id="2" name="文本占位符 4"/>
+          <p:cNvSpPr>
+            <a:spLocks noGrp="1"/>
+          </p:cNvSpPr>
+          <p:nvPr>
+            <p:custDataLst>
+              <p:tags r:id="rId2"/>
+            </p:custDataLst>
+          </p:nvPr>
+        </p:nvSpPr>
+        <p:spPr>
+          <a:xfrm>
+            <a:off x="582930" y="1764030"/>
+            <a:ext cx="4128770" cy="4188460"/>
+          </a:xfrm>
+        </p:spPr>
+        <p:txBody>
+          <a:bodyPr>
+            <a:normAutofit/>
+          </a:bodyPr>
+          <a:lstStyle>
+            <a:lvl1pPr marL="228600" indent="-228600" algn="l" defTabSz="914400" rtl="0" eaLnBrk="1" fontAlgn="auto" latinLnBrk="0" hangingPunct="1">
+              <a:lnSpc>
+                <a:spcPct val="130000"/>
+              </a:lnSpc>
+              <a:spcBef>
+                <a:spcPts val="0"/>
+              </a:spcBef>
+              <a:spcAft>
+                <a:spcPts val="1000"/>
+              </a:spcAft>
+              <a:buFont typeface="Arial" panose="020B0604020202020204" pitchFamily="34" charset="0"/>
+              <a:buChar char="•"/>
+              <a:defRPr sz="1400" u="none" strike="noStrike" kern="1200" cap="none" spc="150" normalizeH="0" baseline="0">
+                <a:solidFill>
+                  <a:schemeClr val="tx1"/>
+                </a:solidFill>
+                <a:uFillTx/>
+                <a:latin typeface="(使用中文字体)"/>
+                <a:ea typeface="微软雅黑" panose="020B0503020204020204" charset="-122"/>
+                <a:cs typeface="+mn-cs"/>
+              </a:defRPr>
+            </a:lvl1pPr>
+            <a:lvl2pPr marL="685800" indent="-228600" algn="l" defTabSz="914400" rtl="0" eaLnBrk="1" fontAlgn="auto" latinLnBrk="0" hangingPunct="1">
+              <a:lnSpc>
+                <a:spcPct val="130000"/>
+              </a:lnSpc>
+              <a:spcBef>
+                <a:spcPts val="0"/>
+              </a:spcBef>
+              <a:spcAft>
+                <a:spcPts val="1000"/>
+              </a:spcAft>
+              <a:buFont typeface="Arial" panose="020B0604020202020204" pitchFamily="34" charset="0"/>
+              <a:buChar char="•"/>
+              <a:tabLst>
+                <a:tab pos="1609725" algn="l"/>
+              </a:tabLst>
+              <a:defRPr sz="1400" u="none" strike="noStrike" kern="1200" cap="none" spc="150" normalizeH="0" baseline="0">
+                <a:solidFill>
+                  <a:schemeClr val="tx1"/>
+                </a:solidFill>
+                <a:uFillTx/>
+                <a:latin typeface="(使用中文字体)"/>
+                <a:ea typeface="微软雅黑" panose="020B0503020204020204" charset="-122"/>
+                <a:cs typeface="+mn-cs"/>
+              </a:defRPr>
+            </a:lvl2pPr>
+            <a:lvl3pPr marL="1143000" indent="-228600" algn="l" defTabSz="914400" rtl="0" eaLnBrk="1" fontAlgn="auto" latinLnBrk="0" hangingPunct="1">
+              <a:lnSpc>
+                <a:spcPct val="130000"/>
+              </a:lnSpc>
+              <a:spcBef>
+                <a:spcPts val="0"/>
+              </a:spcBef>
+              <a:spcAft>
+                <a:spcPts val="1000"/>
+              </a:spcAft>
+              <a:buFont typeface="Arial" panose="020B0604020202020204" pitchFamily="34" charset="0"/>
+              <a:buChar char="•"/>
+              <a:defRPr sz="1400" u="none" strike="noStrike" kern="1200" cap="none" spc="150" normalizeH="0" baseline="0">
+                <a:solidFill>
+                  <a:schemeClr val="tx1"/>
+                </a:solidFill>
+                <a:uFillTx/>
+                <a:latin typeface="(使用中文字体)"/>
+                <a:ea typeface="微软雅黑" panose="020B0503020204020204" charset="-122"/>
+                <a:cs typeface="+mn-cs"/>
+              </a:defRPr>
+            </a:lvl3pPr>
+            <a:lvl4pPr marL="1600200" indent="-228600" algn="l" defTabSz="914400" rtl="0" eaLnBrk="1" fontAlgn="auto" latinLnBrk="0" hangingPunct="1">
+              <a:lnSpc>
+                <a:spcPct val="130000"/>
+              </a:lnSpc>
+              <a:spcBef>
+                <a:spcPts val="0"/>
+              </a:spcBef>
+              <a:spcAft>
+                <a:spcPts val="1000"/>
+              </a:spcAft>
+              <a:buFont typeface="Arial" panose="020B0604020202020204" pitchFamily="34" charset="0"/>
+              <a:buChar char="•"/>
+              <a:defRPr sz="1400" u="none" strike="noStrike" kern="1200" cap="none" spc="150" normalizeH="0" baseline="0">
+                <a:solidFill>
+                  <a:schemeClr val="tx1"/>
+                </a:solidFill>
+                <a:uFillTx/>
+                <a:latin typeface="(使用中文字体)"/>
+                <a:ea typeface="微软雅黑" panose="020B0503020204020204" charset="-122"/>
+                <a:cs typeface="+mn-cs"/>
+              </a:defRPr>
+            </a:lvl4pPr>
+            <a:lvl5pPr marL="2057400" indent="-228600" algn="l" defTabSz="914400" rtl="0" eaLnBrk="1" fontAlgn="auto" latinLnBrk="0" hangingPunct="1">
+              <a:lnSpc>
+                <a:spcPct val="130000"/>
+              </a:lnSpc>
+              <a:spcBef>
+                <a:spcPts val="0"/>
+              </a:spcBef>
+              <a:spcAft>
+                <a:spcPts val="1000"/>
+              </a:spcAft>
+              <a:buFont typeface="Arial" panose="020B0604020202020204" pitchFamily="34" charset="0"/>
+              <a:buChar char="•"/>
+              <a:defRPr sz="1400" u="none" strike="noStrike" kern="1200" cap="none" spc="150" normalizeH="0" baseline="0">
+                <a:solidFill>
+                  <a:schemeClr val="tx1"/>
+                </a:solidFill>
+                <a:uFillTx/>
+                <a:latin typeface="(使用中文字体)"/>
+                <a:ea typeface="微软雅黑" panose="020B0503020204020204" charset="-122"/>
+                <a:cs typeface="+mn-cs"/>
+              </a:defRPr>
+            </a:lvl5pPr>
+            <a:lvl6pPr marL="2514600" indent="-228600" algn="l" defTabSz="914400" rtl="0" eaLnBrk="1" latinLnBrk="0" hangingPunct="1">
+              <a:lnSpc>
+                <a:spcPct val="90000"/>
+              </a:lnSpc>
+              <a:spcBef>
+                <a:spcPts val="500"/>
+              </a:spcBef>
+              <a:buFont typeface="Arial" panose="020B0604020202020204" pitchFamily="34" charset="0"/>
+              <a:buChar char="•"/>
+              <a:defRPr sz="1800" kern="1200">
+                <a:solidFill>
+                  <a:schemeClr val="tx1"/>
+                </a:solidFill>
+                <a:latin typeface="+mn-lt"/>
+                <a:ea typeface="+mn-ea"/>
+                <a:cs typeface="+mn-cs"/>
+              </a:defRPr>
+            </a:lvl6pPr>
+            <a:lvl7pPr marL="2971800" indent="-228600" algn="l" defTabSz="914400" rtl="0" eaLnBrk="1" latinLnBrk="0" hangingPunct="1">
+              <a:lnSpc>
+                <a:spcPct val="90000"/>
+              </a:lnSpc>
+              <a:spcBef>
+                <a:spcPts val="500"/>
+              </a:spcBef>
+              <a:buFont typeface="Arial" panose="020B0604020202020204" pitchFamily="34" charset="0"/>
+              <a:buChar char="•"/>
+              <a:defRPr sz="1800" kern="1200">
+                <a:solidFill>
+                  <a:schemeClr val="tx1"/>
+                </a:solidFill>
+                <a:latin typeface="+mn-lt"/>
+                <a:ea typeface="+mn-ea"/>
+                <a:cs typeface="+mn-cs"/>
+              </a:defRPr>
+            </a:lvl7pPr>
+            <a:lvl8pPr marL="3429000" indent="-228600" algn="l" defTabSz="914400" rtl="0" eaLnBrk="1" latinLnBrk="0" hangingPunct="1">
+              <a:lnSpc>
+                <a:spcPct val="90000"/>
+              </a:lnSpc>
+              <a:spcBef>
+                <a:spcPts val="500"/>
+              </a:spcBef>
+              <a:buFont typeface="Arial" panose="020B0604020202020204" pitchFamily="34" charset="0"/>
+              <a:buChar char="•"/>
+              <a:defRPr sz="1800" kern="1200">
+                <a:solidFill>
+                  <a:schemeClr val="tx1"/>
+                </a:solidFill>
+                <a:latin typeface="+mn-lt"/>
+                <a:ea typeface="+mn-ea"/>
+                <a:cs typeface="+mn-cs"/>
+              </a:defRPr>
+            </a:lvl8pPr>
+            <a:lvl9pPr marL="3886200" indent="-228600" algn="l" defTabSz="914400" rtl="0" eaLnBrk="1" latinLnBrk="0" hangingPunct="1">
+              <a:lnSpc>
+                <a:spcPct val="90000"/>
+              </a:lnSpc>
+              <a:spcBef>
+                <a:spcPts val="500"/>
+              </a:spcBef>
+              <a:buFont typeface="Arial" panose="020B0604020202020204" pitchFamily="34" charset="0"/>
+              <a:buChar char="•"/>
+              <a:defRPr sz="1800" kern="1200">
+                <a:solidFill>
+                  <a:schemeClr val="tx1"/>
+                </a:solidFill>
+                <a:latin typeface="+mn-lt"/>
+                <a:ea typeface="+mn-ea"/>
+                <a:cs typeface="+mn-cs"/>
+              </a:defRPr>
+            </a:lvl9pPr>
+          </a:lstStyle>
+          <a:p>
+            <a:pPr marL="0" indent="0">
+              <a:buNone/>
+            </a:pPr>
+            <a:r>
+              <a:rPr lang="zh-CN" altLang="en-US" sz="1800" dirty="0">
+                <a:latin typeface="Arial" panose="020B0604020202020204" pitchFamily="34" charset="0"/>
+                <a:sym typeface="+mn-ea"/>
+              </a:rPr>
+              <a:t>普通</a:t>
+            </a:r>
+            <a:r>
+              <a:rPr lang="en-US" altLang="zh-CN" sz="1800" dirty="0">
+                <a:latin typeface="Arial" panose="020B0604020202020204" pitchFamily="34" charset="0"/>
+                <a:sym typeface="+mn-ea"/>
+              </a:rPr>
+              <a:t>RNN</a:t>
+            </a:r>
+            <a:endParaRPr lang="en-US" altLang="zh-CN" sz="1800" dirty="0">
+              <a:latin typeface="Arial" panose="020B0604020202020204" pitchFamily="34" charset="0"/>
+              <a:sym typeface="+mn-ea"/>
+            </a:endParaRPr>
+          </a:p>
+        </p:txBody>
+      </p:sp>
+      <p:pic>
+        <p:nvPicPr>
+          <p:cNvPr id="5" name="内容占位符 4" descr="RNN"/>
+          <p:cNvPicPr>
+            <a:picLocks noChangeAspect="1"/>
+          </p:cNvPicPr>
+          <p:nvPr>
+            <p:ph sz="quarter" idx="14"/>
+            <p:custDataLst>
+              <p:tags r:id="rId3"/>
+            </p:custDataLst>
+          </p:nvPr>
+        </p:nvPicPr>
+        <p:blipFill>
+          <a:blip r:embed="rId4"/>
+          <a:stretch>
+            <a:fillRect/>
+          </a:stretch>
+        </p:blipFill>
+        <p:spPr>
+          <a:xfrm>
+            <a:off x="5204460" y="1085215"/>
+            <a:ext cx="6510655" cy="4820285"/>
+          </a:xfrm>
+          <a:prstGeom prst="rect">
+            <a:avLst/>
+          </a:prstGeom>
+        </p:spPr>
+      </p:pic>
+    </p:spTree>
+    <p:custDataLst>
+      <p:tags r:id="rId5"/>
+    </p:custDataLst>
+  </p:cSld>
+  <p:clrMapOvr>
+    <a:masterClrMapping/>
+  </p:clrMapOvr>
+</p:sld>
+</file>
+
 <file path=ppt/slides/slide19.xml><?xml version="1.0" encoding="utf-8"?>
+<p:sld xmlns:a="http://schemas.openxmlformats.org/drawingml/2006/main" xmlns:r="http://schemas.openxmlformats.org/officeDocument/2006/relationships" xmlns:p="http://schemas.openxmlformats.org/presentationml/2006/main">
+  <p:cSld>
+    <p:spTree>
+      <p:nvGrpSpPr>
+        <p:cNvPr id="1" name=""/>
+        <p:cNvGrpSpPr/>
+        <p:nvPr/>
+      </p:nvGrpSpPr>
+      <p:grpSpPr>
+        <a:xfrm>
+          <a:off x="0" y="0"/>
+          <a:ext cx="0" cy="0"/>
+          <a:chOff x="0" y="0"/>
+          <a:chExt cx="0" cy="0"/>
+        </a:xfrm>
+      </p:grpSpPr>
+      <p:sp>
+        <p:nvSpPr>
+          <p:cNvPr id="4" name="标题 3"/>
+          <p:cNvSpPr>
+            <a:spLocks noGrp="1"/>
+          </p:cNvSpPr>
+          <p:nvPr>
+            <p:ph type="title"/>
+            <p:custDataLst>
+              <p:tags r:id="rId1"/>
+            </p:custDataLst>
+          </p:nvPr>
+        </p:nvSpPr>
+        <p:spPr/>
+        <p:txBody>
+          <a:bodyPr>
+            <a:normAutofit/>
+          </a:bodyPr>
+          <a:lstStyle/>
+          <a:p>
+            <a:r>
+              <a:rPr lang="en-US" altLang="zh-CN" dirty="0"/>
+              <a:t>LSTM</a:t>
+            </a:r>
+            <a:endParaRPr lang="en-US" altLang="zh-CN" dirty="0"/>
+          </a:p>
+        </p:txBody>
+      </p:sp>
+      <p:sp>
+        <p:nvSpPr>
+          <p:cNvPr id="2" name="文本占位符 4"/>
+          <p:cNvSpPr>
+            <a:spLocks noGrp="1"/>
+          </p:cNvSpPr>
+          <p:nvPr>
+            <p:custDataLst>
+              <p:tags r:id="rId2"/>
+            </p:custDataLst>
+          </p:nvPr>
+        </p:nvSpPr>
+        <p:spPr>
+          <a:xfrm>
+            <a:off x="582930" y="1764030"/>
+            <a:ext cx="4128770" cy="4188460"/>
+          </a:xfrm>
+        </p:spPr>
+        <p:txBody>
+          <a:bodyPr>
+            <a:normAutofit/>
+          </a:bodyPr>
+          <a:lstStyle>
+            <a:lvl1pPr marL="228600" indent="-228600" algn="l" defTabSz="914400" rtl="0" eaLnBrk="1" fontAlgn="auto" latinLnBrk="0" hangingPunct="1">
+              <a:lnSpc>
+                <a:spcPct val="130000"/>
+              </a:lnSpc>
+              <a:spcBef>
+                <a:spcPts val="0"/>
+              </a:spcBef>
+              <a:spcAft>
+                <a:spcPts val="1000"/>
+              </a:spcAft>
+              <a:buFont typeface="Arial" panose="020B0604020202020204" pitchFamily="34" charset="0"/>
+              <a:buChar char="•"/>
+              <a:defRPr sz="1400" u="none" strike="noStrike" kern="1200" cap="none" spc="150" normalizeH="0" baseline="0">
+                <a:solidFill>
+                  <a:schemeClr val="tx1"/>
+                </a:solidFill>
+                <a:uFillTx/>
+                <a:latin typeface="(使用中文字体)"/>
+                <a:ea typeface="微软雅黑" panose="020B0503020204020204" charset="-122"/>
+                <a:cs typeface="+mn-cs"/>
+              </a:defRPr>
+            </a:lvl1pPr>
+            <a:lvl2pPr marL="685800" indent="-228600" algn="l" defTabSz="914400" rtl="0" eaLnBrk="1" fontAlgn="auto" latinLnBrk="0" hangingPunct="1">
+              <a:lnSpc>
+                <a:spcPct val="130000"/>
+              </a:lnSpc>
+              <a:spcBef>
+                <a:spcPts val="0"/>
+              </a:spcBef>
+              <a:spcAft>
+                <a:spcPts val="1000"/>
+              </a:spcAft>
+              <a:buFont typeface="Arial" panose="020B0604020202020204" pitchFamily="34" charset="0"/>
+              <a:buChar char="•"/>
+              <a:tabLst>
+                <a:tab pos="1609725" algn="l"/>
+              </a:tabLst>
+              <a:defRPr sz="1400" u="none" strike="noStrike" kern="1200" cap="none" spc="150" normalizeH="0" baseline="0">
+                <a:solidFill>
+                  <a:schemeClr val="tx1"/>
+                </a:solidFill>
+                <a:uFillTx/>
+                <a:latin typeface="(使用中文字体)"/>
+                <a:ea typeface="微软雅黑" panose="020B0503020204020204" charset="-122"/>
+                <a:cs typeface="+mn-cs"/>
+              </a:defRPr>
+            </a:lvl2pPr>
+            <a:lvl3pPr marL="1143000" indent="-228600" algn="l" defTabSz="914400" rtl="0" eaLnBrk="1" fontAlgn="auto" latinLnBrk="0" hangingPunct="1">
+              <a:lnSpc>
+                <a:spcPct val="130000"/>
+              </a:lnSpc>
+              <a:spcBef>
+                <a:spcPts val="0"/>
+              </a:spcBef>
+              <a:spcAft>
+                <a:spcPts val="1000"/>
+              </a:spcAft>
+              <a:buFont typeface="Arial" panose="020B0604020202020204" pitchFamily="34" charset="0"/>
+              <a:buChar char="•"/>
+              <a:defRPr sz="1400" u="none" strike="noStrike" kern="1200" cap="none" spc="150" normalizeH="0" baseline="0">
+                <a:solidFill>
+                  <a:schemeClr val="tx1"/>
+                </a:solidFill>
+                <a:uFillTx/>
+                <a:latin typeface="(使用中文字体)"/>
+                <a:ea typeface="微软雅黑" panose="020B0503020204020204" charset="-122"/>
+                <a:cs typeface="+mn-cs"/>
+              </a:defRPr>
+            </a:lvl3pPr>
+            <a:lvl4pPr marL="1600200" indent="-228600" algn="l" defTabSz="914400" rtl="0" eaLnBrk="1" fontAlgn="auto" latinLnBrk="0" hangingPunct="1">
+              <a:lnSpc>
+                <a:spcPct val="130000"/>
+              </a:lnSpc>
+              <a:spcBef>
+                <a:spcPts val="0"/>
+              </a:spcBef>
+              <a:spcAft>
+                <a:spcPts val="1000"/>
+              </a:spcAft>
+              <a:buFont typeface="Arial" panose="020B0604020202020204" pitchFamily="34" charset="0"/>
+              <a:buChar char="•"/>
+              <a:defRPr sz="1400" u="none" strike="noStrike" kern="1200" cap="none" spc="150" normalizeH="0" baseline="0">
+                <a:solidFill>
+                  <a:schemeClr val="tx1"/>
+                </a:solidFill>
+                <a:uFillTx/>
+                <a:latin typeface="(使用中文字体)"/>
+                <a:ea typeface="微软雅黑" panose="020B0503020204020204" charset="-122"/>
+                <a:cs typeface="+mn-cs"/>
+              </a:defRPr>
+            </a:lvl4pPr>
+            <a:lvl5pPr marL="2057400" indent="-228600" algn="l" defTabSz="914400" rtl="0" eaLnBrk="1" fontAlgn="auto" latinLnBrk="0" hangingPunct="1">
+              <a:lnSpc>
+                <a:spcPct val="130000"/>
+              </a:lnSpc>
+              <a:spcBef>
+                <a:spcPts val="0"/>
+              </a:spcBef>
+              <a:spcAft>
+                <a:spcPts val="1000"/>
+              </a:spcAft>
+              <a:buFont typeface="Arial" panose="020B0604020202020204" pitchFamily="34" charset="0"/>
+              <a:buChar char="•"/>
+              <a:defRPr sz="1400" u="none" strike="noStrike" kern="1200" cap="none" spc="150" normalizeH="0" baseline="0">
+                <a:solidFill>
+                  <a:schemeClr val="tx1"/>
+                </a:solidFill>
+                <a:uFillTx/>
+                <a:latin typeface="(使用中文字体)"/>
+                <a:ea typeface="微软雅黑" panose="020B0503020204020204" charset="-122"/>
+                <a:cs typeface="+mn-cs"/>
+              </a:defRPr>
+            </a:lvl5pPr>
+            <a:lvl6pPr marL="2514600" indent="-228600" algn="l" defTabSz="914400" rtl="0" eaLnBrk="1" latinLnBrk="0" hangingPunct="1">
+              <a:lnSpc>
+                <a:spcPct val="90000"/>
+              </a:lnSpc>
+              <a:spcBef>
+                <a:spcPts val="500"/>
+              </a:spcBef>
+              <a:buFont typeface="Arial" panose="020B0604020202020204" pitchFamily="34" charset="0"/>
+              <a:buChar char="•"/>
+              <a:defRPr sz="1800" kern="1200">
+                <a:solidFill>
+                  <a:schemeClr val="tx1"/>
+                </a:solidFill>
+                <a:latin typeface="+mn-lt"/>
+                <a:ea typeface="+mn-ea"/>
+                <a:cs typeface="+mn-cs"/>
+              </a:defRPr>
+            </a:lvl6pPr>
+            <a:lvl7pPr marL="2971800" indent="-228600" algn="l" defTabSz="914400" rtl="0" eaLnBrk="1" latinLnBrk="0" hangingPunct="1">
+              <a:lnSpc>
+                <a:spcPct val="90000"/>
+              </a:lnSpc>
+              <a:spcBef>
+                <a:spcPts val="500"/>
+              </a:spcBef>
+              <a:buFont typeface="Arial" panose="020B0604020202020204" pitchFamily="34" charset="0"/>
+              <a:buChar char="•"/>
+              <a:defRPr sz="1800" kern="1200">
+                <a:solidFill>
+                  <a:schemeClr val="tx1"/>
+                </a:solidFill>
+                <a:latin typeface="+mn-lt"/>
+                <a:ea typeface="+mn-ea"/>
+                <a:cs typeface="+mn-cs"/>
+              </a:defRPr>
+            </a:lvl7pPr>
+            <a:lvl8pPr marL="3429000" indent="-228600" algn="l" defTabSz="914400" rtl="0" eaLnBrk="1" latinLnBrk="0" hangingPunct="1">
+              <a:lnSpc>
+                <a:spcPct val="90000"/>
+              </a:lnSpc>
+              <a:spcBef>
+                <a:spcPts val="500"/>
+              </a:spcBef>
+              <a:buFont typeface="Arial" panose="020B0604020202020204" pitchFamily="34" charset="0"/>
+              <a:buChar char="•"/>
+              <a:defRPr sz="1800" kern="1200">
+                <a:solidFill>
+                  <a:schemeClr val="tx1"/>
+                </a:solidFill>
+                <a:latin typeface="+mn-lt"/>
+                <a:ea typeface="+mn-ea"/>
+                <a:cs typeface="+mn-cs"/>
+              </a:defRPr>
+            </a:lvl8pPr>
+            <a:lvl9pPr marL="3886200" indent="-228600" algn="l" defTabSz="914400" rtl="0" eaLnBrk="1" latinLnBrk="0" hangingPunct="1">
+              <a:lnSpc>
+                <a:spcPct val="90000"/>
+              </a:lnSpc>
+              <a:spcBef>
+                <a:spcPts val="500"/>
+              </a:spcBef>
+              <a:buFont typeface="Arial" panose="020B0604020202020204" pitchFamily="34" charset="0"/>
+              <a:buChar char="•"/>
+              <a:defRPr sz="1800" kern="1200">
+                <a:solidFill>
+                  <a:schemeClr val="tx1"/>
+                </a:solidFill>
+                <a:latin typeface="+mn-lt"/>
+                <a:ea typeface="+mn-ea"/>
+                <a:cs typeface="+mn-cs"/>
+              </a:defRPr>
+            </a:lvl9pPr>
+          </a:lstStyle>
+          <a:p>
+            <a:pPr marL="0" indent="0">
+              <a:buNone/>
+            </a:pPr>
+            <a:r>
+              <a:rPr lang="en-US" sz="1800" dirty="0">
+                <a:latin typeface="Arial" panose="020B0604020202020204" pitchFamily="34" charset="0"/>
+                <a:sym typeface="+mn-ea"/>
+              </a:rPr>
+              <a:t>长短期记忆（Long short-term memory, LSTM）是一种特殊的RNN，主要是为了解决长序列训练过程中的梯度消失和梯度爆炸问题。简单来说，就是相比普通的RNN，LSTM能够在更长的序列中有更好的表现。</a:t>
+            </a:r>
+            <a:endParaRPr lang="en-US" sz="1800" dirty="0">
+              <a:latin typeface="Arial" panose="020B0604020202020204" pitchFamily="34" charset="0"/>
+              <a:sym typeface="+mn-ea"/>
+            </a:endParaRPr>
+          </a:p>
+        </p:txBody>
+      </p:sp>
+      <p:pic>
+        <p:nvPicPr>
+          <p:cNvPr id="5" name="内容占位符 4" descr="lstm3"/>
+          <p:cNvPicPr>
+            <a:picLocks noChangeAspect="1"/>
+          </p:cNvPicPr>
+          <p:nvPr>
+            <p:ph sz="quarter" idx="14"/>
+          </p:nvPr>
+        </p:nvPicPr>
+        <p:blipFill>
+          <a:blip r:embed="rId3"/>
+          <a:stretch>
+            <a:fillRect/>
+          </a:stretch>
+        </p:blipFill>
+        <p:spPr>
+          <a:xfrm>
+            <a:off x="5253355" y="3073400"/>
+            <a:ext cx="4903470" cy="3644900"/>
+          </a:xfrm>
+          <a:prstGeom prst="rect">
+            <a:avLst/>
+          </a:prstGeom>
+        </p:spPr>
+      </p:pic>
+      <p:pic>
+        <p:nvPicPr>
+          <p:cNvPr id="6" name="图片 5" descr="lstm1"/>
+          <p:cNvPicPr>
+            <a:picLocks noChangeAspect="1"/>
+          </p:cNvPicPr>
+          <p:nvPr/>
+        </p:nvPicPr>
+        <p:blipFill>
+          <a:blip r:embed="rId4"/>
+          <a:stretch>
+            <a:fillRect/>
+          </a:stretch>
+        </p:blipFill>
+        <p:spPr>
+          <a:xfrm>
+            <a:off x="4989830" y="767080"/>
+            <a:ext cx="3611880" cy="2633980"/>
+          </a:xfrm>
+          <a:prstGeom prst="rect">
+            <a:avLst/>
+          </a:prstGeom>
+        </p:spPr>
+      </p:pic>
+      <p:pic>
+        <p:nvPicPr>
+          <p:cNvPr id="7" name="图片 6" descr="lstm2"/>
+          <p:cNvPicPr>
+            <a:picLocks noChangeAspect="1"/>
+          </p:cNvPicPr>
+          <p:nvPr/>
+        </p:nvPicPr>
+        <p:blipFill>
+          <a:blip r:embed="rId5"/>
+          <a:stretch>
+            <a:fillRect/>
+          </a:stretch>
+        </p:blipFill>
+        <p:spPr>
+          <a:xfrm>
+            <a:off x="8467725" y="770255"/>
+            <a:ext cx="3666490" cy="2630805"/>
+          </a:xfrm>
+          <a:prstGeom prst="rect">
+            <a:avLst/>
+          </a:prstGeom>
+        </p:spPr>
+      </p:pic>
+    </p:spTree>
+    <p:custDataLst>
+      <p:tags r:id="rId6"/>
+    </p:custDataLst>
+  </p:cSld>
+  <p:clrMapOvr>
+    <a:masterClrMapping/>
+  </p:clrMapOvr>
+</p:sld>
+</file>
+
+<file path=ppt/slides/slide2.xml><?xml version="1.0" encoding="utf-8"?>
+<p:sld xmlns:a="http://schemas.openxmlformats.org/drawingml/2006/main" xmlns:r="http://schemas.openxmlformats.org/officeDocument/2006/relationships" xmlns:p="http://schemas.openxmlformats.org/presentationml/2006/main">
+  <p:cSld>
+    <p:spTree>
+      <p:nvGrpSpPr>
+        <p:cNvPr id="1" name=""/>
+        <p:cNvGrpSpPr/>
+        <p:nvPr/>
+      </p:nvGrpSpPr>
+      <p:grpSpPr>
+        <a:xfrm>
+          <a:off x="0" y="0"/>
+          <a:ext cx="0" cy="0"/>
+          <a:chOff x="0" y="0"/>
+          <a:chExt cx="0" cy="0"/>
+        </a:xfrm>
+      </p:grpSpPr>
+      <p:sp>
+        <p:nvSpPr>
+          <p:cNvPr id="33" name="文本框 32"/>
+          <p:cNvSpPr txBox="1"/>
+          <p:nvPr>
+            <p:custDataLst>
+              <p:tags r:id="rId1"/>
+            </p:custDataLst>
+          </p:nvPr>
+        </p:nvSpPr>
+        <p:spPr>
+          <a:xfrm>
+            <a:off x="7064375" y="1048385"/>
+            <a:ext cx="3481070" cy="521970"/>
+          </a:xfrm>
+          <a:prstGeom prst="rect">
+            <a:avLst/>
+          </a:prstGeom>
+          <a:noFill/>
+        </p:spPr>
+        <p:txBody>
+          <a:bodyPr vert="horz" wrap="square" bIns="0" rtlCol="0" anchor="b" anchorCtr="0">
+            <a:normAutofit/>
+          </a:bodyPr>
+          <a:lstStyle/>
+          <a:p>
+            <a:pPr fontAlgn="auto"/>
+            <a:r>
+              <a:rPr lang="zh-CN" altLang="en-US" sz="2800" spc="300" dirty="0">
+                <a:solidFill>
+                  <a:schemeClr val="accent1"/>
+                </a:solidFill>
+                <a:latin typeface="Arial" panose="020B0604020202020204" pitchFamily="34" charset="0"/>
+                <a:ea typeface="微软雅黑" panose="020B0503020204020204" charset="-122"/>
+              </a:rPr>
+              <a:t>项目需求和数据集</a:t>
+            </a:r>
+            <a:endParaRPr lang="zh-CN" altLang="en-US" sz="2800" spc="300" dirty="0">
+              <a:solidFill>
+                <a:schemeClr val="accent1"/>
+              </a:solidFill>
+              <a:latin typeface="Arial" panose="020B0604020202020204" pitchFamily="34" charset="0"/>
+              <a:ea typeface="微软雅黑" panose="020B0503020204020204" charset="-122"/>
+            </a:endParaRPr>
+          </a:p>
+        </p:txBody>
+      </p:sp>
+      <p:sp>
+        <p:nvSpPr>
+          <p:cNvPr id="35" name="椭圆 34"/>
+          <p:cNvSpPr/>
+          <p:nvPr>
+            <p:custDataLst>
+              <p:tags r:id="rId2"/>
+            </p:custDataLst>
+          </p:nvPr>
+        </p:nvSpPr>
+        <p:spPr>
+          <a:xfrm>
+            <a:off x="6257925" y="1151255"/>
+            <a:ext cx="826135" cy="648970"/>
+          </a:xfrm>
+          <a:prstGeom prst="ellipse">
+            <a:avLst/>
+          </a:prstGeom>
+          <a:ln w="12700">
+            <a:noFill/>
+          </a:ln>
+        </p:spPr>
+        <p:txBody>
+          <a:bodyPr wrap="square">
+            <a:normAutofit fontScale="97500"/>
+          </a:bodyPr>
+          <a:lstStyle/>
+          <a:p>
+            <a:pPr algn="ctr"/>
+            <a:r>
+              <a:rPr lang="en-US" altLang="zh-CN" sz="2400" dirty="0">
+                <a:solidFill>
+                  <a:schemeClr val="accent1"/>
+                </a:solidFill>
+                <a:latin typeface="Arial" panose="020B0604020202020204" pitchFamily="34" charset="0"/>
+                <a:ea typeface="微软雅黑" panose="020B0503020204020204" charset="-122"/>
+              </a:rPr>
+              <a:t>01</a:t>
+            </a:r>
+            <a:endParaRPr lang="zh-CN" altLang="en-US" sz="2400" dirty="0">
+              <a:solidFill>
+                <a:schemeClr val="accent1"/>
+              </a:solidFill>
+              <a:latin typeface="Arial" panose="020B0604020202020204" pitchFamily="34" charset="0"/>
+            </a:endParaRPr>
+          </a:p>
+        </p:txBody>
+      </p:sp>
+      <p:sp>
+        <p:nvSpPr>
+          <p:cNvPr id="36" name="矩形 35"/>
+          <p:cNvSpPr/>
+          <p:nvPr>
+            <p:custDataLst>
+              <p:tags r:id="rId3"/>
+            </p:custDataLst>
+          </p:nvPr>
+        </p:nvSpPr>
+        <p:spPr>
+          <a:xfrm rot="2700000">
+            <a:off x="6463665" y="1252220"/>
+            <a:ext cx="414655" cy="414655"/>
+          </a:xfrm>
+          <a:prstGeom prst="rect">
+            <a:avLst/>
+          </a:prstGeom>
+          <a:noFill/>
+          <a:ln w="12700">
+            <a:solidFill>
+              <a:schemeClr val="accent2"/>
+            </a:solidFill>
+          </a:ln>
+        </p:spPr>
+        <p:style>
+          <a:lnRef idx="2">
+            <a:schemeClr val="accent1">
+              <a:shade val="50000"/>
+            </a:schemeClr>
+          </a:lnRef>
+          <a:fillRef idx="1">
+            <a:schemeClr val="accent1"/>
+          </a:fillRef>
+          <a:effectRef idx="0">
+            <a:schemeClr val="accent1"/>
+          </a:effectRef>
+          <a:fontRef idx="minor">
+            <a:schemeClr val="lt1"/>
+          </a:fontRef>
+        </p:style>
+        <p:txBody>
+          <a:bodyPr rtlCol="0" anchor="ctr">
+            <a:normAutofit fontScale="90000" lnSpcReduction="10000"/>
+          </a:bodyPr>
+          <a:lstStyle/>
+          <a:p>
+            <a:pPr algn="ctr"/>
+            <a:endParaRPr lang="zh-CN" altLang="en-US" sz="2400">
+              <a:solidFill>
+                <a:schemeClr val="accent1"/>
+              </a:solidFill>
+              <a:latin typeface="Arial" panose="020B0604020202020204" pitchFamily="34" charset="0"/>
+            </a:endParaRPr>
+          </a:p>
+        </p:txBody>
+      </p:sp>
+      <p:sp>
+        <p:nvSpPr>
+          <p:cNvPr id="37" name="文本框 36"/>
+          <p:cNvSpPr txBox="1"/>
+          <p:nvPr>
+            <p:custDataLst>
+              <p:tags r:id="rId4"/>
+            </p:custDataLst>
+          </p:nvPr>
+        </p:nvSpPr>
+        <p:spPr>
+          <a:xfrm>
+            <a:off x="7064375" y="2306955"/>
+            <a:ext cx="3481070" cy="523240"/>
+          </a:xfrm>
+          <a:prstGeom prst="rect">
+            <a:avLst/>
+          </a:prstGeom>
+          <a:noFill/>
+        </p:spPr>
+        <p:txBody>
+          <a:bodyPr vert="horz" wrap="square" bIns="0" rtlCol="0" anchor="b" anchorCtr="0">
+            <a:normAutofit/>
+          </a:bodyPr>
+          <a:lstStyle/>
+          <a:p>
+            <a:pPr fontAlgn="auto"/>
+            <a:r>
+              <a:rPr lang="zh-CN" altLang="en-US" sz="2800" spc="300" dirty="0">
+                <a:solidFill>
+                  <a:schemeClr val="accent1"/>
+                </a:solidFill>
+                <a:latin typeface="Arial" panose="020B0604020202020204" pitchFamily="34" charset="0"/>
+                <a:ea typeface="微软雅黑" panose="020B0503020204020204" charset="-122"/>
+              </a:rPr>
+              <a:t>数据处理</a:t>
+            </a:r>
+            <a:endParaRPr lang="zh-CN" altLang="en-US" sz="2800" spc="300" dirty="0">
+              <a:solidFill>
+                <a:schemeClr val="accent1"/>
+              </a:solidFill>
+              <a:latin typeface="Arial" panose="020B0604020202020204" pitchFamily="34" charset="0"/>
+              <a:ea typeface="微软雅黑" panose="020B0503020204020204" charset="-122"/>
+            </a:endParaRPr>
+          </a:p>
+        </p:txBody>
+      </p:sp>
+      <p:sp>
+        <p:nvSpPr>
+          <p:cNvPr id="39" name="椭圆 38"/>
+          <p:cNvSpPr/>
+          <p:nvPr>
+            <p:custDataLst>
+              <p:tags r:id="rId5"/>
+            </p:custDataLst>
+          </p:nvPr>
+        </p:nvSpPr>
+        <p:spPr>
+          <a:xfrm>
+            <a:off x="6257925" y="2423160"/>
+            <a:ext cx="826135" cy="648970"/>
+          </a:xfrm>
+          <a:prstGeom prst="ellipse">
+            <a:avLst/>
+          </a:prstGeom>
+          <a:ln w="12700">
+            <a:noFill/>
+          </a:ln>
+        </p:spPr>
+        <p:txBody>
+          <a:bodyPr wrap="square">
+            <a:normAutofit fontScale="97500"/>
+          </a:bodyPr>
+          <a:lstStyle/>
+          <a:p>
+            <a:pPr algn="ctr"/>
+            <a:r>
+              <a:rPr lang="en-US" altLang="zh-CN" sz="2400" dirty="0">
+                <a:solidFill>
+                  <a:schemeClr val="accent1"/>
+                </a:solidFill>
+                <a:latin typeface="Arial" panose="020B0604020202020204" pitchFamily="34" charset="0"/>
+                <a:ea typeface="微软雅黑" panose="020B0503020204020204" charset="-122"/>
+              </a:rPr>
+              <a:t>02</a:t>
+            </a:r>
+            <a:endParaRPr lang="zh-CN" altLang="en-US" sz="2400" dirty="0">
+              <a:solidFill>
+                <a:schemeClr val="accent1"/>
+              </a:solidFill>
+              <a:latin typeface="Arial" panose="020B0604020202020204" pitchFamily="34" charset="0"/>
+            </a:endParaRPr>
+          </a:p>
+        </p:txBody>
+      </p:sp>
+      <p:sp>
+        <p:nvSpPr>
+          <p:cNvPr id="40" name="矩形 39"/>
+          <p:cNvSpPr/>
+          <p:nvPr>
+            <p:custDataLst>
+              <p:tags r:id="rId6"/>
+            </p:custDataLst>
+          </p:nvPr>
+        </p:nvSpPr>
+        <p:spPr>
+          <a:xfrm rot="2700000">
+            <a:off x="6463665" y="2524125"/>
+            <a:ext cx="414655" cy="414655"/>
+          </a:xfrm>
+          <a:prstGeom prst="rect">
+            <a:avLst/>
+          </a:prstGeom>
+          <a:noFill/>
+          <a:ln w="12700">
+            <a:solidFill>
+              <a:schemeClr val="accent2"/>
+            </a:solidFill>
+          </a:ln>
+        </p:spPr>
+        <p:style>
+          <a:lnRef idx="2">
+            <a:schemeClr val="accent1">
+              <a:shade val="50000"/>
+            </a:schemeClr>
+          </a:lnRef>
+          <a:fillRef idx="1">
+            <a:schemeClr val="accent1"/>
+          </a:fillRef>
+          <a:effectRef idx="0">
+            <a:schemeClr val="accent1"/>
+          </a:effectRef>
+          <a:fontRef idx="minor">
+            <a:schemeClr val="lt1"/>
+          </a:fontRef>
+        </p:style>
+        <p:txBody>
+          <a:bodyPr rtlCol="0" anchor="ctr">
+            <a:normAutofit fontScale="90000" lnSpcReduction="10000"/>
+          </a:bodyPr>
+          <a:lstStyle/>
+          <a:p>
+            <a:pPr algn="ctr"/>
+            <a:endParaRPr lang="zh-CN" altLang="en-US" sz="2400">
+              <a:solidFill>
+                <a:schemeClr val="accent1"/>
+              </a:solidFill>
+              <a:latin typeface="Arial" panose="020B0604020202020204" pitchFamily="34" charset="0"/>
+            </a:endParaRPr>
+          </a:p>
+        </p:txBody>
+      </p:sp>
+      <p:sp>
+        <p:nvSpPr>
+          <p:cNvPr id="41" name="文本框 40"/>
+          <p:cNvSpPr txBox="1"/>
+          <p:nvPr>
+            <p:custDataLst>
+              <p:tags r:id="rId7"/>
+            </p:custDataLst>
+          </p:nvPr>
+        </p:nvSpPr>
+        <p:spPr>
+          <a:xfrm>
+            <a:off x="7064375" y="3565525"/>
+            <a:ext cx="3481070" cy="522605"/>
+          </a:xfrm>
+          <a:prstGeom prst="rect">
+            <a:avLst/>
+          </a:prstGeom>
+          <a:noFill/>
+        </p:spPr>
+        <p:txBody>
+          <a:bodyPr vert="horz" wrap="square" bIns="0" rtlCol="0" anchor="b" anchorCtr="0">
+            <a:normAutofit/>
+          </a:bodyPr>
+          <a:lstStyle/>
+          <a:p>
+            <a:pPr fontAlgn="auto"/>
+            <a:r>
+              <a:rPr lang="zh-CN" altLang="en-US" sz="2800" spc="300" dirty="0">
+                <a:solidFill>
+                  <a:schemeClr val="accent1"/>
+                </a:solidFill>
+                <a:latin typeface="Arial" panose="020B0604020202020204" pitchFamily="34" charset="0"/>
+                <a:ea typeface="微软雅黑" panose="020B0503020204020204" charset="-122"/>
+                <a:sym typeface="+mn-ea"/>
+              </a:rPr>
+              <a:t>数据优化</a:t>
+            </a:r>
+            <a:endParaRPr lang="zh-CN" altLang="en-US" sz="2800" spc="300" dirty="0">
+              <a:solidFill>
+                <a:schemeClr val="accent1"/>
+              </a:solidFill>
+              <a:latin typeface="Arial" panose="020B0604020202020204" pitchFamily="34" charset="0"/>
+              <a:ea typeface="微软雅黑" panose="020B0503020204020204" charset="-122"/>
+              <a:sym typeface="+mn-ea"/>
+            </a:endParaRPr>
+          </a:p>
+        </p:txBody>
+      </p:sp>
+      <p:sp>
+        <p:nvSpPr>
+          <p:cNvPr id="43" name="椭圆 42"/>
+          <p:cNvSpPr/>
+          <p:nvPr>
+            <p:custDataLst>
+              <p:tags r:id="rId8"/>
+            </p:custDataLst>
+          </p:nvPr>
+        </p:nvSpPr>
+        <p:spPr>
+          <a:xfrm>
+            <a:off x="6257925" y="3693160"/>
+            <a:ext cx="826135" cy="648970"/>
+          </a:xfrm>
+          <a:prstGeom prst="ellipse">
+            <a:avLst/>
+          </a:prstGeom>
+          <a:ln w="12700">
+            <a:noFill/>
+          </a:ln>
+        </p:spPr>
+        <p:txBody>
+          <a:bodyPr wrap="square">
+            <a:normAutofit fontScale="97500"/>
+          </a:bodyPr>
+          <a:lstStyle/>
+          <a:p>
+            <a:pPr algn="ctr"/>
+            <a:r>
+              <a:rPr lang="en-US" altLang="zh-CN" sz="2400" dirty="0">
+                <a:solidFill>
+                  <a:schemeClr val="accent1"/>
+                </a:solidFill>
+                <a:latin typeface="Arial" panose="020B0604020202020204" pitchFamily="34" charset="0"/>
+                <a:ea typeface="微软雅黑" panose="020B0503020204020204" charset="-122"/>
+              </a:rPr>
+              <a:t>03</a:t>
+            </a:r>
+            <a:endParaRPr lang="zh-CN" altLang="en-US" sz="2400" dirty="0">
+              <a:solidFill>
+                <a:schemeClr val="accent1"/>
+              </a:solidFill>
+              <a:latin typeface="Arial" panose="020B0604020202020204" pitchFamily="34" charset="0"/>
+            </a:endParaRPr>
+          </a:p>
+        </p:txBody>
+      </p:sp>
+      <p:sp>
+        <p:nvSpPr>
+          <p:cNvPr id="44" name="矩形 43"/>
+          <p:cNvSpPr/>
+          <p:nvPr>
+            <p:custDataLst>
+              <p:tags r:id="rId9"/>
+            </p:custDataLst>
+          </p:nvPr>
+        </p:nvSpPr>
+        <p:spPr>
+          <a:xfrm rot="2700000">
+            <a:off x="6463665" y="3794125"/>
+            <a:ext cx="414655" cy="414655"/>
+          </a:xfrm>
+          <a:prstGeom prst="rect">
+            <a:avLst/>
+          </a:prstGeom>
+          <a:noFill/>
+          <a:ln w="12700">
+            <a:solidFill>
+              <a:schemeClr val="accent2"/>
+            </a:solidFill>
+          </a:ln>
+        </p:spPr>
+        <p:style>
+          <a:lnRef idx="2">
+            <a:schemeClr val="accent1">
+              <a:shade val="50000"/>
+            </a:schemeClr>
+          </a:lnRef>
+          <a:fillRef idx="1">
+            <a:schemeClr val="accent1"/>
+          </a:fillRef>
+          <a:effectRef idx="0">
+            <a:schemeClr val="accent1"/>
+          </a:effectRef>
+          <a:fontRef idx="minor">
+            <a:schemeClr val="lt1"/>
+          </a:fontRef>
+        </p:style>
+        <p:txBody>
+          <a:bodyPr rtlCol="0" anchor="ctr">
+            <a:normAutofit fontScale="90000" lnSpcReduction="10000"/>
+          </a:bodyPr>
+          <a:lstStyle/>
+          <a:p>
+            <a:pPr algn="ctr"/>
+            <a:endParaRPr lang="zh-CN" altLang="en-US" sz="2400">
+              <a:solidFill>
+                <a:schemeClr val="accent1"/>
+              </a:solidFill>
+              <a:latin typeface="Arial" panose="020B0604020202020204" pitchFamily="34" charset="0"/>
+            </a:endParaRPr>
+          </a:p>
+        </p:txBody>
+      </p:sp>
+      <p:sp>
+        <p:nvSpPr>
+          <p:cNvPr id="45" name="文本框 44"/>
+          <p:cNvSpPr txBox="1"/>
+          <p:nvPr>
+            <p:custDataLst>
+              <p:tags r:id="rId10"/>
+            </p:custDataLst>
+          </p:nvPr>
+        </p:nvSpPr>
+        <p:spPr>
+          <a:xfrm>
+            <a:off x="7064375" y="4825365"/>
+            <a:ext cx="3481070" cy="522605"/>
+          </a:xfrm>
+          <a:prstGeom prst="rect">
+            <a:avLst/>
+          </a:prstGeom>
+          <a:noFill/>
+        </p:spPr>
+        <p:txBody>
+          <a:bodyPr vert="horz" wrap="square" bIns="0" rtlCol="0" anchor="b" anchorCtr="0">
+            <a:normAutofit/>
+          </a:bodyPr>
+          <a:lstStyle/>
+          <a:p>
+            <a:pPr fontAlgn="auto"/>
+            <a:r>
+              <a:rPr lang="zh-CN" altLang="en-US" sz="2800" spc="300" dirty="0">
+                <a:solidFill>
+                  <a:schemeClr val="accent1"/>
+                </a:solidFill>
+                <a:latin typeface="Arial" panose="020B0604020202020204" pitchFamily="34" charset="0"/>
+                <a:ea typeface="微软雅黑" panose="020B0503020204020204" charset="-122"/>
+                <a:sym typeface="+mn-ea"/>
+              </a:rPr>
+              <a:t>模型</a:t>
+            </a:r>
+            <a:endParaRPr lang="zh-CN" altLang="en-US" sz="2800" spc="300" dirty="0">
+              <a:solidFill>
+                <a:schemeClr val="accent1"/>
+              </a:solidFill>
+              <a:latin typeface="Arial" panose="020B0604020202020204" pitchFamily="34" charset="0"/>
+              <a:ea typeface="微软雅黑" panose="020B0503020204020204" charset="-122"/>
+              <a:sym typeface="+mn-ea"/>
+            </a:endParaRPr>
+          </a:p>
+        </p:txBody>
+      </p:sp>
+      <p:sp>
+        <p:nvSpPr>
+          <p:cNvPr id="47" name="椭圆 46"/>
+          <p:cNvSpPr/>
+          <p:nvPr>
+            <p:custDataLst>
+              <p:tags r:id="rId11"/>
+            </p:custDataLst>
+          </p:nvPr>
+        </p:nvSpPr>
+        <p:spPr>
+          <a:xfrm>
+            <a:off x="6257925" y="4965700"/>
+            <a:ext cx="826135" cy="648970"/>
+          </a:xfrm>
+          <a:prstGeom prst="ellipse">
+            <a:avLst/>
+          </a:prstGeom>
+          <a:ln w="12700">
+            <a:noFill/>
+          </a:ln>
+        </p:spPr>
+        <p:txBody>
+          <a:bodyPr wrap="square">
+            <a:normAutofit fontScale="97500"/>
+          </a:bodyPr>
+          <a:lstStyle/>
+          <a:p>
+            <a:pPr algn="ctr"/>
+            <a:r>
+              <a:rPr lang="en-US" altLang="zh-CN" sz="2400" dirty="0">
+                <a:solidFill>
+                  <a:schemeClr val="accent1"/>
+                </a:solidFill>
+                <a:latin typeface="Arial" panose="020B0604020202020204" pitchFamily="34" charset="0"/>
+                <a:ea typeface="微软雅黑" panose="020B0503020204020204" charset="-122"/>
+              </a:rPr>
+              <a:t>04</a:t>
+            </a:r>
+            <a:endParaRPr lang="zh-CN" altLang="en-US" sz="2400" dirty="0">
+              <a:solidFill>
+                <a:schemeClr val="accent1"/>
+              </a:solidFill>
+              <a:latin typeface="Arial" panose="020B0604020202020204" pitchFamily="34" charset="0"/>
+            </a:endParaRPr>
+          </a:p>
+        </p:txBody>
+      </p:sp>
+      <p:sp>
+        <p:nvSpPr>
+          <p:cNvPr id="48" name="矩形 47"/>
+          <p:cNvSpPr/>
+          <p:nvPr>
+            <p:custDataLst>
+              <p:tags r:id="rId12"/>
+            </p:custDataLst>
+          </p:nvPr>
+        </p:nvSpPr>
+        <p:spPr>
+          <a:xfrm rot="2700000">
+            <a:off x="6463665" y="5066665"/>
+            <a:ext cx="414655" cy="414655"/>
+          </a:xfrm>
+          <a:prstGeom prst="rect">
+            <a:avLst/>
+          </a:prstGeom>
+          <a:noFill/>
+          <a:ln w="12700">
+            <a:solidFill>
+              <a:schemeClr val="accent2"/>
+            </a:solidFill>
+          </a:ln>
+        </p:spPr>
+        <p:style>
+          <a:lnRef idx="2">
+            <a:schemeClr val="accent1">
+              <a:shade val="50000"/>
+            </a:schemeClr>
+          </a:lnRef>
+          <a:fillRef idx="1">
+            <a:schemeClr val="accent1"/>
+          </a:fillRef>
+          <a:effectRef idx="0">
+            <a:schemeClr val="accent1"/>
+          </a:effectRef>
+          <a:fontRef idx="minor">
+            <a:schemeClr val="lt1"/>
+          </a:fontRef>
+        </p:style>
+        <p:txBody>
+          <a:bodyPr rtlCol="0" anchor="ctr">
+            <a:normAutofit fontScale="90000" lnSpcReduction="10000"/>
+          </a:bodyPr>
+          <a:lstStyle/>
+          <a:p>
+            <a:pPr algn="ctr"/>
+            <a:endParaRPr lang="zh-CN" altLang="en-US" sz="2400">
+              <a:solidFill>
+                <a:schemeClr val="accent1"/>
+              </a:solidFill>
+              <a:latin typeface="Arial" panose="020B0604020202020204" pitchFamily="34" charset="0"/>
+            </a:endParaRPr>
+          </a:p>
+        </p:txBody>
+      </p:sp>
+      <p:sp>
+        <p:nvSpPr>
+          <p:cNvPr id="30" name="文本框 29"/>
+          <p:cNvSpPr txBox="1"/>
+          <p:nvPr>
+            <p:custDataLst>
+              <p:tags r:id="rId13"/>
+            </p:custDataLst>
+          </p:nvPr>
+        </p:nvSpPr>
+        <p:spPr>
+          <a:xfrm>
+            <a:off x="2131493" y="2693416"/>
+            <a:ext cx="2141674" cy="843556"/>
+          </a:xfrm>
+          <a:prstGeom prst="rect">
+            <a:avLst/>
+          </a:prstGeom>
+          <a:noFill/>
+        </p:spPr>
+        <p:txBody>
+          <a:bodyPr vert="horz" wrap="square" rtlCol="0">
+            <a:normAutofit/>
+          </a:bodyPr>
+          <a:lstStyle/>
+          <a:p>
+            <a:pPr algn="ctr"/>
+            <a:r>
+              <a:rPr lang="zh-CN" altLang="en-US" sz="4800" spc="600" dirty="0">
+                <a:solidFill>
+                  <a:schemeClr val="accent1"/>
+                </a:solidFill>
+                <a:latin typeface="Arial" panose="020B0604020202020204" pitchFamily="34" charset="0"/>
+                <a:ea typeface="汉仪旗黑-85S" panose="00020600040101010101" pitchFamily="18" charset="-122"/>
+                <a:cs typeface="微软雅黑" panose="020B0503020204020204" charset="-122"/>
+              </a:rPr>
+              <a:t>目 录</a:t>
+            </a:r>
+            <a:endParaRPr lang="zh-CN" altLang="en-US" sz="4800" spc="600" dirty="0">
+              <a:solidFill>
+                <a:schemeClr val="accent1"/>
+              </a:solidFill>
+              <a:latin typeface="Arial" panose="020B0604020202020204" pitchFamily="34" charset="0"/>
+              <a:ea typeface="汉仪旗黑-85S" panose="00020600040101010101" pitchFamily="18" charset="-122"/>
+              <a:cs typeface="微软雅黑" panose="020B0503020204020204" charset="-122"/>
+            </a:endParaRPr>
+          </a:p>
+        </p:txBody>
+      </p:sp>
+      <p:sp>
+        <p:nvSpPr>
+          <p:cNvPr id="49" name="矩形 48"/>
+          <p:cNvSpPr/>
+          <p:nvPr>
+            <p:custDataLst>
+              <p:tags r:id="rId14"/>
+            </p:custDataLst>
+          </p:nvPr>
+        </p:nvSpPr>
+        <p:spPr>
+          <a:xfrm>
+            <a:off x="2298196" y="3337792"/>
+            <a:ext cx="1807892" cy="456535"/>
+          </a:xfrm>
+          <a:prstGeom prst="rect">
+            <a:avLst/>
+          </a:prstGeom>
+        </p:spPr>
+        <p:txBody>
+          <a:bodyPr vert="horz" wrap="square">
+            <a:normAutofit/>
+          </a:bodyPr>
+          <a:lstStyle/>
+          <a:p>
+            <a:pPr algn="ctr">
+              <a:lnSpc>
+                <a:spcPct val="150000"/>
+              </a:lnSpc>
+            </a:pPr>
+            <a:r>
+              <a:rPr lang="en-US" altLang="zh-CN" spc="300" dirty="0">
+                <a:solidFill>
+                  <a:schemeClr val="accent1"/>
+                </a:solidFill>
+                <a:latin typeface="Arial" panose="020B0604020202020204" pitchFamily="34" charset="0"/>
+                <a:ea typeface="微软雅黑" panose="020B0503020204020204" charset="-122"/>
+                <a:cs typeface="Arial" panose="020B0604020202020204" pitchFamily="34" charset="0"/>
+              </a:rPr>
+              <a:t>CONTENTS</a:t>
+            </a:r>
+            <a:endParaRPr lang="en-US" altLang="zh-CN" spc="300" dirty="0">
+              <a:solidFill>
+                <a:schemeClr val="accent1"/>
+              </a:solidFill>
+              <a:latin typeface="Arial" panose="020B0604020202020204" pitchFamily="34" charset="0"/>
+              <a:ea typeface="微软雅黑" panose="020B0503020204020204" charset="-122"/>
+              <a:cs typeface="Arial" panose="020B0604020202020204" pitchFamily="34" charset="0"/>
+            </a:endParaRPr>
+          </a:p>
+        </p:txBody>
+      </p:sp>
+    </p:spTree>
+    <p:custDataLst>
+      <p:tags r:id="rId15"/>
+    </p:custDataLst>
+  </p:cSld>
+  <p:clrMapOvr>
+    <a:masterClrMapping/>
+  </p:clrMapOvr>
+</p:sld>
+</file>
+
+<file path=ppt/slides/slide20.xml><?xml version="1.0" encoding="utf-8"?>
 <p:sld xmlns:a="http://schemas.openxmlformats.org/drawingml/2006/main" xmlns:r="http://schemas.openxmlformats.org/officeDocument/2006/relationships" xmlns:p="http://schemas.openxmlformats.org/presentationml/2006/main">
   <p:cSld>
     <p:spTree>
@@ -18369,7 +19786,13 @@
               <a:rPr lang="en-US" altLang="zh-CN" dirty="0">
                 <a:latin typeface="Arial" panose="020B0604020202020204" pitchFamily="34" charset="0"/>
               </a:rPr>
-              <a:t>20</a:t>
+              <a:t>10</a:t>
+            </a:r>
+            <a:r>
+              <a:rPr lang="en-US" altLang="zh-CN" dirty="0">
+                <a:latin typeface="Arial" panose="020B0604020202020204" pitchFamily="34" charset="0"/>
+              </a:rPr>
+              <a:t>0</a:t>
             </a:r>
             <a:r>
               <a:rPr lang="zh-CN" altLang="en-US" dirty="0">
@@ -18385,48 +19808,6 @@
             <a:pPr marL="0" indent="0">
               <a:buNone/>
             </a:pPr>
-            <a:r>
-              <a:rPr lang="zh-CN" altLang="en-US" dirty="0">
-                <a:latin typeface="Arial" panose="020B0604020202020204" pitchFamily="34" charset="0"/>
-              </a:rPr>
-              <a:t>运行环境</a:t>
-            </a:r>
-            <a:endParaRPr lang="zh-CN" altLang="en-US" dirty="0">
-              <a:latin typeface="Arial" panose="020B0604020202020204" pitchFamily="34" charset="0"/>
-            </a:endParaRPr>
-          </a:p>
-          <a:p>
-            <a:pPr marL="0" indent="0">
-              <a:buNone/>
-            </a:pPr>
-            <a:r>
-              <a:rPr lang="en-US" altLang="zh-CN" dirty="0">
-                <a:latin typeface="Arial" panose="020B0604020202020204" pitchFamily="34" charset="0"/>
-              </a:rPr>
-              <a:t>python3.6</a:t>
-            </a:r>
-            <a:endParaRPr lang="en-US" altLang="zh-CN" dirty="0">
-              <a:latin typeface="Arial" panose="020B0604020202020204" pitchFamily="34" charset="0"/>
-            </a:endParaRPr>
-          </a:p>
-          <a:p>
-            <a:pPr marL="0" indent="0">
-              <a:buNone/>
-            </a:pPr>
-            <a:r>
-              <a:rPr lang="en-US" altLang="zh-CN" dirty="0">
-                <a:latin typeface="Arial" panose="020B0604020202020204" pitchFamily="34" charset="0"/>
-              </a:rPr>
-              <a:t>tensorflow-gpu1.4.0</a:t>
-            </a:r>
-            <a:endParaRPr lang="en-US" altLang="zh-CN" dirty="0">
-              <a:latin typeface="Arial" panose="020B0604020202020204" pitchFamily="34" charset="0"/>
-            </a:endParaRPr>
-          </a:p>
-          <a:p>
-            <a:pPr marL="0" indent="0">
-              <a:buNone/>
-            </a:pPr>
             <a:endParaRPr lang="en-US" altLang="zh-CN" dirty="0">
               <a:latin typeface="Arial" panose="020B0604020202020204" pitchFamily="34" charset="0"/>
             </a:endParaRPr>
@@ -18435,7 +19816,7 @@
       </p:sp>
       <p:pic>
         <p:nvPicPr>
-          <p:cNvPr id="5" name="图片 4"/>
+          <p:cNvPr id="3" name="图片 2"/>
           <p:cNvPicPr>
             <a:picLocks noChangeAspect="1"/>
           </p:cNvPicPr>
@@ -18449,8 +19830,8 @@
         </p:blipFill>
         <p:spPr>
           <a:xfrm>
-            <a:off x="5497195" y="490220"/>
-            <a:ext cx="5995035" cy="5876925"/>
+            <a:off x="5427980" y="770255"/>
+            <a:ext cx="5828665" cy="5807710"/>
           </a:xfrm>
           <a:prstGeom prst="rect">
             <a:avLst/>
@@ -18468,748 +19849,7 @@
 </p:sld>
 </file>
 
-<file path=ppt/slides/slide2.xml><?xml version="1.0" encoding="utf-8"?>
-<p:sld xmlns:a="http://schemas.openxmlformats.org/drawingml/2006/main" xmlns:r="http://schemas.openxmlformats.org/officeDocument/2006/relationships" xmlns:p="http://schemas.openxmlformats.org/presentationml/2006/main">
-  <p:cSld>
-    <p:spTree>
-      <p:nvGrpSpPr>
-        <p:cNvPr id="1" name=""/>
-        <p:cNvGrpSpPr/>
-        <p:nvPr/>
-      </p:nvGrpSpPr>
-      <p:grpSpPr>
-        <a:xfrm>
-          <a:off x="0" y="0"/>
-          <a:ext cx="0" cy="0"/>
-          <a:chOff x="0" y="0"/>
-          <a:chExt cx="0" cy="0"/>
-        </a:xfrm>
-      </p:grpSpPr>
-      <p:sp>
-        <p:nvSpPr>
-          <p:cNvPr id="33" name="文本框 32"/>
-          <p:cNvSpPr txBox="1"/>
-          <p:nvPr>
-            <p:custDataLst>
-              <p:tags r:id="rId1"/>
-            </p:custDataLst>
-          </p:nvPr>
-        </p:nvSpPr>
-        <p:spPr>
-          <a:xfrm>
-            <a:off x="7064375" y="1048385"/>
-            <a:ext cx="3481070" cy="521970"/>
-          </a:xfrm>
-          <a:prstGeom prst="rect">
-            <a:avLst/>
-          </a:prstGeom>
-          <a:noFill/>
-        </p:spPr>
-        <p:txBody>
-          <a:bodyPr vert="horz" wrap="square" bIns="0" rtlCol="0" anchor="b" anchorCtr="0">
-            <a:normAutofit/>
-          </a:bodyPr>
-          <a:lstStyle/>
-          <a:p>
-            <a:pPr fontAlgn="auto"/>
-            <a:r>
-              <a:rPr lang="zh-CN" altLang="en-US" sz="2800" spc="300" dirty="0">
-                <a:solidFill>
-                  <a:schemeClr val="accent1"/>
-                </a:solidFill>
-                <a:latin typeface="Arial" panose="020B0604020202020204" pitchFamily="34" charset="0"/>
-                <a:ea typeface="微软雅黑" panose="020B0503020204020204" charset="-122"/>
-              </a:rPr>
-              <a:t>项目需求和数据集</a:t>
-            </a:r>
-            <a:endParaRPr lang="zh-CN" altLang="en-US" sz="2800" spc="300" dirty="0">
-              <a:solidFill>
-                <a:schemeClr val="accent1"/>
-              </a:solidFill>
-              <a:latin typeface="Arial" panose="020B0604020202020204" pitchFamily="34" charset="0"/>
-              <a:ea typeface="微软雅黑" panose="020B0503020204020204" charset="-122"/>
-            </a:endParaRPr>
-          </a:p>
-        </p:txBody>
-      </p:sp>
-      <p:sp>
-        <p:nvSpPr>
-          <p:cNvPr id="35" name="椭圆 34"/>
-          <p:cNvSpPr/>
-          <p:nvPr>
-            <p:custDataLst>
-              <p:tags r:id="rId2"/>
-            </p:custDataLst>
-          </p:nvPr>
-        </p:nvSpPr>
-        <p:spPr>
-          <a:xfrm>
-            <a:off x="6257925" y="1151255"/>
-            <a:ext cx="826135" cy="648970"/>
-          </a:xfrm>
-          <a:prstGeom prst="ellipse">
-            <a:avLst/>
-          </a:prstGeom>
-          <a:ln w="12700">
-            <a:noFill/>
-          </a:ln>
-        </p:spPr>
-        <p:txBody>
-          <a:bodyPr wrap="square">
-            <a:normAutofit fontScale="97500"/>
-          </a:bodyPr>
-          <a:lstStyle/>
-          <a:p>
-            <a:pPr algn="ctr"/>
-            <a:r>
-              <a:rPr lang="en-US" altLang="zh-CN" sz="2400" dirty="0">
-                <a:solidFill>
-                  <a:schemeClr val="accent1"/>
-                </a:solidFill>
-                <a:latin typeface="Arial" panose="020B0604020202020204" pitchFamily="34" charset="0"/>
-                <a:ea typeface="微软雅黑" panose="020B0503020204020204" charset="-122"/>
-              </a:rPr>
-              <a:t>01</a:t>
-            </a:r>
-            <a:endParaRPr lang="zh-CN" altLang="en-US" sz="2400" dirty="0">
-              <a:solidFill>
-                <a:schemeClr val="accent1"/>
-              </a:solidFill>
-              <a:latin typeface="Arial" panose="020B0604020202020204" pitchFamily="34" charset="0"/>
-            </a:endParaRPr>
-          </a:p>
-        </p:txBody>
-      </p:sp>
-      <p:sp>
-        <p:nvSpPr>
-          <p:cNvPr id="36" name="矩形 35"/>
-          <p:cNvSpPr/>
-          <p:nvPr>
-            <p:custDataLst>
-              <p:tags r:id="rId3"/>
-            </p:custDataLst>
-          </p:nvPr>
-        </p:nvSpPr>
-        <p:spPr>
-          <a:xfrm rot="2700000">
-            <a:off x="6463665" y="1252220"/>
-            <a:ext cx="414655" cy="414655"/>
-          </a:xfrm>
-          <a:prstGeom prst="rect">
-            <a:avLst/>
-          </a:prstGeom>
-          <a:noFill/>
-          <a:ln w="12700">
-            <a:solidFill>
-              <a:schemeClr val="accent2"/>
-            </a:solidFill>
-          </a:ln>
-        </p:spPr>
-        <p:style>
-          <a:lnRef idx="2">
-            <a:schemeClr val="accent1">
-              <a:shade val="50000"/>
-            </a:schemeClr>
-          </a:lnRef>
-          <a:fillRef idx="1">
-            <a:schemeClr val="accent1"/>
-          </a:fillRef>
-          <a:effectRef idx="0">
-            <a:schemeClr val="accent1"/>
-          </a:effectRef>
-          <a:fontRef idx="minor">
-            <a:schemeClr val="lt1"/>
-          </a:fontRef>
-        </p:style>
-        <p:txBody>
-          <a:bodyPr rtlCol="0" anchor="ctr">
-            <a:normAutofit fontScale="90000" lnSpcReduction="10000"/>
-          </a:bodyPr>
-          <a:lstStyle/>
-          <a:p>
-            <a:pPr algn="ctr"/>
-            <a:endParaRPr lang="zh-CN" altLang="en-US" sz="2400">
-              <a:solidFill>
-                <a:schemeClr val="accent1"/>
-              </a:solidFill>
-              <a:latin typeface="Arial" panose="020B0604020202020204" pitchFamily="34" charset="0"/>
-            </a:endParaRPr>
-          </a:p>
-        </p:txBody>
-      </p:sp>
-      <p:sp>
-        <p:nvSpPr>
-          <p:cNvPr id="37" name="文本框 36"/>
-          <p:cNvSpPr txBox="1"/>
-          <p:nvPr>
-            <p:custDataLst>
-              <p:tags r:id="rId4"/>
-            </p:custDataLst>
-          </p:nvPr>
-        </p:nvSpPr>
-        <p:spPr>
-          <a:xfrm>
-            <a:off x="7064375" y="2306955"/>
-            <a:ext cx="3481070" cy="523240"/>
-          </a:xfrm>
-          <a:prstGeom prst="rect">
-            <a:avLst/>
-          </a:prstGeom>
-          <a:noFill/>
-        </p:spPr>
-        <p:txBody>
-          <a:bodyPr vert="horz" wrap="square" bIns="0" rtlCol="0" anchor="b" anchorCtr="0">
-            <a:normAutofit/>
-          </a:bodyPr>
-          <a:lstStyle/>
-          <a:p>
-            <a:pPr fontAlgn="auto"/>
-            <a:r>
-              <a:rPr lang="zh-CN" altLang="en-US" sz="2800" spc="300" dirty="0">
-                <a:solidFill>
-                  <a:schemeClr val="accent1"/>
-                </a:solidFill>
-                <a:latin typeface="Arial" panose="020B0604020202020204" pitchFamily="34" charset="0"/>
-                <a:ea typeface="微软雅黑" panose="020B0503020204020204" charset="-122"/>
-              </a:rPr>
-              <a:t>数据处理</a:t>
-            </a:r>
-            <a:endParaRPr lang="zh-CN" altLang="en-US" sz="2800" spc="300" dirty="0">
-              <a:solidFill>
-                <a:schemeClr val="accent1"/>
-              </a:solidFill>
-              <a:latin typeface="Arial" panose="020B0604020202020204" pitchFamily="34" charset="0"/>
-              <a:ea typeface="微软雅黑" panose="020B0503020204020204" charset="-122"/>
-            </a:endParaRPr>
-          </a:p>
-        </p:txBody>
-      </p:sp>
-      <p:sp>
-        <p:nvSpPr>
-          <p:cNvPr id="39" name="椭圆 38"/>
-          <p:cNvSpPr/>
-          <p:nvPr>
-            <p:custDataLst>
-              <p:tags r:id="rId5"/>
-            </p:custDataLst>
-          </p:nvPr>
-        </p:nvSpPr>
-        <p:spPr>
-          <a:xfrm>
-            <a:off x="6257925" y="2423160"/>
-            <a:ext cx="826135" cy="648970"/>
-          </a:xfrm>
-          <a:prstGeom prst="ellipse">
-            <a:avLst/>
-          </a:prstGeom>
-          <a:ln w="12700">
-            <a:noFill/>
-          </a:ln>
-        </p:spPr>
-        <p:txBody>
-          <a:bodyPr wrap="square">
-            <a:normAutofit fontScale="97500"/>
-          </a:bodyPr>
-          <a:lstStyle/>
-          <a:p>
-            <a:pPr algn="ctr"/>
-            <a:r>
-              <a:rPr lang="en-US" altLang="zh-CN" sz="2400" dirty="0">
-                <a:solidFill>
-                  <a:schemeClr val="accent1"/>
-                </a:solidFill>
-                <a:latin typeface="Arial" panose="020B0604020202020204" pitchFamily="34" charset="0"/>
-                <a:ea typeface="微软雅黑" panose="020B0503020204020204" charset="-122"/>
-              </a:rPr>
-              <a:t>02</a:t>
-            </a:r>
-            <a:endParaRPr lang="zh-CN" altLang="en-US" sz="2400" dirty="0">
-              <a:solidFill>
-                <a:schemeClr val="accent1"/>
-              </a:solidFill>
-              <a:latin typeface="Arial" panose="020B0604020202020204" pitchFamily="34" charset="0"/>
-            </a:endParaRPr>
-          </a:p>
-        </p:txBody>
-      </p:sp>
-      <p:sp>
-        <p:nvSpPr>
-          <p:cNvPr id="40" name="矩形 39"/>
-          <p:cNvSpPr/>
-          <p:nvPr>
-            <p:custDataLst>
-              <p:tags r:id="rId6"/>
-            </p:custDataLst>
-          </p:nvPr>
-        </p:nvSpPr>
-        <p:spPr>
-          <a:xfrm rot="2700000">
-            <a:off x="6463665" y="2524125"/>
-            <a:ext cx="414655" cy="414655"/>
-          </a:xfrm>
-          <a:prstGeom prst="rect">
-            <a:avLst/>
-          </a:prstGeom>
-          <a:noFill/>
-          <a:ln w="12700">
-            <a:solidFill>
-              <a:schemeClr val="accent2"/>
-            </a:solidFill>
-          </a:ln>
-        </p:spPr>
-        <p:style>
-          <a:lnRef idx="2">
-            <a:schemeClr val="accent1">
-              <a:shade val="50000"/>
-            </a:schemeClr>
-          </a:lnRef>
-          <a:fillRef idx="1">
-            <a:schemeClr val="accent1"/>
-          </a:fillRef>
-          <a:effectRef idx="0">
-            <a:schemeClr val="accent1"/>
-          </a:effectRef>
-          <a:fontRef idx="minor">
-            <a:schemeClr val="lt1"/>
-          </a:fontRef>
-        </p:style>
-        <p:txBody>
-          <a:bodyPr rtlCol="0" anchor="ctr">
-            <a:normAutofit fontScale="90000" lnSpcReduction="10000"/>
-          </a:bodyPr>
-          <a:lstStyle/>
-          <a:p>
-            <a:pPr algn="ctr"/>
-            <a:endParaRPr lang="zh-CN" altLang="en-US" sz="2400">
-              <a:solidFill>
-                <a:schemeClr val="accent1"/>
-              </a:solidFill>
-              <a:latin typeface="Arial" panose="020B0604020202020204" pitchFamily="34" charset="0"/>
-            </a:endParaRPr>
-          </a:p>
-        </p:txBody>
-      </p:sp>
-      <p:sp>
-        <p:nvSpPr>
-          <p:cNvPr id="41" name="文本框 40"/>
-          <p:cNvSpPr txBox="1"/>
-          <p:nvPr>
-            <p:custDataLst>
-              <p:tags r:id="rId7"/>
-            </p:custDataLst>
-          </p:nvPr>
-        </p:nvSpPr>
-        <p:spPr>
-          <a:xfrm>
-            <a:off x="7064375" y="3565525"/>
-            <a:ext cx="3481070" cy="522605"/>
-          </a:xfrm>
-          <a:prstGeom prst="rect">
-            <a:avLst/>
-          </a:prstGeom>
-          <a:noFill/>
-        </p:spPr>
-        <p:txBody>
-          <a:bodyPr vert="horz" wrap="square" bIns="0" rtlCol="0" anchor="b" anchorCtr="0">
-            <a:normAutofit/>
-          </a:bodyPr>
-          <a:lstStyle/>
-          <a:p>
-            <a:pPr fontAlgn="auto"/>
-            <a:r>
-              <a:rPr lang="zh-CN" altLang="en-US" sz="2800" spc="300" dirty="0">
-                <a:solidFill>
-                  <a:schemeClr val="accent1"/>
-                </a:solidFill>
-                <a:latin typeface="Arial" panose="020B0604020202020204" pitchFamily="34" charset="0"/>
-                <a:ea typeface="微软雅黑" panose="020B0503020204020204" charset="-122"/>
-                <a:sym typeface="+mn-ea"/>
-              </a:rPr>
-              <a:t>数据优化</a:t>
-            </a:r>
-            <a:endParaRPr lang="zh-CN" altLang="en-US" sz="2800" spc="300" dirty="0">
-              <a:solidFill>
-                <a:schemeClr val="accent1"/>
-              </a:solidFill>
-              <a:latin typeface="Arial" panose="020B0604020202020204" pitchFamily="34" charset="0"/>
-              <a:ea typeface="微软雅黑" panose="020B0503020204020204" charset="-122"/>
-              <a:sym typeface="+mn-ea"/>
-            </a:endParaRPr>
-          </a:p>
-        </p:txBody>
-      </p:sp>
-      <p:sp>
-        <p:nvSpPr>
-          <p:cNvPr id="43" name="椭圆 42"/>
-          <p:cNvSpPr/>
-          <p:nvPr>
-            <p:custDataLst>
-              <p:tags r:id="rId8"/>
-            </p:custDataLst>
-          </p:nvPr>
-        </p:nvSpPr>
-        <p:spPr>
-          <a:xfrm>
-            <a:off x="6257925" y="3693160"/>
-            <a:ext cx="826135" cy="648970"/>
-          </a:xfrm>
-          <a:prstGeom prst="ellipse">
-            <a:avLst/>
-          </a:prstGeom>
-          <a:ln w="12700">
-            <a:noFill/>
-          </a:ln>
-        </p:spPr>
-        <p:txBody>
-          <a:bodyPr wrap="square">
-            <a:normAutofit fontScale="97500"/>
-          </a:bodyPr>
-          <a:lstStyle/>
-          <a:p>
-            <a:pPr algn="ctr"/>
-            <a:r>
-              <a:rPr lang="en-US" altLang="zh-CN" sz="2400" dirty="0">
-                <a:solidFill>
-                  <a:schemeClr val="accent1"/>
-                </a:solidFill>
-                <a:latin typeface="Arial" panose="020B0604020202020204" pitchFamily="34" charset="0"/>
-                <a:ea typeface="微软雅黑" panose="020B0503020204020204" charset="-122"/>
-              </a:rPr>
-              <a:t>03</a:t>
-            </a:r>
-            <a:endParaRPr lang="zh-CN" altLang="en-US" sz="2400" dirty="0">
-              <a:solidFill>
-                <a:schemeClr val="accent1"/>
-              </a:solidFill>
-              <a:latin typeface="Arial" panose="020B0604020202020204" pitchFamily="34" charset="0"/>
-            </a:endParaRPr>
-          </a:p>
-        </p:txBody>
-      </p:sp>
-      <p:sp>
-        <p:nvSpPr>
-          <p:cNvPr id="44" name="矩形 43"/>
-          <p:cNvSpPr/>
-          <p:nvPr>
-            <p:custDataLst>
-              <p:tags r:id="rId9"/>
-            </p:custDataLst>
-          </p:nvPr>
-        </p:nvSpPr>
-        <p:spPr>
-          <a:xfrm rot="2700000">
-            <a:off x="6463665" y="3794125"/>
-            <a:ext cx="414655" cy="414655"/>
-          </a:xfrm>
-          <a:prstGeom prst="rect">
-            <a:avLst/>
-          </a:prstGeom>
-          <a:noFill/>
-          <a:ln w="12700">
-            <a:solidFill>
-              <a:schemeClr val="accent2"/>
-            </a:solidFill>
-          </a:ln>
-        </p:spPr>
-        <p:style>
-          <a:lnRef idx="2">
-            <a:schemeClr val="accent1">
-              <a:shade val="50000"/>
-            </a:schemeClr>
-          </a:lnRef>
-          <a:fillRef idx="1">
-            <a:schemeClr val="accent1"/>
-          </a:fillRef>
-          <a:effectRef idx="0">
-            <a:schemeClr val="accent1"/>
-          </a:effectRef>
-          <a:fontRef idx="minor">
-            <a:schemeClr val="lt1"/>
-          </a:fontRef>
-        </p:style>
-        <p:txBody>
-          <a:bodyPr rtlCol="0" anchor="ctr">
-            <a:normAutofit fontScale="90000" lnSpcReduction="10000"/>
-          </a:bodyPr>
-          <a:lstStyle/>
-          <a:p>
-            <a:pPr algn="ctr"/>
-            <a:endParaRPr lang="zh-CN" altLang="en-US" sz="2400">
-              <a:solidFill>
-                <a:schemeClr val="accent1"/>
-              </a:solidFill>
-              <a:latin typeface="Arial" panose="020B0604020202020204" pitchFamily="34" charset="0"/>
-            </a:endParaRPr>
-          </a:p>
-        </p:txBody>
-      </p:sp>
-      <p:sp>
-        <p:nvSpPr>
-          <p:cNvPr id="45" name="文本框 44"/>
-          <p:cNvSpPr txBox="1"/>
-          <p:nvPr>
-            <p:custDataLst>
-              <p:tags r:id="rId10"/>
-            </p:custDataLst>
-          </p:nvPr>
-        </p:nvSpPr>
-        <p:spPr>
-          <a:xfrm>
-            <a:off x="7064375" y="4825365"/>
-            <a:ext cx="3481070" cy="522605"/>
-          </a:xfrm>
-          <a:prstGeom prst="rect">
-            <a:avLst/>
-          </a:prstGeom>
-          <a:noFill/>
-        </p:spPr>
-        <p:txBody>
-          <a:bodyPr vert="horz" wrap="square" bIns="0" rtlCol="0" anchor="b" anchorCtr="0">
-            <a:normAutofit/>
-          </a:bodyPr>
-          <a:lstStyle/>
-          <a:p>
-            <a:pPr fontAlgn="auto"/>
-            <a:r>
-              <a:rPr lang="zh-CN" altLang="en-US" sz="2800" spc="300" dirty="0">
-                <a:solidFill>
-                  <a:schemeClr val="accent1"/>
-                </a:solidFill>
-                <a:latin typeface="Arial" panose="020B0604020202020204" pitchFamily="34" charset="0"/>
-                <a:ea typeface="微软雅黑" panose="020B0503020204020204" charset="-122"/>
-                <a:sym typeface="+mn-ea"/>
-              </a:rPr>
-              <a:t>模型</a:t>
-            </a:r>
-            <a:endParaRPr lang="zh-CN" altLang="en-US" sz="2800" spc="300" dirty="0">
-              <a:solidFill>
-                <a:schemeClr val="accent1"/>
-              </a:solidFill>
-              <a:latin typeface="Arial" panose="020B0604020202020204" pitchFamily="34" charset="0"/>
-              <a:ea typeface="微软雅黑" panose="020B0503020204020204" charset="-122"/>
-              <a:sym typeface="+mn-ea"/>
-            </a:endParaRPr>
-          </a:p>
-        </p:txBody>
-      </p:sp>
-      <p:sp>
-        <p:nvSpPr>
-          <p:cNvPr id="47" name="椭圆 46"/>
-          <p:cNvSpPr/>
-          <p:nvPr>
-            <p:custDataLst>
-              <p:tags r:id="rId11"/>
-            </p:custDataLst>
-          </p:nvPr>
-        </p:nvSpPr>
-        <p:spPr>
-          <a:xfrm>
-            <a:off x="6257925" y="4965700"/>
-            <a:ext cx="826135" cy="648970"/>
-          </a:xfrm>
-          <a:prstGeom prst="ellipse">
-            <a:avLst/>
-          </a:prstGeom>
-          <a:ln w="12700">
-            <a:noFill/>
-          </a:ln>
-        </p:spPr>
-        <p:txBody>
-          <a:bodyPr wrap="square">
-            <a:normAutofit fontScale="97500"/>
-          </a:bodyPr>
-          <a:lstStyle/>
-          <a:p>
-            <a:pPr algn="ctr"/>
-            <a:r>
-              <a:rPr lang="en-US" altLang="zh-CN" sz="2400" dirty="0">
-                <a:solidFill>
-                  <a:schemeClr val="accent1"/>
-                </a:solidFill>
-                <a:latin typeface="Arial" panose="020B0604020202020204" pitchFamily="34" charset="0"/>
-                <a:ea typeface="微软雅黑" panose="020B0503020204020204" charset="-122"/>
-              </a:rPr>
-              <a:t>04</a:t>
-            </a:r>
-            <a:endParaRPr lang="zh-CN" altLang="en-US" sz="2400" dirty="0">
-              <a:solidFill>
-                <a:schemeClr val="accent1"/>
-              </a:solidFill>
-              <a:latin typeface="Arial" panose="020B0604020202020204" pitchFamily="34" charset="0"/>
-            </a:endParaRPr>
-          </a:p>
-        </p:txBody>
-      </p:sp>
-      <p:sp>
-        <p:nvSpPr>
-          <p:cNvPr id="48" name="矩形 47"/>
-          <p:cNvSpPr/>
-          <p:nvPr>
-            <p:custDataLst>
-              <p:tags r:id="rId12"/>
-            </p:custDataLst>
-          </p:nvPr>
-        </p:nvSpPr>
-        <p:spPr>
-          <a:xfrm rot="2700000">
-            <a:off x="6463665" y="5066665"/>
-            <a:ext cx="414655" cy="414655"/>
-          </a:xfrm>
-          <a:prstGeom prst="rect">
-            <a:avLst/>
-          </a:prstGeom>
-          <a:noFill/>
-          <a:ln w="12700">
-            <a:solidFill>
-              <a:schemeClr val="accent2"/>
-            </a:solidFill>
-          </a:ln>
-        </p:spPr>
-        <p:style>
-          <a:lnRef idx="2">
-            <a:schemeClr val="accent1">
-              <a:shade val="50000"/>
-            </a:schemeClr>
-          </a:lnRef>
-          <a:fillRef idx="1">
-            <a:schemeClr val="accent1"/>
-          </a:fillRef>
-          <a:effectRef idx="0">
-            <a:schemeClr val="accent1"/>
-          </a:effectRef>
-          <a:fontRef idx="minor">
-            <a:schemeClr val="lt1"/>
-          </a:fontRef>
-        </p:style>
-        <p:txBody>
-          <a:bodyPr rtlCol="0" anchor="ctr">
-            <a:normAutofit fontScale="90000" lnSpcReduction="10000"/>
-          </a:bodyPr>
-          <a:lstStyle/>
-          <a:p>
-            <a:pPr algn="ctr"/>
-            <a:endParaRPr lang="zh-CN" altLang="en-US" sz="2400">
-              <a:solidFill>
-                <a:schemeClr val="accent1"/>
-              </a:solidFill>
-              <a:latin typeface="Arial" panose="020B0604020202020204" pitchFamily="34" charset="0"/>
-            </a:endParaRPr>
-          </a:p>
-        </p:txBody>
-      </p:sp>
-      <p:sp>
-        <p:nvSpPr>
-          <p:cNvPr id="30" name="文本框 29"/>
-          <p:cNvSpPr txBox="1"/>
-          <p:nvPr>
-            <p:custDataLst>
-              <p:tags r:id="rId13"/>
-            </p:custDataLst>
-          </p:nvPr>
-        </p:nvSpPr>
-        <p:spPr>
-          <a:xfrm>
-            <a:off x="2131493" y="2693416"/>
-            <a:ext cx="2141674" cy="843556"/>
-          </a:xfrm>
-          <a:prstGeom prst="rect">
-            <a:avLst/>
-          </a:prstGeom>
-          <a:noFill/>
-        </p:spPr>
-        <p:txBody>
-          <a:bodyPr vert="horz" wrap="square" rtlCol="0">
-            <a:normAutofit/>
-          </a:bodyPr>
-          <a:lstStyle/>
-          <a:p>
-            <a:pPr algn="ctr"/>
-            <a:r>
-              <a:rPr lang="zh-CN" altLang="en-US" sz="4800" spc="600" dirty="0">
-                <a:solidFill>
-                  <a:schemeClr val="accent1"/>
-                </a:solidFill>
-                <a:latin typeface="Arial" panose="020B0604020202020204" pitchFamily="34" charset="0"/>
-                <a:ea typeface="汉仪旗黑-85S" panose="00020600040101010101" pitchFamily="18" charset="-122"/>
-                <a:cs typeface="微软雅黑" panose="020B0503020204020204" charset="-122"/>
-              </a:rPr>
-              <a:t>目 录</a:t>
-            </a:r>
-            <a:endParaRPr lang="zh-CN" altLang="en-US" sz="4800" spc="600" dirty="0">
-              <a:solidFill>
-                <a:schemeClr val="accent1"/>
-              </a:solidFill>
-              <a:latin typeface="Arial" panose="020B0604020202020204" pitchFamily="34" charset="0"/>
-              <a:ea typeface="汉仪旗黑-85S" panose="00020600040101010101" pitchFamily="18" charset="-122"/>
-              <a:cs typeface="微软雅黑" panose="020B0503020204020204" charset="-122"/>
-            </a:endParaRPr>
-          </a:p>
-        </p:txBody>
-      </p:sp>
-      <p:sp>
-        <p:nvSpPr>
-          <p:cNvPr id="49" name="矩形 48"/>
-          <p:cNvSpPr/>
-          <p:nvPr>
-            <p:custDataLst>
-              <p:tags r:id="rId14"/>
-            </p:custDataLst>
-          </p:nvPr>
-        </p:nvSpPr>
-        <p:spPr>
-          <a:xfrm>
-            <a:off x="2298196" y="3337792"/>
-            <a:ext cx="1807892" cy="456535"/>
-          </a:xfrm>
-          <a:prstGeom prst="rect">
-            <a:avLst/>
-          </a:prstGeom>
-        </p:spPr>
-        <p:txBody>
-          <a:bodyPr vert="horz" wrap="square">
-            <a:normAutofit/>
-          </a:bodyPr>
-          <a:lstStyle/>
-          <a:p>
-            <a:pPr algn="ctr">
-              <a:lnSpc>
-                <a:spcPct val="150000"/>
-              </a:lnSpc>
-            </a:pPr>
-            <a:r>
-              <a:rPr lang="en-US" altLang="zh-CN" spc="300" dirty="0">
-                <a:solidFill>
-                  <a:schemeClr val="accent1"/>
-                </a:solidFill>
-                <a:latin typeface="Arial" panose="020B0604020202020204" pitchFamily="34" charset="0"/>
-                <a:ea typeface="微软雅黑" panose="020B0503020204020204" charset="-122"/>
-                <a:cs typeface="Arial" panose="020B0604020202020204" pitchFamily="34" charset="0"/>
-              </a:rPr>
-              <a:t>CONTENTS</a:t>
-            </a:r>
-            <a:endParaRPr lang="en-US" altLang="zh-CN" spc="300" dirty="0">
-              <a:solidFill>
-                <a:schemeClr val="accent1"/>
-              </a:solidFill>
-              <a:latin typeface="Arial" panose="020B0604020202020204" pitchFamily="34" charset="0"/>
-              <a:ea typeface="微软雅黑" panose="020B0503020204020204" charset="-122"/>
-              <a:cs typeface="Arial" panose="020B0604020202020204" pitchFamily="34" charset="0"/>
-            </a:endParaRPr>
-          </a:p>
-        </p:txBody>
-      </p:sp>
-    </p:spTree>
-    <p:custDataLst>
-      <p:tags r:id="rId15"/>
-    </p:custDataLst>
-  </p:cSld>
-  <p:clrMapOvr>
-    <a:masterClrMapping/>
-  </p:clrMapOvr>
-</p:sld>
-</file>
-
-<file path=ppt/slides/slide20.xml><?xml version="1.0" encoding="utf-8"?>
+<file path=ppt/slides/slide21.xml><?xml version="1.0" encoding="utf-8"?>
 <p:sld xmlns:a="http://schemas.openxmlformats.org/drawingml/2006/main" xmlns:r="http://schemas.openxmlformats.org/officeDocument/2006/relationships" xmlns:p="http://schemas.openxmlformats.org/presentationml/2006/main">
   <p:cSld>
     <p:spTree>
@@ -23957,68 +24597,13 @@
 
 <file path=ppt/tags/tag296.xml><?xml version="1.0" encoding="utf-8"?>
 <p:tagLst xmlns:p="http://schemas.openxmlformats.org/presentationml/2006/main">
-  <p:tag name="KSO_WM_UNIT_ISCONTENTSTITLE" val="0"/>
-  <p:tag name="KSO_WM_UNIT_PRESET_TEXT" val="简约通用模板"/>
-  <p:tag name="KSO_WM_UNIT_NOCLEAR" val="0"/>
-  <p:tag name="KSO_WM_UNIT_VALUE" val="10"/>
-  <p:tag name="KSO_WM_UNIT_HIGHLIGHT" val="0"/>
-  <p:tag name="KSO_WM_UNIT_COMPATIBLE" val="0"/>
-  <p:tag name="KSO_WM_UNIT_DIAGRAM_ISNUMVISUAL" val="0"/>
-  <p:tag name="KSO_WM_UNIT_DIAGRAM_ISREFERUNIT" val="0"/>
-  <p:tag name="KSO_WM_UNIT_TYPE" val="a"/>
-  <p:tag name="KSO_WM_UNIT_INDEX" val="1"/>
-  <p:tag name="KSO_WM_UNIT_ID" val="custom20202602_1*a*1"/>
+  <p:tag name="KSO_WM_BEAUTIFY_FLAG" val="#wm#"/>
   <p:tag name="KSO_WM_TEMPLATE_CATEGORY" val="custom"/>
   <p:tag name="KSO_WM_TEMPLATE_INDEX" val="20202602"/>
-  <p:tag name="KSO_WM_UNIT_LAYERLEVEL" val="1"/>
-  <p:tag name="KSO_WM_TAG_VERSION" val="1.0"/>
-  <p:tag name="KSO_WM_BEAUTIFY_FLAG" val="#wm#"/>
 </p:tagLst>
 </file>
 
 <file path=ppt/tags/tag297.xml><?xml version="1.0" encoding="utf-8"?>
-<p:tagLst xmlns:p="http://schemas.openxmlformats.org/presentationml/2006/main">
-  <p:tag name="KSO_WM_UNIT_ISCONTENTSTITLE" val="0"/>
-  <p:tag name="KSO_WM_UNIT_PRESET_TEXT" val="单击此处添加副标题"/>
-  <p:tag name="KSO_WM_UNIT_NOCLEAR" val="0"/>
-  <p:tag name="KSO_WM_UNIT_VALUE" val="12"/>
-  <p:tag name="KSO_WM_UNIT_HIGHLIGHT" val="0"/>
-  <p:tag name="KSO_WM_UNIT_COMPATIBLE" val="0"/>
-  <p:tag name="KSO_WM_UNIT_DIAGRAM_ISNUMVISUAL" val="0"/>
-  <p:tag name="KSO_WM_UNIT_DIAGRAM_ISREFERUNIT" val="0"/>
-  <p:tag name="KSO_WM_UNIT_TYPE" val="b"/>
-  <p:tag name="KSO_WM_UNIT_INDEX" val="1"/>
-  <p:tag name="KSO_WM_UNIT_ID" val="custom20202602_1*b*1"/>
-  <p:tag name="KSO_WM_TEMPLATE_CATEGORY" val="custom"/>
-  <p:tag name="KSO_WM_TEMPLATE_INDEX" val="20202602"/>
-  <p:tag name="KSO_WM_UNIT_LAYERLEVEL" val="1"/>
-  <p:tag name="KSO_WM_TAG_VERSION" val="1.0"/>
-  <p:tag name="KSO_WM_BEAUTIFY_FLAG" val="#wm#"/>
-</p:tagLst>
-</file>
-
-<file path=ppt/tags/tag298.xml><?xml version="1.0" encoding="utf-8"?>
-<p:tagLst xmlns:p="http://schemas.openxmlformats.org/presentationml/2006/main">
-  <p:tag name="KSO_WM_SLIDE_ID" val="custom20202602_1"/>
-  <p:tag name="KSO_WM_TEMPLATE_SUBCATEGORY" val="0"/>
-  <p:tag name="KSO_WM_TEMPLATE_MASTER_TYPE" val="1"/>
-  <p:tag name="KSO_WM_TEMPLATE_COLOR_TYPE" val="1"/>
-  <p:tag name="KSO_WM_SLIDE_TYPE" val="title"/>
-  <p:tag name="KSO_WM_SLIDE_SUBTYPE" val="pureTxt"/>
-  <p:tag name="KSO_WM_SLIDE_ITEM_CNT" val="0"/>
-  <p:tag name="KSO_WM_SLIDE_INDEX" val="1"/>
-  <p:tag name="KSO_WM_TAG_VERSION" val="1.0"/>
-  <p:tag name="KSO_WM_BEAUTIFY_FLAG" val="#wm#"/>
-  <p:tag name="KSO_WM_TEMPLATE_CATEGORY" val="custom"/>
-  <p:tag name="KSO_WM_TEMPLATE_INDEX" val="20202602"/>
-  <p:tag name="KSO_WM_SLIDE_LAYOUT" val="a_b"/>
-  <p:tag name="KSO_WM_SLIDE_LAYOUT_CNT" val="1_1"/>
-  <p:tag name="KSO_WM_TEMPLATE_THUMBS_INDEX" val="1、4、6、7、8、9、10、12、13、14"/>
-  <p:tag name="KSO_WM_TEMPLATE_MASTER_THUMB_INDEX" val="12"/>
-</p:tagLst>
-</file>
-
-<file path=ppt/tags/tag299.xml><?xml version="1.0" encoding="utf-8"?>
 <p:tagLst xmlns:p="http://schemas.openxmlformats.org/presentationml/2006/main">
   <p:tag name="KSO_WM_UNIT_HIGHLIGHT" val="0"/>
   <p:tag name="KSO_WM_UNIT_COMPATIBLE" val="0"/>
@@ -24043,37 +24628,7 @@
 </p:tagLst>
 </file>
 
-<file path=ppt/tags/tag3.xml><?xml version="1.0" encoding="utf-8"?>
-<p:tagLst xmlns:p="http://schemas.openxmlformats.org/presentationml/2006/main">
-  <p:tag name="KSO_WM_UNIT_HIGHLIGHT" val="0"/>
-  <p:tag name="KSO_WM_UNIT_COMPATIBLE" val="0"/>
-  <p:tag name="KSO_WM_UNIT_DIAGRAM_ISNUMVISUAL" val="0"/>
-  <p:tag name="KSO_WM_UNIT_DIAGRAM_ISREFERUNIT" val="0"/>
-  <p:tag name="KSO_WM_UNIT_ID" val="_1*y*1"/>
-  <p:tag name="KSO_WM_UNIT_LAYERLEVEL" val="1"/>
-  <p:tag name="KSO_WM_TAG_VERSION" val="1.0"/>
-  <p:tag name="KSO_WM_BEAUTIFY_FLAG" val="#wm#"/>
-  <p:tag name="KSO_WM_SLIDE_BACKGROUND_MASK_FLAG" val="1"/>
-  <p:tag name="KSO_WM_UNIT_TYPE" val="y"/>
-  <p:tag name="KSO_WM_UNIT_INDEX" val="1"/>
-</p:tagLst>
-</file>
-
-<file path=ppt/tags/tag30.xml><?xml version="1.0" encoding="utf-8"?>
-<p:tagLst xmlns:p="http://schemas.openxmlformats.org/presentationml/2006/main">
-  <p:tag name="KSO_WM_UNIT_HIGHLIGHT" val="0"/>
-  <p:tag name="KSO_WM_UNIT_COMPATIBLE" val="0"/>
-  <p:tag name="KSO_WM_UNIT_DIAGRAM_ISNUMVISUAL" val="0"/>
-  <p:tag name="KSO_WM_UNIT_DIAGRAM_ISREFERUNIT" val="0"/>
-  <p:tag name="KSO_WM_UNIT_ID" val="_1**"/>
-  <p:tag name="KSO_WM_UNIT_LAYERLEVEL" val="1"/>
-  <p:tag name="KSO_WM_TAG_VERSION" val="1.0"/>
-  <p:tag name="KSO_WM_BEAUTIFY_FLAG" val="#wm#"/>
-  <p:tag name="KSO_WM_SLIDE_BACKGROUND_MASK_FLAG" val="1"/>
-</p:tagLst>
-</file>
-
-<file path=ppt/tags/tag300.xml><?xml version="1.0" encoding="utf-8"?>
+<file path=ppt/tags/tag298.xml><?xml version="1.0" encoding="utf-8"?>
 <p:tagLst xmlns:p="http://schemas.openxmlformats.org/presentationml/2006/main">
   <p:tag name="KSO_WM_UNIT_HIGHLIGHT" val="0"/>
   <p:tag name="KSO_WM_UNIT_COMPATIBLE" val="0"/>
@@ -24094,7 +24649,7 @@
 </p:tagLst>
 </file>
 
-<file path=ppt/tags/tag301.xml><?xml version="1.0" encoding="utf-8"?>
+<file path=ppt/tags/tag299.xml><?xml version="1.0" encoding="utf-8"?>
 <p:tagLst xmlns:p="http://schemas.openxmlformats.org/presentationml/2006/main">
   <p:tag name="KSO_WM_UNIT_HIGHLIGHT" val="0"/>
   <p:tag name="KSO_WM_UNIT_COMPATIBLE" val="0"/>
@@ -24117,7 +24672,37 @@
 </p:tagLst>
 </file>
 
-<file path=ppt/tags/tag302.xml><?xml version="1.0" encoding="utf-8"?>
+<file path=ppt/tags/tag3.xml><?xml version="1.0" encoding="utf-8"?>
+<p:tagLst xmlns:p="http://schemas.openxmlformats.org/presentationml/2006/main">
+  <p:tag name="KSO_WM_UNIT_HIGHLIGHT" val="0"/>
+  <p:tag name="KSO_WM_UNIT_COMPATIBLE" val="0"/>
+  <p:tag name="KSO_WM_UNIT_DIAGRAM_ISNUMVISUAL" val="0"/>
+  <p:tag name="KSO_WM_UNIT_DIAGRAM_ISREFERUNIT" val="0"/>
+  <p:tag name="KSO_WM_UNIT_ID" val="_1*y*1"/>
+  <p:tag name="KSO_WM_UNIT_LAYERLEVEL" val="1"/>
+  <p:tag name="KSO_WM_TAG_VERSION" val="1.0"/>
+  <p:tag name="KSO_WM_BEAUTIFY_FLAG" val="#wm#"/>
+  <p:tag name="KSO_WM_SLIDE_BACKGROUND_MASK_FLAG" val="1"/>
+  <p:tag name="KSO_WM_UNIT_TYPE" val="y"/>
+  <p:tag name="KSO_WM_UNIT_INDEX" val="1"/>
+</p:tagLst>
+</file>
+
+<file path=ppt/tags/tag30.xml><?xml version="1.0" encoding="utf-8"?>
+<p:tagLst xmlns:p="http://schemas.openxmlformats.org/presentationml/2006/main">
+  <p:tag name="KSO_WM_UNIT_HIGHLIGHT" val="0"/>
+  <p:tag name="KSO_WM_UNIT_COMPATIBLE" val="0"/>
+  <p:tag name="KSO_WM_UNIT_DIAGRAM_ISNUMVISUAL" val="0"/>
+  <p:tag name="KSO_WM_UNIT_DIAGRAM_ISREFERUNIT" val="0"/>
+  <p:tag name="KSO_WM_UNIT_ID" val="_1**"/>
+  <p:tag name="KSO_WM_UNIT_LAYERLEVEL" val="1"/>
+  <p:tag name="KSO_WM_TAG_VERSION" val="1.0"/>
+  <p:tag name="KSO_WM_BEAUTIFY_FLAG" val="#wm#"/>
+  <p:tag name="KSO_WM_SLIDE_BACKGROUND_MASK_FLAG" val="1"/>
+</p:tagLst>
+</file>
+
+<file path=ppt/tags/tag300.xml><?xml version="1.0" encoding="utf-8"?>
 <p:tagLst xmlns:p="http://schemas.openxmlformats.org/presentationml/2006/main">
   <p:tag name="KSO_WM_UNIT_HIGHLIGHT" val="0"/>
   <p:tag name="KSO_WM_UNIT_COMPATIBLE" val="0"/>
@@ -24142,7 +24727,7 @@
 </p:tagLst>
 </file>
 
-<file path=ppt/tags/tag303.xml><?xml version="1.0" encoding="utf-8"?>
+<file path=ppt/tags/tag301.xml><?xml version="1.0" encoding="utf-8"?>
 <p:tagLst xmlns:p="http://schemas.openxmlformats.org/presentationml/2006/main">
   <p:tag name="KSO_WM_UNIT_HIGHLIGHT" val="0"/>
   <p:tag name="KSO_WM_UNIT_COMPATIBLE" val="0"/>
@@ -24163,7 +24748,7 @@
 </p:tagLst>
 </file>
 
-<file path=ppt/tags/tag304.xml><?xml version="1.0" encoding="utf-8"?>
+<file path=ppt/tags/tag302.xml><?xml version="1.0" encoding="utf-8"?>
 <p:tagLst xmlns:p="http://schemas.openxmlformats.org/presentationml/2006/main">
   <p:tag name="KSO_WM_UNIT_HIGHLIGHT" val="0"/>
   <p:tag name="KSO_WM_UNIT_COMPATIBLE" val="0"/>
@@ -24186,7 +24771,7 @@
 </p:tagLst>
 </file>
 
-<file path=ppt/tags/tag305.xml><?xml version="1.0" encoding="utf-8"?>
+<file path=ppt/tags/tag303.xml><?xml version="1.0" encoding="utf-8"?>
 <p:tagLst xmlns:p="http://schemas.openxmlformats.org/presentationml/2006/main">
   <p:tag name="KSO_WM_UNIT_HIGHLIGHT" val="0"/>
   <p:tag name="KSO_WM_UNIT_COMPATIBLE" val="0"/>
@@ -24211,7 +24796,7 @@
 </p:tagLst>
 </file>
 
-<file path=ppt/tags/tag306.xml><?xml version="1.0" encoding="utf-8"?>
+<file path=ppt/tags/tag304.xml><?xml version="1.0" encoding="utf-8"?>
 <p:tagLst xmlns:p="http://schemas.openxmlformats.org/presentationml/2006/main">
   <p:tag name="KSO_WM_UNIT_HIGHLIGHT" val="0"/>
   <p:tag name="KSO_WM_UNIT_COMPATIBLE" val="0"/>
@@ -24232,7 +24817,7 @@
 </p:tagLst>
 </file>
 
-<file path=ppt/tags/tag307.xml><?xml version="1.0" encoding="utf-8"?>
+<file path=ppt/tags/tag305.xml><?xml version="1.0" encoding="utf-8"?>
 <p:tagLst xmlns:p="http://schemas.openxmlformats.org/presentationml/2006/main">
   <p:tag name="KSO_WM_UNIT_HIGHLIGHT" val="0"/>
   <p:tag name="KSO_WM_UNIT_COMPATIBLE" val="0"/>
@@ -24255,7 +24840,7 @@
 </p:tagLst>
 </file>
 
-<file path=ppt/tags/tag308.xml><?xml version="1.0" encoding="utf-8"?>
+<file path=ppt/tags/tag306.xml><?xml version="1.0" encoding="utf-8"?>
 <p:tagLst xmlns:p="http://schemas.openxmlformats.org/presentationml/2006/main">
   <p:tag name="KSO_WM_UNIT_HIGHLIGHT" val="0"/>
   <p:tag name="KSO_WM_UNIT_COMPATIBLE" val="0"/>
@@ -24280,7 +24865,7 @@
 </p:tagLst>
 </file>
 
-<file path=ppt/tags/tag309.xml><?xml version="1.0" encoding="utf-8"?>
+<file path=ppt/tags/tag307.xml><?xml version="1.0" encoding="utf-8"?>
 <p:tagLst xmlns:p="http://schemas.openxmlformats.org/presentationml/2006/main">
   <p:tag name="KSO_WM_UNIT_HIGHLIGHT" val="0"/>
   <p:tag name="KSO_WM_UNIT_COMPATIBLE" val="0"/>
@@ -24301,20 +24886,7 @@
 </p:tagLst>
 </file>
 
-<file path=ppt/tags/tag31.xml><?xml version="1.0" encoding="utf-8"?>
-<p:tagLst xmlns:p="http://schemas.openxmlformats.org/presentationml/2006/main">
-  <p:tag name="KSO_WM_UNIT_HIGHLIGHT" val="0"/>
-  <p:tag name="KSO_WM_UNIT_COMPATIBLE" val="0"/>
-  <p:tag name="KSO_WM_UNIT_DIAGRAM_ISNUMVISUAL" val="0"/>
-  <p:tag name="KSO_WM_UNIT_DIAGRAM_ISREFERUNIT" val="0"/>
-  <p:tag name="KSO_WM_UNIT_ID" val="_2**"/>
-  <p:tag name="KSO_WM_UNIT_LAYERLEVEL" val="1"/>
-  <p:tag name="KSO_WM_TAG_VERSION" val="1.0"/>
-  <p:tag name="KSO_WM_BEAUTIFY_FLAG" val="#wm#"/>
-</p:tagLst>
-</file>
-
-<file path=ppt/tags/tag310.xml><?xml version="1.0" encoding="utf-8"?>
+<file path=ppt/tags/tag308.xml><?xml version="1.0" encoding="utf-8"?>
 <p:tagLst xmlns:p="http://schemas.openxmlformats.org/presentationml/2006/main">
   <p:tag name="KSO_WM_UNIT_HIGHLIGHT" val="0"/>
   <p:tag name="KSO_WM_UNIT_COMPATIBLE" val="0"/>
@@ -24337,7 +24909,7 @@
 </p:tagLst>
 </file>
 
-<file path=ppt/tags/tag311.xml><?xml version="1.0" encoding="utf-8"?>
+<file path=ppt/tags/tag309.xml><?xml version="1.0" encoding="utf-8"?>
 <p:tagLst xmlns:p="http://schemas.openxmlformats.org/presentationml/2006/main">
   <p:tag name="KSO_WM_UNIT_HIGHLIGHT" val="0"/>
   <p:tag name="KSO_WM_UNIT_COMPATIBLE" val="0"/>
@@ -24362,7 +24934,20 @@
 </p:tagLst>
 </file>
 
-<file path=ppt/tags/tag312.xml><?xml version="1.0" encoding="utf-8"?>
+<file path=ppt/tags/tag31.xml><?xml version="1.0" encoding="utf-8"?>
+<p:tagLst xmlns:p="http://schemas.openxmlformats.org/presentationml/2006/main">
+  <p:tag name="KSO_WM_UNIT_HIGHLIGHT" val="0"/>
+  <p:tag name="KSO_WM_UNIT_COMPATIBLE" val="0"/>
+  <p:tag name="KSO_WM_UNIT_DIAGRAM_ISNUMVISUAL" val="0"/>
+  <p:tag name="KSO_WM_UNIT_DIAGRAM_ISREFERUNIT" val="0"/>
+  <p:tag name="KSO_WM_UNIT_ID" val="_2**"/>
+  <p:tag name="KSO_WM_UNIT_LAYERLEVEL" val="1"/>
+  <p:tag name="KSO_WM_TAG_VERSION" val="1.0"/>
+  <p:tag name="KSO_WM_BEAUTIFY_FLAG" val="#wm#"/>
+</p:tagLst>
+</file>
+
+<file path=ppt/tags/tag310.xml><?xml version="1.0" encoding="utf-8"?>
 <p:tagLst xmlns:p="http://schemas.openxmlformats.org/presentationml/2006/main">
   <p:tag name="KSO_WM_UNIT_HIGHLIGHT" val="0"/>
   <p:tag name="KSO_WM_UNIT_COMPATIBLE" val="0"/>
@@ -24387,7 +24972,7 @@
 </p:tagLst>
 </file>
 
-<file path=ppt/tags/tag313.xml><?xml version="1.0" encoding="utf-8"?>
+<file path=ppt/tags/tag311.xml><?xml version="1.0" encoding="utf-8"?>
 <p:tagLst xmlns:p="http://schemas.openxmlformats.org/presentationml/2006/main">
   <p:tag name="KSO_WM_SLIDE_ID" val="custom20202602_4"/>
   <p:tag name="KSO_WM_TEMPLATE_SUBCATEGORY" val="0"/>
@@ -24408,7 +24993,7 @@
 </p:tagLst>
 </file>
 
-<file path=ppt/tags/tag314.xml><?xml version="1.0" encoding="utf-8"?>
+<file path=ppt/tags/tag312.xml><?xml version="1.0" encoding="utf-8"?>
 <p:tagLst xmlns:p="http://schemas.openxmlformats.org/presentationml/2006/main">
   <p:tag name="KSO_WM_UNIT_HIGHLIGHT" val="0"/>
   <p:tag name="KSO_WM_UNIT_COMPATIBLE" val="0"/>
@@ -24428,7 +25013,7 @@
 </p:tagLst>
 </file>
 
-<file path=ppt/tags/tag315.xml><?xml version="1.0" encoding="utf-8"?>
+<file path=ppt/tags/tag313.xml><?xml version="1.0" encoding="utf-8"?>
 <p:tagLst xmlns:p="http://schemas.openxmlformats.org/presentationml/2006/main">
   <p:tag name="KSO_WM_UNIT_HIGHLIGHT" val="0"/>
   <p:tag name="KSO_WM_UNIT_COMPATIBLE" val="0"/>
@@ -24449,7 +25034,7 @@
 </p:tagLst>
 </file>
 
-<file path=ppt/tags/tag316.xml><?xml version="1.0" encoding="utf-8"?>
+<file path=ppt/tags/tag314.xml><?xml version="1.0" encoding="utf-8"?>
 <p:tagLst xmlns:p="http://schemas.openxmlformats.org/presentationml/2006/main">
   <p:tag name="KSO_WM_SLIDE_ID" val="custom20202602_6"/>
   <p:tag name="KSO_WM_TEMPLATE_SUBCATEGORY" val="0"/>
@@ -24468,7 +25053,7 @@
 </p:tagLst>
 </file>
 
-<file path=ppt/tags/tag317.xml><?xml version="1.0" encoding="utf-8"?>
+<file path=ppt/tags/tag315.xml><?xml version="1.0" encoding="utf-8"?>
 <p:tagLst xmlns:p="http://schemas.openxmlformats.org/presentationml/2006/main">
   <p:tag name="KSO_WM_UNIT_HIGHLIGHT" val="0"/>
   <p:tag name="KSO_WM_UNIT_COMPATIBLE" val="0"/>
@@ -24489,7 +25074,7 @@
 </p:tagLst>
 </file>
 
-<file path=ppt/tags/tag318.xml><?xml version="1.0" encoding="utf-8"?>
+<file path=ppt/tags/tag316.xml><?xml version="1.0" encoding="utf-8"?>
 <p:tagLst xmlns:p="http://schemas.openxmlformats.org/presentationml/2006/main">
   <p:tag name="KSO_WM_UNIT_HIGHLIGHT" val="0"/>
   <p:tag name="KSO_WM_UNIT_COMPATIBLE" val="0"/>
@@ -24509,7 +25094,7 @@
 </p:tagLst>
 </file>
 
-<file path=ppt/tags/tag319.xml><?xml version="1.0" encoding="utf-8"?>
+<file path=ppt/tags/tag317.xml><?xml version="1.0" encoding="utf-8"?>
 <p:tagLst xmlns:p="http://schemas.openxmlformats.org/presentationml/2006/main">
   <p:tag name="KSO_WM_SLIDE_ID" val="custom20202602_8"/>
   <p:tag name="KSO_WM_TEMPLATE_SUBCATEGORY" val="0"/>
@@ -24530,20 +25115,7 @@
 </p:tagLst>
 </file>
 
-<file path=ppt/tags/tag32.xml><?xml version="1.0" encoding="utf-8"?>
-<p:tagLst xmlns:p="http://schemas.openxmlformats.org/presentationml/2006/main">
-  <p:tag name="KSO_WM_UNIT_HIGHLIGHT" val="0"/>
-  <p:tag name="KSO_WM_UNIT_COMPATIBLE" val="0"/>
-  <p:tag name="KSO_WM_UNIT_DIAGRAM_ISNUMVISUAL" val="0"/>
-  <p:tag name="KSO_WM_UNIT_DIAGRAM_ISREFERUNIT" val="0"/>
-  <p:tag name="KSO_WM_UNIT_ID" val="_2**"/>
-  <p:tag name="KSO_WM_UNIT_LAYERLEVEL" val="1"/>
-  <p:tag name="KSO_WM_TAG_VERSION" val="1.0"/>
-  <p:tag name="KSO_WM_BEAUTIFY_FLAG" val="#wm#"/>
-</p:tagLst>
-</file>
-
-<file path=ppt/tags/tag320.xml><?xml version="1.0" encoding="utf-8"?>
+<file path=ppt/tags/tag318.xml><?xml version="1.0" encoding="utf-8"?>
 <p:tagLst xmlns:p="http://schemas.openxmlformats.org/presentationml/2006/main">
   <p:tag name="KSO_WM_UNIT_HIGHLIGHT" val="0"/>
   <p:tag name="KSO_WM_UNIT_COMPATIBLE" val="0"/>
@@ -24564,7 +25136,7 @@
 </p:tagLst>
 </file>
 
-<file path=ppt/tags/tag321.xml><?xml version="1.0" encoding="utf-8"?>
+<file path=ppt/tags/tag319.xml><?xml version="1.0" encoding="utf-8"?>
 <p:tagLst xmlns:p="http://schemas.openxmlformats.org/presentationml/2006/main">
   <p:tag name="KSO_WM_UNIT_HIGHLIGHT" val="0"/>
   <p:tag name="KSO_WM_UNIT_COMPATIBLE" val="0"/>
@@ -24584,7 +25156,20 @@
 </p:tagLst>
 </file>
 
-<file path=ppt/tags/tag322.xml><?xml version="1.0" encoding="utf-8"?>
+<file path=ppt/tags/tag32.xml><?xml version="1.0" encoding="utf-8"?>
+<p:tagLst xmlns:p="http://schemas.openxmlformats.org/presentationml/2006/main">
+  <p:tag name="KSO_WM_UNIT_HIGHLIGHT" val="0"/>
+  <p:tag name="KSO_WM_UNIT_COMPATIBLE" val="0"/>
+  <p:tag name="KSO_WM_UNIT_DIAGRAM_ISNUMVISUAL" val="0"/>
+  <p:tag name="KSO_WM_UNIT_DIAGRAM_ISREFERUNIT" val="0"/>
+  <p:tag name="KSO_WM_UNIT_ID" val="_2**"/>
+  <p:tag name="KSO_WM_UNIT_LAYERLEVEL" val="1"/>
+  <p:tag name="KSO_WM_TAG_VERSION" val="1.0"/>
+  <p:tag name="KSO_WM_BEAUTIFY_FLAG" val="#wm#"/>
+</p:tagLst>
+</file>
+
+<file path=ppt/tags/tag320.xml><?xml version="1.0" encoding="utf-8"?>
 <p:tagLst xmlns:p="http://schemas.openxmlformats.org/presentationml/2006/main">
   <p:tag name="KSO_WM_SLIDE_ID" val="custom20202602_8"/>
   <p:tag name="KSO_WM_TEMPLATE_SUBCATEGORY" val="0"/>
@@ -24605,7 +25190,7 @@
 </p:tagLst>
 </file>
 
-<file path=ppt/tags/tag323.xml><?xml version="1.0" encoding="utf-8"?>
+<file path=ppt/tags/tag321.xml><?xml version="1.0" encoding="utf-8"?>
 <p:tagLst xmlns:p="http://schemas.openxmlformats.org/presentationml/2006/main">
   <p:tag name="KSO_WM_UNIT_HIGHLIGHT" val="0"/>
   <p:tag name="KSO_WM_UNIT_COMPATIBLE" val="0"/>
@@ -24626,7 +25211,7 @@
 </p:tagLst>
 </file>
 
-<file path=ppt/tags/tag324.xml><?xml version="1.0" encoding="utf-8"?>
+<file path=ppt/tags/tag322.xml><?xml version="1.0" encoding="utf-8"?>
 <p:tagLst xmlns:p="http://schemas.openxmlformats.org/presentationml/2006/main">
   <p:tag name="KSO_WM_UNIT_HIGHLIGHT" val="0"/>
   <p:tag name="KSO_WM_UNIT_COMPATIBLE" val="0"/>
@@ -24646,7 +25231,7 @@
 </p:tagLst>
 </file>
 
-<file path=ppt/tags/tag325.xml><?xml version="1.0" encoding="utf-8"?>
+<file path=ppt/tags/tag323.xml><?xml version="1.0" encoding="utf-8"?>
 <p:tagLst xmlns:p="http://schemas.openxmlformats.org/presentationml/2006/main">
   <p:tag name="KSO_WM_SLIDE_ID" val="custom20202602_8"/>
   <p:tag name="KSO_WM_TEMPLATE_SUBCATEGORY" val="0"/>
@@ -24667,7 +25252,7 @@
 </p:tagLst>
 </file>
 
-<file path=ppt/tags/tag326.xml><?xml version="1.0" encoding="utf-8"?>
+<file path=ppt/tags/tag324.xml><?xml version="1.0" encoding="utf-8"?>
 <p:tagLst xmlns:p="http://schemas.openxmlformats.org/presentationml/2006/main">
   <p:tag name="KSO_WM_UNIT_ISCONTENTSTITLE" val="0"/>
   <p:tag name="KSO_WM_UNIT_PRESET_TEXT" val="单击此处添加标题"/>
@@ -24688,7 +25273,7 @@
 </p:tagLst>
 </file>
 
-<file path=ppt/tags/tag327.xml><?xml version="1.0" encoding="utf-8"?>
+<file path=ppt/tags/tag325.xml><?xml version="1.0" encoding="utf-8"?>
 <p:tagLst xmlns:p="http://schemas.openxmlformats.org/presentationml/2006/main">
   <p:tag name="KSO_WM_SLIDE_ID" val="custom20202602_7"/>
   <p:tag name="KSO_WM_TEMPLATE_SUBCATEGORY" val="0"/>
@@ -24709,7 +25294,7 @@
 </p:tagLst>
 </file>
 
-<file path=ppt/tags/tag328.xml><?xml version="1.0" encoding="utf-8"?>
+<file path=ppt/tags/tag326.xml><?xml version="1.0" encoding="utf-8"?>
 <p:tagLst xmlns:p="http://schemas.openxmlformats.org/presentationml/2006/main">
   <p:tag name="KSO_WM_UNIT_HIGHLIGHT" val="0"/>
   <p:tag name="KSO_WM_UNIT_COMPATIBLE" val="0"/>
@@ -24729,7 +25314,7 @@
 </p:tagLst>
 </file>
 
-<file path=ppt/tags/tag329.xml><?xml version="1.0" encoding="utf-8"?>
+<file path=ppt/tags/tag327.xml><?xml version="1.0" encoding="utf-8"?>
 <p:tagLst xmlns:p="http://schemas.openxmlformats.org/presentationml/2006/main">
   <p:tag name="KSO_WM_UNIT_HIGHLIGHT" val="0"/>
   <p:tag name="KSO_WM_UNIT_COMPATIBLE" val="0"/>
@@ -24750,20 +25335,7 @@
 </p:tagLst>
 </file>
 
-<file path=ppt/tags/tag33.xml><?xml version="1.0" encoding="utf-8"?>
-<p:tagLst xmlns:p="http://schemas.openxmlformats.org/presentationml/2006/main">
-  <p:tag name="KSO_WM_UNIT_HIGHLIGHT" val="0"/>
-  <p:tag name="KSO_WM_UNIT_COMPATIBLE" val="0"/>
-  <p:tag name="KSO_WM_UNIT_DIAGRAM_ISNUMVISUAL" val="0"/>
-  <p:tag name="KSO_WM_UNIT_DIAGRAM_ISREFERUNIT" val="0"/>
-  <p:tag name="KSO_WM_UNIT_ID" val="_2**"/>
-  <p:tag name="KSO_WM_UNIT_LAYERLEVEL" val="1"/>
-  <p:tag name="KSO_WM_TAG_VERSION" val="1.0"/>
-  <p:tag name="KSO_WM_BEAUTIFY_FLAG" val="#wm#"/>
-</p:tagLst>
-</file>
-
-<file path=ppt/tags/tag330.xml><?xml version="1.0" encoding="utf-8"?>
+<file path=ppt/tags/tag328.xml><?xml version="1.0" encoding="utf-8"?>
 <p:tagLst xmlns:p="http://schemas.openxmlformats.org/presentationml/2006/main">
   <p:tag name="KSO_WM_SLIDE_ID" val="custom20202602_6"/>
   <p:tag name="KSO_WM_TEMPLATE_SUBCATEGORY" val="0"/>
@@ -24782,7 +25354,7 @@
 </p:tagLst>
 </file>
 
-<file path=ppt/tags/tag331.xml><?xml version="1.0" encoding="utf-8"?>
+<file path=ppt/tags/tag329.xml><?xml version="1.0" encoding="utf-8"?>
 <p:tagLst xmlns:p="http://schemas.openxmlformats.org/presentationml/2006/main">
   <p:tag name="KSO_WM_UNIT_HIGHLIGHT" val="0"/>
   <p:tag name="KSO_WM_UNIT_COMPATIBLE" val="0"/>
@@ -24803,7 +25375,20 @@
 </p:tagLst>
 </file>
 
-<file path=ppt/tags/tag332.xml><?xml version="1.0" encoding="utf-8"?>
+<file path=ppt/tags/tag33.xml><?xml version="1.0" encoding="utf-8"?>
+<p:tagLst xmlns:p="http://schemas.openxmlformats.org/presentationml/2006/main">
+  <p:tag name="KSO_WM_UNIT_HIGHLIGHT" val="0"/>
+  <p:tag name="KSO_WM_UNIT_COMPATIBLE" val="0"/>
+  <p:tag name="KSO_WM_UNIT_DIAGRAM_ISNUMVISUAL" val="0"/>
+  <p:tag name="KSO_WM_UNIT_DIAGRAM_ISREFERUNIT" val="0"/>
+  <p:tag name="KSO_WM_UNIT_ID" val="_2**"/>
+  <p:tag name="KSO_WM_UNIT_LAYERLEVEL" val="1"/>
+  <p:tag name="KSO_WM_TAG_VERSION" val="1.0"/>
+  <p:tag name="KSO_WM_BEAUTIFY_FLAG" val="#wm#"/>
+</p:tagLst>
+</file>
+
+<file path=ppt/tags/tag330.xml><?xml version="1.0" encoding="utf-8"?>
 <p:tagLst xmlns:p="http://schemas.openxmlformats.org/presentationml/2006/main">
   <p:tag name="KSO_WM_UNIT_HIGHLIGHT" val="0"/>
   <p:tag name="KSO_WM_UNIT_COMPATIBLE" val="0"/>
@@ -24823,7 +25408,7 @@
 </p:tagLst>
 </file>
 
-<file path=ppt/tags/tag333.xml><?xml version="1.0" encoding="utf-8"?>
+<file path=ppt/tags/tag331.xml><?xml version="1.0" encoding="utf-8"?>
 <p:tagLst xmlns:p="http://schemas.openxmlformats.org/presentationml/2006/main">
   <p:tag name="KSO_WM_SLIDE_ID" val="custom20202602_9"/>
   <p:tag name="KSO_WM_TEMPLATE_SUBCATEGORY" val="0"/>
@@ -24844,7 +25429,7 @@
 </p:tagLst>
 </file>
 
-<file path=ppt/tags/tag334.xml><?xml version="1.0" encoding="utf-8"?>
+<file path=ppt/tags/tag332.xml><?xml version="1.0" encoding="utf-8"?>
 <p:tagLst xmlns:p="http://schemas.openxmlformats.org/presentationml/2006/main">
   <p:tag name="KSO_WM_UNIT_HIGHLIGHT" val="0"/>
   <p:tag name="KSO_WM_UNIT_COMPATIBLE" val="0"/>
@@ -24865,7 +25450,7 @@
 </p:tagLst>
 </file>
 
-<file path=ppt/tags/tag335.xml><?xml version="1.0" encoding="utf-8"?>
+<file path=ppt/tags/tag333.xml><?xml version="1.0" encoding="utf-8"?>
 <p:tagLst xmlns:p="http://schemas.openxmlformats.org/presentationml/2006/main">
   <p:tag name="KSO_WM_UNIT_VALUE" val="950*3043"/>
   <p:tag name="KSO_WM_UNIT_HIGHLIGHT" val="0"/>
@@ -24884,7 +25469,7 @@
 </p:tagLst>
 </file>
 
-<file path=ppt/tags/tag336.xml><?xml version="1.0" encoding="utf-8"?>
+<file path=ppt/tags/tag334.xml><?xml version="1.0" encoding="utf-8"?>
 <p:tagLst xmlns:p="http://schemas.openxmlformats.org/presentationml/2006/main">
   <p:tag name="KSO_WM_SLIDE_ID" val="custom20202602_10"/>
   <p:tag name="KSO_WM_TEMPLATE_SUBCATEGORY" val="0"/>
@@ -24905,7 +25490,7 @@
 </p:tagLst>
 </file>
 
-<file path=ppt/tags/tag337.xml><?xml version="1.0" encoding="utf-8"?>
+<file path=ppt/tags/tag335.xml><?xml version="1.0" encoding="utf-8"?>
 <p:tagLst xmlns:p="http://schemas.openxmlformats.org/presentationml/2006/main">
   <p:tag name="KSO_WM_UNIT_HIGHLIGHT" val="0"/>
   <p:tag name="KSO_WM_UNIT_COMPATIBLE" val="0"/>
@@ -24925,7 +25510,7 @@
 </p:tagLst>
 </file>
 
-<file path=ppt/tags/tag338.xml><?xml version="1.0" encoding="utf-8"?>
+<file path=ppt/tags/tag336.xml><?xml version="1.0" encoding="utf-8"?>
 <p:tagLst xmlns:p="http://schemas.openxmlformats.org/presentationml/2006/main">
   <p:tag name="KSO_WM_UNIT_HIGHLIGHT" val="0"/>
   <p:tag name="KSO_WM_UNIT_COMPATIBLE" val="0"/>
@@ -24946,7 +25531,7 @@
 </p:tagLst>
 </file>
 
-<file path=ppt/tags/tag339.xml><?xml version="1.0" encoding="utf-8"?>
+<file path=ppt/tags/tag337.xml><?xml version="1.0" encoding="utf-8"?>
 <p:tagLst xmlns:p="http://schemas.openxmlformats.org/presentationml/2006/main">
   <p:tag name="KSO_WM_SLIDE_ID" val="custom20202602_6"/>
   <p:tag name="KSO_WM_TEMPLATE_SUBCATEGORY" val="0"/>
@@ -24965,20 +25550,7 @@
 </p:tagLst>
 </file>
 
-<file path=ppt/tags/tag34.xml><?xml version="1.0" encoding="utf-8"?>
-<p:tagLst xmlns:p="http://schemas.openxmlformats.org/presentationml/2006/main">
-  <p:tag name="KSO_WM_UNIT_HIGHLIGHT" val="0"/>
-  <p:tag name="KSO_WM_UNIT_COMPATIBLE" val="0"/>
-  <p:tag name="KSO_WM_UNIT_DIAGRAM_ISNUMVISUAL" val="0"/>
-  <p:tag name="KSO_WM_UNIT_DIAGRAM_ISREFERUNIT" val="0"/>
-  <p:tag name="KSO_WM_UNIT_ID" val="_2**"/>
-  <p:tag name="KSO_WM_UNIT_LAYERLEVEL" val="1"/>
-  <p:tag name="KSO_WM_TAG_VERSION" val="1.0"/>
-  <p:tag name="KSO_WM_BEAUTIFY_FLAG" val="#wm#"/>
-</p:tagLst>
-</file>
-
-<file path=ppt/tags/tag340.xml><?xml version="1.0" encoding="utf-8"?>
+<file path=ppt/tags/tag338.xml><?xml version="1.0" encoding="utf-8"?>
 <p:tagLst xmlns:p="http://schemas.openxmlformats.org/presentationml/2006/main">
   <p:tag name="KSO_WM_UNIT_PRESET_TEXT" val="点击此处添加正文，文字是您思想的提炼，为了演示发布的良好效果，请言简意赅的阐述您的观点。"/>
   <p:tag name="KSO_WM_UNIT_NOCLEAR" val="0"/>
@@ -24998,7 +25570,7 @@
 </p:tagLst>
 </file>
 
-<file path=ppt/tags/tag341.xml><?xml version="1.0" encoding="utf-8"?>
+<file path=ppt/tags/tag339.xml><?xml version="1.0" encoding="utf-8"?>
 <p:tagLst xmlns:p="http://schemas.openxmlformats.org/presentationml/2006/main">
   <p:tag name="KSO_WM_UNIT_ISCONTENTSTITLE" val="0"/>
   <p:tag name="KSO_WM_UNIT_PRESET_TEXT" val="单击此处添加标题"/>
@@ -25019,7 +25591,20 @@
 </p:tagLst>
 </file>
 
-<file path=ppt/tags/tag342.xml><?xml version="1.0" encoding="utf-8"?>
+<file path=ppt/tags/tag34.xml><?xml version="1.0" encoding="utf-8"?>
+<p:tagLst xmlns:p="http://schemas.openxmlformats.org/presentationml/2006/main">
+  <p:tag name="KSO_WM_UNIT_HIGHLIGHT" val="0"/>
+  <p:tag name="KSO_WM_UNIT_COMPATIBLE" val="0"/>
+  <p:tag name="KSO_WM_UNIT_DIAGRAM_ISNUMVISUAL" val="0"/>
+  <p:tag name="KSO_WM_UNIT_DIAGRAM_ISREFERUNIT" val="0"/>
+  <p:tag name="KSO_WM_UNIT_ID" val="_2**"/>
+  <p:tag name="KSO_WM_UNIT_LAYERLEVEL" val="1"/>
+  <p:tag name="KSO_WM_TAG_VERSION" val="1.0"/>
+  <p:tag name="KSO_WM_BEAUTIFY_FLAG" val="#wm#"/>
+</p:tagLst>
+</file>
+
+<file path=ppt/tags/tag340.xml><?xml version="1.0" encoding="utf-8"?>
 <p:tagLst xmlns:p="http://schemas.openxmlformats.org/presentationml/2006/main">
   <p:tag name="KSO_WM_UNIT_VALUE" val="1011*3045"/>
   <p:tag name="KSO_WM_UNIT_HIGHLIGHT" val="0"/>
@@ -25038,7 +25623,7 @@
 </p:tagLst>
 </file>
 
-<file path=ppt/tags/tag343.xml><?xml version="1.0" encoding="utf-8"?>
+<file path=ppt/tags/tag341.xml><?xml version="1.0" encoding="utf-8"?>
 <p:tagLst xmlns:p="http://schemas.openxmlformats.org/presentationml/2006/main">
   <p:tag name="KSO_WM_SLIDE_ID" val="custom20202602_7"/>
   <p:tag name="KSO_WM_TEMPLATE_SUBCATEGORY" val="0"/>
@@ -25059,7 +25644,95 @@
 </p:tagLst>
 </file>
 
+<file path=ppt/tags/tag342.xml><?xml version="1.0" encoding="utf-8"?>
+<p:tagLst xmlns:p="http://schemas.openxmlformats.org/presentationml/2006/main">
+  <p:tag name="KSO_WM_UNIT_HIGHLIGHT" val="0"/>
+  <p:tag name="KSO_WM_UNIT_COMPATIBLE" val="0"/>
+  <p:tag name="KSO_WM_UNIT_DIAGRAM_ISNUMVISUAL" val="0"/>
+  <p:tag name="KSO_WM_UNIT_DIAGRAM_ISREFERUNIT" val="0"/>
+  <p:tag name="KSO_WM_UNIT_ID" val="custom20202602_9*f*1"/>
+  <p:tag name="KSO_WM_TEMPLATE_CATEGORY" val="custom"/>
+  <p:tag name="KSO_WM_TEMPLATE_INDEX" val="20202602"/>
+  <p:tag name="KSO_WM_UNIT_LAYERLEVEL" val="1"/>
+  <p:tag name="KSO_WM_TAG_VERSION" val="1.0"/>
+  <p:tag name="KSO_WM_BEAUTIFY_FLAG" val="#wm#"/>
+  <p:tag name="KSO_WM_UNIT_PRESET_TEXT" val="如果您的内容确实非常重要又难以精简，也请使用分段处理，对内容进行简单的梳理和提炼，这样会使逻辑框架相对清晰。为了能让您有更直观的字数感受，并进一步方便使用，我们设置了文本的最大限度，当您输入的文字到这里时，已濒临页面容纳内容的上限，若还有更多内容，请酌情缩小字号，但我们不建议您的文本字号小于14磅，请您务必注意。"/>
+  <p:tag name="KSO_WM_UNIT_NOCLEAR" val="0"/>
+  <p:tag name="KSO_WM_UNIT_VALUE" val="216"/>
+  <p:tag name="KSO_WM_UNIT_TYPE" val="f"/>
+  <p:tag name="KSO_WM_UNIT_INDEX" val="1"/>
+</p:tagLst>
+</file>
+
+<file path=ppt/tags/tag343.xml><?xml version="1.0" encoding="utf-8"?>
+<p:tagLst xmlns:p="http://schemas.openxmlformats.org/presentationml/2006/main">
+  <p:tag name="KSO_WM_BEAUTIFY_FLAG" val="#wm#"/>
+  <p:tag name="KSO_WM_TEMPLATE_CATEGORY" val="custom"/>
+  <p:tag name="KSO_WM_TEMPLATE_INDEX" val="20202602"/>
+</p:tagLst>
+</file>
+
 <file path=ppt/tags/tag344.xml><?xml version="1.0" encoding="utf-8"?>
+<p:tagLst xmlns:p="http://schemas.openxmlformats.org/presentationml/2006/main">
+  <p:tag name="KSO_WM_UNIT_HIGHLIGHT" val="0"/>
+  <p:tag name="KSO_WM_UNIT_COMPATIBLE" val="0"/>
+  <p:tag name="KSO_WM_UNIT_DIAGRAM_ISNUMVISUAL" val="0"/>
+  <p:tag name="KSO_WM_UNIT_DIAGRAM_ISREFERUNIT" val="0"/>
+  <p:tag name="KSO_WM_UNIT_ID" val="custom20202602_6*e*1"/>
+  <p:tag name="KSO_WM_TEMPLATE_CATEGORY" val="custom"/>
+  <p:tag name="KSO_WM_TEMPLATE_INDEX" val="20202602"/>
+  <p:tag name="KSO_WM_UNIT_LAYERLEVEL" val="1"/>
+  <p:tag name="KSO_WM_TAG_VERSION" val="1.0"/>
+  <p:tag name="KSO_WM_BEAUTIFY_FLAG" val="#wm#"/>
+  <p:tag name="KSO_WM_UNIT_PRESET_TEXT" val="Part  01"/>
+  <p:tag name="KSO_WM_UNIT_NOCLEAR" val="0"/>
+  <p:tag name="KSO_WM_UNIT_VALUE" val="5"/>
+  <p:tag name="KSO_WM_UNIT_TYPE" val="e"/>
+  <p:tag name="KSO_WM_UNIT_INDEX" val="1"/>
+</p:tagLst>
+</file>
+
+<file path=ppt/tags/tag345.xml><?xml version="1.0" encoding="utf-8"?>
+<p:tagLst xmlns:p="http://schemas.openxmlformats.org/presentationml/2006/main">
+  <p:tag name="KSO_WM_UNIT_HIGHLIGHT" val="0"/>
+  <p:tag name="KSO_WM_UNIT_COMPATIBLE" val="0"/>
+  <p:tag name="KSO_WM_UNIT_DIAGRAM_ISNUMVISUAL" val="0"/>
+  <p:tag name="KSO_WM_UNIT_DIAGRAM_ISREFERUNIT" val="0"/>
+  <p:tag name="KSO_WM_UNIT_ID" val="custom20202602_6*a*1"/>
+  <p:tag name="KSO_WM_TEMPLATE_CATEGORY" val="custom"/>
+  <p:tag name="KSO_WM_TEMPLATE_INDEX" val="20202602"/>
+  <p:tag name="KSO_WM_UNIT_LAYERLEVEL" val="1"/>
+  <p:tag name="KSO_WM_TAG_VERSION" val="1.0"/>
+  <p:tag name="KSO_WM_BEAUTIFY_FLAG" val="#wm#"/>
+  <p:tag name="KSO_WM_UNIT_ISCONTENTSTITLE" val="0"/>
+  <p:tag name="KSO_WM_UNIT_PRESET_TEXT" val="添加标题"/>
+  <p:tag name="KSO_WM_UNIT_NOCLEAR" val="0"/>
+  <p:tag name="KSO_WM_UNIT_VALUE" val="6"/>
+  <p:tag name="KSO_WM_UNIT_TYPE" val="a"/>
+  <p:tag name="KSO_WM_UNIT_INDEX" val="1"/>
+</p:tagLst>
+</file>
+
+<file path=ppt/tags/tag346.xml><?xml version="1.0" encoding="utf-8"?>
+<p:tagLst xmlns:p="http://schemas.openxmlformats.org/presentationml/2006/main">
+  <p:tag name="KSO_WM_SLIDE_ID" val="custom20202602_6"/>
+  <p:tag name="KSO_WM_TEMPLATE_SUBCATEGORY" val="0"/>
+  <p:tag name="KSO_WM_TEMPLATE_MASTER_TYPE" val="1"/>
+  <p:tag name="KSO_WM_TEMPLATE_COLOR_TYPE" val="1"/>
+  <p:tag name="KSO_WM_SLIDE_ITEM_CNT" val="0"/>
+  <p:tag name="KSO_WM_SLIDE_INDEX" val="6"/>
+  <p:tag name="KSO_WM_TAG_VERSION" val="1.0"/>
+  <p:tag name="KSO_WM_BEAUTIFY_FLAG" val="#wm#"/>
+  <p:tag name="KSO_WM_TEMPLATE_CATEGORY" val="custom"/>
+  <p:tag name="KSO_WM_TEMPLATE_INDEX" val="20202602"/>
+  <p:tag name="KSO_WM_SLIDE_TYPE" val="sectionTitle"/>
+  <p:tag name="KSO_WM_SLIDE_SUBTYPE" val="pureTxt"/>
+  <p:tag name="KSO_WM_SLIDE_LAYOUT" val="a_b_e"/>
+  <p:tag name="KSO_WM_SLIDE_LAYOUT_CNT" val="1_1_1"/>
+</p:tagLst>
+</file>
+
+<file path=ppt/tags/tag347.xml><?xml version="1.0" encoding="utf-8"?>
 <p:tagLst xmlns:p="http://schemas.openxmlformats.org/presentationml/2006/main">
   <p:tag name="KSO_WM_UNIT_HIGHLIGHT" val="0"/>
   <p:tag name="KSO_WM_UNIT_COMPATIBLE" val="0"/>
@@ -25080,26 +25753,7 @@
 </p:tagLst>
 </file>
 
-<file path=ppt/tags/tag345.xml><?xml version="1.0" encoding="utf-8"?>
-<p:tagLst xmlns:p="http://schemas.openxmlformats.org/presentationml/2006/main">
-  <p:tag name="KSO_WM_UNIT_VALUE" val="1412*1797"/>
-  <p:tag name="KSO_WM_UNIT_HIGHLIGHT" val="0"/>
-  <p:tag name="KSO_WM_UNIT_COMPATIBLE" val="0"/>
-  <p:tag name="KSO_WM_UNIT_DIAGRAM_ISNUMVISUAL" val="0"/>
-  <p:tag name="KSO_WM_UNIT_DIAGRAM_ISREFERUNIT" val="0"/>
-  <p:tag name="KSO_WM_UNIT_TYPE" val="d"/>
-  <p:tag name="KSO_WM_UNIT_INDEX" val="1"/>
-  <p:tag name="KSO_WM_UNIT_ID" val="custom20202602_9*d*1"/>
-  <p:tag name="KSO_WM_TEMPLATE_CATEGORY" val="custom"/>
-  <p:tag name="KSO_WM_TEMPLATE_INDEX" val="20202602"/>
-  <p:tag name="KSO_WM_UNIT_LAYERLEVEL" val="1"/>
-  <p:tag name="KSO_WM_TAG_VERSION" val="1.0"/>
-  <p:tag name="KSO_WM_BEAUTIFY_FLAG" val="#wm#"/>
-  <p:tag name="KSO_WM_UNIT_SUPPORT_UNIT_TYPE" val="[&quot;all&quot;]"/>
-</p:tagLst>
-</file>
-
-<file path=ppt/tags/tag346.xml><?xml version="1.0" encoding="utf-8"?>
+<file path=ppt/tags/tag348.xml><?xml version="1.0" encoding="utf-8"?>
 <p:tagLst xmlns:p="http://schemas.openxmlformats.org/presentationml/2006/main">
   <p:tag name="KSO_WM_UNIT_HIGHLIGHT" val="0"/>
   <p:tag name="KSO_WM_UNIT_COMPATIBLE" val="0"/>
@@ -25119,7 +25773,7 @@
 </p:tagLst>
 </file>
 
-<file path=ppt/tags/tag347.xml><?xml version="1.0" encoding="utf-8"?>
+<file path=ppt/tags/tag349.xml><?xml version="1.0" encoding="utf-8"?>
 <p:tagLst xmlns:p="http://schemas.openxmlformats.org/presentationml/2006/main">
   <p:tag name="KSO_WM_SLIDE_ID" val="custom20202602_9"/>
   <p:tag name="KSO_WM_TEMPLATE_SUBCATEGORY" val="0"/>
@@ -25140,34 +25794,6 @@
 </p:tagLst>
 </file>
 
-<file path=ppt/tags/tag348.xml><?xml version="1.0" encoding="utf-8"?>
-<p:tagLst xmlns:p="http://schemas.openxmlformats.org/presentationml/2006/main">
-  <p:tag name="KSO_WM_BEAUTIFY_FLAG" val="#wm#"/>
-  <p:tag name="KSO_WM_TEMPLATE_CATEGORY" val="custom"/>
-  <p:tag name="KSO_WM_TEMPLATE_INDEX" val="20202602"/>
-</p:tagLst>
-</file>
-
-<file path=ppt/tags/tag349.xml><?xml version="1.0" encoding="utf-8"?>
-<p:tagLst xmlns:p="http://schemas.openxmlformats.org/presentationml/2006/main">
-  <p:tag name="KSO_WM_UNIT_HIGHLIGHT" val="0"/>
-  <p:tag name="KSO_WM_UNIT_COMPATIBLE" val="0"/>
-  <p:tag name="KSO_WM_UNIT_DIAGRAM_ISNUMVISUAL" val="0"/>
-  <p:tag name="KSO_WM_UNIT_DIAGRAM_ISREFERUNIT" val="0"/>
-  <p:tag name="KSO_WM_UNIT_ID" val="custom20202602_6*e*1"/>
-  <p:tag name="KSO_WM_TEMPLATE_CATEGORY" val="custom"/>
-  <p:tag name="KSO_WM_TEMPLATE_INDEX" val="20202602"/>
-  <p:tag name="KSO_WM_UNIT_LAYERLEVEL" val="1"/>
-  <p:tag name="KSO_WM_TAG_VERSION" val="1.0"/>
-  <p:tag name="KSO_WM_BEAUTIFY_FLAG" val="#wm#"/>
-  <p:tag name="KSO_WM_UNIT_PRESET_TEXT" val="Part  01"/>
-  <p:tag name="KSO_WM_UNIT_NOCLEAR" val="0"/>
-  <p:tag name="KSO_WM_UNIT_VALUE" val="5"/>
-  <p:tag name="KSO_WM_UNIT_TYPE" val="e"/>
-  <p:tag name="KSO_WM_UNIT_INDEX" val="1"/>
-</p:tagLst>
-</file>
-
 <file path=ppt/tags/tag35.xml><?xml version="1.0" encoding="utf-8"?>
 <p:tagLst xmlns:p="http://schemas.openxmlformats.org/presentationml/2006/main">
   <p:tag name="KSO_WM_UNIT_HIGHLIGHT" val="0"/>
@@ -25182,46 +25808,6 @@
 </file>
 
 <file path=ppt/tags/tag350.xml><?xml version="1.0" encoding="utf-8"?>
-<p:tagLst xmlns:p="http://schemas.openxmlformats.org/presentationml/2006/main">
-  <p:tag name="KSO_WM_UNIT_HIGHLIGHT" val="0"/>
-  <p:tag name="KSO_WM_UNIT_COMPATIBLE" val="0"/>
-  <p:tag name="KSO_WM_UNIT_DIAGRAM_ISNUMVISUAL" val="0"/>
-  <p:tag name="KSO_WM_UNIT_DIAGRAM_ISREFERUNIT" val="0"/>
-  <p:tag name="KSO_WM_UNIT_ID" val="custom20202602_6*a*1"/>
-  <p:tag name="KSO_WM_TEMPLATE_CATEGORY" val="custom"/>
-  <p:tag name="KSO_WM_TEMPLATE_INDEX" val="20202602"/>
-  <p:tag name="KSO_WM_UNIT_LAYERLEVEL" val="1"/>
-  <p:tag name="KSO_WM_TAG_VERSION" val="1.0"/>
-  <p:tag name="KSO_WM_BEAUTIFY_FLAG" val="#wm#"/>
-  <p:tag name="KSO_WM_UNIT_ISCONTENTSTITLE" val="0"/>
-  <p:tag name="KSO_WM_UNIT_PRESET_TEXT" val="添加标题"/>
-  <p:tag name="KSO_WM_UNIT_NOCLEAR" val="0"/>
-  <p:tag name="KSO_WM_UNIT_VALUE" val="6"/>
-  <p:tag name="KSO_WM_UNIT_TYPE" val="a"/>
-  <p:tag name="KSO_WM_UNIT_INDEX" val="1"/>
-</p:tagLst>
-</file>
-
-<file path=ppt/tags/tag351.xml><?xml version="1.0" encoding="utf-8"?>
-<p:tagLst xmlns:p="http://schemas.openxmlformats.org/presentationml/2006/main">
-  <p:tag name="KSO_WM_SLIDE_ID" val="custom20202602_6"/>
-  <p:tag name="KSO_WM_TEMPLATE_SUBCATEGORY" val="0"/>
-  <p:tag name="KSO_WM_TEMPLATE_MASTER_TYPE" val="1"/>
-  <p:tag name="KSO_WM_TEMPLATE_COLOR_TYPE" val="1"/>
-  <p:tag name="KSO_WM_SLIDE_ITEM_CNT" val="0"/>
-  <p:tag name="KSO_WM_SLIDE_INDEX" val="6"/>
-  <p:tag name="KSO_WM_TAG_VERSION" val="1.0"/>
-  <p:tag name="KSO_WM_BEAUTIFY_FLAG" val="#wm#"/>
-  <p:tag name="KSO_WM_TEMPLATE_CATEGORY" val="custom"/>
-  <p:tag name="KSO_WM_TEMPLATE_INDEX" val="20202602"/>
-  <p:tag name="KSO_WM_SLIDE_TYPE" val="sectionTitle"/>
-  <p:tag name="KSO_WM_SLIDE_SUBTYPE" val="pureTxt"/>
-  <p:tag name="KSO_WM_SLIDE_LAYOUT" val="a_b_e"/>
-  <p:tag name="KSO_WM_SLIDE_LAYOUT_CNT" val="1_1_1"/>
-</p:tagLst>
-</file>
-
-<file path=ppt/tags/tag352.xml><?xml version="1.0" encoding="utf-8"?>
 <p:tagLst xmlns:p="http://schemas.openxmlformats.org/presentationml/2006/main">
   <p:tag name="KSO_WM_UNIT_HIGHLIGHT" val="0"/>
   <p:tag name="KSO_WM_UNIT_COMPATIBLE" val="0"/>
@@ -25242,7 +25828,7 @@
 </p:tagLst>
 </file>
 
-<file path=ppt/tags/tag353.xml><?xml version="1.0" encoding="utf-8"?>
+<file path=ppt/tags/tag351.xml><?xml version="1.0" encoding="utf-8"?>
 <p:tagLst xmlns:p="http://schemas.openxmlformats.org/presentationml/2006/main">
   <p:tag name="KSO_WM_UNIT_HIGHLIGHT" val="0"/>
   <p:tag name="KSO_WM_UNIT_COMPATIBLE" val="0"/>
@@ -25262,7 +25848,7 @@
 </p:tagLst>
 </file>
 
-<file path=ppt/tags/tag354.xml><?xml version="1.0" encoding="utf-8"?>
+<file path=ppt/tags/tag352.xml><?xml version="1.0" encoding="utf-8"?>
 <p:tagLst xmlns:p="http://schemas.openxmlformats.org/presentationml/2006/main">
   <p:tag name="KSO_WM_SLIDE_ID" val="custom20202602_9"/>
   <p:tag name="KSO_WM_TEMPLATE_SUBCATEGORY" val="0"/>
@@ -25283,7 +25869,7 @@
 </p:tagLst>
 </file>
 
-<file path=ppt/tags/tag355.xml><?xml version="1.0" encoding="utf-8"?>
+<file path=ppt/tags/tag353.xml><?xml version="1.0" encoding="utf-8"?>
 <p:tagLst xmlns:p="http://schemas.openxmlformats.org/presentationml/2006/main">
   <p:tag name="KSO_WM_UNIT_HIGHLIGHT" val="0"/>
   <p:tag name="KSO_WM_UNIT_COMPATIBLE" val="0"/>
@@ -25304,7 +25890,7 @@
 </p:tagLst>
 </file>
 
-<file path=ppt/tags/tag356.xml><?xml version="1.0" encoding="utf-8"?>
+<file path=ppt/tags/tag354.xml><?xml version="1.0" encoding="utf-8"?>
 <p:tagLst xmlns:p="http://schemas.openxmlformats.org/presentationml/2006/main">
   <p:tag name="KSO_WM_UNIT_HIGHLIGHT" val="0"/>
   <p:tag name="KSO_WM_UNIT_COMPATIBLE" val="0"/>
@@ -25324,7 +25910,7 @@
 </p:tagLst>
 </file>
 
-<file path=ppt/tags/tag357.xml><?xml version="1.0" encoding="utf-8"?>
+<file path=ppt/tags/tag355.xml><?xml version="1.0" encoding="utf-8"?>
 <p:tagLst xmlns:p="http://schemas.openxmlformats.org/presentationml/2006/main">
   <p:tag name="KSO_WM_SLIDE_ID" val="custom20202602_9"/>
   <p:tag name="KSO_WM_TEMPLATE_SUBCATEGORY" val="0"/>
@@ -25345,7 +25931,7 @@
 </p:tagLst>
 </file>
 
-<file path=ppt/tags/tag358.xml><?xml version="1.0" encoding="utf-8"?>
+<file path=ppt/tags/tag356.xml><?xml version="1.0" encoding="utf-8"?>
 <p:tagLst xmlns:p="http://schemas.openxmlformats.org/presentationml/2006/main">
   <p:tag name="KSO_WM_UNIT_HIGHLIGHT" val="0"/>
   <p:tag name="KSO_WM_UNIT_COMPATIBLE" val="0"/>
@@ -25366,7 +25952,7 @@
 </p:tagLst>
 </file>
 
-<file path=ppt/tags/tag359.xml><?xml version="1.0" encoding="utf-8"?>
+<file path=ppt/tags/tag357.xml><?xml version="1.0" encoding="utf-8"?>
 <p:tagLst xmlns:p="http://schemas.openxmlformats.org/presentationml/2006/main">
   <p:tag name="KSO_WM_UNIT_HIGHLIGHT" val="0"/>
   <p:tag name="KSO_WM_UNIT_COMPATIBLE" val="0"/>
@@ -25386,20 +25972,13 @@
 </p:tagLst>
 </file>
 
-<file path=ppt/tags/tag36.xml><?xml version="1.0" encoding="utf-8"?>
-<p:tagLst xmlns:p="http://schemas.openxmlformats.org/presentationml/2006/main">
-  <p:tag name="KSO_WM_UNIT_HIGHLIGHT" val="0"/>
-  <p:tag name="KSO_WM_UNIT_COMPATIBLE" val="0"/>
-  <p:tag name="KSO_WM_UNIT_DIAGRAM_ISNUMVISUAL" val="0"/>
-  <p:tag name="KSO_WM_UNIT_DIAGRAM_ISREFERUNIT" val="0"/>
-  <p:tag name="KSO_WM_UNIT_ID" val="_2**"/>
-  <p:tag name="KSO_WM_UNIT_LAYERLEVEL" val="1"/>
-  <p:tag name="KSO_WM_TAG_VERSION" val="1.0"/>
-  <p:tag name="KSO_WM_BEAUTIFY_FLAG" val="#wm#"/>
-</p:tagLst>
-</file>
-
-<file path=ppt/tags/tag360.xml><?xml version="1.0" encoding="utf-8"?>
+<file path=ppt/tags/tag358.xml><?xml version="1.0" encoding="utf-8"?>
+<p:tagLst xmlns:p="http://schemas.openxmlformats.org/presentationml/2006/main">
+  <p:tag name="KSO_WM_UNIT_PLACING_PICTURE_USER_VIEWPORT" val="{&quot;height&quot;:7591,&quot;width&quot;:10253}"/>
+</p:tagLst>
+</file>
+
+<file path=ppt/tags/tag359.xml><?xml version="1.0" encoding="utf-8"?>
 <p:tagLst xmlns:p="http://schemas.openxmlformats.org/presentationml/2006/main">
   <p:tag name="KSO_WM_SLIDE_ID" val="custom20202602_9"/>
   <p:tag name="KSO_WM_TEMPLATE_SUBCATEGORY" val="0"/>
@@ -25420,7 +25999,20 @@
 </p:tagLst>
 </file>
 
-<file path=ppt/tags/tag361.xml><?xml version="1.0" encoding="utf-8"?>
+<file path=ppt/tags/tag36.xml><?xml version="1.0" encoding="utf-8"?>
+<p:tagLst xmlns:p="http://schemas.openxmlformats.org/presentationml/2006/main">
+  <p:tag name="KSO_WM_UNIT_HIGHLIGHT" val="0"/>
+  <p:tag name="KSO_WM_UNIT_COMPATIBLE" val="0"/>
+  <p:tag name="KSO_WM_UNIT_DIAGRAM_ISNUMVISUAL" val="0"/>
+  <p:tag name="KSO_WM_UNIT_DIAGRAM_ISREFERUNIT" val="0"/>
+  <p:tag name="KSO_WM_UNIT_ID" val="_2**"/>
+  <p:tag name="KSO_WM_UNIT_LAYERLEVEL" val="1"/>
+  <p:tag name="KSO_WM_TAG_VERSION" val="1.0"/>
+  <p:tag name="KSO_WM_BEAUTIFY_FLAG" val="#wm#"/>
+</p:tagLst>
+</file>
+
+<file path=ppt/tags/tag360.xml><?xml version="1.0" encoding="utf-8"?>
 <p:tagLst xmlns:p="http://schemas.openxmlformats.org/presentationml/2006/main">
   <p:tag name="KSO_WM_UNIT_HIGHLIGHT" val="0"/>
   <p:tag name="KSO_WM_UNIT_COMPATIBLE" val="0"/>
@@ -25441,7 +26033,7 @@
 </p:tagLst>
 </file>
 
-<file path=ppt/tags/tag362.xml><?xml version="1.0" encoding="utf-8"?>
+<file path=ppt/tags/tag361.xml><?xml version="1.0" encoding="utf-8"?>
 <p:tagLst xmlns:p="http://schemas.openxmlformats.org/presentationml/2006/main">
   <p:tag name="KSO_WM_UNIT_HIGHLIGHT" val="0"/>
   <p:tag name="KSO_WM_UNIT_COMPATIBLE" val="0"/>
@@ -25461,7 +26053,7 @@
 </p:tagLst>
 </file>
 
-<file path=ppt/tags/tag363.xml><?xml version="1.0" encoding="utf-8"?>
+<file path=ppt/tags/tag362.xml><?xml version="1.0" encoding="utf-8"?>
 <p:tagLst xmlns:p="http://schemas.openxmlformats.org/presentationml/2006/main">
   <p:tag name="KSO_WM_SLIDE_ID" val="custom20202602_9"/>
   <p:tag name="KSO_WM_TEMPLATE_SUBCATEGORY" val="0"/>
@@ -25482,7 +26074,69 @@
 </p:tagLst>
 </file>
 
+<file path=ppt/tags/tag363.xml><?xml version="1.0" encoding="utf-8"?>
+<p:tagLst xmlns:p="http://schemas.openxmlformats.org/presentationml/2006/main">
+  <p:tag name="KSO_WM_UNIT_HIGHLIGHT" val="0"/>
+  <p:tag name="KSO_WM_UNIT_COMPATIBLE" val="0"/>
+  <p:tag name="KSO_WM_UNIT_DIAGRAM_ISNUMVISUAL" val="0"/>
+  <p:tag name="KSO_WM_UNIT_DIAGRAM_ISREFERUNIT" val="0"/>
+  <p:tag name="KSO_WM_UNIT_ID" val="custom20202602_9*a*1"/>
+  <p:tag name="KSO_WM_TEMPLATE_CATEGORY" val="custom"/>
+  <p:tag name="KSO_WM_TEMPLATE_INDEX" val="20202602"/>
+  <p:tag name="KSO_WM_UNIT_LAYERLEVEL" val="1"/>
+  <p:tag name="KSO_WM_TAG_VERSION" val="1.0"/>
+  <p:tag name="KSO_WM_BEAUTIFY_FLAG" val="#wm#"/>
+  <p:tag name="KSO_WM_UNIT_ISCONTENTSTITLE" val="0"/>
+  <p:tag name="KSO_WM_UNIT_PRESET_TEXT" val="单击此处添加标题"/>
+  <p:tag name="KSO_WM_UNIT_NOCLEAR" val="0"/>
+  <p:tag name="KSO_WM_UNIT_VALUE" val="10"/>
+  <p:tag name="KSO_WM_UNIT_TYPE" val="a"/>
+  <p:tag name="KSO_WM_UNIT_INDEX" val="1"/>
+</p:tagLst>
+</file>
+
 <file path=ppt/tags/tag364.xml><?xml version="1.0" encoding="utf-8"?>
+<p:tagLst xmlns:p="http://schemas.openxmlformats.org/presentationml/2006/main">
+  <p:tag name="KSO_WM_UNIT_HIGHLIGHT" val="0"/>
+  <p:tag name="KSO_WM_UNIT_COMPATIBLE" val="0"/>
+  <p:tag name="KSO_WM_UNIT_DIAGRAM_ISNUMVISUAL" val="0"/>
+  <p:tag name="KSO_WM_UNIT_DIAGRAM_ISREFERUNIT" val="0"/>
+  <p:tag name="KSO_WM_UNIT_ID" val="custom20202602_9*f*1"/>
+  <p:tag name="KSO_WM_TEMPLATE_CATEGORY" val="custom"/>
+  <p:tag name="KSO_WM_TEMPLATE_INDEX" val="20202602"/>
+  <p:tag name="KSO_WM_UNIT_LAYERLEVEL" val="1"/>
+  <p:tag name="KSO_WM_TAG_VERSION" val="1.0"/>
+  <p:tag name="KSO_WM_BEAUTIFY_FLAG" val="#wm#"/>
+  <p:tag name="KSO_WM_UNIT_PRESET_TEXT" val="如果您的内容确实非常重要又难以精简，也请使用分段处理，对内容进行简单的梳理和提炼，这样会使逻辑框架相对清晰。为了能让您有更直观的字数感受，并进一步方便使用，我们设置了文本的最大限度，当您输入的文字到这里时，已濒临页面容纳内容的上限，若还有更多内容，请酌情缩小字号，但我们不建议您的文本字号小于14磅，请您务必注意。"/>
+  <p:tag name="KSO_WM_UNIT_NOCLEAR" val="0"/>
+  <p:tag name="KSO_WM_UNIT_VALUE" val="216"/>
+  <p:tag name="KSO_WM_UNIT_TYPE" val="f"/>
+  <p:tag name="KSO_WM_UNIT_INDEX" val="1"/>
+</p:tagLst>
+</file>
+
+<file path=ppt/tags/tag365.xml><?xml version="1.0" encoding="utf-8"?>
+<p:tagLst xmlns:p="http://schemas.openxmlformats.org/presentationml/2006/main">
+  <p:tag name="KSO_WM_SLIDE_ID" val="custom20202602_9"/>
+  <p:tag name="KSO_WM_TEMPLATE_SUBCATEGORY" val="0"/>
+  <p:tag name="KSO_WM_SLIDE_ITEM_CNT" val="0"/>
+  <p:tag name="KSO_WM_SLIDE_INDEX" val="9"/>
+  <p:tag name="KSO_WM_TAG_VERSION" val="1.0"/>
+  <p:tag name="KSO_WM_BEAUTIFY_FLAG" val="#wm#"/>
+  <p:tag name="KSO_WM_TEMPLATE_CATEGORY" val="custom"/>
+  <p:tag name="KSO_WM_TEMPLATE_INDEX" val="20202602"/>
+  <p:tag name="KSO_WM_SLIDE_TYPE" val="text"/>
+  <p:tag name="KSO_WM_SLIDE_SUBTYPE" val="picTxt"/>
+  <p:tag name="KSO_WM_SLIDE_SIZE" val="890*400"/>
+  <p:tag name="KSO_WM_SLIDE_POSITION" val="45*60"/>
+  <p:tag name="KSO_WM_SLIDE_LAYOUT" val="a_d_f"/>
+  <p:tag name="KSO_WM_SLIDE_LAYOUT_CNT" val="1_1_1"/>
+  <p:tag name="KSO_WM_TEMPLATE_MASTER_TYPE" val="1"/>
+  <p:tag name="KSO_WM_TEMPLATE_COLOR_TYPE" val="1"/>
+</p:tagLst>
+</file>
+
+<file path=ppt/tags/tag366.xml><?xml version="1.0" encoding="utf-8"?>
 <p:tagLst xmlns:p="http://schemas.openxmlformats.org/presentationml/2006/main">
   <p:tag name="KSO_WM_UNIT_HIGHLIGHT" val="0"/>
   <p:tag name="KSO_WM_UNIT_COMPATIBLE" val="0"/>
@@ -25503,7 +26157,7 @@
 </p:tagLst>
 </file>
 
-<file path=ppt/tags/tag365.xml><?xml version="1.0" encoding="utf-8"?>
+<file path=ppt/tags/tag367.xml><?xml version="1.0" encoding="utf-8"?>
 <p:tagLst xmlns:p="http://schemas.openxmlformats.org/presentationml/2006/main">
   <p:tag name="KSO_WM_UNIT_HIGHLIGHT" val="0"/>
   <p:tag name="KSO_WM_UNIT_COMPATIBLE" val="0"/>
@@ -25524,7 +26178,7 @@
 </p:tagLst>
 </file>
 
-<file path=ppt/tags/tag366.xml><?xml version="1.0" encoding="utf-8"?>
+<file path=ppt/tags/tag368.xml><?xml version="1.0" encoding="utf-8"?>
 <p:tagLst xmlns:p="http://schemas.openxmlformats.org/presentationml/2006/main">
   <p:tag name="KSO_WM_SLIDE_ID" val="custom20202602_14"/>
   <p:tag name="KSO_WM_TEMPLATE_SUBCATEGORY" val="0"/>
